--- a/提案書発表/システム提案書_発表.pptx
+++ b/提案書発表/システム提案書_発表.pptx
@@ -130,7 +130,7 @@
   </p:defaultTextStyle>
   <p:extLst>
     <p:ext uri="{EFAFB233-063F-42B5-8137-9DF3F51BA10A}">
-      <p15:sldGuideLst xmlns:p15="http://schemas.microsoft.com/office/powerpoint/2012/main"/>
+      <p15:sldGuideLst xmlns:p15="http://schemas.microsoft.com/office/powerpoint/2012/main" xmlns=""/>
     </p:ext>
   </p:extLst>
 </p:presentation>
@@ -218,7 +218,7 @@
           <a:p>
             <a:fld id="{2825C81D-5328-E24A-87F2-F776F4059948}" type="datetimeFigureOut">
               <a:rPr kumimoji="1" lang="ja-JP" altLang="en-US" smtClean="0"/>
-              <a:t>2017/10/25</a:t>
+              <a:t>17/10/25</a:t>
             </a:fld>
             <a:endParaRPr kumimoji="1" lang="ja-JP" altLang="en-US"/>
           </a:p>
@@ -749,7 +749,7 @@
           <a:p>
             <a:fld id="{468B16F9-BA1D-FB40-9BC2-EB97FBEAA928}" type="datetime1">
               <a:rPr kumimoji="1" lang="ja-JP" altLang="en-US" smtClean="0"/>
-              <a:t>2017/10/25</a:t>
+              <a:t>17/10/25</a:t>
             </a:fld>
             <a:endParaRPr kumimoji="1" lang="ja-JP" altLang="en-US"/>
           </a:p>
@@ -843,7 +843,7 @@
   <p:timing>
     <p:tnLst>
       <p:par>
-        <p:cTn id="1" dur="indefinite" restart="never" nodeType="tmRoot"/>
+        <p:cTn xmlns:p14="http://schemas.microsoft.com/office/powerpoint/2010/main" id="1" dur="indefinite" restart="never" nodeType="tmRoot"/>
       </p:par>
     </p:tnLst>
   </p:timing>
@@ -852,7 +852,7 @@
 
 <file path=ppt/slideLayouts/slideLayout10.xml><?xml version="1.0" encoding="utf-8"?>
 <p:sldLayout xmlns:a="http://schemas.openxmlformats.org/drawingml/2006/main" xmlns:r="http://schemas.openxmlformats.org/officeDocument/2006/relationships" xmlns:p="http://schemas.openxmlformats.org/presentationml/2006/main" type="vertTx" preserve="1">
-  <p:cSld name="タイトルと&#13;&#10;縦書きテキスト">
+  <p:cSld name="タイトルと&#10;縦書きテキスト">
     <p:spTree>
       <p:nvGrpSpPr>
         <p:cNvPr id="1" name=""/>
@@ -991,7 +991,7 @@
           <a:p>
             <a:fld id="{72453D78-231B-A945-B274-29BF4207188F}" type="datetime1">
               <a:rPr kumimoji="1" lang="ja-JP" altLang="en-US" smtClean="0"/>
-              <a:t>2017/10/25</a:t>
+              <a:t>17/10/25</a:t>
             </a:fld>
             <a:endParaRPr kumimoji="1" lang="ja-JP" altLang="en-US"/>
           </a:p>
@@ -1274,7 +1274,7 @@
           <a:p>
             <a:fld id="{6883BB5E-7840-C34B-AD1D-69ACD41B489D}" type="datetime1">
               <a:rPr kumimoji="1" lang="ja-JP" altLang="en-US" smtClean="0"/>
-              <a:t>2017/10/25</a:t>
+              <a:t>17/10/25</a:t>
             </a:fld>
             <a:endParaRPr kumimoji="1" lang="ja-JP" altLang="en-US"/>
           </a:p>
@@ -1476,7 +1476,7 @@
             <a:fld id="{BEBCA107-5153-8B44-9D91-3D483647FA69}" type="datetime1">
               <a:rPr lang="ja-JP" altLang="en-US" smtClean="0"/>
               <a:pPr/>
-              <a:t>2017/10/25</a:t>
+              <a:t>17/10/25</a:t>
             </a:fld>
             <a:endParaRPr lang="ja-JP" altLang="en-US" dirty="0"/>
           </a:p>
@@ -1537,7 +1537,7 @@
   <p:timing>
     <p:tnLst>
       <p:par>
-        <p:cTn id="1" dur="indefinite" restart="never" nodeType="tmRoot"/>
+        <p:cTn xmlns:p14="http://schemas.microsoft.com/office/powerpoint/2010/main" id="1" dur="indefinite" restart="never" nodeType="tmRoot"/>
       </p:par>
     </p:tnLst>
   </p:timing>
@@ -1826,7 +1826,7 @@
           <a:p>
             <a:fld id="{82EF5266-E700-C644-9D19-8515C062E32E}" type="datetime1">
               <a:rPr kumimoji="1" lang="ja-JP" altLang="en-US" smtClean="0"/>
-              <a:t>2017/10/25</a:t>
+              <a:t>17/10/25</a:t>
             </a:fld>
             <a:endParaRPr kumimoji="1" lang="ja-JP" altLang="en-US"/>
           </a:p>
@@ -1920,7 +1920,7 @@
   <p:timing>
     <p:tnLst>
       <p:par>
-        <p:cTn id="1" dur="indefinite" restart="never" nodeType="tmRoot"/>
+        <p:cTn xmlns:p14="http://schemas.microsoft.com/office/powerpoint/2010/main" id="1" dur="indefinite" restart="never" nodeType="tmRoot"/>
       </p:par>
     </p:tnLst>
   </p:timing>
@@ -2167,7 +2167,7 @@
           <a:p>
             <a:fld id="{6A1FC19F-3AC3-F643-8B2B-51D9E835C177}" type="datetime1">
               <a:rPr kumimoji="1" lang="ja-JP" altLang="en-US" smtClean="0"/>
-              <a:t>2017/10/25</a:t>
+              <a:t>17/10/25</a:t>
             </a:fld>
             <a:endParaRPr kumimoji="1" lang="ja-JP" altLang="en-US"/>
           </a:p>
@@ -2223,13 +2223,13 @@
   <p:timing>
     <p:tnLst>
       <p:par>
-        <p:cTn id="1" dur="indefinite" restart="never" nodeType="tmRoot"/>
+        <p:cTn xmlns:p14="http://schemas.microsoft.com/office/powerpoint/2010/main" id="1" dur="indefinite" restart="never" nodeType="tmRoot"/>
       </p:par>
     </p:tnLst>
   </p:timing>
   <p:extLst mod="1">
     <p:ext uri="{DCECCB84-F9BA-43D5-87BE-67443E8EF086}">
-      <p15:sldGuideLst xmlns:p15="http://schemas.microsoft.com/office/powerpoint/2012/main"/>
+      <p15:sldGuideLst xmlns:p15="http://schemas.microsoft.com/office/powerpoint/2012/main" xmlns=""/>
     </p:ext>
   </p:extLst>
 </p:sldLayout>
@@ -2617,7 +2617,7 @@
           <a:p>
             <a:fld id="{CAACD76C-E8E8-4947-AAB2-7A886ABBB183}" type="datetime1">
               <a:rPr kumimoji="1" lang="ja-JP" altLang="en-US" smtClean="0"/>
-              <a:t>2017/10/25</a:t>
+              <a:t>17/10/25</a:t>
             </a:fld>
             <a:endParaRPr kumimoji="1" lang="ja-JP" altLang="en-US"/>
           </a:p>
@@ -2673,13 +2673,13 @@
   <p:timing>
     <p:tnLst>
       <p:par>
-        <p:cTn id="1" dur="indefinite" restart="never" nodeType="tmRoot"/>
+        <p:cTn xmlns:p14="http://schemas.microsoft.com/office/powerpoint/2010/main" id="1" dur="indefinite" restart="never" nodeType="tmRoot"/>
       </p:par>
     </p:tnLst>
   </p:timing>
   <p:extLst mod="1">
     <p:ext uri="{DCECCB84-F9BA-43D5-87BE-67443E8EF086}">
-      <p15:sldGuideLst xmlns:p15="http://schemas.microsoft.com/office/powerpoint/2012/main"/>
+      <p15:sldGuideLst xmlns:p15="http://schemas.microsoft.com/office/powerpoint/2012/main" xmlns=""/>
     </p:ext>
   </p:extLst>
 </p:sldLayout>
@@ -2742,7 +2742,7 @@
           <a:p>
             <a:fld id="{742EE0E0-F411-1347-9A7A-1244403869E4}" type="datetime1">
               <a:rPr kumimoji="1" lang="ja-JP" altLang="en-US" smtClean="0"/>
-              <a:t>2017/10/25</a:t>
+              <a:t>17/10/25</a:t>
             </a:fld>
             <a:endParaRPr kumimoji="1" lang="ja-JP" altLang="en-US"/>
           </a:p>
@@ -2908,7 +2908,7 @@
           <a:p>
             <a:fld id="{08C1B43E-C6E4-1343-9D6B-3460486DB794}" type="datetime1">
               <a:rPr kumimoji="1" lang="ja-JP" altLang="en-US" smtClean="0"/>
-              <a:t>2017/10/25</a:t>
+              <a:t>17/10/25</a:t>
             </a:fld>
             <a:endParaRPr kumimoji="1" lang="ja-JP" altLang="en-US"/>
           </a:p>
@@ -2974,7 +2974,7 @@
 
 <file path=ppt/slideLayouts/slideLayout8.xml><?xml version="1.0" encoding="utf-8"?>
 <p:sldLayout xmlns:a="http://schemas.openxmlformats.org/drawingml/2006/main" xmlns:r="http://schemas.openxmlformats.org/officeDocument/2006/relationships" xmlns:p="http://schemas.openxmlformats.org/presentationml/2006/main" showMasterSp="0" type="objTx" preserve="1">
-  <p:cSld name="タイトル付きの&#13;&#10;コンテンツ">
+  <p:cSld name="タイトル付きの&#10;コンテンツ">
     <p:spTree>
       <p:nvGrpSpPr>
         <p:cNvPr id="1" name=""/>
@@ -3289,7 +3289,7 @@
           <a:p>
             <a:fld id="{C3A8E954-94BD-7544-AB86-ED7DADE9513D}" type="datetime1">
               <a:rPr kumimoji="1" lang="ja-JP" altLang="en-US" smtClean="0"/>
-              <a:t>2017/10/25</a:t>
+              <a:t>17/10/25</a:t>
             </a:fld>
             <a:endParaRPr kumimoji="1" lang="ja-JP" altLang="en-US"/>
           </a:p>
@@ -3365,7 +3365,7 @@
   </p:clrMapOvr>
   <p:extLst mod="1">
     <p:ext uri="{DCECCB84-F9BA-43D5-87BE-67443E8EF086}">
-      <p15:sldGuideLst xmlns:p15="http://schemas.microsoft.com/office/powerpoint/2012/main"/>
+      <p15:sldGuideLst xmlns:p15="http://schemas.microsoft.com/office/powerpoint/2012/main" xmlns=""/>
     </p:ext>
   </p:extLst>
 </p:sldLayout>
@@ -3666,7 +3666,7 @@
           <a:p>
             <a:fld id="{12D1DF2E-71D2-AF48-B524-07533486A88A}" type="datetime1">
               <a:rPr kumimoji="1" lang="ja-JP" altLang="en-US" smtClean="0"/>
-              <a:t>2017/10/25</a:t>
+              <a:t>17/10/25</a:t>
             </a:fld>
             <a:endParaRPr kumimoji="1" lang="ja-JP" altLang="en-US"/>
           </a:p>
@@ -3980,7 +3980,7 @@
           <a:p>
             <a:fld id="{6473E788-3E35-4648-8AD5-790019871092}" type="datetime1">
               <a:rPr kumimoji="1" lang="ja-JP" altLang="en-US" smtClean="0"/>
-              <a:t>2017/10/25</a:t>
+              <a:t>17/10/25</a:t>
             </a:fld>
             <a:endParaRPr kumimoji="1" lang="ja-JP" altLang="en-US"/>
           </a:p>
@@ -4122,7 +4122,7 @@
   <p:timing>
     <p:tnLst>
       <p:par>
-        <p:cTn id="1" dur="indefinite" restart="never" nodeType="tmRoot"/>
+        <p:cTn xmlns:p14="http://schemas.microsoft.com/office/powerpoint/2010/main" id="1" dur="indefinite" restart="never" nodeType="tmRoot"/>
       </p:par>
     </p:tnLst>
   </p:timing>
@@ -4494,7 +4494,7 @@
   </p:txStyles>
   <p:extLst mod="1">
     <p:ext uri="{27BBF7A9-308A-43DC-89C8-2F10F3537804}">
-      <p15:sldGuideLst xmlns:p15="http://schemas.microsoft.com/office/powerpoint/2012/main"/>
+      <p15:sldGuideLst xmlns:p15="http://schemas.microsoft.com/office/powerpoint/2012/main" xmlns=""/>
     </p:ext>
   </p:extLst>
 </p:sldMaster>
@@ -4596,7 +4596,7 @@
   <p:timing>
     <p:tnLst>
       <p:par>
-        <p:cTn id="1" dur="indefinite" restart="never" nodeType="tmRoot"/>
+        <p:cTn xmlns:p14="http://schemas.microsoft.com/office/powerpoint/2010/main" id="1" dur="indefinite" restart="never" nodeType="tmRoot"/>
       </p:par>
     </p:tnLst>
   </p:timing>
@@ -4711,7 +4711,7 @@
           <a:p>
             <a:fld id="{CC1BA7C7-BAB3-E04E-9A29-AE2226D62196}" type="datetime1">
               <a:rPr kumimoji="1" lang="ja-JP" altLang="en-US" smtClean="0"/>
-              <a:t>2017/10/25</a:t>
+              <a:t>17/10/25</a:t>
             </a:fld>
             <a:endParaRPr kumimoji="1" lang="ja-JP" altLang="en-US"/>
           </a:p>
@@ -4753,7 +4753,7 @@
   <p:timing>
     <p:tnLst>
       <p:par>
-        <p:cTn id="1" dur="indefinite" restart="never" nodeType="tmRoot"/>
+        <p:cTn xmlns:p14="http://schemas.microsoft.com/office/powerpoint/2010/main" id="1" dur="indefinite" restart="never" nodeType="tmRoot"/>
       </p:par>
     </p:tnLst>
   </p:timing>
@@ -5011,7 +5011,7 @@
           <a:p>
             <a:fld id="{D50F820F-4ACA-C245-A02B-C0AC2EB07A0A}" type="datetime1">
               <a:rPr kumimoji="1" lang="ja-JP" altLang="en-US" smtClean="0"/>
-              <a:t>2017/10/25</a:t>
+              <a:t>17/10/25</a:t>
             </a:fld>
             <a:endParaRPr kumimoji="1" lang="ja-JP" altLang="en-US"/>
           </a:p>
@@ -5053,7 +5053,7 @@
   <p:timing>
     <p:tnLst>
       <p:par>
-        <p:cTn id="1" dur="indefinite" restart="never" nodeType="tmRoot"/>
+        <p:cTn xmlns:p14="http://schemas.microsoft.com/office/powerpoint/2010/main" id="1" dur="indefinite" restart="never" nodeType="tmRoot"/>
       </p:par>
     </p:tnLst>
   </p:timing>
@@ -5238,7 +5238,7 @@
           <a:p>
             <a:fld id="{F729CC9C-78A9-4D43-BCDC-50CD52EC6CE5}" type="datetime1">
               <a:rPr kumimoji="1" lang="ja-JP" altLang="en-US" smtClean="0"/>
-              <a:t>2017/10/25</a:t>
+              <a:t>17/10/25</a:t>
             </a:fld>
             <a:endParaRPr kumimoji="1" lang="ja-JP" altLang="en-US"/>
           </a:p>
@@ -5280,7 +5280,7 @@
   <p:timing>
     <p:tnLst>
       <p:par>
-        <p:cTn id="1" dur="indefinite" restart="never" nodeType="tmRoot"/>
+        <p:cTn xmlns:p14="http://schemas.microsoft.com/office/powerpoint/2010/main" id="1" dur="indefinite" restart="never" nodeType="tmRoot"/>
       </p:par>
     </p:tnLst>
   </p:timing>
@@ -5441,7 +5441,7 @@
           <a:p>
             <a:fld id="{97B6A791-A9BA-3A46-8049-391F48887E3A}" type="datetime1">
               <a:rPr kumimoji="1" lang="ja-JP" altLang="en-US" smtClean="0"/>
-              <a:t>2017/10/25</a:t>
+              <a:t>17/10/25</a:t>
             </a:fld>
             <a:endParaRPr kumimoji="1" lang="ja-JP" altLang="en-US"/>
           </a:p>
@@ -5483,7 +5483,7 @@
   <p:timing>
     <p:tnLst>
       <p:par>
-        <p:cTn id="1" dur="indefinite" restart="never" nodeType="tmRoot"/>
+        <p:cTn xmlns:p14="http://schemas.microsoft.com/office/powerpoint/2010/main" id="1" dur="indefinite" restart="never" nodeType="tmRoot"/>
       </p:par>
     </p:tnLst>
   </p:timing>
@@ -5720,7 +5720,7 @@
           <a:p>
             <a:fld id="{2D68BDE1-BF27-CC4D-A212-B8ED29369540}" type="datetime1">
               <a:rPr kumimoji="1" lang="ja-JP" altLang="en-US" smtClean="0"/>
-              <a:t>2017/10/25</a:t>
+              <a:t>17/10/25</a:t>
             </a:fld>
             <a:endParaRPr kumimoji="1" lang="ja-JP" altLang="en-US"/>
           </a:p>
@@ -5762,7 +5762,7 @@
   <p:timing>
     <p:tnLst>
       <p:par>
-        <p:cTn id="1" dur="indefinite" restart="never" nodeType="tmRoot"/>
+        <p:cTn xmlns:p14="http://schemas.microsoft.com/office/powerpoint/2010/main" id="1" dur="indefinite" restart="never" nodeType="tmRoot"/>
       </p:par>
     </p:tnLst>
   </p:timing>
@@ -5893,7 +5893,7 @@
           <a:p>
             <a:fld id="{14ECF881-AFDC-C148-8A76-767E4A073EE6}" type="datetime1">
               <a:rPr kumimoji="1" lang="ja-JP" altLang="en-US" smtClean="0"/>
-              <a:t>2017/10/25</a:t>
+              <a:t>17/10/25</a:t>
             </a:fld>
             <a:endParaRPr kumimoji="1" lang="ja-JP" altLang="en-US"/>
           </a:p>
@@ -5932,6 +5932,13 @@
   <p:clrMapOvr>
     <a:masterClrMapping/>
   </p:clrMapOvr>
+  <p:timing>
+    <p:tnLst>
+      <p:par>
+        <p:cTn xmlns:p14="http://schemas.microsoft.com/office/powerpoint/2010/main" id="1" dur="indefinite" restart="never" nodeType="tmRoot"/>
+      </p:par>
+    </p:tnLst>
+  </p:timing>
 </p:sld>
 </file>
 
@@ -6212,7 +6219,7 @@
           <a:p>
             <a:fld id="{A2BD8D5A-FB6E-B24B-BD61-56F6060E1286}" type="datetime1">
               <a:rPr kumimoji="1" lang="ja-JP" altLang="en-US" smtClean="0"/>
-              <a:t>2017/10/25</a:t>
+              <a:t>17/10/25</a:t>
             </a:fld>
             <a:endParaRPr kumimoji="1" lang="ja-JP" altLang="en-US"/>
           </a:p>
@@ -6254,7 +6261,7 @@
   <p:timing>
     <p:tnLst>
       <p:par>
-        <p:cTn id="1" dur="indefinite" restart="never" nodeType="tmRoot"/>
+        <p:cTn xmlns:p14="http://schemas.microsoft.com/office/powerpoint/2010/main" id="1" dur="indefinite" restart="never" nodeType="tmRoot"/>
       </p:par>
     </p:tnLst>
   </p:timing>
@@ -6429,7 +6436,7 @@
           <a:p>
             <a:fld id="{29265480-599B-6F40-8449-8A649969E069}" type="datetime1">
               <a:rPr kumimoji="1" lang="ja-JP" altLang="en-US" smtClean="0"/>
-              <a:t>2017/10/25</a:t>
+              <a:t>17/10/25</a:t>
             </a:fld>
             <a:endParaRPr kumimoji="1" lang="ja-JP" altLang="en-US"/>
           </a:p>
@@ -6471,7 +6478,7 @@
   <p:timing>
     <p:tnLst>
       <p:par>
-        <p:cTn id="1" dur="indefinite" restart="never" nodeType="tmRoot"/>
+        <p:cTn xmlns:p14="http://schemas.microsoft.com/office/powerpoint/2010/main" id="1" dur="indefinite" restart="never" nodeType="tmRoot"/>
       </p:par>
     </p:tnLst>
   </p:timing>
@@ -6698,7 +6705,7 @@
           <a:p>
             <a:fld id="{5634631F-073B-F048-A940-A4FBA8EF5FE6}" type="datetime1">
               <a:rPr kumimoji="1" lang="ja-JP" altLang="en-US" smtClean="0"/>
-              <a:t>2017/10/25</a:t>
+              <a:t>17/10/25</a:t>
             </a:fld>
             <a:endParaRPr kumimoji="1" lang="ja-JP" altLang="en-US"/>
           </a:p>
@@ -6740,7 +6747,7 @@
   <p:timing>
     <p:tnLst>
       <p:par>
-        <p:cTn id="1" dur="indefinite" restart="never" nodeType="tmRoot"/>
+        <p:cTn xmlns:p14="http://schemas.microsoft.com/office/powerpoint/2010/main" id="1" dur="indefinite" restart="never" nodeType="tmRoot"/>
       </p:par>
     </p:tnLst>
   </p:timing>
@@ -6974,7 +6981,7 @@
           <a:p>
             <a:fld id="{0D6B2D85-A765-EA47-ADFB-D0A8A1DBD0D0}" type="datetime1">
               <a:rPr kumimoji="1" lang="ja-JP" altLang="en-US" smtClean="0"/>
-              <a:t>2017/10/25</a:t>
+              <a:t>17/10/25</a:t>
             </a:fld>
             <a:endParaRPr kumimoji="1" lang="ja-JP" altLang="en-US"/>
           </a:p>
@@ -7016,7 +7023,7 @@
   <p:timing>
     <p:tnLst>
       <p:par>
-        <p:cTn id="1" dur="indefinite" restart="never" nodeType="tmRoot"/>
+        <p:cTn xmlns:p14="http://schemas.microsoft.com/office/powerpoint/2010/main" id="1" dur="indefinite" restart="never" nodeType="tmRoot"/>
       </p:par>
     </p:tnLst>
   </p:timing>
@@ -7217,7 +7224,7 @@
           <a:p>
             <a:fld id="{870BFEBD-4896-8948-B7F2-B38A4A36FAF6}" type="datetime1">
               <a:rPr kumimoji="1" lang="ja-JP" altLang="en-US" smtClean="0"/>
-              <a:t>2017/10/25</a:t>
+              <a:t>17/10/25</a:t>
             </a:fld>
             <a:endParaRPr kumimoji="1" lang="ja-JP" altLang="en-US"/>
           </a:p>
@@ -7259,7 +7266,7 @@
   <p:timing>
     <p:tnLst>
       <p:par>
-        <p:cTn id="1" dur="indefinite" restart="never" nodeType="tmRoot"/>
+        <p:cTn xmlns:p14="http://schemas.microsoft.com/office/powerpoint/2010/main" id="1" dur="indefinite" restart="never" nodeType="tmRoot"/>
       </p:par>
     </p:tnLst>
   </p:timing>
@@ -7463,7 +7470,7 @@
           <a:p>
             <a:fld id="{53510D19-B8D1-7543-8336-6BDFF50A258E}" type="datetime1">
               <a:rPr kumimoji="1" lang="ja-JP" altLang="en-US" smtClean="0"/>
-              <a:t>2017/10/25</a:t>
+              <a:t>17/10/25</a:t>
             </a:fld>
             <a:endParaRPr kumimoji="1" lang="ja-JP" altLang="en-US"/>
           </a:p>
@@ -7505,7 +7512,7 @@
   <p:timing>
     <p:tnLst>
       <p:par>
-        <p:cTn id="1" dur="indefinite" restart="never" nodeType="tmRoot"/>
+        <p:cTn xmlns:p14="http://schemas.microsoft.com/office/powerpoint/2010/main" id="1" dur="indefinite" restart="never" nodeType="tmRoot"/>
       </p:par>
     </p:tnLst>
   </p:timing>
@@ -7711,7 +7718,7 @@
           <a:p>
             <a:fld id="{3E9C475C-8B2F-954B-94CC-A4D1A705349F}" type="datetime1">
               <a:rPr kumimoji="1" lang="ja-JP" altLang="en-US" smtClean="0"/>
-              <a:t>2017/10/25</a:t>
+              <a:t>17/10/25</a:t>
             </a:fld>
             <a:endParaRPr kumimoji="1" lang="ja-JP" altLang="en-US"/>
           </a:p>
@@ -7753,7 +7760,7 @@
   <p:timing>
     <p:tnLst>
       <p:par>
-        <p:cTn id="1" dur="indefinite" restart="never" nodeType="tmRoot"/>
+        <p:cTn xmlns:p14="http://schemas.microsoft.com/office/powerpoint/2010/main" id="1" dur="indefinite" restart="never" nodeType="tmRoot"/>
       </p:par>
     </p:tnLst>
   </p:timing>
@@ -7794,7 +7801,7 @@
           <a:p>
             <a:fld id="{984D4A2C-94D0-9645-99D8-A41F791BA97D}" type="datetime1">
               <a:rPr kumimoji="1" lang="ja-JP" altLang="en-US" smtClean="0"/>
-              <a:t>2017/10/25</a:t>
+              <a:t>17/10/25</a:t>
             </a:fld>
             <a:endParaRPr kumimoji="1" lang="ja-JP" altLang="en-US"/>
           </a:p>
@@ -7970,7 +7977,7 @@
           <a:p>
             <a:fld id="{9A9A8784-7D2C-B044-9902-C705C5741D38}" type="datetime1">
               <a:rPr kumimoji="1" lang="ja-JP" altLang="en-US" smtClean="0"/>
-              <a:t>2017/10/25</a:t>
+              <a:t>17/10/25</a:t>
             </a:fld>
             <a:endParaRPr kumimoji="1" lang="ja-JP" altLang="en-US"/>
           </a:p>
@@ -8012,7 +8019,7 @@
   <p:timing>
     <p:tnLst>
       <p:par>
-        <p:cTn id="1" dur="indefinite" restart="never" nodeType="tmRoot"/>
+        <p:cTn xmlns:p14="http://schemas.microsoft.com/office/powerpoint/2010/main" id="1" dur="indefinite" restart="never" nodeType="tmRoot"/>
       </p:par>
     </p:tnLst>
   </p:timing>
@@ -8231,11 +8238,7 @@
             </a:r>
             <a:r>
               <a:rPr kumimoji="1" lang="ja-JP" altLang="en-US" sz="2400" dirty="0" smtClean="0"/>
-              <a:t>お手洗いの混雑状況確認</a:t>
-            </a:r>
-            <a:r>
-              <a:rPr kumimoji="1" lang="ja-JP" altLang="en-US" sz="2400" dirty="0" smtClean="0"/>
-              <a:t>機能</a:t>
+              <a:t>お手洗いの混雑状況確認機能</a:t>
             </a:r>
             <a:endParaRPr kumimoji="1" lang="en-US" altLang="ja-JP" sz="2400" dirty="0" smtClean="0"/>
           </a:p>
@@ -8438,7 +8441,7 @@
           <a:p>
             <a:fld id="{7DF6C6EC-2A9F-1445-A698-30C66BA8DDDB}" type="datetime1">
               <a:rPr kumimoji="1" lang="ja-JP" altLang="en-US" smtClean="0"/>
-              <a:t>2017/10/25</a:t>
+              <a:t>17/10/25</a:t>
             </a:fld>
             <a:endParaRPr kumimoji="1" lang="ja-JP" altLang="en-US"/>
           </a:p>
@@ -8510,7 +8513,7 @@
   <p:timing>
     <p:tnLst>
       <p:par>
-        <p:cTn id="1" dur="indefinite" restart="never" nodeType="tmRoot">
+        <p:cTn xmlns:p14="http://schemas.microsoft.com/office/powerpoint/2010/main" id="1" dur="indefinite" restart="never" nodeType="tmRoot">
           <p:childTnLst>
             <p:seq concurrent="1" nextAc="seek">
               <p:cTn id="2" dur="indefinite" nodeType="mainSeq">
@@ -10232,7 +10235,7 @@
           <a:p>
             <a:fld id="{140966F5-8C92-1342-8290-4E0F18E5B1BC}" type="datetime1">
               <a:rPr kumimoji="1" lang="ja-JP" altLang="en-US" smtClean="0"/>
-              <a:t>2017/10/25</a:t>
+              <a:t>17/10/25</a:t>
             </a:fld>
             <a:endParaRPr kumimoji="1" lang="ja-JP" altLang="en-US"/>
           </a:p>
@@ -10261,6 +10264,66 @@
           </a:p>
         </p:txBody>
       </p:sp>
+      <p:pic>
+        <p:nvPicPr>
+          <p:cNvPr id="6" name="図 5"/>
+          <p:cNvPicPr>
+            <a:picLocks noChangeAspect="1"/>
+          </p:cNvPicPr>
+          <p:nvPr/>
+        </p:nvPicPr>
+        <p:blipFill>
+          <a:blip r:embed="rId2">
+            <a:extLst>
+              <a:ext uri="{28A0092B-C50C-407E-A947-70E740481C1C}">
+                <a14:useLocalDpi xmlns:a14="http://schemas.microsoft.com/office/drawing/2010/main" val="0"/>
+              </a:ext>
+            </a:extLst>
+          </a:blip>
+          <a:stretch>
+            <a:fillRect/>
+          </a:stretch>
+        </p:blipFill>
+        <p:spPr>
+          <a:xfrm>
+            <a:off x="7598932" y="3168101"/>
+            <a:ext cx="1713036" cy="1368060"/>
+          </a:xfrm>
+          <a:prstGeom prst="rect">
+            <a:avLst/>
+          </a:prstGeom>
+        </p:spPr>
+      </p:pic>
+      <p:pic>
+        <p:nvPicPr>
+          <p:cNvPr id="7" name="図 6"/>
+          <p:cNvPicPr>
+            <a:picLocks noChangeAspect="1"/>
+          </p:cNvPicPr>
+          <p:nvPr/>
+        </p:nvPicPr>
+        <p:blipFill>
+          <a:blip r:embed="rId3">
+            <a:extLst>
+              <a:ext uri="{28A0092B-C50C-407E-A947-70E740481C1C}">
+                <a14:useLocalDpi xmlns:a14="http://schemas.microsoft.com/office/drawing/2010/main" val="0"/>
+              </a:ext>
+            </a:extLst>
+          </a:blip>
+          <a:stretch>
+            <a:fillRect/>
+          </a:stretch>
+        </p:blipFill>
+        <p:spPr>
+          <a:xfrm>
+            <a:off x="7327511" y="2988785"/>
+            <a:ext cx="2292231" cy="1547376"/>
+          </a:xfrm>
+          <a:prstGeom prst="rect">
+            <a:avLst/>
+          </a:prstGeom>
+        </p:spPr>
+      </p:pic>
     </p:spTree>
     <p:extLst>
       <p:ext uri="{BB962C8B-B14F-4D97-AF65-F5344CB8AC3E}">
@@ -10274,7 +10337,163 @@
   <p:timing>
     <p:tnLst>
       <p:par>
-        <p:cTn id="1" dur="indefinite" restart="never" nodeType="tmRoot"/>
+        <p:cTn xmlns:p14="http://schemas.microsoft.com/office/powerpoint/2010/main" id="1" dur="indefinite" restart="never" nodeType="tmRoot">
+          <p:childTnLst>
+            <p:seq concurrent="1" nextAc="seek">
+              <p:cTn id="2" dur="indefinite" nodeType="mainSeq">
+                <p:childTnLst>
+                  <p:par>
+                    <p:cTn id="3" fill="hold">
+                      <p:stCondLst>
+                        <p:cond delay="indefinite"/>
+                      </p:stCondLst>
+                      <p:childTnLst>
+                        <p:par>
+                          <p:cTn id="4" fill="hold">
+                            <p:stCondLst>
+                              <p:cond delay="0"/>
+                            </p:stCondLst>
+                            <p:childTnLst>
+                              <p:par>
+                                <p:cTn id="5" presetID="10" presetClass="entr" presetSubtype="0" fill="hold" nodeType="clickEffect">
+                                  <p:stCondLst>
+                                    <p:cond delay="0"/>
+                                  </p:stCondLst>
+                                  <p:childTnLst>
+                                    <p:set>
+                                      <p:cBhvr>
+                                        <p:cTn id="6" dur="1" fill="hold">
+                                          <p:stCondLst>
+                                            <p:cond delay="0"/>
+                                          </p:stCondLst>
+                                        </p:cTn>
+                                        <p:tgtEl>
+                                          <p:spTgt spid="7"/>
+                                        </p:tgtEl>
+                                        <p:attrNameLst>
+                                          <p:attrName>style.visibility</p:attrName>
+                                        </p:attrNameLst>
+                                      </p:cBhvr>
+                                      <p:to>
+                                        <p:strVal val="visible"/>
+                                      </p:to>
+                                    </p:set>
+                                    <p:animEffect transition="in" filter="fade">
+                                      <p:cBhvr>
+                                        <p:cTn id="7" dur="500"/>
+                                        <p:tgtEl>
+                                          <p:spTgt spid="7"/>
+                                        </p:tgtEl>
+                                      </p:cBhvr>
+                                    </p:animEffect>
+                                  </p:childTnLst>
+                                </p:cTn>
+                              </p:par>
+                            </p:childTnLst>
+                          </p:cTn>
+                        </p:par>
+                      </p:childTnLst>
+                    </p:cTn>
+                  </p:par>
+                  <p:par>
+                    <p:cTn id="8" fill="hold">
+                      <p:stCondLst>
+                        <p:cond delay="indefinite"/>
+                      </p:stCondLst>
+                      <p:childTnLst>
+                        <p:par>
+                          <p:cTn id="9" fill="hold">
+                            <p:stCondLst>
+                              <p:cond delay="0"/>
+                            </p:stCondLst>
+                            <p:childTnLst>
+                              <p:par>
+                                <p:cTn id="10" presetID="1" presetClass="exit" presetSubtype="0" fill="hold" nodeType="clickEffect">
+                                  <p:stCondLst>
+                                    <p:cond delay="0"/>
+                                  </p:stCondLst>
+                                  <p:childTnLst>
+                                    <p:set>
+                                      <p:cBhvr>
+                                        <p:cTn id="11" dur="1" fill="hold">
+                                          <p:stCondLst>
+                                            <p:cond delay="0"/>
+                                          </p:stCondLst>
+                                        </p:cTn>
+                                        <p:tgtEl>
+                                          <p:spTgt spid="7"/>
+                                        </p:tgtEl>
+                                        <p:attrNameLst>
+                                          <p:attrName>style.visibility</p:attrName>
+                                        </p:attrNameLst>
+                                      </p:cBhvr>
+                                      <p:to>
+                                        <p:strVal val="hidden"/>
+                                      </p:to>
+                                    </p:set>
+                                  </p:childTnLst>
+                                </p:cTn>
+                              </p:par>
+                              <p:par>
+                                <p:cTn id="12" presetID="10" presetClass="entr" presetSubtype="0" fill="hold" nodeType="withEffect">
+                                  <p:stCondLst>
+                                    <p:cond delay="0"/>
+                                  </p:stCondLst>
+                                  <p:childTnLst>
+                                    <p:set>
+                                      <p:cBhvr>
+                                        <p:cTn id="13" dur="1" fill="hold">
+                                          <p:stCondLst>
+                                            <p:cond delay="0"/>
+                                          </p:stCondLst>
+                                        </p:cTn>
+                                        <p:tgtEl>
+                                          <p:spTgt spid="6"/>
+                                        </p:tgtEl>
+                                        <p:attrNameLst>
+                                          <p:attrName>style.visibility</p:attrName>
+                                        </p:attrNameLst>
+                                      </p:cBhvr>
+                                      <p:to>
+                                        <p:strVal val="visible"/>
+                                      </p:to>
+                                    </p:set>
+                                    <p:animEffect transition="in" filter="fade">
+                                      <p:cBhvr>
+                                        <p:cTn id="14" dur="500"/>
+                                        <p:tgtEl>
+                                          <p:spTgt spid="6"/>
+                                        </p:tgtEl>
+                                      </p:cBhvr>
+                                    </p:animEffect>
+                                  </p:childTnLst>
+                                </p:cTn>
+                              </p:par>
+                            </p:childTnLst>
+                          </p:cTn>
+                        </p:par>
+                      </p:childTnLst>
+                    </p:cTn>
+                  </p:par>
+                </p:childTnLst>
+              </p:cTn>
+              <p:prevCondLst>
+                <p:cond evt="onPrev" delay="0">
+                  <p:tgtEl>
+                    <p:sldTgt/>
+                  </p:tgtEl>
+                </p:cond>
+              </p:prevCondLst>
+              <p:nextCondLst>
+                <p:cond evt="onNext" delay="0">
+                  <p:tgtEl>
+                    <p:sldTgt/>
+                  </p:tgtEl>
+                </p:cond>
+              </p:nextCondLst>
+            </p:seq>
+          </p:childTnLst>
+        </p:cTn>
       </p:par>
     </p:tnLst>
   </p:timing>
@@ -10418,7 +10637,7 @@
           <a:p>
             <a:fld id="{A37FE4D1-4AD7-F843-AD5F-E02D85C4EC19}" type="datetime1">
               <a:rPr kumimoji="1" lang="ja-JP" altLang="en-US" smtClean="0"/>
-              <a:t>2017/10/25</a:t>
+              <a:t>17/10/25</a:t>
             </a:fld>
             <a:endParaRPr kumimoji="1" lang="ja-JP" altLang="en-US"/>
           </a:p>
@@ -10447,6 +10666,66 @@
           </a:p>
         </p:txBody>
       </p:sp>
+      <p:pic>
+        <p:nvPicPr>
+          <p:cNvPr id="6" name="図 5"/>
+          <p:cNvPicPr>
+            <a:picLocks noChangeAspect="1"/>
+          </p:cNvPicPr>
+          <p:nvPr/>
+        </p:nvPicPr>
+        <p:blipFill>
+          <a:blip r:embed="rId2">
+            <a:extLst>
+              <a:ext uri="{28A0092B-C50C-407E-A947-70E740481C1C}">
+                <a14:useLocalDpi xmlns:a14="http://schemas.microsoft.com/office/drawing/2010/main" val="0"/>
+              </a:ext>
+            </a:extLst>
+          </a:blip>
+          <a:stretch>
+            <a:fillRect/>
+          </a:stretch>
+        </p:blipFill>
+        <p:spPr>
+          <a:xfrm>
+            <a:off x="6617372" y="3169068"/>
+            <a:ext cx="4603057" cy="2700026"/>
+          </a:xfrm>
+          <a:prstGeom prst="rect">
+            <a:avLst/>
+          </a:prstGeom>
+        </p:spPr>
+      </p:pic>
+      <p:pic>
+        <p:nvPicPr>
+          <p:cNvPr id="7" name="図 6"/>
+          <p:cNvPicPr>
+            <a:picLocks noChangeAspect="1"/>
+          </p:cNvPicPr>
+          <p:nvPr/>
+        </p:nvPicPr>
+        <p:blipFill>
+          <a:blip r:embed="rId3">
+            <a:extLst>
+              <a:ext uri="{28A0092B-C50C-407E-A947-70E740481C1C}">
+                <a14:useLocalDpi xmlns:a14="http://schemas.microsoft.com/office/drawing/2010/main" val="0"/>
+              </a:ext>
+            </a:extLst>
+          </a:blip>
+          <a:stretch>
+            <a:fillRect/>
+          </a:stretch>
+        </p:blipFill>
+        <p:spPr>
+          <a:xfrm>
+            <a:off x="7600668" y="3020251"/>
+            <a:ext cx="2424187" cy="2766060"/>
+          </a:xfrm>
+          <a:prstGeom prst="rect">
+            <a:avLst/>
+          </a:prstGeom>
+        </p:spPr>
+      </p:pic>
     </p:spTree>
     <p:extLst>
       <p:ext uri="{BB962C8B-B14F-4D97-AF65-F5344CB8AC3E}">
@@ -10460,7 +10739,163 @@
   <p:timing>
     <p:tnLst>
       <p:par>
-        <p:cTn id="1" dur="indefinite" restart="never" nodeType="tmRoot"/>
+        <p:cTn xmlns:p14="http://schemas.microsoft.com/office/powerpoint/2010/main" id="1" dur="indefinite" restart="never" nodeType="tmRoot">
+          <p:childTnLst>
+            <p:seq concurrent="1" nextAc="seek">
+              <p:cTn id="2" dur="indefinite" nodeType="mainSeq">
+                <p:childTnLst>
+                  <p:par>
+                    <p:cTn id="3" fill="hold">
+                      <p:stCondLst>
+                        <p:cond delay="indefinite"/>
+                      </p:stCondLst>
+                      <p:childTnLst>
+                        <p:par>
+                          <p:cTn id="4" fill="hold">
+                            <p:stCondLst>
+                              <p:cond delay="0"/>
+                            </p:stCondLst>
+                            <p:childTnLst>
+                              <p:par>
+                                <p:cTn id="5" presetID="10" presetClass="entr" presetSubtype="0" fill="hold" nodeType="clickEffect">
+                                  <p:stCondLst>
+                                    <p:cond delay="0"/>
+                                  </p:stCondLst>
+                                  <p:childTnLst>
+                                    <p:set>
+                                      <p:cBhvr>
+                                        <p:cTn id="6" dur="1" fill="hold">
+                                          <p:stCondLst>
+                                            <p:cond delay="0"/>
+                                          </p:stCondLst>
+                                        </p:cTn>
+                                        <p:tgtEl>
+                                          <p:spTgt spid="6"/>
+                                        </p:tgtEl>
+                                        <p:attrNameLst>
+                                          <p:attrName>style.visibility</p:attrName>
+                                        </p:attrNameLst>
+                                      </p:cBhvr>
+                                      <p:to>
+                                        <p:strVal val="visible"/>
+                                      </p:to>
+                                    </p:set>
+                                    <p:animEffect transition="in" filter="fade">
+                                      <p:cBhvr>
+                                        <p:cTn id="7" dur="500"/>
+                                        <p:tgtEl>
+                                          <p:spTgt spid="6"/>
+                                        </p:tgtEl>
+                                      </p:cBhvr>
+                                    </p:animEffect>
+                                  </p:childTnLst>
+                                </p:cTn>
+                              </p:par>
+                            </p:childTnLst>
+                          </p:cTn>
+                        </p:par>
+                      </p:childTnLst>
+                    </p:cTn>
+                  </p:par>
+                  <p:par>
+                    <p:cTn id="8" fill="hold">
+                      <p:stCondLst>
+                        <p:cond delay="indefinite"/>
+                      </p:stCondLst>
+                      <p:childTnLst>
+                        <p:par>
+                          <p:cTn id="9" fill="hold">
+                            <p:stCondLst>
+                              <p:cond delay="0"/>
+                            </p:stCondLst>
+                            <p:childTnLst>
+                              <p:par>
+                                <p:cTn id="10" presetID="1" presetClass="exit" presetSubtype="0" fill="hold" nodeType="clickEffect">
+                                  <p:stCondLst>
+                                    <p:cond delay="0"/>
+                                  </p:stCondLst>
+                                  <p:childTnLst>
+                                    <p:set>
+                                      <p:cBhvr>
+                                        <p:cTn id="11" dur="1" fill="hold">
+                                          <p:stCondLst>
+                                            <p:cond delay="0"/>
+                                          </p:stCondLst>
+                                        </p:cTn>
+                                        <p:tgtEl>
+                                          <p:spTgt spid="6"/>
+                                        </p:tgtEl>
+                                        <p:attrNameLst>
+                                          <p:attrName>style.visibility</p:attrName>
+                                        </p:attrNameLst>
+                                      </p:cBhvr>
+                                      <p:to>
+                                        <p:strVal val="hidden"/>
+                                      </p:to>
+                                    </p:set>
+                                  </p:childTnLst>
+                                </p:cTn>
+                              </p:par>
+                              <p:par>
+                                <p:cTn id="12" presetID="10" presetClass="entr" presetSubtype="0" fill="hold" nodeType="withEffect">
+                                  <p:stCondLst>
+                                    <p:cond delay="0"/>
+                                  </p:stCondLst>
+                                  <p:childTnLst>
+                                    <p:set>
+                                      <p:cBhvr>
+                                        <p:cTn id="13" dur="1" fill="hold">
+                                          <p:stCondLst>
+                                            <p:cond delay="0"/>
+                                          </p:stCondLst>
+                                        </p:cTn>
+                                        <p:tgtEl>
+                                          <p:spTgt spid="7"/>
+                                        </p:tgtEl>
+                                        <p:attrNameLst>
+                                          <p:attrName>style.visibility</p:attrName>
+                                        </p:attrNameLst>
+                                      </p:cBhvr>
+                                      <p:to>
+                                        <p:strVal val="visible"/>
+                                      </p:to>
+                                    </p:set>
+                                    <p:animEffect transition="in" filter="fade">
+                                      <p:cBhvr>
+                                        <p:cTn id="14" dur="500"/>
+                                        <p:tgtEl>
+                                          <p:spTgt spid="7"/>
+                                        </p:tgtEl>
+                                      </p:cBhvr>
+                                    </p:animEffect>
+                                  </p:childTnLst>
+                                </p:cTn>
+                              </p:par>
+                            </p:childTnLst>
+                          </p:cTn>
+                        </p:par>
+                      </p:childTnLst>
+                    </p:cTn>
+                  </p:par>
+                </p:childTnLst>
+              </p:cTn>
+              <p:prevCondLst>
+                <p:cond evt="onPrev" delay="0">
+                  <p:tgtEl>
+                    <p:sldTgt/>
+                  </p:tgtEl>
+                </p:cond>
+              </p:prevCondLst>
+              <p:nextCondLst>
+                <p:cond evt="onNext" delay="0">
+                  <p:tgtEl>
+                    <p:sldTgt/>
+                  </p:tgtEl>
+                </p:cond>
+              </p:nextCondLst>
+            </p:seq>
+          </p:childTnLst>
+        </p:cTn>
       </p:par>
     </p:tnLst>
   </p:timing>
@@ -10601,7 +11036,7 @@
           <a:p>
             <a:fld id="{0E90A6C9-E8F9-DB4B-B816-2B97E788103C}" type="datetime1">
               <a:rPr kumimoji="1" lang="ja-JP" altLang="en-US" smtClean="0"/>
-              <a:t>2017/10/25</a:t>
+              <a:t>17/10/25</a:t>
             </a:fld>
             <a:endParaRPr kumimoji="1" lang="ja-JP" altLang="en-US"/>
           </a:p>
@@ -10630,6 +11065,66 @@
           </a:p>
         </p:txBody>
       </p:sp>
+      <p:pic>
+        <p:nvPicPr>
+          <p:cNvPr id="6" name="図 5"/>
+          <p:cNvPicPr>
+            <a:picLocks noChangeAspect="1"/>
+          </p:cNvPicPr>
+          <p:nvPr/>
+        </p:nvPicPr>
+        <p:blipFill>
+          <a:blip r:embed="rId2">
+            <a:extLst>
+              <a:ext uri="{28A0092B-C50C-407E-A947-70E740481C1C}">
+                <a14:useLocalDpi xmlns:a14="http://schemas.microsoft.com/office/drawing/2010/main" val="0"/>
+              </a:ext>
+            </a:extLst>
+          </a:blip>
+          <a:stretch>
+            <a:fillRect/>
+          </a:stretch>
+        </p:blipFill>
+        <p:spPr>
+          <a:xfrm>
+            <a:off x="7781003" y="2005774"/>
+            <a:ext cx="3400125" cy="2166802"/>
+          </a:xfrm>
+          <a:prstGeom prst="rect">
+            <a:avLst/>
+          </a:prstGeom>
+        </p:spPr>
+      </p:pic>
+      <p:pic>
+        <p:nvPicPr>
+          <p:cNvPr id="7" name="図 6"/>
+          <p:cNvPicPr>
+            <a:picLocks noChangeAspect="1"/>
+          </p:cNvPicPr>
+          <p:nvPr/>
+        </p:nvPicPr>
+        <p:blipFill>
+          <a:blip r:embed="rId3">
+            <a:extLst>
+              <a:ext uri="{28A0092B-C50C-407E-A947-70E740481C1C}">
+                <a14:useLocalDpi xmlns:a14="http://schemas.microsoft.com/office/drawing/2010/main" val="0"/>
+              </a:ext>
+            </a:extLst>
+          </a:blip>
+          <a:stretch>
+            <a:fillRect/>
+          </a:stretch>
+        </p:blipFill>
+        <p:spPr>
+          <a:xfrm>
+            <a:off x="7781003" y="1915182"/>
+            <a:ext cx="3374677" cy="2131921"/>
+          </a:xfrm>
+          <a:prstGeom prst="rect">
+            <a:avLst/>
+          </a:prstGeom>
+        </p:spPr>
+      </p:pic>
     </p:spTree>
     <p:extLst>
       <p:ext uri="{BB962C8B-B14F-4D97-AF65-F5344CB8AC3E}">
@@ -10643,7 +11138,163 @@
   <p:timing>
     <p:tnLst>
       <p:par>
-        <p:cTn id="1" dur="indefinite" restart="never" nodeType="tmRoot"/>
+        <p:cTn xmlns:p14="http://schemas.microsoft.com/office/powerpoint/2010/main" id="1" dur="indefinite" restart="never" nodeType="tmRoot">
+          <p:childTnLst>
+            <p:seq concurrent="1" nextAc="seek">
+              <p:cTn id="2" dur="indefinite" nodeType="mainSeq">
+                <p:childTnLst>
+                  <p:par>
+                    <p:cTn id="3" fill="hold">
+                      <p:stCondLst>
+                        <p:cond delay="indefinite"/>
+                      </p:stCondLst>
+                      <p:childTnLst>
+                        <p:par>
+                          <p:cTn id="4" fill="hold">
+                            <p:stCondLst>
+                              <p:cond delay="0"/>
+                            </p:stCondLst>
+                            <p:childTnLst>
+                              <p:par>
+                                <p:cTn id="5" presetID="10" presetClass="entr" presetSubtype="0" fill="hold" nodeType="clickEffect">
+                                  <p:stCondLst>
+                                    <p:cond delay="0"/>
+                                  </p:stCondLst>
+                                  <p:childTnLst>
+                                    <p:set>
+                                      <p:cBhvr>
+                                        <p:cTn id="6" dur="1" fill="hold">
+                                          <p:stCondLst>
+                                            <p:cond delay="0"/>
+                                          </p:stCondLst>
+                                        </p:cTn>
+                                        <p:tgtEl>
+                                          <p:spTgt spid="7"/>
+                                        </p:tgtEl>
+                                        <p:attrNameLst>
+                                          <p:attrName>style.visibility</p:attrName>
+                                        </p:attrNameLst>
+                                      </p:cBhvr>
+                                      <p:to>
+                                        <p:strVal val="visible"/>
+                                      </p:to>
+                                    </p:set>
+                                    <p:animEffect transition="in" filter="fade">
+                                      <p:cBhvr>
+                                        <p:cTn id="7" dur="500"/>
+                                        <p:tgtEl>
+                                          <p:spTgt spid="7"/>
+                                        </p:tgtEl>
+                                      </p:cBhvr>
+                                    </p:animEffect>
+                                  </p:childTnLst>
+                                </p:cTn>
+                              </p:par>
+                            </p:childTnLst>
+                          </p:cTn>
+                        </p:par>
+                      </p:childTnLst>
+                    </p:cTn>
+                  </p:par>
+                  <p:par>
+                    <p:cTn id="8" fill="hold">
+                      <p:stCondLst>
+                        <p:cond delay="indefinite"/>
+                      </p:stCondLst>
+                      <p:childTnLst>
+                        <p:par>
+                          <p:cTn id="9" fill="hold">
+                            <p:stCondLst>
+                              <p:cond delay="0"/>
+                            </p:stCondLst>
+                            <p:childTnLst>
+                              <p:par>
+                                <p:cTn id="10" presetID="1" presetClass="exit" presetSubtype="0" fill="hold" nodeType="clickEffect">
+                                  <p:stCondLst>
+                                    <p:cond delay="0"/>
+                                  </p:stCondLst>
+                                  <p:childTnLst>
+                                    <p:set>
+                                      <p:cBhvr>
+                                        <p:cTn id="11" dur="1" fill="hold">
+                                          <p:stCondLst>
+                                            <p:cond delay="0"/>
+                                          </p:stCondLst>
+                                        </p:cTn>
+                                        <p:tgtEl>
+                                          <p:spTgt spid="7"/>
+                                        </p:tgtEl>
+                                        <p:attrNameLst>
+                                          <p:attrName>style.visibility</p:attrName>
+                                        </p:attrNameLst>
+                                      </p:cBhvr>
+                                      <p:to>
+                                        <p:strVal val="hidden"/>
+                                      </p:to>
+                                    </p:set>
+                                  </p:childTnLst>
+                                </p:cTn>
+                              </p:par>
+                              <p:par>
+                                <p:cTn id="12" presetID="10" presetClass="entr" presetSubtype="0" fill="hold" nodeType="withEffect">
+                                  <p:stCondLst>
+                                    <p:cond delay="0"/>
+                                  </p:stCondLst>
+                                  <p:childTnLst>
+                                    <p:set>
+                                      <p:cBhvr>
+                                        <p:cTn id="13" dur="1" fill="hold">
+                                          <p:stCondLst>
+                                            <p:cond delay="0"/>
+                                          </p:stCondLst>
+                                        </p:cTn>
+                                        <p:tgtEl>
+                                          <p:spTgt spid="6"/>
+                                        </p:tgtEl>
+                                        <p:attrNameLst>
+                                          <p:attrName>style.visibility</p:attrName>
+                                        </p:attrNameLst>
+                                      </p:cBhvr>
+                                      <p:to>
+                                        <p:strVal val="visible"/>
+                                      </p:to>
+                                    </p:set>
+                                    <p:animEffect transition="in" filter="fade">
+                                      <p:cBhvr>
+                                        <p:cTn id="14" dur="500"/>
+                                        <p:tgtEl>
+                                          <p:spTgt spid="6"/>
+                                        </p:tgtEl>
+                                      </p:cBhvr>
+                                    </p:animEffect>
+                                  </p:childTnLst>
+                                </p:cTn>
+                              </p:par>
+                            </p:childTnLst>
+                          </p:cTn>
+                        </p:par>
+                      </p:childTnLst>
+                    </p:cTn>
+                  </p:par>
+                </p:childTnLst>
+              </p:cTn>
+              <p:prevCondLst>
+                <p:cond evt="onPrev" delay="0">
+                  <p:tgtEl>
+                    <p:sldTgt/>
+                  </p:tgtEl>
+                </p:cond>
+              </p:prevCondLst>
+              <p:nextCondLst>
+                <p:cond evt="onNext" delay="0">
+                  <p:tgtEl>
+                    <p:sldTgt/>
+                  </p:tgtEl>
+                </p:cond>
+              </p:nextCondLst>
+            </p:seq>
+          </p:childTnLst>
+        </p:cTn>
       </p:par>
     </p:tnLst>
   </p:timing>
@@ -10861,7 +11512,7 @@
           <a:p>
             <a:fld id="{0EE8C9C6-4294-0A42-8A70-9BED62565BE7}" type="datetime1">
               <a:rPr kumimoji="1" lang="ja-JP" altLang="en-US" smtClean="0"/>
-              <a:t>2017/10/25</a:t>
+              <a:t>17/10/25</a:t>
             </a:fld>
             <a:endParaRPr kumimoji="1" lang="ja-JP" altLang="en-US"/>
           </a:p>
@@ -10903,7 +11554,7 @@
   <p:timing>
     <p:tnLst>
       <p:par>
-        <p:cTn id="1" dur="indefinite" restart="never" nodeType="tmRoot"/>
+        <p:cTn xmlns:p14="http://schemas.microsoft.com/office/powerpoint/2010/main" id="1" dur="indefinite" restart="never" nodeType="tmRoot"/>
       </p:par>
     </p:tnLst>
   </p:timing>
@@ -10961,49 +11612,17 @@
             <p:ph idx="1"/>
           </p:nvPr>
         </p:nvSpPr>
-        <p:spPr/>
+        <p:spPr>
+          <a:xfrm>
+            <a:off x="767511" y="1536285"/>
+            <a:ext cx="10058400" cy="4023360"/>
+          </a:xfrm>
+        </p:spPr>
         <p:txBody>
           <a:bodyPr vert="horz" lIns="0" tIns="45720" rIns="0" bIns="45720" rtlCol="0" anchor="t">
             <a:normAutofit/>
           </a:bodyPr>
           <a:lstStyle/>
-          <a:p>
-            <a:pPr marL="0" indent="0">
-              <a:buNone/>
-            </a:pPr>
-            <a:r>
-              <a:rPr kumimoji="1" lang="ja-JP" altLang="en-US" sz="3200" dirty="0"/>
-              <a:t>入力用</a:t>
-            </a:r>
-            <a:r>
-              <a:rPr lang="en-US" altLang="ja-JP" sz="3200" dirty="0"/>
-              <a:t>PC</a:t>
-            </a:r>
-            <a:r>
-              <a:rPr lang="ja-JP" altLang="en-US" sz="3200" dirty="0"/>
-              <a:t>、携帯端末、サーバ、</a:t>
-            </a:r>
-            <a:r>
-              <a:rPr lang="en-US" altLang="ja-JP" sz="3200" dirty="0"/>
-              <a:t>Raspberry Pi</a:t>
-            </a:r>
-            <a:r>
-              <a:rPr lang="ja-JP" altLang="en-US" sz="3200" dirty="0"/>
-              <a:t>、</a:t>
-            </a:r>
-            <a:r>
-              <a:rPr lang="en-US" altLang="ja-JP" sz="3200" dirty="0"/>
-              <a:t>Web</a:t>
-            </a:r>
-            <a:r>
-              <a:rPr lang="ja-JP" altLang="en-US" sz="3200" dirty="0" smtClean="0"/>
-              <a:t>カメラにより</a:t>
-            </a:r>
-            <a:r>
-              <a:rPr lang="ja-JP" altLang="en-US" sz="3200" dirty="0"/>
-              <a:t>構成</a:t>
-            </a:r>
-          </a:p>
           <a:p>
             <a:pPr marL="0" indent="0">
               <a:buNone/>
@@ -11042,16 +11661,62 @@
           </a:p>
         </p:txBody>
       </p:sp>
+      <p:sp>
+        <p:nvSpPr>
+          <p:cNvPr id="4" name="日付プレースホルダー 3"/>
+          <p:cNvSpPr>
+            <a:spLocks noGrp="1"/>
+          </p:cNvSpPr>
+          <p:nvPr>
+            <p:ph type="dt" sz="half" idx="10"/>
+          </p:nvPr>
+        </p:nvSpPr>
+        <p:spPr/>
+        <p:txBody>
+          <a:bodyPr/>
+          <a:lstStyle/>
+          <a:p>
+            <a:fld id="{EF995A3B-9AE4-E14B-A379-18F1B269D271}" type="datetime1">
+              <a:rPr kumimoji="1" lang="ja-JP" altLang="en-US" smtClean="0"/>
+              <a:t>17/10/26</a:t>
+            </a:fld>
+            <a:endParaRPr kumimoji="1" lang="ja-JP" altLang="en-US"/>
+          </a:p>
+        </p:txBody>
+      </p:sp>
+      <p:sp>
+        <p:nvSpPr>
+          <p:cNvPr id="6" name="スライド番号プレースホルダー 5"/>
+          <p:cNvSpPr>
+            <a:spLocks noGrp="1"/>
+          </p:cNvSpPr>
+          <p:nvPr>
+            <p:ph type="sldNum" sz="quarter" idx="12"/>
+          </p:nvPr>
+        </p:nvSpPr>
+        <p:spPr/>
+        <p:txBody>
+          <a:bodyPr/>
+          <a:lstStyle/>
+          <a:p>
+            <a:fld id="{0E6F4281-77BB-C94A-88EC-683FFEF89876}" type="slidenum">
+              <a:rPr kumimoji="1" lang="ja-JP" altLang="en-US" smtClean="0"/>
+              <a:t>9</a:t>
+            </a:fld>
+            <a:endParaRPr kumimoji="1" lang="ja-JP" altLang="en-US"/>
+          </a:p>
+        </p:txBody>
+      </p:sp>
       <p:pic>
         <p:nvPicPr>
-          <p:cNvPr id="5" name="図 4" descr="スクリーンショット 2017-10-24 23.34.53.png"/>
+          <p:cNvPr id="25" name="図 24" descr="PC / &lt;strong&gt;パソコン&lt;/strong&gt; / コンピュータ - GATAG｜フリーイラスト素材集"/>
           <p:cNvPicPr>
             <a:picLocks noChangeAspect="1"/>
           </p:cNvPicPr>
           <p:nvPr/>
         </p:nvPicPr>
         <p:blipFill>
-          <a:blip r:embed="rId2">
+          <a:blip r:embed="rId2" cstate="print">
             <a:extLst>
               <a:ext uri="{28A0092B-C50C-407E-A947-70E740481C1C}">
                 <a14:useLocalDpi xmlns:a14="http://schemas.microsoft.com/office/drawing/2010/main" val="0"/>
@@ -11064,8 +11729,8 @@
         </p:blipFill>
         <p:spPr>
           <a:xfrm>
-            <a:off x="1097280" y="2775899"/>
-            <a:ext cx="10007599" cy="3556001"/>
+            <a:off x="1806487" y="2578340"/>
+            <a:ext cx="911584" cy="843037"/>
           </a:xfrm>
           <a:prstGeom prst="rect">
             <a:avLst/>
@@ -11074,47 +11739,947 @@
       </p:pic>
       <p:sp>
         <p:nvSpPr>
-          <p:cNvPr id="4" name="日付プレースホルダー 3"/>
-          <p:cNvSpPr>
-            <a:spLocks noGrp="1"/>
-          </p:cNvSpPr>
-          <p:nvPr>
-            <p:ph type="dt" sz="half" idx="10"/>
-          </p:nvPr>
-        </p:nvSpPr>
-        <p:spPr/>
-        <p:txBody>
-          <a:bodyPr/>
+          <p:cNvPr id="26" name="右矢印 25"/>
+          <p:cNvSpPr/>
+          <p:nvPr/>
+        </p:nvSpPr>
+        <p:spPr>
+          <a:xfrm>
+            <a:off x="3080873" y="2636958"/>
+            <a:ext cx="1941732" cy="304509"/>
+          </a:xfrm>
+          <a:prstGeom prst="rightArrow">
+            <a:avLst/>
+          </a:prstGeom>
+        </p:spPr>
+        <p:style>
+          <a:lnRef idx="2">
+            <a:schemeClr val="accent1">
+              <a:shade val="50000"/>
+            </a:schemeClr>
+          </a:lnRef>
+          <a:fillRef idx="1">
+            <a:schemeClr val="accent1"/>
+          </a:fillRef>
+          <a:effectRef idx="0">
+            <a:schemeClr val="accent1"/>
+          </a:effectRef>
+          <a:fontRef idx="minor">
+            <a:schemeClr val="lt1"/>
+          </a:fontRef>
+        </p:style>
+        <p:txBody>
+          <a:bodyPr rtlCol="0" anchor="ctr"/>
           <a:lstStyle/>
           <a:p>
-            <a:fld id="{EF995A3B-9AE4-E14B-A379-18F1B269D271}" type="datetime1">
-              <a:rPr kumimoji="1" lang="ja-JP" altLang="en-US" smtClean="0"/>
-              <a:t>2017/10/25</a:t>
-            </a:fld>
+            <a:pPr algn="ctr"/>
+            <a:endParaRPr kumimoji="1" lang="ja-JP" altLang="en-US" dirty="0"/>
+          </a:p>
+        </p:txBody>
+      </p:sp>
+      <p:sp>
+        <p:nvSpPr>
+          <p:cNvPr id="27" name="右矢印 26"/>
+          <p:cNvSpPr/>
+          <p:nvPr/>
+        </p:nvSpPr>
+        <p:spPr>
+          <a:xfrm>
+            <a:off x="6822502" y="3116712"/>
+            <a:ext cx="1941732" cy="304509"/>
+          </a:xfrm>
+          <a:prstGeom prst="rightArrow">
+            <a:avLst/>
+          </a:prstGeom>
+        </p:spPr>
+        <p:style>
+          <a:lnRef idx="2">
+            <a:schemeClr val="accent1">
+              <a:shade val="50000"/>
+            </a:schemeClr>
+          </a:lnRef>
+          <a:fillRef idx="1">
+            <a:schemeClr val="accent1"/>
+          </a:fillRef>
+          <a:effectRef idx="0">
+            <a:schemeClr val="accent1"/>
+          </a:effectRef>
+          <a:fontRef idx="minor">
+            <a:schemeClr val="lt1"/>
+          </a:fontRef>
+        </p:style>
+        <p:txBody>
+          <a:bodyPr rtlCol="0" anchor="ctr"/>
+          <a:lstStyle/>
+          <a:p>
+            <a:pPr algn="ctr"/>
+            <a:endParaRPr kumimoji="1" lang="ja-JP" altLang="en-US" dirty="0"/>
+          </a:p>
+        </p:txBody>
+      </p:sp>
+      <p:sp>
+        <p:nvSpPr>
+          <p:cNvPr id="28" name="右矢印 27"/>
+          <p:cNvSpPr/>
+          <p:nvPr/>
+        </p:nvSpPr>
+        <p:spPr>
+          <a:xfrm rot="10800000">
+            <a:off x="3080873" y="3116712"/>
+            <a:ext cx="1941732" cy="304509"/>
+          </a:xfrm>
+          <a:prstGeom prst="rightArrow">
+            <a:avLst/>
+          </a:prstGeom>
+        </p:spPr>
+        <p:style>
+          <a:lnRef idx="2">
+            <a:schemeClr val="accent1">
+              <a:shade val="50000"/>
+            </a:schemeClr>
+          </a:lnRef>
+          <a:fillRef idx="1">
+            <a:schemeClr val="accent1"/>
+          </a:fillRef>
+          <a:effectRef idx="0">
+            <a:schemeClr val="accent1"/>
+          </a:effectRef>
+          <a:fontRef idx="minor">
+            <a:schemeClr val="lt1"/>
+          </a:fontRef>
+        </p:style>
+        <p:txBody>
+          <a:bodyPr rtlCol="0" anchor="ctr"/>
+          <a:lstStyle/>
+          <a:p>
+            <a:pPr algn="ctr"/>
+            <a:endParaRPr kumimoji="1" lang="ja-JP" altLang="en-US" dirty="0"/>
+          </a:p>
+        </p:txBody>
+      </p:sp>
+      <p:sp>
+        <p:nvSpPr>
+          <p:cNvPr id="29" name="右矢印 28"/>
+          <p:cNvSpPr/>
+          <p:nvPr/>
+        </p:nvSpPr>
+        <p:spPr>
+          <a:xfrm rot="10800000">
+            <a:off x="6779932" y="2659948"/>
+            <a:ext cx="1941732" cy="304509"/>
+          </a:xfrm>
+          <a:prstGeom prst="rightArrow">
+            <a:avLst/>
+          </a:prstGeom>
+        </p:spPr>
+        <p:style>
+          <a:lnRef idx="2">
+            <a:schemeClr val="accent1">
+              <a:shade val="50000"/>
+            </a:schemeClr>
+          </a:lnRef>
+          <a:fillRef idx="1">
+            <a:schemeClr val="accent1"/>
+          </a:fillRef>
+          <a:effectRef idx="0">
+            <a:schemeClr val="accent1"/>
+          </a:effectRef>
+          <a:fontRef idx="minor">
+            <a:schemeClr val="lt1"/>
+          </a:fontRef>
+        </p:style>
+        <p:txBody>
+          <a:bodyPr rtlCol="0" anchor="ctr"/>
+          <a:lstStyle/>
+          <a:p>
+            <a:pPr algn="ctr"/>
+            <a:endParaRPr kumimoji="1" lang="ja-JP" altLang="en-US" dirty="0"/>
+          </a:p>
+        </p:txBody>
+      </p:sp>
+      <p:pic>
+        <p:nvPicPr>
+          <p:cNvPr id="30" name="図 29" descr="&lt;strong&gt;サーバ&lt;/strong&gt; - GATAG｜フリーイラスト素材集"/>
+          <p:cNvPicPr>
+            <a:picLocks noChangeAspect="1"/>
+          </p:cNvPicPr>
+          <p:nvPr/>
+        </p:nvPicPr>
+        <p:blipFill>
+          <a:blip r:embed="rId3" cstate="print">
+            <a:extLst>
+              <a:ext uri="{28A0092B-C50C-407E-A947-70E740481C1C}">
+                <a14:useLocalDpi xmlns:a14="http://schemas.microsoft.com/office/drawing/2010/main" val="0"/>
+              </a:ext>
+            </a:extLst>
+          </a:blip>
+          <a:stretch>
+            <a:fillRect/>
+          </a:stretch>
+        </p:blipFill>
+        <p:spPr>
+          <a:xfrm>
+            <a:off x="5454242" y="2415977"/>
+            <a:ext cx="845291" cy="1104053"/>
+          </a:xfrm>
+          <a:prstGeom prst="rect">
+            <a:avLst/>
+          </a:prstGeom>
+        </p:spPr>
+      </p:pic>
+      <p:pic>
+        <p:nvPicPr>
+          <p:cNvPr id="31" name="図 30" descr="File:IPhone 5.png - Wikipedia"/>
+          <p:cNvPicPr>
+            <a:picLocks noChangeAspect="1"/>
+          </p:cNvPicPr>
+          <p:nvPr/>
+        </p:nvPicPr>
+        <p:blipFill>
+          <a:blip r:embed="rId4" cstate="print">
+            <a:extLst>
+              <a:ext uri="{28A0092B-C50C-407E-A947-70E740481C1C}">
+                <a14:useLocalDpi xmlns:a14="http://schemas.microsoft.com/office/drawing/2010/main" val="0"/>
+              </a:ext>
+            </a:extLst>
+          </a:blip>
+          <a:stretch>
+            <a:fillRect/>
+          </a:stretch>
+        </p:blipFill>
+        <p:spPr>
+          <a:xfrm rot="10800000" flipV="1">
+            <a:off x="9228261" y="2452293"/>
+            <a:ext cx="620715" cy="969084"/>
+          </a:xfrm>
+          <a:prstGeom prst="rect">
+            <a:avLst/>
+          </a:prstGeom>
+        </p:spPr>
+      </p:pic>
+      <p:pic>
+        <p:nvPicPr>
+          <p:cNvPr id="32" name="図 31" descr="GATAG｜フリー素材集 壱"/>
+          <p:cNvPicPr>
+            <a:picLocks noChangeAspect="1"/>
+          </p:cNvPicPr>
+          <p:nvPr/>
+        </p:nvPicPr>
+        <p:blipFill>
+          <a:blip r:embed="rId5" cstate="print">
+            <a:extLst>
+              <a:ext uri="{28A0092B-C50C-407E-A947-70E740481C1C}">
+                <a14:useLocalDpi xmlns:a14="http://schemas.microsoft.com/office/drawing/2010/main" val="0"/>
+              </a:ext>
+            </a:extLst>
+          </a:blip>
+          <a:stretch>
+            <a:fillRect/>
+          </a:stretch>
+        </p:blipFill>
+        <p:spPr>
+          <a:xfrm flipV="1">
+            <a:off x="5477938" y="4544064"/>
+            <a:ext cx="960078" cy="885524"/>
+          </a:xfrm>
+          <a:prstGeom prst="rect">
+            <a:avLst/>
+          </a:prstGeom>
+        </p:spPr>
+      </p:pic>
+      <p:pic>
+        <p:nvPicPr>
+          <p:cNvPr id="33" name="図 32" descr="Clipart - looks like &lt;strong&gt;raspberry pi&lt;/strong&gt; printed circuit board"/>
+          <p:cNvPicPr>
+            <a:picLocks noChangeAspect="1"/>
+          </p:cNvPicPr>
+          <p:nvPr/>
+        </p:nvPicPr>
+        <p:blipFill>
+          <a:blip r:embed="rId6" cstate="print">
+            <a:extLst>
+              <a:ext uri="{28A0092B-C50C-407E-A947-70E740481C1C}">
+                <a14:useLocalDpi xmlns:a14="http://schemas.microsoft.com/office/drawing/2010/main" val="0"/>
+              </a:ext>
+            </a:extLst>
+          </a:blip>
+          <a:stretch>
+            <a:fillRect/>
+          </a:stretch>
+        </p:blipFill>
+        <p:spPr>
+          <a:xfrm rot="20437864">
+            <a:off x="5634101" y="5359721"/>
+            <a:ext cx="836286" cy="875881"/>
+          </a:xfrm>
+          <a:prstGeom prst="rect">
+            <a:avLst/>
+          </a:prstGeom>
+        </p:spPr>
+      </p:pic>
+      <p:sp>
+        <p:nvSpPr>
+          <p:cNvPr id="34" name="テキスト ボックス 33"/>
+          <p:cNvSpPr txBox="1"/>
+          <p:nvPr/>
+        </p:nvSpPr>
+        <p:spPr>
+          <a:xfrm>
+            <a:off x="3354291" y="3529461"/>
+            <a:ext cx="1443697" cy="369332"/>
+          </a:xfrm>
+          <a:prstGeom prst="rect">
+            <a:avLst/>
+          </a:prstGeom>
+          <a:noFill/>
+        </p:spPr>
+        <p:txBody>
+          <a:bodyPr wrap="square" rtlCol="0">
+            <a:spAutoFit/>
+          </a:bodyPr>
+          <a:lstStyle/>
+          <a:p>
+            <a:r>
+              <a:rPr lang="ja-JP" altLang="en-US" dirty="0"/>
+              <a:t>蓄積データ</a:t>
+            </a:r>
+            <a:endParaRPr kumimoji="1" lang="ja-JP" altLang="en-US" dirty="0"/>
+          </a:p>
+        </p:txBody>
+      </p:sp>
+      <p:sp>
+        <p:nvSpPr>
+          <p:cNvPr id="35" name="テキスト ボックス 34"/>
+          <p:cNvSpPr txBox="1"/>
+          <p:nvPr/>
+        </p:nvSpPr>
+        <p:spPr>
+          <a:xfrm>
+            <a:off x="3329815" y="2267626"/>
+            <a:ext cx="1443697" cy="369332"/>
+          </a:xfrm>
+          <a:prstGeom prst="rect">
+            <a:avLst/>
+          </a:prstGeom>
+          <a:noFill/>
+        </p:spPr>
+        <p:txBody>
+          <a:bodyPr wrap="square" rtlCol="0">
+            <a:spAutoFit/>
+          </a:bodyPr>
+          <a:lstStyle/>
+          <a:p>
+            <a:r>
+              <a:rPr lang="ja-JP" altLang="en-US" dirty="0"/>
+              <a:t>新規情報</a:t>
+            </a:r>
+            <a:endParaRPr kumimoji="1" lang="ja-JP" altLang="en-US" dirty="0"/>
+          </a:p>
+        </p:txBody>
+      </p:sp>
+      <p:sp>
+        <p:nvSpPr>
+          <p:cNvPr id="36" name="テキスト ボックス 35"/>
+          <p:cNvSpPr txBox="1"/>
+          <p:nvPr/>
+        </p:nvSpPr>
+        <p:spPr>
+          <a:xfrm>
+            <a:off x="5434837" y="3566425"/>
+            <a:ext cx="945662" cy="369332"/>
+          </a:xfrm>
+          <a:prstGeom prst="rect">
+            <a:avLst/>
+          </a:prstGeom>
+          <a:noFill/>
+        </p:spPr>
+        <p:txBody>
+          <a:bodyPr wrap="square" rtlCol="0">
+            <a:spAutoFit/>
+          </a:bodyPr>
+          <a:lstStyle/>
+          <a:p>
+            <a:r>
+              <a:rPr kumimoji="1" lang="ja-JP" altLang="en-US" dirty="0"/>
+              <a:t>サーバ</a:t>
+            </a:r>
+          </a:p>
+        </p:txBody>
+      </p:sp>
+      <p:sp>
+        <p:nvSpPr>
+          <p:cNvPr id="37" name="テキスト ボックス 36"/>
+          <p:cNvSpPr txBox="1"/>
+          <p:nvPr/>
+        </p:nvSpPr>
+        <p:spPr>
+          <a:xfrm>
+            <a:off x="7171125" y="2290616"/>
+            <a:ext cx="1443697" cy="369332"/>
+          </a:xfrm>
+          <a:prstGeom prst="rect">
+            <a:avLst/>
+          </a:prstGeom>
+          <a:noFill/>
+        </p:spPr>
+        <p:txBody>
+          <a:bodyPr wrap="square" rtlCol="0">
+            <a:spAutoFit/>
+          </a:bodyPr>
+          <a:lstStyle/>
+          <a:p>
+            <a:r>
+              <a:rPr lang="ja-JP" altLang="en-US" dirty="0"/>
+              <a:t>リクエスト</a:t>
+            </a:r>
+            <a:endParaRPr kumimoji="1" lang="ja-JP" altLang="en-US" dirty="0"/>
+          </a:p>
+        </p:txBody>
+      </p:sp>
+      <p:sp>
+        <p:nvSpPr>
+          <p:cNvPr id="38" name="テキスト ボックス 37"/>
+          <p:cNvSpPr txBox="1"/>
+          <p:nvPr/>
+        </p:nvSpPr>
+        <p:spPr>
+          <a:xfrm>
+            <a:off x="6995284" y="3525752"/>
+            <a:ext cx="1443697" cy="369332"/>
+          </a:xfrm>
+          <a:prstGeom prst="rect">
+            <a:avLst/>
+          </a:prstGeom>
+          <a:noFill/>
+        </p:spPr>
+        <p:txBody>
+          <a:bodyPr wrap="square" rtlCol="0">
+            <a:spAutoFit/>
+          </a:bodyPr>
+          <a:lstStyle/>
+          <a:p>
+            <a:r>
+              <a:rPr kumimoji="1" lang="ja-JP" altLang="en-US" dirty="0"/>
+              <a:t>画像データ</a:t>
+            </a:r>
+          </a:p>
+        </p:txBody>
+      </p:sp>
+      <p:sp>
+        <p:nvSpPr>
+          <p:cNvPr id="39" name="テキスト ボックス 38"/>
+          <p:cNvSpPr txBox="1"/>
+          <p:nvPr/>
+        </p:nvSpPr>
+        <p:spPr>
+          <a:xfrm>
+            <a:off x="8961418" y="3500902"/>
+            <a:ext cx="1157399" cy="369332"/>
+          </a:xfrm>
+          <a:prstGeom prst="rect">
+            <a:avLst/>
+          </a:prstGeom>
+          <a:noFill/>
+        </p:spPr>
+        <p:txBody>
+          <a:bodyPr wrap="square" rtlCol="0">
+            <a:spAutoFit/>
+          </a:bodyPr>
+          <a:lstStyle/>
+          <a:p>
+            <a:r>
+              <a:rPr lang="ja-JP" altLang="en-US" dirty="0"/>
+              <a:t>携帯</a:t>
+            </a:r>
+            <a:r>
+              <a:rPr kumimoji="1" lang="ja-JP" altLang="en-US" dirty="0"/>
+              <a:t>端末</a:t>
+            </a:r>
+          </a:p>
+        </p:txBody>
+      </p:sp>
+      <p:sp>
+        <p:nvSpPr>
+          <p:cNvPr id="40" name="テキスト ボックス 39"/>
+          <p:cNvSpPr txBox="1"/>
+          <p:nvPr/>
+        </p:nvSpPr>
+        <p:spPr>
+          <a:xfrm>
+            <a:off x="6591965" y="5612996"/>
+            <a:ext cx="1742567" cy="369332"/>
+          </a:xfrm>
+          <a:prstGeom prst="rect">
+            <a:avLst/>
+          </a:prstGeom>
+          <a:noFill/>
+        </p:spPr>
+        <p:txBody>
+          <a:bodyPr wrap="square" rtlCol="0">
+            <a:spAutoFit/>
+          </a:bodyPr>
+          <a:lstStyle/>
+          <a:p>
+            <a:r>
+              <a:rPr kumimoji="1" lang="en-US" altLang="ja-JP" dirty="0"/>
+              <a:t>Raspberry Pi</a:t>
+            </a:r>
+            <a:endParaRPr kumimoji="1" lang="ja-JP" altLang="en-US" dirty="0"/>
+          </a:p>
+        </p:txBody>
+      </p:sp>
+      <p:sp>
+        <p:nvSpPr>
+          <p:cNvPr id="41" name="テキスト ボックス 40"/>
+          <p:cNvSpPr txBox="1"/>
+          <p:nvPr/>
+        </p:nvSpPr>
+        <p:spPr>
+          <a:xfrm>
+            <a:off x="6591963" y="4876498"/>
+            <a:ext cx="1461894" cy="369332"/>
+          </a:xfrm>
+          <a:prstGeom prst="rect">
+            <a:avLst/>
+          </a:prstGeom>
+          <a:noFill/>
+        </p:spPr>
+        <p:txBody>
+          <a:bodyPr wrap="square" rtlCol="0">
+            <a:spAutoFit/>
+          </a:bodyPr>
+          <a:lstStyle/>
+          <a:p>
+            <a:r>
+              <a:rPr kumimoji="1" lang="en-US" altLang="ja-JP" dirty="0"/>
+              <a:t>Web</a:t>
+            </a:r>
+            <a:r>
+              <a:rPr kumimoji="1" lang="ja-JP" altLang="en-US" dirty="0"/>
+              <a:t>カメラ</a:t>
+            </a:r>
+          </a:p>
+        </p:txBody>
+      </p:sp>
+      <p:sp>
+        <p:nvSpPr>
+          <p:cNvPr id="42" name="右矢印 41"/>
+          <p:cNvSpPr/>
+          <p:nvPr/>
+        </p:nvSpPr>
+        <p:spPr>
+          <a:xfrm rot="16200000">
+            <a:off x="5510619" y="4079651"/>
+            <a:ext cx="691740" cy="311161"/>
+          </a:xfrm>
+          <a:prstGeom prst="rightArrow">
+            <a:avLst/>
+          </a:prstGeom>
+        </p:spPr>
+        <p:style>
+          <a:lnRef idx="2">
+            <a:schemeClr val="accent1">
+              <a:shade val="50000"/>
+            </a:schemeClr>
+          </a:lnRef>
+          <a:fillRef idx="1">
+            <a:schemeClr val="accent1"/>
+          </a:fillRef>
+          <a:effectRef idx="0">
+            <a:schemeClr val="accent1"/>
+          </a:effectRef>
+          <a:fontRef idx="minor">
+            <a:schemeClr val="lt1"/>
+          </a:fontRef>
+        </p:style>
+        <p:txBody>
+          <a:bodyPr rtlCol="0" anchor="ctr"/>
+          <a:lstStyle/>
+          <a:p>
+            <a:pPr algn="ctr"/>
             <a:endParaRPr kumimoji="1" lang="ja-JP" altLang="en-US"/>
           </a:p>
         </p:txBody>
       </p:sp>
       <p:sp>
         <p:nvSpPr>
-          <p:cNvPr id="6" name="スライド番号プレースホルダー 5"/>
-          <p:cNvSpPr>
-            <a:spLocks noGrp="1"/>
-          </p:cNvSpPr>
-          <p:nvPr>
-            <p:ph type="sldNum" sz="quarter" idx="12"/>
-          </p:nvPr>
-        </p:nvSpPr>
-        <p:spPr/>
-        <p:txBody>
-          <a:bodyPr/>
+          <p:cNvPr id="43" name="テキスト ボックス 42"/>
+          <p:cNvSpPr txBox="1"/>
+          <p:nvPr/>
+        </p:nvSpPr>
+        <p:spPr>
+          <a:xfrm>
+            <a:off x="6299533" y="4002617"/>
+            <a:ext cx="1461894" cy="369332"/>
+          </a:xfrm>
+          <a:prstGeom prst="rect">
+            <a:avLst/>
+          </a:prstGeom>
+          <a:noFill/>
+        </p:spPr>
+        <p:txBody>
+          <a:bodyPr wrap="square" rtlCol="0">
+            <a:spAutoFit/>
+          </a:bodyPr>
           <a:lstStyle/>
           <a:p>
-            <a:fld id="{0E6F4281-77BB-C94A-88EC-683FFEF89876}" type="slidenum">
-              <a:rPr kumimoji="1" lang="ja-JP" altLang="en-US" smtClean="0"/>
-              <a:t>9</a:t>
-            </a:fld>
-            <a:endParaRPr kumimoji="1" lang="ja-JP" altLang="en-US"/>
+            <a:r>
+              <a:rPr lang="ja-JP" altLang="en-US" dirty="0"/>
+              <a:t>画像データ</a:t>
+            </a:r>
+            <a:endParaRPr kumimoji="1" lang="ja-JP" altLang="en-US" dirty="0"/>
+          </a:p>
+        </p:txBody>
+      </p:sp>
+      <p:sp>
+        <p:nvSpPr>
+          <p:cNvPr id="44" name="テキスト ボックス 43"/>
+          <p:cNvSpPr txBox="1"/>
+          <p:nvPr/>
+        </p:nvSpPr>
+        <p:spPr>
+          <a:xfrm>
+            <a:off x="1601103" y="3538632"/>
+            <a:ext cx="1216826" cy="369332"/>
+          </a:xfrm>
+          <a:prstGeom prst="rect">
+            <a:avLst/>
+          </a:prstGeom>
+          <a:noFill/>
+        </p:spPr>
+        <p:txBody>
+          <a:bodyPr wrap="square" rtlCol="0" anchor="t">
+            <a:spAutoFit/>
+          </a:bodyPr>
+          <a:lstStyle/>
+          <a:p>
+            <a:r>
+              <a:rPr kumimoji="1" lang="ja-JP" altLang="en-US" dirty="0"/>
+              <a:t>入力</a:t>
+            </a:r>
+            <a:r>
+              <a:rPr lang="ja-JP" altLang="en-US" dirty="0">
+                <a:ea typeface="游ゴシック"/>
+              </a:rPr>
+              <a:t>用PC</a:t>
+            </a:r>
+            <a:endParaRPr kumimoji="1" lang="ja-JP" altLang="en-US" dirty="0"/>
+          </a:p>
+        </p:txBody>
+      </p:sp>
+      <p:pic>
+        <p:nvPicPr>
+          <p:cNvPr id="53" name="図 52" descr="スクリーンショット 2017-10-25 23.41.37.png"/>
+          <p:cNvPicPr>
+            <a:picLocks noChangeAspect="1"/>
+          </p:cNvPicPr>
+          <p:nvPr/>
+        </p:nvPicPr>
+        <p:blipFill>
+          <a:blip r:embed="rId7">
+            <a:extLst>
+              <a:ext uri="{28A0092B-C50C-407E-A947-70E740481C1C}">
+                <a14:useLocalDpi xmlns:a14="http://schemas.microsoft.com/office/drawing/2010/main" val="0"/>
+              </a:ext>
+            </a:extLst>
+          </a:blip>
+          <a:stretch>
+            <a:fillRect/>
+          </a:stretch>
+        </p:blipFill>
+        <p:spPr>
+          <a:xfrm>
+            <a:off x="9985700" y="2334969"/>
+            <a:ext cx="1823432" cy="1212996"/>
+          </a:xfrm>
+          <a:prstGeom prst="rect">
+            <a:avLst/>
+          </a:prstGeom>
+        </p:spPr>
+      </p:pic>
+      <p:pic>
+        <p:nvPicPr>
+          <p:cNvPr id="54" name="図 53" descr="スクリーンショット 2017-10-25 23.48.44.png"/>
+          <p:cNvPicPr>
+            <a:picLocks noChangeAspect="1"/>
+          </p:cNvPicPr>
+          <p:nvPr/>
+        </p:nvPicPr>
+        <p:blipFill>
+          <a:blip r:embed="rId8">
+            <a:extLst>
+              <a:ext uri="{28A0092B-C50C-407E-A947-70E740481C1C}">
+                <a14:useLocalDpi xmlns:a14="http://schemas.microsoft.com/office/drawing/2010/main" val="0"/>
+              </a:ext>
+            </a:extLst>
+          </a:blip>
+          <a:stretch>
+            <a:fillRect/>
+          </a:stretch>
+        </p:blipFill>
+        <p:spPr>
+          <a:xfrm>
+            <a:off x="4204421" y="4505762"/>
+            <a:ext cx="1308100" cy="1143000"/>
+          </a:xfrm>
+          <a:prstGeom prst="rect">
+            <a:avLst/>
+          </a:prstGeom>
+        </p:spPr>
+      </p:pic>
+      <p:pic>
+        <p:nvPicPr>
+          <p:cNvPr id="60" name="図 59"/>
+          <p:cNvPicPr>
+            <a:picLocks noChangeAspect="1"/>
+          </p:cNvPicPr>
+          <p:nvPr/>
+        </p:nvPicPr>
+        <p:blipFill>
+          <a:blip r:embed="rId9">
+            <a:extLst>
+              <a:ext uri="{28A0092B-C50C-407E-A947-70E740481C1C}">
+                <a14:useLocalDpi xmlns:a14="http://schemas.microsoft.com/office/drawing/2010/main" val="0"/>
+              </a:ext>
+            </a:extLst>
+          </a:blip>
+          <a:stretch>
+            <a:fillRect/>
+          </a:stretch>
+        </p:blipFill>
+        <p:spPr>
+          <a:xfrm>
+            <a:off x="5150615" y="2230269"/>
+            <a:ext cx="1806758" cy="1190952"/>
+          </a:xfrm>
+          <a:prstGeom prst="rect">
+            <a:avLst/>
+          </a:prstGeom>
+        </p:spPr>
+      </p:pic>
+      <p:pic>
+        <p:nvPicPr>
+          <p:cNvPr id="61" name="図 60" descr="images.jpeg"/>
+          <p:cNvPicPr>
+            <a:picLocks noChangeAspect="1"/>
+          </p:cNvPicPr>
+          <p:nvPr/>
+        </p:nvPicPr>
+        <p:blipFill>
+          <a:blip r:embed="rId10">
+            <a:extLst>
+              <a:ext uri="{28A0092B-C50C-407E-A947-70E740481C1C}">
+                <a14:useLocalDpi xmlns:a14="http://schemas.microsoft.com/office/drawing/2010/main" val="0"/>
+              </a:ext>
+            </a:extLst>
+          </a:blip>
+          <a:stretch>
+            <a:fillRect/>
+          </a:stretch>
+        </p:blipFill>
+        <p:spPr>
+          <a:xfrm>
+            <a:off x="284436" y="2434664"/>
+            <a:ext cx="1466296" cy="1103968"/>
+          </a:xfrm>
+          <a:prstGeom prst="rect">
+            <a:avLst/>
+          </a:prstGeom>
+        </p:spPr>
+      </p:pic>
+      <p:sp>
+        <p:nvSpPr>
+          <p:cNvPr id="62" name="テキスト ボックス 61"/>
+          <p:cNvSpPr txBox="1"/>
+          <p:nvPr/>
+        </p:nvSpPr>
+        <p:spPr>
+          <a:xfrm>
+            <a:off x="7112587" y="3539542"/>
+            <a:ext cx="1443697" cy="369332"/>
+          </a:xfrm>
+          <a:prstGeom prst="rect">
+            <a:avLst/>
+          </a:prstGeom>
+          <a:noFill/>
+        </p:spPr>
+        <p:txBody>
+          <a:bodyPr wrap="square" rtlCol="0">
+            <a:spAutoFit/>
+          </a:bodyPr>
+          <a:lstStyle/>
+          <a:p>
+            <a:r>
+              <a:rPr lang="ja-JP" altLang="en-US" dirty="0" smtClean="0"/>
+              <a:t>新規情報</a:t>
+            </a:r>
+            <a:endParaRPr kumimoji="1" lang="ja-JP" altLang="en-US" dirty="0"/>
+          </a:p>
+        </p:txBody>
+      </p:sp>
+      <p:sp>
+        <p:nvSpPr>
+          <p:cNvPr id="64" name="円形吹き出し 63"/>
+          <p:cNvSpPr/>
+          <p:nvPr/>
+        </p:nvSpPr>
+        <p:spPr>
+          <a:xfrm>
+            <a:off x="9556737" y="1954986"/>
+            <a:ext cx="1714638" cy="623354"/>
+          </a:xfrm>
+          <a:prstGeom prst="wedgeEllipseCallout">
+            <a:avLst>
+              <a:gd name="adj1" fmla="val -39895"/>
+              <a:gd name="adj2" fmla="val 95020"/>
+            </a:avLst>
+          </a:prstGeom>
+          <a:solidFill>
+            <a:schemeClr val="bg1"/>
+          </a:solidFill>
+          <a:ln>
+            <a:solidFill>
+              <a:schemeClr val="tx1"/>
+            </a:solidFill>
+          </a:ln>
+        </p:spPr>
+        <p:style>
+          <a:lnRef idx="1">
+            <a:schemeClr val="accent1"/>
+          </a:lnRef>
+          <a:fillRef idx="3">
+            <a:schemeClr val="accent1"/>
+          </a:fillRef>
+          <a:effectRef idx="2">
+            <a:schemeClr val="accent1"/>
+          </a:effectRef>
+          <a:fontRef idx="minor">
+            <a:schemeClr val="lt1"/>
+          </a:fontRef>
+        </p:style>
+        <p:txBody>
+          <a:bodyPr rtlCol="0" anchor="ctr"/>
+          <a:lstStyle/>
+          <a:p>
+            <a:pPr algn="ctr"/>
+            <a:r>
+              <a:rPr lang="ja-JP" altLang="en-US" dirty="0" smtClean="0">
+                <a:solidFill>
+                  <a:schemeClr val="tx1"/>
+                </a:solidFill>
+              </a:rPr>
+              <a:t>通知</a:t>
+            </a:r>
+            <a:endParaRPr kumimoji="1" lang="ja-JP" altLang="en-US" dirty="0">
+              <a:solidFill>
+                <a:schemeClr val="tx1"/>
+              </a:solidFill>
+            </a:endParaRPr>
+          </a:p>
+        </p:txBody>
+      </p:sp>
+      <p:pic>
+        <p:nvPicPr>
+          <p:cNvPr id="65" name="図 64" descr="スクリーンショット 2017-10-25 23.49.00.png"/>
+          <p:cNvPicPr>
+            <a:picLocks noChangeAspect="1"/>
+          </p:cNvPicPr>
+          <p:nvPr/>
+        </p:nvPicPr>
+        <p:blipFill>
+          <a:blip r:embed="rId11">
+            <a:extLst>
+              <a:ext uri="{28A0092B-C50C-407E-A947-70E740481C1C}">
+                <a14:useLocalDpi xmlns:a14="http://schemas.microsoft.com/office/drawing/2010/main" val="0"/>
+              </a:ext>
+            </a:extLst>
+          </a:blip>
+          <a:stretch>
+            <a:fillRect/>
+          </a:stretch>
+        </p:blipFill>
+        <p:spPr>
+          <a:xfrm>
+            <a:off x="5796711" y="2420671"/>
+            <a:ext cx="641305" cy="1118871"/>
+          </a:xfrm>
+          <a:prstGeom prst="rect">
+            <a:avLst/>
+          </a:prstGeom>
+        </p:spPr>
+      </p:pic>
+      <p:sp>
+        <p:nvSpPr>
+          <p:cNvPr id="66" name="右矢印 65"/>
+          <p:cNvSpPr/>
+          <p:nvPr/>
+        </p:nvSpPr>
+        <p:spPr>
+          <a:xfrm>
+            <a:off x="319434" y="5125079"/>
+            <a:ext cx="1941732" cy="304509"/>
+          </a:xfrm>
+          <a:prstGeom prst="rightArrow">
+            <a:avLst/>
+          </a:prstGeom>
+        </p:spPr>
+        <p:style>
+          <a:lnRef idx="2">
+            <a:schemeClr val="accent1">
+              <a:shade val="50000"/>
+            </a:schemeClr>
+          </a:lnRef>
+          <a:fillRef idx="1">
+            <a:schemeClr val="accent1"/>
+          </a:fillRef>
+          <a:effectRef idx="0">
+            <a:schemeClr val="accent1"/>
+          </a:effectRef>
+          <a:fontRef idx="minor">
+            <a:schemeClr val="lt1"/>
+          </a:fontRef>
+        </p:style>
+        <p:txBody>
+          <a:bodyPr rtlCol="0" anchor="ctr"/>
+          <a:lstStyle/>
+          <a:p>
+            <a:pPr algn="ctr"/>
+            <a:endParaRPr kumimoji="1" lang="ja-JP" altLang="en-US" dirty="0"/>
+          </a:p>
+        </p:txBody>
+      </p:sp>
+      <p:sp>
+        <p:nvSpPr>
+          <p:cNvPr id="67" name="テキスト ボックス 66"/>
+          <p:cNvSpPr txBox="1"/>
+          <p:nvPr/>
+        </p:nvSpPr>
+        <p:spPr>
+          <a:xfrm>
+            <a:off x="284436" y="5428330"/>
+            <a:ext cx="1976730" cy="369332"/>
+          </a:xfrm>
+          <a:prstGeom prst="rect">
+            <a:avLst/>
+          </a:prstGeom>
+          <a:noFill/>
+        </p:spPr>
+        <p:txBody>
+          <a:bodyPr wrap="square" rtlCol="0">
+            <a:spAutoFit/>
+          </a:bodyPr>
+          <a:lstStyle/>
+          <a:p>
+            <a:pPr algn="ctr"/>
+            <a:r>
+              <a:rPr kumimoji="1" lang="en-US" altLang="ja-JP" dirty="0" smtClean="0"/>
+              <a:t>HTTPS</a:t>
+            </a:r>
+            <a:r>
+              <a:rPr kumimoji="1" lang="ja-JP" altLang="en-US" dirty="0" smtClean="0"/>
+              <a:t>通信</a:t>
+            </a:r>
+            <a:endParaRPr kumimoji="1" lang="ja-JP" altLang="en-US" dirty="0"/>
           </a:p>
         </p:txBody>
       </p:sp>
@@ -11131,9 +12696,2042 @@
   <p:timing>
     <p:tnLst>
       <p:par>
-        <p:cTn id="1" dur="indefinite" restart="never" nodeType="tmRoot"/>
+        <p:cTn xmlns:p14="http://schemas.microsoft.com/office/powerpoint/2010/main" id="1" dur="indefinite" restart="never" nodeType="tmRoot">
+          <p:childTnLst>
+            <p:seq concurrent="1" nextAc="seek">
+              <p:cTn id="2" dur="indefinite" nodeType="mainSeq">
+                <p:childTnLst>
+                  <p:par>
+                    <p:cTn id="3" fill="hold">
+                      <p:stCondLst>
+                        <p:cond delay="indefinite"/>
+                      </p:stCondLst>
+                      <p:childTnLst>
+                        <p:par>
+                          <p:cTn id="4" fill="hold">
+                            <p:stCondLst>
+                              <p:cond delay="0"/>
+                            </p:stCondLst>
+                            <p:childTnLst>
+                              <p:par>
+                                <p:cTn id="5" presetID="10" presetClass="entr" presetSubtype="0" fill="hold" nodeType="clickEffect">
+                                  <p:stCondLst>
+                                    <p:cond delay="0"/>
+                                  </p:stCondLst>
+                                  <p:childTnLst>
+                                    <p:set>
+                                      <p:cBhvr>
+                                        <p:cTn id="6" dur="1" fill="hold">
+                                          <p:stCondLst>
+                                            <p:cond delay="0"/>
+                                          </p:stCondLst>
+                                        </p:cTn>
+                                        <p:tgtEl>
+                                          <p:spTgt spid="53"/>
+                                        </p:tgtEl>
+                                        <p:attrNameLst>
+                                          <p:attrName>style.visibility</p:attrName>
+                                        </p:attrNameLst>
+                                      </p:cBhvr>
+                                      <p:to>
+                                        <p:strVal val="visible"/>
+                                      </p:to>
+                                    </p:set>
+                                    <p:animEffect transition="in" filter="fade">
+                                      <p:cBhvr>
+                                        <p:cTn id="7" dur="500"/>
+                                        <p:tgtEl>
+                                          <p:spTgt spid="53"/>
+                                        </p:tgtEl>
+                                      </p:cBhvr>
+                                    </p:animEffect>
+                                  </p:childTnLst>
+                                </p:cTn>
+                              </p:par>
+                            </p:childTnLst>
+                          </p:cTn>
+                        </p:par>
+                      </p:childTnLst>
+                    </p:cTn>
+                  </p:par>
+                  <p:par>
+                    <p:cTn id="8" fill="hold">
+                      <p:stCondLst>
+                        <p:cond delay="indefinite"/>
+                      </p:stCondLst>
+                      <p:childTnLst>
+                        <p:par>
+                          <p:cTn id="9" fill="hold">
+                            <p:stCondLst>
+                              <p:cond delay="0"/>
+                            </p:stCondLst>
+                            <p:childTnLst>
+                              <p:par>
+                                <p:cTn id="10" presetID="10" presetClass="entr" presetSubtype="0" fill="hold" grpId="0" nodeType="clickEffect">
+                                  <p:stCondLst>
+                                    <p:cond delay="0"/>
+                                  </p:stCondLst>
+                                  <p:childTnLst>
+                                    <p:set>
+                                      <p:cBhvr>
+                                        <p:cTn id="11" dur="1" fill="hold">
+                                          <p:stCondLst>
+                                            <p:cond delay="0"/>
+                                          </p:stCondLst>
+                                        </p:cTn>
+                                        <p:tgtEl>
+                                          <p:spTgt spid="37"/>
+                                        </p:tgtEl>
+                                        <p:attrNameLst>
+                                          <p:attrName>style.visibility</p:attrName>
+                                        </p:attrNameLst>
+                                      </p:cBhvr>
+                                      <p:to>
+                                        <p:strVal val="visible"/>
+                                      </p:to>
+                                    </p:set>
+                                    <p:animEffect transition="in" filter="fade">
+                                      <p:cBhvr>
+                                        <p:cTn id="12" dur="500"/>
+                                        <p:tgtEl>
+                                          <p:spTgt spid="37"/>
+                                        </p:tgtEl>
+                                      </p:cBhvr>
+                                    </p:animEffect>
+                                  </p:childTnLst>
+                                </p:cTn>
+                              </p:par>
+                              <p:par>
+                                <p:cTn id="13" presetID="10" presetClass="entr" presetSubtype="0" fill="hold" grpId="0" nodeType="withEffect">
+                                  <p:stCondLst>
+                                    <p:cond delay="0"/>
+                                  </p:stCondLst>
+                                  <p:childTnLst>
+                                    <p:set>
+                                      <p:cBhvr>
+                                        <p:cTn id="14" dur="1" fill="hold">
+                                          <p:stCondLst>
+                                            <p:cond delay="0"/>
+                                          </p:stCondLst>
+                                        </p:cTn>
+                                        <p:tgtEl>
+                                          <p:spTgt spid="29"/>
+                                        </p:tgtEl>
+                                        <p:attrNameLst>
+                                          <p:attrName>style.visibility</p:attrName>
+                                        </p:attrNameLst>
+                                      </p:cBhvr>
+                                      <p:to>
+                                        <p:strVal val="visible"/>
+                                      </p:to>
+                                    </p:set>
+                                    <p:animEffect transition="in" filter="fade">
+                                      <p:cBhvr>
+                                        <p:cTn id="15" dur="500"/>
+                                        <p:tgtEl>
+                                          <p:spTgt spid="29"/>
+                                        </p:tgtEl>
+                                      </p:cBhvr>
+                                    </p:animEffect>
+                                  </p:childTnLst>
+                                </p:cTn>
+                              </p:par>
+                              <p:par>
+                                <p:cTn id="16" presetID="0" presetClass="path" presetSubtype="0" accel="50000" decel="50000" fill="hold" nodeType="withEffect">
+                                  <p:stCondLst>
+                                    <p:cond delay="0"/>
+                                  </p:stCondLst>
+                                  <p:childTnLst>
+                                    <p:animMotion origin="layout" path="M 0.00729 -0.01689 L -0.38513 -0.01712 " pathEditMode="relative" rAng="0" ptsTypes="AA">
+                                      <p:cBhvr>
+                                        <p:cTn id="17" dur="2000" fill="hold"/>
+                                        <p:tgtEl>
+                                          <p:spTgt spid="53"/>
+                                        </p:tgtEl>
+                                        <p:attrNameLst>
+                                          <p:attrName>ppt_x</p:attrName>
+                                          <p:attrName>ppt_y</p:attrName>
+                                        </p:attrNameLst>
+                                      </p:cBhvr>
+                                      <p:rCtr x="-19628" y="-23"/>
+                                    </p:animMotion>
+                                  </p:childTnLst>
+                                </p:cTn>
+                              </p:par>
+                            </p:childTnLst>
+                          </p:cTn>
+                        </p:par>
+                      </p:childTnLst>
+                    </p:cTn>
+                  </p:par>
+                  <p:par>
+                    <p:cTn id="18" fill="hold">
+                      <p:stCondLst>
+                        <p:cond delay="indefinite"/>
+                      </p:stCondLst>
+                      <p:childTnLst>
+                        <p:par>
+                          <p:cTn id="19" fill="hold">
+                            <p:stCondLst>
+                              <p:cond delay="0"/>
+                            </p:stCondLst>
+                            <p:childTnLst>
+                              <p:par>
+                                <p:cTn id="20" presetID="10" presetClass="exit" presetSubtype="0" fill="hold" nodeType="clickEffect">
+                                  <p:stCondLst>
+                                    <p:cond delay="0"/>
+                                  </p:stCondLst>
+                                  <p:childTnLst>
+                                    <p:animEffect transition="out" filter="fade">
+                                      <p:cBhvr>
+                                        <p:cTn id="21" dur="500"/>
+                                        <p:tgtEl>
+                                          <p:spTgt spid="53"/>
+                                        </p:tgtEl>
+                                      </p:cBhvr>
+                                    </p:animEffect>
+                                    <p:set>
+                                      <p:cBhvr>
+                                        <p:cTn id="22" dur="1" fill="hold">
+                                          <p:stCondLst>
+                                            <p:cond delay="499"/>
+                                          </p:stCondLst>
+                                        </p:cTn>
+                                        <p:tgtEl>
+                                          <p:spTgt spid="53"/>
+                                        </p:tgtEl>
+                                        <p:attrNameLst>
+                                          <p:attrName>style.visibility</p:attrName>
+                                        </p:attrNameLst>
+                                      </p:cBhvr>
+                                      <p:to>
+                                        <p:strVal val="hidden"/>
+                                      </p:to>
+                                    </p:set>
+                                  </p:childTnLst>
+                                </p:cTn>
+                              </p:par>
+                            </p:childTnLst>
+                          </p:cTn>
+                        </p:par>
+                      </p:childTnLst>
+                    </p:cTn>
+                  </p:par>
+                  <p:par>
+                    <p:cTn id="23" fill="hold">
+                      <p:stCondLst>
+                        <p:cond delay="indefinite"/>
+                      </p:stCondLst>
+                      <p:childTnLst>
+                        <p:par>
+                          <p:cTn id="24" fill="hold">
+                            <p:stCondLst>
+                              <p:cond delay="0"/>
+                            </p:stCondLst>
+                            <p:childTnLst>
+                              <p:par>
+                                <p:cTn id="25" presetID="10" presetClass="entr" presetSubtype="0" fill="hold" nodeType="clickEffect">
+                                  <p:stCondLst>
+                                    <p:cond delay="0"/>
+                                  </p:stCondLst>
+                                  <p:childTnLst>
+                                    <p:set>
+                                      <p:cBhvr>
+                                        <p:cTn id="26" dur="1" fill="hold">
+                                          <p:stCondLst>
+                                            <p:cond delay="0"/>
+                                          </p:stCondLst>
+                                        </p:cTn>
+                                        <p:tgtEl>
+                                          <p:spTgt spid="60"/>
+                                        </p:tgtEl>
+                                        <p:attrNameLst>
+                                          <p:attrName>style.visibility</p:attrName>
+                                        </p:attrNameLst>
+                                      </p:cBhvr>
+                                      <p:to>
+                                        <p:strVal val="visible"/>
+                                      </p:to>
+                                    </p:set>
+                                    <p:animEffect transition="in" filter="fade">
+                                      <p:cBhvr>
+                                        <p:cTn id="27" dur="500"/>
+                                        <p:tgtEl>
+                                          <p:spTgt spid="60"/>
+                                        </p:tgtEl>
+                                      </p:cBhvr>
+                                    </p:animEffect>
+                                  </p:childTnLst>
+                                </p:cTn>
+                              </p:par>
+                              <p:par>
+                                <p:cTn id="28" presetID="10" presetClass="exit" presetSubtype="0" fill="hold" grpId="5" nodeType="withEffect">
+                                  <p:stCondLst>
+                                    <p:cond delay="0"/>
+                                  </p:stCondLst>
+                                  <p:childTnLst>
+                                    <p:animEffect transition="out" filter="fade">
+                                      <p:cBhvr>
+                                        <p:cTn id="29" dur="500"/>
+                                        <p:tgtEl>
+                                          <p:spTgt spid="37"/>
+                                        </p:tgtEl>
+                                      </p:cBhvr>
+                                    </p:animEffect>
+                                    <p:set>
+                                      <p:cBhvr>
+                                        <p:cTn id="30" dur="1" fill="hold">
+                                          <p:stCondLst>
+                                            <p:cond delay="499"/>
+                                          </p:stCondLst>
+                                        </p:cTn>
+                                        <p:tgtEl>
+                                          <p:spTgt spid="37"/>
+                                        </p:tgtEl>
+                                        <p:attrNameLst>
+                                          <p:attrName>style.visibility</p:attrName>
+                                        </p:attrNameLst>
+                                      </p:cBhvr>
+                                      <p:to>
+                                        <p:strVal val="hidden"/>
+                                      </p:to>
+                                    </p:set>
+                                  </p:childTnLst>
+                                </p:cTn>
+                              </p:par>
+                              <p:par>
+                                <p:cTn id="31" presetID="10" presetClass="exit" presetSubtype="0" fill="hold" grpId="5" nodeType="withEffect">
+                                  <p:stCondLst>
+                                    <p:cond delay="0"/>
+                                  </p:stCondLst>
+                                  <p:childTnLst>
+                                    <p:animEffect transition="out" filter="fade">
+                                      <p:cBhvr>
+                                        <p:cTn id="32" dur="500"/>
+                                        <p:tgtEl>
+                                          <p:spTgt spid="29"/>
+                                        </p:tgtEl>
+                                      </p:cBhvr>
+                                    </p:animEffect>
+                                    <p:set>
+                                      <p:cBhvr>
+                                        <p:cTn id="33" dur="1" fill="hold">
+                                          <p:stCondLst>
+                                            <p:cond delay="499"/>
+                                          </p:stCondLst>
+                                        </p:cTn>
+                                        <p:tgtEl>
+                                          <p:spTgt spid="29"/>
+                                        </p:tgtEl>
+                                        <p:attrNameLst>
+                                          <p:attrName>style.visibility</p:attrName>
+                                        </p:attrNameLst>
+                                      </p:cBhvr>
+                                      <p:to>
+                                        <p:strVal val="hidden"/>
+                                      </p:to>
+                                    </p:set>
+                                  </p:childTnLst>
+                                </p:cTn>
+                              </p:par>
+                            </p:childTnLst>
+                          </p:cTn>
+                        </p:par>
+                      </p:childTnLst>
+                    </p:cTn>
+                  </p:par>
+                  <p:par>
+                    <p:cTn id="34" fill="hold">
+                      <p:stCondLst>
+                        <p:cond delay="indefinite"/>
+                      </p:stCondLst>
+                      <p:childTnLst>
+                        <p:par>
+                          <p:cTn id="35" fill="hold">
+                            <p:stCondLst>
+                              <p:cond delay="0"/>
+                            </p:stCondLst>
+                            <p:childTnLst>
+                              <p:par>
+                                <p:cTn id="36" presetID="0" presetClass="path" presetSubtype="0" accel="50000" decel="50000" fill="hold" nodeType="clickEffect">
+                                  <p:stCondLst>
+                                    <p:cond delay="0"/>
+                                  </p:stCondLst>
+                                  <p:childTnLst>
+                                    <p:animMotion origin="layout" path="M -2.97473E-6 5.118E-6 L 0.40466 5.118E-6 " pathEditMode="relative" ptsTypes="AA">
+                                      <p:cBhvr>
+                                        <p:cTn id="37" dur="2000" fill="hold"/>
+                                        <p:tgtEl>
+                                          <p:spTgt spid="60"/>
+                                        </p:tgtEl>
+                                        <p:attrNameLst>
+                                          <p:attrName>ppt_x</p:attrName>
+                                          <p:attrName>ppt_y</p:attrName>
+                                        </p:attrNameLst>
+                                      </p:cBhvr>
+                                    </p:animMotion>
+                                  </p:childTnLst>
+                                </p:cTn>
+                              </p:par>
+                              <p:par>
+                                <p:cTn id="38" presetID="10" presetClass="entr" presetSubtype="0" fill="hold" grpId="0" nodeType="withEffect">
+                                  <p:stCondLst>
+                                    <p:cond delay="0"/>
+                                  </p:stCondLst>
+                                  <p:childTnLst>
+                                    <p:set>
+                                      <p:cBhvr>
+                                        <p:cTn id="39" dur="1" fill="hold">
+                                          <p:stCondLst>
+                                            <p:cond delay="0"/>
+                                          </p:stCondLst>
+                                        </p:cTn>
+                                        <p:tgtEl>
+                                          <p:spTgt spid="27"/>
+                                        </p:tgtEl>
+                                        <p:attrNameLst>
+                                          <p:attrName>style.visibility</p:attrName>
+                                        </p:attrNameLst>
+                                      </p:cBhvr>
+                                      <p:to>
+                                        <p:strVal val="visible"/>
+                                      </p:to>
+                                    </p:set>
+                                    <p:animEffect transition="in" filter="fade">
+                                      <p:cBhvr>
+                                        <p:cTn id="40" dur="500"/>
+                                        <p:tgtEl>
+                                          <p:spTgt spid="27"/>
+                                        </p:tgtEl>
+                                      </p:cBhvr>
+                                    </p:animEffect>
+                                  </p:childTnLst>
+                                </p:cTn>
+                              </p:par>
+                              <p:par>
+                                <p:cTn id="41" presetID="10" presetClass="entr" presetSubtype="0" fill="hold" grpId="0" nodeType="withEffect">
+                                  <p:stCondLst>
+                                    <p:cond delay="0"/>
+                                  </p:stCondLst>
+                                  <p:childTnLst>
+                                    <p:set>
+                                      <p:cBhvr>
+                                        <p:cTn id="42" dur="1" fill="hold">
+                                          <p:stCondLst>
+                                            <p:cond delay="0"/>
+                                          </p:stCondLst>
+                                        </p:cTn>
+                                        <p:tgtEl>
+                                          <p:spTgt spid="38"/>
+                                        </p:tgtEl>
+                                        <p:attrNameLst>
+                                          <p:attrName>style.visibility</p:attrName>
+                                        </p:attrNameLst>
+                                      </p:cBhvr>
+                                      <p:to>
+                                        <p:strVal val="visible"/>
+                                      </p:to>
+                                    </p:set>
+                                    <p:animEffect transition="in" filter="fade">
+                                      <p:cBhvr>
+                                        <p:cTn id="43" dur="500"/>
+                                        <p:tgtEl>
+                                          <p:spTgt spid="38"/>
+                                        </p:tgtEl>
+                                      </p:cBhvr>
+                                    </p:animEffect>
+                                  </p:childTnLst>
+                                </p:cTn>
+                              </p:par>
+                            </p:childTnLst>
+                          </p:cTn>
+                        </p:par>
+                      </p:childTnLst>
+                    </p:cTn>
+                  </p:par>
+                  <p:par>
+                    <p:cTn id="44" fill="hold">
+                      <p:stCondLst>
+                        <p:cond delay="indefinite"/>
+                      </p:stCondLst>
+                      <p:childTnLst>
+                        <p:par>
+                          <p:cTn id="45" fill="hold">
+                            <p:stCondLst>
+                              <p:cond delay="0"/>
+                            </p:stCondLst>
+                            <p:childTnLst>
+                              <p:par>
+                                <p:cTn id="46" presetID="10" presetClass="exit" presetSubtype="0" fill="hold" nodeType="clickEffect">
+                                  <p:stCondLst>
+                                    <p:cond delay="0"/>
+                                  </p:stCondLst>
+                                  <p:childTnLst>
+                                    <p:animEffect transition="out" filter="fade">
+                                      <p:cBhvr>
+                                        <p:cTn id="47" dur="500"/>
+                                        <p:tgtEl>
+                                          <p:spTgt spid="60"/>
+                                        </p:tgtEl>
+                                      </p:cBhvr>
+                                    </p:animEffect>
+                                    <p:set>
+                                      <p:cBhvr>
+                                        <p:cTn id="48" dur="1" fill="hold">
+                                          <p:stCondLst>
+                                            <p:cond delay="499"/>
+                                          </p:stCondLst>
+                                        </p:cTn>
+                                        <p:tgtEl>
+                                          <p:spTgt spid="60"/>
+                                        </p:tgtEl>
+                                        <p:attrNameLst>
+                                          <p:attrName>style.visibility</p:attrName>
+                                        </p:attrNameLst>
+                                      </p:cBhvr>
+                                      <p:to>
+                                        <p:strVal val="hidden"/>
+                                      </p:to>
+                                    </p:set>
+                                  </p:childTnLst>
+                                </p:cTn>
+                              </p:par>
+                              <p:par>
+                                <p:cTn id="49" presetID="10" presetClass="exit" presetSubtype="0" fill="hold" grpId="1" nodeType="withEffect">
+                                  <p:stCondLst>
+                                    <p:cond delay="0"/>
+                                  </p:stCondLst>
+                                  <p:childTnLst>
+                                    <p:animEffect transition="out" filter="fade">
+                                      <p:cBhvr>
+                                        <p:cTn id="50" dur="500"/>
+                                        <p:tgtEl>
+                                          <p:spTgt spid="37"/>
+                                        </p:tgtEl>
+                                      </p:cBhvr>
+                                    </p:animEffect>
+                                    <p:set>
+                                      <p:cBhvr>
+                                        <p:cTn id="51" dur="1" fill="hold">
+                                          <p:stCondLst>
+                                            <p:cond delay="499"/>
+                                          </p:stCondLst>
+                                        </p:cTn>
+                                        <p:tgtEl>
+                                          <p:spTgt spid="37"/>
+                                        </p:tgtEl>
+                                        <p:attrNameLst>
+                                          <p:attrName>style.visibility</p:attrName>
+                                        </p:attrNameLst>
+                                      </p:cBhvr>
+                                      <p:to>
+                                        <p:strVal val="hidden"/>
+                                      </p:to>
+                                    </p:set>
+                                  </p:childTnLst>
+                                </p:cTn>
+                              </p:par>
+                              <p:par>
+                                <p:cTn id="52" presetID="10" presetClass="exit" presetSubtype="0" fill="hold" grpId="1" nodeType="withEffect">
+                                  <p:stCondLst>
+                                    <p:cond delay="0"/>
+                                  </p:stCondLst>
+                                  <p:childTnLst>
+                                    <p:animEffect transition="out" filter="fade">
+                                      <p:cBhvr>
+                                        <p:cTn id="53" dur="500"/>
+                                        <p:tgtEl>
+                                          <p:spTgt spid="29"/>
+                                        </p:tgtEl>
+                                      </p:cBhvr>
+                                    </p:animEffect>
+                                    <p:set>
+                                      <p:cBhvr>
+                                        <p:cTn id="54" dur="1" fill="hold">
+                                          <p:stCondLst>
+                                            <p:cond delay="499"/>
+                                          </p:stCondLst>
+                                        </p:cTn>
+                                        <p:tgtEl>
+                                          <p:spTgt spid="29"/>
+                                        </p:tgtEl>
+                                        <p:attrNameLst>
+                                          <p:attrName>style.visibility</p:attrName>
+                                        </p:attrNameLst>
+                                      </p:cBhvr>
+                                      <p:to>
+                                        <p:strVal val="hidden"/>
+                                      </p:to>
+                                    </p:set>
+                                  </p:childTnLst>
+                                </p:cTn>
+                              </p:par>
+                              <p:par>
+                                <p:cTn id="55" presetID="10" presetClass="exit" presetSubtype="0" fill="hold" grpId="1" nodeType="withEffect">
+                                  <p:stCondLst>
+                                    <p:cond delay="0"/>
+                                  </p:stCondLst>
+                                  <p:childTnLst>
+                                    <p:animEffect transition="out" filter="fade">
+                                      <p:cBhvr>
+                                        <p:cTn id="56" dur="500"/>
+                                        <p:tgtEl>
+                                          <p:spTgt spid="27"/>
+                                        </p:tgtEl>
+                                      </p:cBhvr>
+                                    </p:animEffect>
+                                    <p:set>
+                                      <p:cBhvr>
+                                        <p:cTn id="57" dur="1" fill="hold">
+                                          <p:stCondLst>
+                                            <p:cond delay="499"/>
+                                          </p:stCondLst>
+                                        </p:cTn>
+                                        <p:tgtEl>
+                                          <p:spTgt spid="27"/>
+                                        </p:tgtEl>
+                                        <p:attrNameLst>
+                                          <p:attrName>style.visibility</p:attrName>
+                                        </p:attrNameLst>
+                                      </p:cBhvr>
+                                      <p:to>
+                                        <p:strVal val="hidden"/>
+                                      </p:to>
+                                    </p:set>
+                                  </p:childTnLst>
+                                </p:cTn>
+                              </p:par>
+                              <p:par>
+                                <p:cTn id="58" presetID="10" presetClass="exit" presetSubtype="0" fill="hold" grpId="1" nodeType="withEffect">
+                                  <p:stCondLst>
+                                    <p:cond delay="0"/>
+                                  </p:stCondLst>
+                                  <p:childTnLst>
+                                    <p:animEffect transition="out" filter="fade">
+                                      <p:cBhvr>
+                                        <p:cTn id="59" dur="500"/>
+                                        <p:tgtEl>
+                                          <p:spTgt spid="38"/>
+                                        </p:tgtEl>
+                                      </p:cBhvr>
+                                    </p:animEffect>
+                                    <p:set>
+                                      <p:cBhvr>
+                                        <p:cTn id="60" dur="1" fill="hold">
+                                          <p:stCondLst>
+                                            <p:cond delay="499"/>
+                                          </p:stCondLst>
+                                        </p:cTn>
+                                        <p:tgtEl>
+                                          <p:spTgt spid="38"/>
+                                        </p:tgtEl>
+                                        <p:attrNameLst>
+                                          <p:attrName>style.visibility</p:attrName>
+                                        </p:attrNameLst>
+                                      </p:cBhvr>
+                                      <p:to>
+                                        <p:strVal val="hidden"/>
+                                      </p:to>
+                                    </p:set>
+                                  </p:childTnLst>
+                                </p:cTn>
+                              </p:par>
+                              <p:par>
+                                <p:cTn id="61" presetID="1" presetClass="exit" presetSubtype="0" fill="hold" nodeType="withEffect">
+                                  <p:stCondLst>
+                                    <p:cond delay="0"/>
+                                  </p:stCondLst>
+                                  <p:childTnLst>
+                                    <p:set>
+                                      <p:cBhvr>
+                                        <p:cTn id="62" dur="1" fill="hold">
+                                          <p:stCondLst>
+                                            <p:cond delay="0"/>
+                                          </p:stCondLst>
+                                        </p:cTn>
+                                        <p:tgtEl>
+                                          <p:spTgt spid="53"/>
+                                        </p:tgtEl>
+                                        <p:attrNameLst>
+                                          <p:attrName>style.visibility</p:attrName>
+                                        </p:attrNameLst>
+                                      </p:cBhvr>
+                                      <p:to>
+                                        <p:strVal val="hidden"/>
+                                      </p:to>
+                                    </p:set>
+                                  </p:childTnLst>
+                                </p:cTn>
+                              </p:par>
+                            </p:childTnLst>
+                          </p:cTn>
+                        </p:par>
+                      </p:childTnLst>
+                    </p:cTn>
+                  </p:par>
+                  <p:par>
+                    <p:cTn id="63" fill="hold">
+                      <p:stCondLst>
+                        <p:cond delay="indefinite"/>
+                      </p:stCondLst>
+                      <p:childTnLst>
+                        <p:par>
+                          <p:cTn id="64" fill="hold">
+                            <p:stCondLst>
+                              <p:cond delay="0"/>
+                            </p:stCondLst>
+                            <p:childTnLst>
+                              <p:par>
+                                <p:cTn id="65" presetID="10" presetClass="entr" presetSubtype="0" fill="hold" nodeType="clickEffect">
+                                  <p:stCondLst>
+                                    <p:cond delay="0"/>
+                                  </p:stCondLst>
+                                  <p:childTnLst>
+                                    <p:set>
+                                      <p:cBhvr>
+                                        <p:cTn id="66" dur="1" fill="hold">
+                                          <p:stCondLst>
+                                            <p:cond delay="0"/>
+                                          </p:stCondLst>
+                                        </p:cTn>
+                                        <p:tgtEl>
+                                          <p:spTgt spid="54"/>
+                                        </p:tgtEl>
+                                        <p:attrNameLst>
+                                          <p:attrName>style.visibility</p:attrName>
+                                        </p:attrNameLst>
+                                      </p:cBhvr>
+                                      <p:to>
+                                        <p:strVal val="visible"/>
+                                      </p:to>
+                                    </p:set>
+                                    <p:animEffect transition="in" filter="fade">
+                                      <p:cBhvr>
+                                        <p:cTn id="67" dur="500"/>
+                                        <p:tgtEl>
+                                          <p:spTgt spid="54"/>
+                                        </p:tgtEl>
+                                      </p:cBhvr>
+                                    </p:animEffect>
+                                  </p:childTnLst>
+                                </p:cTn>
+                              </p:par>
+                              <p:par>
+                                <p:cTn id="68" presetID="10" presetClass="entr" presetSubtype="0" fill="hold" grpId="0" nodeType="withEffect">
+                                  <p:stCondLst>
+                                    <p:cond delay="0"/>
+                                  </p:stCondLst>
+                                  <p:childTnLst>
+                                    <p:set>
+                                      <p:cBhvr>
+                                        <p:cTn id="69" dur="1" fill="hold">
+                                          <p:stCondLst>
+                                            <p:cond delay="0"/>
+                                          </p:stCondLst>
+                                        </p:cTn>
+                                        <p:tgtEl>
+                                          <p:spTgt spid="42"/>
+                                        </p:tgtEl>
+                                        <p:attrNameLst>
+                                          <p:attrName>style.visibility</p:attrName>
+                                        </p:attrNameLst>
+                                      </p:cBhvr>
+                                      <p:to>
+                                        <p:strVal val="visible"/>
+                                      </p:to>
+                                    </p:set>
+                                    <p:animEffect transition="in" filter="fade">
+                                      <p:cBhvr>
+                                        <p:cTn id="70" dur="500"/>
+                                        <p:tgtEl>
+                                          <p:spTgt spid="42"/>
+                                        </p:tgtEl>
+                                      </p:cBhvr>
+                                    </p:animEffect>
+                                  </p:childTnLst>
+                                </p:cTn>
+                              </p:par>
+                              <p:par>
+                                <p:cTn id="71" presetID="10" presetClass="entr" presetSubtype="0" fill="hold" grpId="0" nodeType="withEffect">
+                                  <p:stCondLst>
+                                    <p:cond delay="0"/>
+                                  </p:stCondLst>
+                                  <p:childTnLst>
+                                    <p:set>
+                                      <p:cBhvr>
+                                        <p:cTn id="72" dur="1" fill="hold">
+                                          <p:stCondLst>
+                                            <p:cond delay="0"/>
+                                          </p:stCondLst>
+                                        </p:cTn>
+                                        <p:tgtEl>
+                                          <p:spTgt spid="43"/>
+                                        </p:tgtEl>
+                                        <p:attrNameLst>
+                                          <p:attrName>style.visibility</p:attrName>
+                                        </p:attrNameLst>
+                                      </p:cBhvr>
+                                      <p:to>
+                                        <p:strVal val="visible"/>
+                                      </p:to>
+                                    </p:set>
+                                    <p:animEffect transition="in" filter="fade">
+                                      <p:cBhvr>
+                                        <p:cTn id="73" dur="500"/>
+                                        <p:tgtEl>
+                                          <p:spTgt spid="43"/>
+                                        </p:tgtEl>
+                                      </p:cBhvr>
+                                    </p:animEffect>
+                                  </p:childTnLst>
+                                </p:cTn>
+                              </p:par>
+                            </p:childTnLst>
+                          </p:cTn>
+                        </p:par>
+                      </p:childTnLst>
+                    </p:cTn>
+                  </p:par>
+                  <p:par>
+                    <p:cTn id="74" fill="hold">
+                      <p:stCondLst>
+                        <p:cond delay="indefinite"/>
+                      </p:stCondLst>
+                      <p:childTnLst>
+                        <p:par>
+                          <p:cTn id="75" fill="hold">
+                            <p:stCondLst>
+                              <p:cond delay="0"/>
+                            </p:stCondLst>
+                            <p:childTnLst>
+                              <p:par>
+                                <p:cTn id="76" presetID="10" presetClass="entr" presetSubtype="0" fill="hold" grpId="2" nodeType="clickEffect">
+                                  <p:stCondLst>
+                                    <p:cond delay="0"/>
+                                  </p:stCondLst>
+                                  <p:childTnLst>
+                                    <p:set>
+                                      <p:cBhvr>
+                                        <p:cTn id="77" dur="1" fill="hold">
+                                          <p:stCondLst>
+                                            <p:cond delay="0"/>
+                                          </p:stCondLst>
+                                        </p:cTn>
+                                        <p:tgtEl>
+                                          <p:spTgt spid="29"/>
+                                        </p:tgtEl>
+                                        <p:attrNameLst>
+                                          <p:attrName>style.visibility</p:attrName>
+                                        </p:attrNameLst>
+                                      </p:cBhvr>
+                                      <p:to>
+                                        <p:strVal val="visible"/>
+                                      </p:to>
+                                    </p:set>
+                                    <p:animEffect transition="in" filter="fade">
+                                      <p:cBhvr>
+                                        <p:cTn id="78" dur="500"/>
+                                        <p:tgtEl>
+                                          <p:spTgt spid="29"/>
+                                        </p:tgtEl>
+                                      </p:cBhvr>
+                                    </p:animEffect>
+                                  </p:childTnLst>
+                                </p:cTn>
+                              </p:par>
+                              <p:par>
+                                <p:cTn id="79" presetID="10" presetClass="entr" presetSubtype="0" fill="hold" grpId="2" nodeType="withEffect">
+                                  <p:stCondLst>
+                                    <p:cond delay="0"/>
+                                  </p:stCondLst>
+                                  <p:childTnLst>
+                                    <p:set>
+                                      <p:cBhvr>
+                                        <p:cTn id="80" dur="1" fill="hold">
+                                          <p:stCondLst>
+                                            <p:cond delay="0"/>
+                                          </p:stCondLst>
+                                        </p:cTn>
+                                        <p:tgtEl>
+                                          <p:spTgt spid="37"/>
+                                        </p:tgtEl>
+                                        <p:attrNameLst>
+                                          <p:attrName>style.visibility</p:attrName>
+                                        </p:attrNameLst>
+                                      </p:cBhvr>
+                                      <p:to>
+                                        <p:strVal val="visible"/>
+                                      </p:to>
+                                    </p:set>
+                                    <p:animEffect transition="in" filter="fade">
+                                      <p:cBhvr>
+                                        <p:cTn id="81" dur="500"/>
+                                        <p:tgtEl>
+                                          <p:spTgt spid="37"/>
+                                        </p:tgtEl>
+                                      </p:cBhvr>
+                                    </p:animEffect>
+                                  </p:childTnLst>
+                                </p:cTn>
+                              </p:par>
+                            </p:childTnLst>
+                          </p:cTn>
+                        </p:par>
+                      </p:childTnLst>
+                    </p:cTn>
+                  </p:par>
+                  <p:par>
+                    <p:cTn id="82" fill="hold">
+                      <p:stCondLst>
+                        <p:cond delay="indefinite"/>
+                      </p:stCondLst>
+                      <p:childTnLst>
+                        <p:par>
+                          <p:cTn id="83" fill="hold">
+                            <p:stCondLst>
+                              <p:cond delay="0"/>
+                            </p:stCondLst>
+                            <p:childTnLst>
+                              <p:par>
+                                <p:cTn id="84" presetID="10" presetClass="entr" presetSubtype="0" fill="hold" grpId="2" nodeType="clickEffect">
+                                  <p:stCondLst>
+                                    <p:cond delay="0"/>
+                                  </p:stCondLst>
+                                  <p:childTnLst>
+                                    <p:set>
+                                      <p:cBhvr>
+                                        <p:cTn id="85" dur="1" fill="hold">
+                                          <p:stCondLst>
+                                            <p:cond delay="0"/>
+                                          </p:stCondLst>
+                                        </p:cTn>
+                                        <p:tgtEl>
+                                          <p:spTgt spid="27"/>
+                                        </p:tgtEl>
+                                        <p:attrNameLst>
+                                          <p:attrName>style.visibility</p:attrName>
+                                        </p:attrNameLst>
+                                      </p:cBhvr>
+                                      <p:to>
+                                        <p:strVal val="visible"/>
+                                      </p:to>
+                                    </p:set>
+                                    <p:animEffect transition="in" filter="fade">
+                                      <p:cBhvr>
+                                        <p:cTn id="86" dur="500"/>
+                                        <p:tgtEl>
+                                          <p:spTgt spid="27"/>
+                                        </p:tgtEl>
+                                      </p:cBhvr>
+                                    </p:animEffect>
+                                  </p:childTnLst>
+                                </p:cTn>
+                              </p:par>
+                              <p:par>
+                                <p:cTn id="87" presetID="10" presetClass="entr" presetSubtype="0" fill="hold" grpId="2" nodeType="withEffect">
+                                  <p:stCondLst>
+                                    <p:cond delay="0"/>
+                                  </p:stCondLst>
+                                  <p:childTnLst>
+                                    <p:set>
+                                      <p:cBhvr>
+                                        <p:cTn id="88" dur="1" fill="hold">
+                                          <p:stCondLst>
+                                            <p:cond delay="0"/>
+                                          </p:stCondLst>
+                                        </p:cTn>
+                                        <p:tgtEl>
+                                          <p:spTgt spid="38"/>
+                                        </p:tgtEl>
+                                        <p:attrNameLst>
+                                          <p:attrName>style.visibility</p:attrName>
+                                        </p:attrNameLst>
+                                      </p:cBhvr>
+                                      <p:to>
+                                        <p:strVal val="visible"/>
+                                      </p:to>
+                                    </p:set>
+                                    <p:animEffect transition="in" filter="fade">
+                                      <p:cBhvr>
+                                        <p:cTn id="89" dur="500"/>
+                                        <p:tgtEl>
+                                          <p:spTgt spid="38"/>
+                                        </p:tgtEl>
+                                      </p:cBhvr>
+                                    </p:animEffect>
+                                  </p:childTnLst>
+                                </p:cTn>
+                              </p:par>
+                              <p:par>
+                                <p:cTn id="90" presetID="10" presetClass="exit" presetSubtype="0" fill="hold" grpId="3" nodeType="withEffect">
+                                  <p:stCondLst>
+                                    <p:cond delay="0"/>
+                                  </p:stCondLst>
+                                  <p:childTnLst>
+                                    <p:animEffect transition="out" filter="fade">
+                                      <p:cBhvr>
+                                        <p:cTn id="91" dur="500"/>
+                                        <p:tgtEl>
+                                          <p:spTgt spid="29"/>
+                                        </p:tgtEl>
+                                      </p:cBhvr>
+                                    </p:animEffect>
+                                    <p:set>
+                                      <p:cBhvr>
+                                        <p:cTn id="92" dur="1" fill="hold">
+                                          <p:stCondLst>
+                                            <p:cond delay="499"/>
+                                          </p:stCondLst>
+                                        </p:cTn>
+                                        <p:tgtEl>
+                                          <p:spTgt spid="29"/>
+                                        </p:tgtEl>
+                                        <p:attrNameLst>
+                                          <p:attrName>style.visibility</p:attrName>
+                                        </p:attrNameLst>
+                                      </p:cBhvr>
+                                      <p:to>
+                                        <p:strVal val="hidden"/>
+                                      </p:to>
+                                    </p:set>
+                                  </p:childTnLst>
+                                </p:cTn>
+                              </p:par>
+                              <p:par>
+                                <p:cTn id="93" presetID="10" presetClass="exit" presetSubtype="0" fill="hold" grpId="3" nodeType="withEffect">
+                                  <p:stCondLst>
+                                    <p:cond delay="0"/>
+                                  </p:stCondLst>
+                                  <p:childTnLst>
+                                    <p:animEffect transition="out" filter="fade">
+                                      <p:cBhvr>
+                                        <p:cTn id="94" dur="500"/>
+                                        <p:tgtEl>
+                                          <p:spTgt spid="37"/>
+                                        </p:tgtEl>
+                                      </p:cBhvr>
+                                    </p:animEffect>
+                                    <p:set>
+                                      <p:cBhvr>
+                                        <p:cTn id="95" dur="1" fill="hold">
+                                          <p:stCondLst>
+                                            <p:cond delay="499"/>
+                                          </p:stCondLst>
+                                        </p:cTn>
+                                        <p:tgtEl>
+                                          <p:spTgt spid="37"/>
+                                        </p:tgtEl>
+                                        <p:attrNameLst>
+                                          <p:attrName>style.visibility</p:attrName>
+                                        </p:attrNameLst>
+                                      </p:cBhvr>
+                                      <p:to>
+                                        <p:strVal val="hidden"/>
+                                      </p:to>
+                                    </p:set>
+                                  </p:childTnLst>
+                                </p:cTn>
+                              </p:par>
+                              <p:par>
+                                <p:cTn id="96" presetID="10" presetClass="entr" presetSubtype="0" fill="hold" nodeType="withEffect">
+                                  <p:stCondLst>
+                                    <p:cond delay="0"/>
+                                  </p:stCondLst>
+                                  <p:childTnLst>
+                                    <p:set>
+                                      <p:cBhvr>
+                                        <p:cTn id="97" dur="1" fill="hold">
+                                          <p:stCondLst>
+                                            <p:cond delay="0"/>
+                                          </p:stCondLst>
+                                        </p:cTn>
+                                        <p:tgtEl>
+                                          <p:spTgt spid="65"/>
+                                        </p:tgtEl>
+                                        <p:attrNameLst>
+                                          <p:attrName>style.visibility</p:attrName>
+                                        </p:attrNameLst>
+                                      </p:cBhvr>
+                                      <p:to>
+                                        <p:strVal val="visible"/>
+                                      </p:to>
+                                    </p:set>
+                                    <p:animEffect transition="in" filter="fade">
+                                      <p:cBhvr>
+                                        <p:cTn id="98" dur="500"/>
+                                        <p:tgtEl>
+                                          <p:spTgt spid="65"/>
+                                        </p:tgtEl>
+                                      </p:cBhvr>
+                                    </p:animEffect>
+                                  </p:childTnLst>
+                                </p:cTn>
+                              </p:par>
+                              <p:par>
+                                <p:cTn id="99" presetID="0" presetClass="path" presetSubtype="0" accel="50000" decel="50000" fill="hold" nodeType="withEffect">
+                                  <p:stCondLst>
+                                    <p:cond delay="0"/>
+                                  </p:stCondLst>
+                                  <p:childTnLst>
+                                    <p:animMotion origin="layout" path="M -0.01238 -0.00902 L 0.37991 -0.01434 " pathEditMode="relative" rAng="0" ptsTypes="AA">
+                                      <p:cBhvr>
+                                        <p:cTn id="100" dur="2000" fill="hold"/>
+                                        <p:tgtEl>
+                                          <p:spTgt spid="65"/>
+                                        </p:tgtEl>
+                                        <p:attrNameLst>
+                                          <p:attrName>ppt_x</p:attrName>
+                                          <p:attrName>ppt_y</p:attrName>
+                                        </p:attrNameLst>
+                                      </p:cBhvr>
+                                      <p:rCtr x="19614" y="-278"/>
+                                    </p:animMotion>
+                                  </p:childTnLst>
+                                </p:cTn>
+                              </p:par>
+                            </p:childTnLst>
+                          </p:cTn>
+                        </p:par>
+                      </p:childTnLst>
+                    </p:cTn>
+                  </p:par>
+                  <p:par>
+                    <p:cTn id="101" fill="hold">
+                      <p:stCondLst>
+                        <p:cond delay="indefinite"/>
+                      </p:stCondLst>
+                      <p:childTnLst>
+                        <p:par>
+                          <p:cTn id="102" fill="hold">
+                            <p:stCondLst>
+                              <p:cond delay="0"/>
+                            </p:stCondLst>
+                            <p:childTnLst>
+                              <p:par>
+                                <p:cTn id="103" presetID="10" presetClass="exit" presetSubtype="0" fill="hold" nodeType="clickEffect">
+                                  <p:stCondLst>
+                                    <p:cond delay="0"/>
+                                  </p:stCondLst>
+                                  <p:childTnLst>
+                                    <p:animEffect transition="out" filter="fade">
+                                      <p:cBhvr>
+                                        <p:cTn id="104" dur="500"/>
+                                        <p:tgtEl>
+                                          <p:spTgt spid="65"/>
+                                        </p:tgtEl>
+                                      </p:cBhvr>
+                                    </p:animEffect>
+                                    <p:set>
+                                      <p:cBhvr>
+                                        <p:cTn id="105" dur="1" fill="hold">
+                                          <p:stCondLst>
+                                            <p:cond delay="499"/>
+                                          </p:stCondLst>
+                                        </p:cTn>
+                                        <p:tgtEl>
+                                          <p:spTgt spid="65"/>
+                                        </p:tgtEl>
+                                        <p:attrNameLst>
+                                          <p:attrName>style.visibility</p:attrName>
+                                        </p:attrNameLst>
+                                      </p:cBhvr>
+                                      <p:to>
+                                        <p:strVal val="hidden"/>
+                                      </p:to>
+                                    </p:set>
+                                  </p:childTnLst>
+                                </p:cTn>
+                              </p:par>
+                              <p:par>
+                                <p:cTn id="106" presetID="10" presetClass="exit" presetSubtype="0" fill="hold" nodeType="withEffect">
+                                  <p:stCondLst>
+                                    <p:cond delay="0"/>
+                                  </p:stCondLst>
+                                  <p:childTnLst>
+                                    <p:animEffect transition="out" filter="fade">
+                                      <p:cBhvr>
+                                        <p:cTn id="107" dur="500"/>
+                                        <p:tgtEl>
+                                          <p:spTgt spid="54"/>
+                                        </p:tgtEl>
+                                      </p:cBhvr>
+                                    </p:animEffect>
+                                    <p:set>
+                                      <p:cBhvr>
+                                        <p:cTn id="108" dur="1" fill="hold">
+                                          <p:stCondLst>
+                                            <p:cond delay="499"/>
+                                          </p:stCondLst>
+                                        </p:cTn>
+                                        <p:tgtEl>
+                                          <p:spTgt spid="54"/>
+                                        </p:tgtEl>
+                                        <p:attrNameLst>
+                                          <p:attrName>style.visibility</p:attrName>
+                                        </p:attrNameLst>
+                                      </p:cBhvr>
+                                      <p:to>
+                                        <p:strVal val="hidden"/>
+                                      </p:to>
+                                    </p:set>
+                                  </p:childTnLst>
+                                </p:cTn>
+                              </p:par>
+                              <p:par>
+                                <p:cTn id="109" presetID="10" presetClass="exit" presetSubtype="0" fill="hold" grpId="1" nodeType="withEffect">
+                                  <p:stCondLst>
+                                    <p:cond delay="0"/>
+                                  </p:stCondLst>
+                                  <p:childTnLst>
+                                    <p:animEffect transition="out" filter="fade">
+                                      <p:cBhvr>
+                                        <p:cTn id="110" dur="500"/>
+                                        <p:tgtEl>
+                                          <p:spTgt spid="42"/>
+                                        </p:tgtEl>
+                                      </p:cBhvr>
+                                    </p:animEffect>
+                                    <p:set>
+                                      <p:cBhvr>
+                                        <p:cTn id="111" dur="1" fill="hold">
+                                          <p:stCondLst>
+                                            <p:cond delay="499"/>
+                                          </p:stCondLst>
+                                        </p:cTn>
+                                        <p:tgtEl>
+                                          <p:spTgt spid="42"/>
+                                        </p:tgtEl>
+                                        <p:attrNameLst>
+                                          <p:attrName>style.visibility</p:attrName>
+                                        </p:attrNameLst>
+                                      </p:cBhvr>
+                                      <p:to>
+                                        <p:strVal val="hidden"/>
+                                      </p:to>
+                                    </p:set>
+                                  </p:childTnLst>
+                                </p:cTn>
+                              </p:par>
+                              <p:par>
+                                <p:cTn id="112" presetID="10" presetClass="exit" presetSubtype="0" fill="hold" grpId="1" nodeType="withEffect">
+                                  <p:stCondLst>
+                                    <p:cond delay="0"/>
+                                  </p:stCondLst>
+                                  <p:childTnLst>
+                                    <p:animEffect transition="out" filter="fade">
+                                      <p:cBhvr>
+                                        <p:cTn id="113" dur="500"/>
+                                        <p:tgtEl>
+                                          <p:spTgt spid="43"/>
+                                        </p:tgtEl>
+                                      </p:cBhvr>
+                                    </p:animEffect>
+                                    <p:set>
+                                      <p:cBhvr>
+                                        <p:cTn id="114" dur="1" fill="hold">
+                                          <p:stCondLst>
+                                            <p:cond delay="499"/>
+                                          </p:stCondLst>
+                                        </p:cTn>
+                                        <p:tgtEl>
+                                          <p:spTgt spid="43"/>
+                                        </p:tgtEl>
+                                        <p:attrNameLst>
+                                          <p:attrName>style.visibility</p:attrName>
+                                        </p:attrNameLst>
+                                      </p:cBhvr>
+                                      <p:to>
+                                        <p:strVal val="hidden"/>
+                                      </p:to>
+                                    </p:set>
+                                  </p:childTnLst>
+                                </p:cTn>
+                              </p:par>
+                              <p:par>
+                                <p:cTn id="115" presetID="10" presetClass="exit" presetSubtype="0" fill="hold" grpId="3" nodeType="withEffect">
+                                  <p:stCondLst>
+                                    <p:cond delay="0"/>
+                                  </p:stCondLst>
+                                  <p:childTnLst>
+                                    <p:animEffect transition="out" filter="fade">
+                                      <p:cBhvr>
+                                        <p:cTn id="116" dur="500"/>
+                                        <p:tgtEl>
+                                          <p:spTgt spid="38"/>
+                                        </p:tgtEl>
+                                      </p:cBhvr>
+                                    </p:animEffect>
+                                    <p:set>
+                                      <p:cBhvr>
+                                        <p:cTn id="117" dur="1" fill="hold">
+                                          <p:stCondLst>
+                                            <p:cond delay="499"/>
+                                          </p:stCondLst>
+                                        </p:cTn>
+                                        <p:tgtEl>
+                                          <p:spTgt spid="38"/>
+                                        </p:tgtEl>
+                                        <p:attrNameLst>
+                                          <p:attrName>style.visibility</p:attrName>
+                                        </p:attrNameLst>
+                                      </p:cBhvr>
+                                      <p:to>
+                                        <p:strVal val="hidden"/>
+                                      </p:to>
+                                    </p:set>
+                                  </p:childTnLst>
+                                </p:cTn>
+                              </p:par>
+                              <p:par>
+                                <p:cTn id="118" presetID="10" presetClass="exit" presetSubtype="0" fill="hold" grpId="3" nodeType="withEffect">
+                                  <p:stCondLst>
+                                    <p:cond delay="0"/>
+                                  </p:stCondLst>
+                                  <p:childTnLst>
+                                    <p:animEffect transition="out" filter="fade">
+                                      <p:cBhvr>
+                                        <p:cTn id="119" dur="500"/>
+                                        <p:tgtEl>
+                                          <p:spTgt spid="27"/>
+                                        </p:tgtEl>
+                                      </p:cBhvr>
+                                    </p:animEffect>
+                                    <p:set>
+                                      <p:cBhvr>
+                                        <p:cTn id="120" dur="1" fill="hold">
+                                          <p:stCondLst>
+                                            <p:cond delay="499"/>
+                                          </p:stCondLst>
+                                        </p:cTn>
+                                        <p:tgtEl>
+                                          <p:spTgt spid="27"/>
+                                        </p:tgtEl>
+                                        <p:attrNameLst>
+                                          <p:attrName>style.visibility</p:attrName>
+                                        </p:attrNameLst>
+                                      </p:cBhvr>
+                                      <p:to>
+                                        <p:strVal val="hidden"/>
+                                      </p:to>
+                                    </p:set>
+                                  </p:childTnLst>
+                                </p:cTn>
+                              </p:par>
+                              <p:par>
+                                <p:cTn id="121" presetID="10" presetClass="exit" presetSubtype="0" fill="hold" grpId="4" nodeType="withEffect">
+                                  <p:stCondLst>
+                                    <p:cond delay="0"/>
+                                  </p:stCondLst>
+                                  <p:childTnLst>
+                                    <p:animEffect transition="out" filter="fade">
+                                      <p:cBhvr>
+                                        <p:cTn id="122" dur="500"/>
+                                        <p:tgtEl>
+                                          <p:spTgt spid="29"/>
+                                        </p:tgtEl>
+                                      </p:cBhvr>
+                                    </p:animEffect>
+                                    <p:set>
+                                      <p:cBhvr>
+                                        <p:cTn id="123" dur="1" fill="hold">
+                                          <p:stCondLst>
+                                            <p:cond delay="499"/>
+                                          </p:stCondLst>
+                                        </p:cTn>
+                                        <p:tgtEl>
+                                          <p:spTgt spid="29"/>
+                                        </p:tgtEl>
+                                        <p:attrNameLst>
+                                          <p:attrName>style.visibility</p:attrName>
+                                        </p:attrNameLst>
+                                      </p:cBhvr>
+                                      <p:to>
+                                        <p:strVal val="hidden"/>
+                                      </p:to>
+                                    </p:set>
+                                  </p:childTnLst>
+                                </p:cTn>
+                              </p:par>
+                              <p:par>
+                                <p:cTn id="124" presetID="10" presetClass="exit" presetSubtype="0" fill="hold" grpId="4" nodeType="withEffect">
+                                  <p:stCondLst>
+                                    <p:cond delay="0"/>
+                                  </p:stCondLst>
+                                  <p:childTnLst>
+                                    <p:animEffect transition="out" filter="fade">
+                                      <p:cBhvr>
+                                        <p:cTn id="125" dur="500"/>
+                                        <p:tgtEl>
+                                          <p:spTgt spid="37"/>
+                                        </p:tgtEl>
+                                      </p:cBhvr>
+                                    </p:animEffect>
+                                    <p:set>
+                                      <p:cBhvr>
+                                        <p:cTn id="126" dur="1" fill="hold">
+                                          <p:stCondLst>
+                                            <p:cond delay="499"/>
+                                          </p:stCondLst>
+                                        </p:cTn>
+                                        <p:tgtEl>
+                                          <p:spTgt spid="37"/>
+                                        </p:tgtEl>
+                                        <p:attrNameLst>
+                                          <p:attrName>style.visibility</p:attrName>
+                                        </p:attrNameLst>
+                                      </p:cBhvr>
+                                      <p:to>
+                                        <p:strVal val="hidden"/>
+                                      </p:to>
+                                    </p:set>
+                                  </p:childTnLst>
+                                </p:cTn>
+                              </p:par>
+                            </p:childTnLst>
+                          </p:cTn>
+                        </p:par>
+                      </p:childTnLst>
+                    </p:cTn>
+                  </p:par>
+                  <p:par>
+                    <p:cTn id="127" fill="hold">
+                      <p:stCondLst>
+                        <p:cond delay="indefinite"/>
+                      </p:stCondLst>
+                      <p:childTnLst>
+                        <p:par>
+                          <p:cTn id="128" fill="hold">
+                            <p:stCondLst>
+                              <p:cond delay="0"/>
+                            </p:stCondLst>
+                            <p:childTnLst>
+                              <p:par>
+                                <p:cTn id="129" presetID="10" presetClass="entr" presetSubtype="0" fill="hold" nodeType="clickEffect">
+                                  <p:stCondLst>
+                                    <p:cond delay="0"/>
+                                  </p:stCondLst>
+                                  <p:childTnLst>
+                                    <p:set>
+                                      <p:cBhvr>
+                                        <p:cTn id="130" dur="1" fill="hold">
+                                          <p:stCondLst>
+                                            <p:cond delay="0"/>
+                                          </p:stCondLst>
+                                        </p:cTn>
+                                        <p:tgtEl>
+                                          <p:spTgt spid="61"/>
+                                        </p:tgtEl>
+                                        <p:attrNameLst>
+                                          <p:attrName>style.visibility</p:attrName>
+                                        </p:attrNameLst>
+                                      </p:cBhvr>
+                                      <p:to>
+                                        <p:strVal val="visible"/>
+                                      </p:to>
+                                    </p:set>
+                                    <p:animEffect transition="in" filter="fade">
+                                      <p:cBhvr>
+                                        <p:cTn id="131" dur="500"/>
+                                        <p:tgtEl>
+                                          <p:spTgt spid="61"/>
+                                        </p:tgtEl>
+                                      </p:cBhvr>
+                                    </p:animEffect>
+                                  </p:childTnLst>
+                                </p:cTn>
+                              </p:par>
+                              <p:par>
+                                <p:cTn id="132" presetID="10" presetClass="entr" presetSubtype="0" fill="hold" grpId="0" nodeType="withEffect">
+                                  <p:stCondLst>
+                                    <p:cond delay="0"/>
+                                  </p:stCondLst>
+                                  <p:childTnLst>
+                                    <p:set>
+                                      <p:cBhvr>
+                                        <p:cTn id="133" dur="1" fill="hold">
+                                          <p:stCondLst>
+                                            <p:cond delay="0"/>
+                                          </p:stCondLst>
+                                        </p:cTn>
+                                        <p:tgtEl>
+                                          <p:spTgt spid="26"/>
+                                        </p:tgtEl>
+                                        <p:attrNameLst>
+                                          <p:attrName>style.visibility</p:attrName>
+                                        </p:attrNameLst>
+                                      </p:cBhvr>
+                                      <p:to>
+                                        <p:strVal val="visible"/>
+                                      </p:to>
+                                    </p:set>
+                                    <p:animEffect transition="in" filter="fade">
+                                      <p:cBhvr>
+                                        <p:cTn id="134" dur="500"/>
+                                        <p:tgtEl>
+                                          <p:spTgt spid="26"/>
+                                        </p:tgtEl>
+                                      </p:cBhvr>
+                                    </p:animEffect>
+                                  </p:childTnLst>
+                                </p:cTn>
+                              </p:par>
+                              <p:par>
+                                <p:cTn id="135" presetID="10" presetClass="entr" presetSubtype="0" fill="hold" grpId="0" nodeType="withEffect">
+                                  <p:stCondLst>
+                                    <p:cond delay="0"/>
+                                  </p:stCondLst>
+                                  <p:childTnLst>
+                                    <p:set>
+                                      <p:cBhvr>
+                                        <p:cTn id="136" dur="1" fill="hold">
+                                          <p:stCondLst>
+                                            <p:cond delay="0"/>
+                                          </p:stCondLst>
+                                        </p:cTn>
+                                        <p:tgtEl>
+                                          <p:spTgt spid="35"/>
+                                        </p:tgtEl>
+                                        <p:attrNameLst>
+                                          <p:attrName>style.visibility</p:attrName>
+                                        </p:attrNameLst>
+                                      </p:cBhvr>
+                                      <p:to>
+                                        <p:strVal val="visible"/>
+                                      </p:to>
+                                    </p:set>
+                                    <p:animEffect transition="in" filter="fade">
+                                      <p:cBhvr>
+                                        <p:cTn id="137" dur="500"/>
+                                        <p:tgtEl>
+                                          <p:spTgt spid="35"/>
+                                        </p:tgtEl>
+                                      </p:cBhvr>
+                                    </p:animEffect>
+                                  </p:childTnLst>
+                                </p:cTn>
+                              </p:par>
+                            </p:childTnLst>
+                          </p:cTn>
+                        </p:par>
+                      </p:childTnLst>
+                    </p:cTn>
+                  </p:par>
+                  <p:par>
+                    <p:cTn id="138" fill="hold">
+                      <p:stCondLst>
+                        <p:cond delay="indefinite"/>
+                      </p:stCondLst>
+                      <p:childTnLst>
+                        <p:par>
+                          <p:cTn id="139" fill="hold">
+                            <p:stCondLst>
+                              <p:cond delay="0"/>
+                            </p:stCondLst>
+                            <p:childTnLst>
+                              <p:par>
+                                <p:cTn id="140" presetID="10" presetClass="entr" presetSubtype="0" fill="hold" grpId="0" nodeType="clickEffect">
+                                  <p:stCondLst>
+                                    <p:cond delay="0"/>
+                                  </p:stCondLst>
+                                  <p:childTnLst>
+                                    <p:set>
+                                      <p:cBhvr>
+                                        <p:cTn id="141" dur="1" fill="hold">
+                                          <p:stCondLst>
+                                            <p:cond delay="0"/>
+                                          </p:stCondLst>
+                                        </p:cTn>
+                                        <p:tgtEl>
+                                          <p:spTgt spid="62"/>
+                                        </p:tgtEl>
+                                        <p:attrNameLst>
+                                          <p:attrName>style.visibility</p:attrName>
+                                        </p:attrNameLst>
+                                      </p:cBhvr>
+                                      <p:to>
+                                        <p:strVal val="visible"/>
+                                      </p:to>
+                                    </p:set>
+                                    <p:animEffect transition="in" filter="fade">
+                                      <p:cBhvr>
+                                        <p:cTn id="142" dur="500"/>
+                                        <p:tgtEl>
+                                          <p:spTgt spid="62"/>
+                                        </p:tgtEl>
+                                      </p:cBhvr>
+                                    </p:animEffect>
+                                  </p:childTnLst>
+                                </p:cTn>
+                              </p:par>
+                              <p:par>
+                                <p:cTn id="143" presetID="10" presetClass="entr" presetSubtype="0" fill="hold" grpId="4" nodeType="withEffect">
+                                  <p:stCondLst>
+                                    <p:cond delay="0"/>
+                                  </p:stCondLst>
+                                  <p:childTnLst>
+                                    <p:set>
+                                      <p:cBhvr>
+                                        <p:cTn id="144" dur="1" fill="hold">
+                                          <p:stCondLst>
+                                            <p:cond delay="0"/>
+                                          </p:stCondLst>
+                                        </p:cTn>
+                                        <p:tgtEl>
+                                          <p:spTgt spid="27"/>
+                                        </p:tgtEl>
+                                        <p:attrNameLst>
+                                          <p:attrName>style.visibility</p:attrName>
+                                        </p:attrNameLst>
+                                      </p:cBhvr>
+                                      <p:to>
+                                        <p:strVal val="visible"/>
+                                      </p:to>
+                                    </p:set>
+                                    <p:animEffect transition="in" filter="fade">
+                                      <p:cBhvr>
+                                        <p:cTn id="145" dur="500"/>
+                                        <p:tgtEl>
+                                          <p:spTgt spid="27"/>
+                                        </p:tgtEl>
+                                      </p:cBhvr>
+                                    </p:animEffect>
+                                  </p:childTnLst>
+                                </p:cTn>
+                              </p:par>
+                            </p:childTnLst>
+                          </p:cTn>
+                        </p:par>
+                      </p:childTnLst>
+                    </p:cTn>
+                  </p:par>
+                  <p:par>
+                    <p:cTn id="146" fill="hold">
+                      <p:stCondLst>
+                        <p:cond delay="indefinite"/>
+                      </p:stCondLst>
+                      <p:childTnLst>
+                        <p:par>
+                          <p:cTn id="147" fill="hold">
+                            <p:stCondLst>
+                              <p:cond delay="0"/>
+                            </p:stCondLst>
+                            <p:childTnLst>
+                              <p:par>
+                                <p:cTn id="148" presetID="10" presetClass="entr" presetSubtype="0" fill="hold" grpId="0" nodeType="clickEffect">
+                                  <p:stCondLst>
+                                    <p:cond delay="0"/>
+                                  </p:stCondLst>
+                                  <p:childTnLst>
+                                    <p:set>
+                                      <p:cBhvr>
+                                        <p:cTn id="149" dur="1" fill="hold">
+                                          <p:stCondLst>
+                                            <p:cond delay="0"/>
+                                          </p:stCondLst>
+                                        </p:cTn>
+                                        <p:tgtEl>
+                                          <p:spTgt spid="64"/>
+                                        </p:tgtEl>
+                                        <p:attrNameLst>
+                                          <p:attrName>style.visibility</p:attrName>
+                                        </p:attrNameLst>
+                                      </p:cBhvr>
+                                      <p:to>
+                                        <p:strVal val="visible"/>
+                                      </p:to>
+                                    </p:set>
+                                    <p:animEffect transition="in" filter="fade">
+                                      <p:cBhvr>
+                                        <p:cTn id="150" dur="500"/>
+                                        <p:tgtEl>
+                                          <p:spTgt spid="64"/>
+                                        </p:tgtEl>
+                                      </p:cBhvr>
+                                    </p:animEffect>
+                                  </p:childTnLst>
+                                </p:cTn>
+                              </p:par>
+                            </p:childTnLst>
+                          </p:cTn>
+                        </p:par>
+                      </p:childTnLst>
+                    </p:cTn>
+                  </p:par>
+                  <p:par>
+                    <p:cTn id="151" fill="hold">
+                      <p:stCondLst>
+                        <p:cond delay="indefinite"/>
+                      </p:stCondLst>
+                      <p:childTnLst>
+                        <p:par>
+                          <p:cTn id="152" fill="hold">
+                            <p:stCondLst>
+                              <p:cond delay="0"/>
+                            </p:stCondLst>
+                            <p:childTnLst>
+                              <p:par>
+                                <p:cTn id="153" presetID="10" presetClass="exit" presetSubtype="0" fill="hold" grpId="5" nodeType="clickEffect">
+                                  <p:stCondLst>
+                                    <p:cond delay="0"/>
+                                  </p:stCondLst>
+                                  <p:childTnLst>
+                                    <p:animEffect transition="out" filter="fade">
+                                      <p:cBhvr>
+                                        <p:cTn id="154" dur="500"/>
+                                        <p:tgtEl>
+                                          <p:spTgt spid="27"/>
+                                        </p:tgtEl>
+                                      </p:cBhvr>
+                                    </p:animEffect>
+                                    <p:set>
+                                      <p:cBhvr>
+                                        <p:cTn id="155" dur="1" fill="hold">
+                                          <p:stCondLst>
+                                            <p:cond delay="499"/>
+                                          </p:stCondLst>
+                                        </p:cTn>
+                                        <p:tgtEl>
+                                          <p:spTgt spid="27"/>
+                                        </p:tgtEl>
+                                        <p:attrNameLst>
+                                          <p:attrName>style.visibility</p:attrName>
+                                        </p:attrNameLst>
+                                      </p:cBhvr>
+                                      <p:to>
+                                        <p:strVal val="hidden"/>
+                                      </p:to>
+                                    </p:set>
+                                  </p:childTnLst>
+                                </p:cTn>
+                              </p:par>
+                              <p:par>
+                                <p:cTn id="156" presetID="10" presetClass="exit" presetSubtype="0" fill="hold" grpId="1" nodeType="withEffect">
+                                  <p:stCondLst>
+                                    <p:cond delay="0"/>
+                                  </p:stCondLst>
+                                  <p:childTnLst>
+                                    <p:animEffect transition="out" filter="fade">
+                                      <p:cBhvr>
+                                        <p:cTn id="157" dur="500"/>
+                                        <p:tgtEl>
+                                          <p:spTgt spid="62"/>
+                                        </p:tgtEl>
+                                      </p:cBhvr>
+                                    </p:animEffect>
+                                    <p:set>
+                                      <p:cBhvr>
+                                        <p:cTn id="158" dur="1" fill="hold">
+                                          <p:stCondLst>
+                                            <p:cond delay="499"/>
+                                          </p:stCondLst>
+                                        </p:cTn>
+                                        <p:tgtEl>
+                                          <p:spTgt spid="62"/>
+                                        </p:tgtEl>
+                                        <p:attrNameLst>
+                                          <p:attrName>style.visibility</p:attrName>
+                                        </p:attrNameLst>
+                                      </p:cBhvr>
+                                      <p:to>
+                                        <p:strVal val="hidden"/>
+                                      </p:to>
+                                    </p:set>
+                                  </p:childTnLst>
+                                </p:cTn>
+                              </p:par>
+                              <p:par>
+                                <p:cTn id="159" presetID="10" presetClass="exit" presetSubtype="0" fill="hold" grpId="1" nodeType="withEffect">
+                                  <p:stCondLst>
+                                    <p:cond delay="0"/>
+                                  </p:stCondLst>
+                                  <p:childTnLst>
+                                    <p:animEffect transition="out" filter="fade">
+                                      <p:cBhvr>
+                                        <p:cTn id="160" dur="500"/>
+                                        <p:tgtEl>
+                                          <p:spTgt spid="26"/>
+                                        </p:tgtEl>
+                                      </p:cBhvr>
+                                    </p:animEffect>
+                                    <p:set>
+                                      <p:cBhvr>
+                                        <p:cTn id="161" dur="1" fill="hold">
+                                          <p:stCondLst>
+                                            <p:cond delay="499"/>
+                                          </p:stCondLst>
+                                        </p:cTn>
+                                        <p:tgtEl>
+                                          <p:spTgt spid="26"/>
+                                        </p:tgtEl>
+                                        <p:attrNameLst>
+                                          <p:attrName>style.visibility</p:attrName>
+                                        </p:attrNameLst>
+                                      </p:cBhvr>
+                                      <p:to>
+                                        <p:strVal val="hidden"/>
+                                      </p:to>
+                                    </p:set>
+                                  </p:childTnLst>
+                                </p:cTn>
+                              </p:par>
+                              <p:par>
+                                <p:cTn id="162" presetID="10" presetClass="exit" presetSubtype="0" fill="hold" grpId="1" nodeType="withEffect">
+                                  <p:stCondLst>
+                                    <p:cond delay="0"/>
+                                  </p:stCondLst>
+                                  <p:childTnLst>
+                                    <p:animEffect transition="out" filter="fade">
+                                      <p:cBhvr>
+                                        <p:cTn id="163" dur="500"/>
+                                        <p:tgtEl>
+                                          <p:spTgt spid="35"/>
+                                        </p:tgtEl>
+                                      </p:cBhvr>
+                                    </p:animEffect>
+                                    <p:set>
+                                      <p:cBhvr>
+                                        <p:cTn id="164" dur="1" fill="hold">
+                                          <p:stCondLst>
+                                            <p:cond delay="499"/>
+                                          </p:stCondLst>
+                                        </p:cTn>
+                                        <p:tgtEl>
+                                          <p:spTgt spid="35"/>
+                                        </p:tgtEl>
+                                        <p:attrNameLst>
+                                          <p:attrName>style.visibility</p:attrName>
+                                        </p:attrNameLst>
+                                      </p:cBhvr>
+                                      <p:to>
+                                        <p:strVal val="hidden"/>
+                                      </p:to>
+                                    </p:set>
+                                  </p:childTnLst>
+                                </p:cTn>
+                              </p:par>
+                              <p:par>
+                                <p:cTn id="165" presetID="10" presetClass="exit" presetSubtype="0" fill="hold" nodeType="withEffect">
+                                  <p:stCondLst>
+                                    <p:cond delay="0"/>
+                                  </p:stCondLst>
+                                  <p:childTnLst>
+                                    <p:animEffect transition="out" filter="fade">
+                                      <p:cBhvr>
+                                        <p:cTn id="166" dur="500"/>
+                                        <p:tgtEl>
+                                          <p:spTgt spid="61"/>
+                                        </p:tgtEl>
+                                      </p:cBhvr>
+                                    </p:animEffect>
+                                    <p:set>
+                                      <p:cBhvr>
+                                        <p:cTn id="167" dur="1" fill="hold">
+                                          <p:stCondLst>
+                                            <p:cond delay="499"/>
+                                          </p:stCondLst>
+                                        </p:cTn>
+                                        <p:tgtEl>
+                                          <p:spTgt spid="61"/>
+                                        </p:tgtEl>
+                                        <p:attrNameLst>
+                                          <p:attrName>style.visibility</p:attrName>
+                                        </p:attrNameLst>
+                                      </p:cBhvr>
+                                      <p:to>
+                                        <p:strVal val="hidden"/>
+                                      </p:to>
+                                    </p:set>
+                                  </p:childTnLst>
+                                </p:cTn>
+                              </p:par>
+                              <p:par>
+                                <p:cTn id="168" presetID="10" presetClass="exit" presetSubtype="0" fill="hold" grpId="1" nodeType="withEffect">
+                                  <p:stCondLst>
+                                    <p:cond delay="0"/>
+                                  </p:stCondLst>
+                                  <p:childTnLst>
+                                    <p:animEffect transition="out" filter="fade">
+                                      <p:cBhvr>
+                                        <p:cTn id="169" dur="500"/>
+                                        <p:tgtEl>
+                                          <p:spTgt spid="64"/>
+                                        </p:tgtEl>
+                                      </p:cBhvr>
+                                    </p:animEffect>
+                                    <p:set>
+                                      <p:cBhvr>
+                                        <p:cTn id="170" dur="1" fill="hold">
+                                          <p:stCondLst>
+                                            <p:cond delay="499"/>
+                                          </p:stCondLst>
+                                        </p:cTn>
+                                        <p:tgtEl>
+                                          <p:spTgt spid="64"/>
+                                        </p:tgtEl>
+                                        <p:attrNameLst>
+                                          <p:attrName>style.visibility</p:attrName>
+                                        </p:attrNameLst>
+                                      </p:cBhvr>
+                                      <p:to>
+                                        <p:strVal val="hidden"/>
+                                      </p:to>
+                                    </p:set>
+                                  </p:childTnLst>
+                                </p:cTn>
+                              </p:par>
+                            </p:childTnLst>
+                          </p:cTn>
+                        </p:par>
+                      </p:childTnLst>
+                    </p:cTn>
+                  </p:par>
+                  <p:par>
+                    <p:cTn id="171" fill="hold">
+                      <p:stCondLst>
+                        <p:cond delay="indefinite"/>
+                      </p:stCondLst>
+                      <p:childTnLst>
+                        <p:par>
+                          <p:cTn id="172" fill="hold">
+                            <p:stCondLst>
+                              <p:cond delay="0"/>
+                            </p:stCondLst>
+                            <p:childTnLst>
+                              <p:par>
+                                <p:cTn id="173" presetID="10" presetClass="entr" presetSubtype="0" fill="hold" grpId="0" nodeType="clickEffect">
+                                  <p:stCondLst>
+                                    <p:cond delay="0"/>
+                                  </p:stCondLst>
+                                  <p:childTnLst>
+                                    <p:set>
+                                      <p:cBhvr>
+                                        <p:cTn id="174" dur="1" fill="hold">
+                                          <p:stCondLst>
+                                            <p:cond delay="0"/>
+                                          </p:stCondLst>
+                                        </p:cTn>
+                                        <p:tgtEl>
+                                          <p:spTgt spid="28"/>
+                                        </p:tgtEl>
+                                        <p:attrNameLst>
+                                          <p:attrName>style.visibility</p:attrName>
+                                        </p:attrNameLst>
+                                      </p:cBhvr>
+                                      <p:to>
+                                        <p:strVal val="visible"/>
+                                      </p:to>
+                                    </p:set>
+                                    <p:animEffect transition="in" filter="fade">
+                                      <p:cBhvr>
+                                        <p:cTn id="175" dur="500"/>
+                                        <p:tgtEl>
+                                          <p:spTgt spid="28"/>
+                                        </p:tgtEl>
+                                      </p:cBhvr>
+                                    </p:animEffect>
+                                  </p:childTnLst>
+                                </p:cTn>
+                              </p:par>
+                              <p:par>
+                                <p:cTn id="176" presetID="10" presetClass="entr" presetSubtype="0" fill="hold" grpId="0" nodeType="withEffect">
+                                  <p:stCondLst>
+                                    <p:cond delay="0"/>
+                                  </p:stCondLst>
+                                  <p:childTnLst>
+                                    <p:set>
+                                      <p:cBhvr>
+                                        <p:cTn id="177" dur="1" fill="hold">
+                                          <p:stCondLst>
+                                            <p:cond delay="0"/>
+                                          </p:stCondLst>
+                                        </p:cTn>
+                                        <p:tgtEl>
+                                          <p:spTgt spid="34"/>
+                                        </p:tgtEl>
+                                        <p:attrNameLst>
+                                          <p:attrName>style.visibility</p:attrName>
+                                        </p:attrNameLst>
+                                      </p:cBhvr>
+                                      <p:to>
+                                        <p:strVal val="visible"/>
+                                      </p:to>
+                                    </p:set>
+                                    <p:animEffect transition="in" filter="fade">
+                                      <p:cBhvr>
+                                        <p:cTn id="178" dur="500"/>
+                                        <p:tgtEl>
+                                          <p:spTgt spid="34"/>
+                                        </p:tgtEl>
+                                      </p:cBhvr>
+                                    </p:animEffect>
+                                  </p:childTnLst>
+                                </p:cTn>
+                              </p:par>
+                            </p:childTnLst>
+                          </p:cTn>
+                        </p:par>
+                      </p:childTnLst>
+                    </p:cTn>
+                  </p:par>
+                </p:childTnLst>
+              </p:cTn>
+              <p:prevCondLst>
+                <p:cond evt="onPrev" delay="0">
+                  <p:tgtEl>
+                    <p:sldTgt/>
+                  </p:tgtEl>
+                </p:cond>
+              </p:prevCondLst>
+              <p:nextCondLst>
+                <p:cond evt="onNext" delay="0">
+                  <p:tgtEl>
+                    <p:sldTgt/>
+                  </p:tgtEl>
+                </p:cond>
+              </p:nextCondLst>
+            </p:seq>
+          </p:childTnLst>
+        </p:cTn>
       </p:par>
     </p:tnLst>
+    <p:bldLst>
+      <p:bldP spid="26" grpId="0" animBg="1"/>
+      <p:bldP spid="26" grpId="1" animBg="1"/>
+      <p:bldP spid="27" grpId="0" animBg="1"/>
+      <p:bldP spid="27" grpId="1" animBg="1"/>
+      <p:bldP spid="27" grpId="2" animBg="1"/>
+      <p:bldP spid="27" grpId="3" animBg="1"/>
+      <p:bldP spid="27" grpId="4" animBg="1"/>
+      <p:bldP spid="27" grpId="5" animBg="1"/>
+      <p:bldP spid="28" grpId="0" animBg="1"/>
+      <p:bldP spid="29" grpId="0" animBg="1"/>
+      <p:bldP spid="29" grpId="1" animBg="1"/>
+      <p:bldP spid="29" grpId="2" animBg="1"/>
+      <p:bldP spid="29" grpId="3" animBg="1"/>
+      <p:bldP spid="29" grpId="4" animBg="1"/>
+      <p:bldP spid="29" grpId="5" animBg="1"/>
+      <p:bldP spid="34" grpId="0"/>
+      <p:bldP spid="35" grpId="0"/>
+      <p:bldP spid="35" grpId="1"/>
+      <p:bldP spid="37" grpId="0"/>
+      <p:bldP spid="37" grpId="1"/>
+      <p:bldP spid="37" grpId="2"/>
+      <p:bldP spid="37" grpId="3"/>
+      <p:bldP spid="37" grpId="4"/>
+      <p:bldP spid="37" grpId="5"/>
+      <p:bldP spid="38" grpId="0"/>
+      <p:bldP spid="38" grpId="1"/>
+      <p:bldP spid="38" grpId="2"/>
+      <p:bldP spid="38" grpId="3"/>
+      <p:bldP spid="42" grpId="0" animBg="1"/>
+      <p:bldP spid="42" grpId="1" animBg="1"/>
+      <p:bldP spid="43" grpId="0"/>
+      <p:bldP spid="43" grpId="1"/>
+      <p:bldP spid="62" grpId="0"/>
+      <p:bldP spid="62" grpId="1"/>
+      <p:bldP spid="64" grpId="0" animBg="1"/>
+      <p:bldP spid="64" grpId="1" animBg="1"/>
+    </p:bldLst>
   </p:timing>
 </p:sld>
 </file>
@@ -11181,7 +14779,7 @@
     </a:clrScheme>
     <a:fontScheme name="レトロスペクト">
       <a:majorFont>
-        <a:latin typeface="Calibri Light" panose="020F0302020204030204"/>
+        <a:latin typeface="Calibri Light"/>
         <a:ea typeface=""/>
         <a:cs typeface=""/>
         <a:font script="Jpan" typeface="ＭＳ Ｐゴシック"/>
@@ -11216,7 +14814,7 @@
         <a:font script="Geor" typeface="Sylfaen"/>
       </a:majorFont>
       <a:minorFont>
-        <a:latin typeface="Calibri" panose="020F0502020204030204"/>
+        <a:latin typeface="Calibri"/>
         <a:ea typeface=""/>
         <a:cs typeface=""/>
         <a:font script="Jpan" typeface="ＭＳ Ｐゴシック"/>
@@ -11415,7 +15013,7 @@
   <a:extraClrSchemeLst/>
   <a:extLst>
     <a:ext uri="{05A4C25C-085E-4340-85A3-A5531E510DB2}">
-      <thm15:themeFamily xmlns:thm15="http://schemas.microsoft.com/office/thememl/2012/main" name="Retrospect" id="{5F128B03-DCCA-4EEB-AB3B-CF2899314A46}" vid="{9CC26709-368C-4D72-9060-94E5B3FF3CD6}"/>
+      <thm15:themeFamily xmlns:thm15="http://schemas.microsoft.com/office/thememl/2012/main" xmlns="" name="Retrospect" id="{5F128B03-DCCA-4EEB-AB3B-CF2899314A46}" vid="{9CC26709-368C-4D72-9060-94E5B3FF3CD6}"/>
     </a:ext>
   </a:extLst>
 </a:theme>
@@ -11464,7 +15062,7 @@
     </a:clrScheme>
     <a:fontScheme name="Office">
       <a:majorFont>
-        <a:latin typeface="Yu Gothic Light" panose="020F0302020204030204"/>
+        <a:latin typeface="Yu Gothic Light"/>
         <a:ea typeface=""/>
         <a:cs typeface=""/>
         <a:font script="Jpan" typeface="Yu Gothic Light"/>
@@ -11499,7 +15097,7 @@
         <a:font script="Geor" typeface="Sylfaen"/>
       </a:majorFont>
       <a:minorFont>
-        <a:latin typeface="Yu Gothic" panose="020F0502020204030204"/>
+        <a:latin typeface="Yu Gothic"/>
         <a:ea typeface=""/>
         <a:cs typeface=""/>
         <a:font script="Jpan" typeface="Yu Gothic"/>
@@ -11676,7 +15274,7 @@
   <a:extraClrSchemeLst/>
   <a:extLst>
     <a:ext uri="{05A4C25C-085E-4340-85A3-A5531E510DB2}">
-      <thm15:themeFamily xmlns:thm15="http://schemas.microsoft.com/office/thememl/2012/main" name="Office Theme" id="{62F939B6-93AF-4DB8-9C6B-D6C7DFDC589F}" vid="{4A3C46E8-61CC-4603-A589-7422A47A8E4A}"/>
+      <thm15:themeFamily xmlns:thm15="http://schemas.microsoft.com/office/thememl/2012/main" xmlns="" name="Office Theme" id="{62F939B6-93AF-4DB8-9C6B-D6C7DFDC589F}" vid="{4A3C46E8-61CC-4603-A589-7422A47A8E4A}"/>
     </a:ext>
   </a:extLst>
 </a:theme>

--- a/提案書発表/システム提案書_発表.pptx
+++ b/提案書発表/システム提案書_発表.pptx
@@ -130,10 +130,25 @@
   </p:defaultTextStyle>
   <p:extLst>
     <p:ext uri="{EFAFB233-063F-42B5-8137-9DF3F51BA10A}">
-      <p15:sldGuideLst xmlns:p15="http://schemas.microsoft.com/office/powerpoint/2012/main" xmlns=""/>
+      <p15:sldGuideLst xmlns:p15="http://schemas.microsoft.com/office/powerpoint/2012/main">
+        <p15:guide id="1" orient="horz" pos="2160">
+          <p15:clr>
+            <a:srgbClr val="A4A3A4"/>
+          </p15:clr>
+        </p15:guide>
+        <p15:guide id="2" pos="3840">
+          <p15:clr>
+            <a:srgbClr val="A4A3A4"/>
+          </p15:clr>
+        </p15:guide>
+      </p15:sldGuideLst>
     </p:ext>
   </p:extLst>
 </p:presentation>
+</file>
+
+<file path=ppt/revisionInfo.xml><?xml version="1.0" encoding="utf-8"?>
+<p1510:revInfo xmlns:a="http://schemas.openxmlformats.org/drawingml/2006/main" xmlns:r="http://schemas.openxmlformats.org/officeDocument/2006/relationships" xmlns:p1510="http://schemas.microsoft.com/office/powerpoint/2015/10/main"/>
 </file>
 
 <file path=ppt/notesMasters/notesMaster1.xml><?xml version="1.0" encoding="utf-8"?>
@@ -218,7 +233,7 @@
           <a:p>
             <a:fld id="{2825C81D-5328-E24A-87F2-F776F4059948}" type="datetimeFigureOut">
               <a:rPr kumimoji="1" lang="ja-JP" altLang="en-US" smtClean="0"/>
-              <a:t>17/10/25</a:t>
+              <a:t>2017/10/26</a:t>
             </a:fld>
             <a:endParaRPr kumimoji="1" lang="ja-JP" altLang="en-US"/>
           </a:p>
@@ -282,70 +297,69 @@
           <a:p>
             <a:pPr lvl="0"/>
             <a:r>
-              <a:rPr kumimoji="1" lang="ja-JP" altLang="en-US" smtClean="0"/>
+              <a:rPr kumimoji="1" lang="ja-JP" altLang="en-US"/>
               <a:t>マスター テキストの書式設定</a:t>
             </a:r>
           </a:p>
           <a:p>
             <a:pPr lvl="1"/>
             <a:r>
-              <a:rPr kumimoji="1" lang="ja-JP" altLang="en-US" smtClean="0"/>
+              <a:rPr kumimoji="1" lang="ja-JP" altLang="en-US"/>
               <a:t>第 </a:t>
             </a:r>
             <a:r>
-              <a:rPr kumimoji="1" lang="en-US" altLang="ja-JP" smtClean="0"/>
+              <a:rPr kumimoji="1" lang="en-US" altLang="ja-JP"/>
               <a:t>2 </a:t>
             </a:r>
             <a:r>
-              <a:rPr kumimoji="1" lang="ja-JP" altLang="en-US" smtClean="0"/>
+              <a:rPr kumimoji="1" lang="ja-JP" altLang="en-US"/>
               <a:t>レベル</a:t>
             </a:r>
           </a:p>
           <a:p>
             <a:pPr lvl="2"/>
             <a:r>
-              <a:rPr kumimoji="1" lang="ja-JP" altLang="en-US" smtClean="0"/>
+              <a:rPr kumimoji="1" lang="ja-JP" altLang="en-US"/>
               <a:t>第 </a:t>
             </a:r>
             <a:r>
-              <a:rPr kumimoji="1" lang="en-US" altLang="ja-JP" smtClean="0"/>
+              <a:rPr kumimoji="1" lang="en-US" altLang="ja-JP"/>
               <a:t>3 </a:t>
             </a:r>
             <a:r>
-              <a:rPr kumimoji="1" lang="ja-JP" altLang="en-US" smtClean="0"/>
+              <a:rPr kumimoji="1" lang="ja-JP" altLang="en-US"/>
               <a:t>レベル</a:t>
             </a:r>
           </a:p>
           <a:p>
             <a:pPr lvl="3"/>
             <a:r>
-              <a:rPr kumimoji="1" lang="ja-JP" altLang="en-US" smtClean="0"/>
+              <a:rPr kumimoji="1" lang="ja-JP" altLang="en-US"/>
               <a:t>第 </a:t>
             </a:r>
             <a:r>
-              <a:rPr kumimoji="1" lang="en-US" altLang="ja-JP" smtClean="0"/>
+              <a:rPr kumimoji="1" lang="en-US" altLang="ja-JP"/>
               <a:t>4 </a:t>
             </a:r>
             <a:r>
-              <a:rPr kumimoji="1" lang="ja-JP" altLang="en-US" smtClean="0"/>
+              <a:rPr kumimoji="1" lang="ja-JP" altLang="en-US"/>
               <a:t>レベル</a:t>
             </a:r>
           </a:p>
           <a:p>
             <a:pPr lvl="4"/>
             <a:r>
-              <a:rPr kumimoji="1" lang="ja-JP" altLang="en-US" smtClean="0"/>
+              <a:rPr kumimoji="1" lang="ja-JP" altLang="en-US"/>
               <a:t>第 </a:t>
             </a:r>
             <a:r>
-              <a:rPr kumimoji="1" lang="en-US" altLang="ja-JP" smtClean="0"/>
+              <a:rPr kumimoji="1" lang="en-US" altLang="ja-JP"/>
               <a:t>5 </a:t>
             </a:r>
             <a:r>
-              <a:rPr kumimoji="1" lang="ja-JP" altLang="en-US" smtClean="0"/>
+              <a:rPr kumimoji="1" lang="ja-JP" altLang="en-US"/>
               <a:t>レベル</a:t>
             </a:r>
-            <a:endParaRPr kumimoji="1" lang="ja-JP" altLang="en-US"/>
           </a:p>
         </p:txBody>
       </p:sp>
@@ -648,7 +662,7 @@
           </a:lstStyle>
           <a:p>
             <a:r>
-              <a:rPr lang="ja-JP" altLang="en-US" smtClean="0"/>
+              <a:rPr lang="ja-JP" altLang="en-US"/>
               <a:t>マスター タイトルの書式設定</a:t>
             </a:r>
             <a:endParaRPr lang="en-US" dirty="0"/>
@@ -721,11 +735,11 @@
           </a:lstStyle>
           <a:p>
             <a:r>
-              <a:rPr lang="ja-JP" altLang="en-US" dirty="0" smtClean="0"/>
+              <a:rPr lang="ja-JP" altLang="en-US" dirty="0"/>
               <a:t>マスター サブタイトルの書式設定</a:t>
             </a:r>
             <a:r>
-              <a:rPr lang="en-US" altLang="ja-JP" dirty="0" smtClean="0"/>
+              <a:rPr lang="en-US" altLang="ja-JP" dirty="0"/>
               <a:t>Siesta</a:t>
             </a:r>
             <a:endParaRPr lang="en-US" dirty="0"/>
@@ -749,7 +763,7 @@
           <a:p>
             <a:fld id="{468B16F9-BA1D-FB40-9BC2-EB97FBEAA928}" type="datetime1">
               <a:rPr kumimoji="1" lang="ja-JP" altLang="en-US" smtClean="0"/>
-              <a:t>17/10/25</a:t>
+              <a:t>2017/10/26</a:t>
             </a:fld>
             <a:endParaRPr kumimoji="1" lang="ja-JP" altLang="en-US"/>
           </a:p>
@@ -840,13 +854,6 @@
   <p:clrMapOvr>
     <a:masterClrMapping/>
   </p:clrMapOvr>
-  <p:timing>
-    <p:tnLst>
-      <p:par>
-        <p:cTn xmlns:p14="http://schemas.microsoft.com/office/powerpoint/2010/main" id="1" dur="indefinite" restart="never" nodeType="tmRoot"/>
-      </p:par>
-    </p:tnLst>
-  </p:timing>
 </p:sldLayout>
 </file>
 
@@ -883,7 +890,7 @@
           <a:lstStyle/>
           <a:p>
             <a:r>
-              <a:rPr lang="ja-JP" altLang="en-US" smtClean="0"/>
+              <a:rPr lang="ja-JP" altLang="en-US"/>
               <a:t>マスター タイトルの書式設定</a:t>
             </a:r>
             <a:endParaRPr lang="en-US" dirty="0"/>
@@ -907,67 +914,67 @@
           <a:p>
             <a:pPr lvl="0"/>
             <a:r>
-              <a:rPr lang="ja-JP" altLang="en-US" smtClean="0"/>
+              <a:rPr lang="ja-JP" altLang="en-US"/>
               <a:t>マスター テキストの書式設定</a:t>
             </a:r>
           </a:p>
           <a:p>
             <a:pPr lvl="1"/>
             <a:r>
-              <a:rPr lang="ja-JP" altLang="en-US" smtClean="0"/>
+              <a:rPr lang="ja-JP" altLang="en-US"/>
               <a:t>第 </a:t>
             </a:r>
             <a:r>
-              <a:rPr lang="en-US" altLang="ja-JP" smtClean="0"/>
+              <a:rPr lang="en-US" altLang="ja-JP"/>
               <a:t>2 </a:t>
             </a:r>
             <a:r>
-              <a:rPr lang="ja-JP" altLang="en-US" smtClean="0"/>
+              <a:rPr lang="ja-JP" altLang="en-US"/>
               <a:t>レベル</a:t>
             </a:r>
           </a:p>
           <a:p>
             <a:pPr lvl="2"/>
             <a:r>
-              <a:rPr lang="ja-JP" altLang="en-US" smtClean="0"/>
+              <a:rPr lang="ja-JP" altLang="en-US"/>
               <a:t>第 </a:t>
             </a:r>
             <a:r>
-              <a:rPr lang="en-US" altLang="ja-JP" smtClean="0"/>
+              <a:rPr lang="en-US" altLang="ja-JP"/>
               <a:t>3 </a:t>
             </a:r>
             <a:r>
-              <a:rPr lang="ja-JP" altLang="en-US" smtClean="0"/>
+              <a:rPr lang="ja-JP" altLang="en-US"/>
               <a:t>レベル</a:t>
             </a:r>
           </a:p>
           <a:p>
             <a:pPr lvl="3"/>
             <a:r>
-              <a:rPr lang="ja-JP" altLang="en-US" smtClean="0"/>
+              <a:rPr lang="ja-JP" altLang="en-US"/>
               <a:t>第 </a:t>
             </a:r>
             <a:r>
-              <a:rPr lang="en-US" altLang="ja-JP" smtClean="0"/>
+              <a:rPr lang="en-US" altLang="ja-JP"/>
               <a:t>4 </a:t>
             </a:r>
             <a:r>
-              <a:rPr lang="ja-JP" altLang="en-US" smtClean="0"/>
+              <a:rPr lang="ja-JP" altLang="en-US"/>
               <a:t>レベル</a:t>
             </a:r>
           </a:p>
           <a:p>
             <a:pPr lvl="4"/>
             <a:r>
-              <a:rPr lang="ja-JP" altLang="en-US" smtClean="0"/>
+              <a:rPr lang="ja-JP" altLang="en-US"/>
               <a:t>第 </a:t>
             </a:r>
             <a:r>
-              <a:rPr lang="en-US" altLang="ja-JP" smtClean="0"/>
+              <a:rPr lang="en-US" altLang="ja-JP"/>
               <a:t>5 </a:t>
             </a:r>
             <a:r>
-              <a:rPr lang="ja-JP" altLang="en-US" smtClean="0"/>
+              <a:rPr lang="ja-JP" altLang="en-US"/>
               <a:t>レベル</a:t>
             </a:r>
             <a:endParaRPr lang="en-US" dirty="0"/>
@@ -991,7 +998,7 @@
           <a:p>
             <a:fld id="{72453D78-231B-A945-B274-29BF4207188F}" type="datetime1">
               <a:rPr kumimoji="1" lang="ja-JP" altLang="en-US" smtClean="0"/>
-              <a:t>17/10/25</a:t>
+              <a:t>2017/10/26</a:t>
             </a:fld>
             <a:endParaRPr kumimoji="1" lang="ja-JP" altLang="en-US"/>
           </a:p>
@@ -1161,7 +1168,7 @@
           <a:lstStyle/>
           <a:p>
             <a:r>
-              <a:rPr lang="ja-JP" altLang="en-US" smtClean="0"/>
+              <a:rPr lang="ja-JP" altLang="en-US"/>
               <a:t>マスター タイトルの書式設定</a:t>
             </a:r>
             <a:endParaRPr lang="en-US" dirty="0"/>
@@ -1190,67 +1197,67 @@
           <a:p>
             <a:pPr lvl="0"/>
             <a:r>
-              <a:rPr lang="ja-JP" altLang="en-US" smtClean="0"/>
+              <a:rPr lang="ja-JP" altLang="en-US"/>
               <a:t>マスター テキストの書式設定</a:t>
             </a:r>
           </a:p>
           <a:p>
             <a:pPr lvl="1"/>
             <a:r>
-              <a:rPr lang="ja-JP" altLang="en-US" smtClean="0"/>
+              <a:rPr lang="ja-JP" altLang="en-US"/>
               <a:t>第 </a:t>
             </a:r>
             <a:r>
-              <a:rPr lang="en-US" altLang="ja-JP" smtClean="0"/>
+              <a:rPr lang="en-US" altLang="ja-JP"/>
               <a:t>2 </a:t>
             </a:r>
             <a:r>
-              <a:rPr lang="ja-JP" altLang="en-US" smtClean="0"/>
+              <a:rPr lang="ja-JP" altLang="en-US"/>
               <a:t>レベル</a:t>
             </a:r>
           </a:p>
           <a:p>
             <a:pPr lvl="2"/>
             <a:r>
-              <a:rPr lang="ja-JP" altLang="en-US" smtClean="0"/>
+              <a:rPr lang="ja-JP" altLang="en-US"/>
               <a:t>第 </a:t>
             </a:r>
             <a:r>
-              <a:rPr lang="en-US" altLang="ja-JP" smtClean="0"/>
+              <a:rPr lang="en-US" altLang="ja-JP"/>
               <a:t>3 </a:t>
             </a:r>
             <a:r>
-              <a:rPr lang="ja-JP" altLang="en-US" smtClean="0"/>
+              <a:rPr lang="ja-JP" altLang="en-US"/>
               <a:t>レベル</a:t>
             </a:r>
           </a:p>
           <a:p>
             <a:pPr lvl="3"/>
             <a:r>
-              <a:rPr lang="ja-JP" altLang="en-US" smtClean="0"/>
+              <a:rPr lang="ja-JP" altLang="en-US"/>
               <a:t>第 </a:t>
             </a:r>
             <a:r>
-              <a:rPr lang="en-US" altLang="ja-JP" smtClean="0"/>
+              <a:rPr lang="en-US" altLang="ja-JP"/>
               <a:t>4 </a:t>
             </a:r>
             <a:r>
-              <a:rPr lang="ja-JP" altLang="en-US" smtClean="0"/>
+              <a:rPr lang="ja-JP" altLang="en-US"/>
               <a:t>レベル</a:t>
             </a:r>
           </a:p>
           <a:p>
             <a:pPr lvl="4"/>
             <a:r>
-              <a:rPr lang="ja-JP" altLang="en-US" smtClean="0"/>
+              <a:rPr lang="ja-JP" altLang="en-US"/>
               <a:t>第 </a:t>
             </a:r>
             <a:r>
-              <a:rPr lang="en-US" altLang="ja-JP" smtClean="0"/>
+              <a:rPr lang="en-US" altLang="ja-JP"/>
               <a:t>5 </a:t>
             </a:r>
             <a:r>
-              <a:rPr lang="ja-JP" altLang="en-US" smtClean="0"/>
+              <a:rPr lang="ja-JP" altLang="en-US"/>
               <a:t>レベル</a:t>
             </a:r>
             <a:endParaRPr lang="en-US" dirty="0"/>
@@ -1274,7 +1281,7 @@
           <a:p>
             <a:fld id="{6883BB5E-7840-C34B-AD1D-69ACD41B489D}" type="datetime1">
               <a:rPr kumimoji="1" lang="ja-JP" altLang="en-US" smtClean="0"/>
-              <a:t>17/10/25</a:t>
+              <a:t>2017/10/26</a:t>
             </a:fld>
             <a:endParaRPr kumimoji="1" lang="ja-JP" altLang="en-US"/>
           </a:p>
@@ -1363,7 +1370,7 @@
           <a:lstStyle/>
           <a:p>
             <a:r>
-              <a:rPr lang="ja-JP" altLang="en-US" smtClean="0"/>
+              <a:rPr lang="ja-JP" altLang="en-US"/>
               <a:t>マスター タイトルの書式設定</a:t>
             </a:r>
             <a:endParaRPr lang="en-US" dirty="0"/>
@@ -1387,67 +1394,67 @@
           <a:p>
             <a:pPr lvl="0"/>
             <a:r>
-              <a:rPr lang="ja-JP" altLang="en-US" dirty="0" smtClean="0"/>
+              <a:rPr lang="ja-JP" altLang="en-US" dirty="0"/>
               <a:t>マスター テキストの書式設定</a:t>
             </a:r>
           </a:p>
           <a:p>
             <a:pPr lvl="1"/>
             <a:r>
-              <a:rPr lang="ja-JP" altLang="en-US" dirty="0" smtClean="0"/>
+              <a:rPr lang="ja-JP" altLang="en-US" dirty="0"/>
               <a:t>第 </a:t>
             </a:r>
             <a:r>
-              <a:rPr lang="en-US" altLang="ja-JP" dirty="0" smtClean="0"/>
+              <a:rPr lang="en-US" altLang="ja-JP" dirty="0"/>
               <a:t>2 </a:t>
             </a:r>
             <a:r>
-              <a:rPr lang="ja-JP" altLang="en-US" dirty="0" smtClean="0"/>
+              <a:rPr lang="ja-JP" altLang="en-US" dirty="0"/>
               <a:t>レベル</a:t>
             </a:r>
           </a:p>
           <a:p>
             <a:pPr lvl="2"/>
             <a:r>
-              <a:rPr lang="ja-JP" altLang="en-US" dirty="0" smtClean="0"/>
+              <a:rPr lang="ja-JP" altLang="en-US" dirty="0"/>
               <a:t>第 </a:t>
             </a:r>
             <a:r>
-              <a:rPr lang="en-US" altLang="ja-JP" dirty="0" smtClean="0"/>
+              <a:rPr lang="en-US" altLang="ja-JP" dirty="0"/>
               <a:t>3 </a:t>
             </a:r>
             <a:r>
-              <a:rPr lang="ja-JP" altLang="en-US" dirty="0" smtClean="0"/>
+              <a:rPr lang="ja-JP" altLang="en-US" dirty="0"/>
               <a:t>レベル</a:t>
             </a:r>
           </a:p>
           <a:p>
             <a:pPr lvl="3"/>
             <a:r>
-              <a:rPr lang="ja-JP" altLang="en-US" dirty="0" smtClean="0"/>
+              <a:rPr lang="ja-JP" altLang="en-US" dirty="0"/>
               <a:t>第 </a:t>
             </a:r>
             <a:r>
-              <a:rPr lang="en-US" altLang="ja-JP" dirty="0" smtClean="0"/>
+              <a:rPr lang="en-US" altLang="ja-JP" dirty="0"/>
               <a:t>4 </a:t>
             </a:r>
             <a:r>
-              <a:rPr lang="ja-JP" altLang="en-US" dirty="0" smtClean="0"/>
+              <a:rPr lang="ja-JP" altLang="en-US" dirty="0"/>
               <a:t>レベル</a:t>
             </a:r>
           </a:p>
           <a:p>
             <a:pPr lvl="4"/>
             <a:r>
-              <a:rPr lang="ja-JP" altLang="en-US" dirty="0" smtClean="0"/>
+              <a:rPr lang="ja-JP" altLang="en-US" dirty="0"/>
               <a:t>第 </a:t>
             </a:r>
             <a:r>
-              <a:rPr lang="en-US" altLang="ja-JP" dirty="0" smtClean="0"/>
+              <a:rPr lang="en-US" altLang="ja-JP" dirty="0"/>
               <a:t>5 </a:t>
             </a:r>
             <a:r>
-              <a:rPr lang="ja-JP" altLang="en-US" dirty="0" smtClean="0"/>
+              <a:rPr lang="ja-JP" altLang="en-US" dirty="0"/>
               <a:t>レベル</a:t>
             </a:r>
             <a:endParaRPr lang="en-US" dirty="0"/>
@@ -1476,7 +1483,7 @@
             <a:fld id="{BEBCA107-5153-8B44-9D91-3D483647FA69}" type="datetime1">
               <a:rPr lang="ja-JP" altLang="en-US" smtClean="0"/>
               <a:pPr/>
-              <a:t>17/10/25</a:t>
+              <a:t>2017/10/26</a:t>
             </a:fld>
             <a:endParaRPr lang="ja-JP" altLang="en-US" dirty="0"/>
           </a:p>
@@ -1534,13 +1541,6 @@
   <p:clrMapOvr>
     <a:masterClrMapping/>
   </p:clrMapOvr>
-  <p:timing>
-    <p:tnLst>
-      <p:par>
-        <p:cTn xmlns:p14="http://schemas.microsoft.com/office/powerpoint/2010/main" id="1" dur="indefinite" restart="never" nodeType="tmRoot"/>
-      </p:par>
-    </p:tnLst>
-  </p:timing>
 </p:sldLayout>
 </file>
 
@@ -1682,7 +1682,7 @@
           </a:lstStyle>
           <a:p>
             <a:r>
-              <a:rPr lang="ja-JP" altLang="en-US" smtClean="0"/>
+              <a:rPr lang="ja-JP" altLang="en-US"/>
               <a:t>マスター タイトルの書式設定</a:t>
             </a:r>
             <a:endParaRPr lang="en-US" dirty="0"/>
@@ -1803,7 +1803,7 @@
           <a:p>
             <a:pPr lvl="0"/>
             <a:r>
-              <a:rPr lang="ja-JP" altLang="en-US" smtClean="0"/>
+              <a:rPr lang="ja-JP" altLang="en-US"/>
               <a:t>マスター テキストの書式設定</a:t>
             </a:r>
           </a:p>
@@ -1826,7 +1826,7 @@
           <a:p>
             <a:fld id="{82EF5266-E700-C644-9D19-8515C062E32E}" type="datetime1">
               <a:rPr kumimoji="1" lang="ja-JP" altLang="en-US" smtClean="0"/>
-              <a:t>17/10/25</a:t>
+              <a:t>2017/10/26</a:t>
             </a:fld>
             <a:endParaRPr kumimoji="1" lang="ja-JP" altLang="en-US"/>
           </a:p>
@@ -1917,13 +1917,6 @@
   <p:clrMapOvr>
     <a:masterClrMapping/>
   </p:clrMapOvr>
-  <p:timing>
-    <p:tnLst>
-      <p:par>
-        <p:cTn xmlns:p14="http://schemas.microsoft.com/office/powerpoint/2010/main" id="1" dur="indefinite" restart="never" nodeType="tmRoot"/>
-      </p:par>
-    </p:tnLst>
-  </p:timing>
 </p:sldLayout>
 </file>
 
@@ -1965,7 +1958,7 @@
           <a:lstStyle/>
           <a:p>
             <a:r>
-              <a:rPr lang="ja-JP" altLang="en-US" smtClean="0"/>
+              <a:rPr lang="ja-JP" altLang="en-US"/>
               <a:t>マスター タイトルの書式設定</a:t>
             </a:r>
             <a:endParaRPr lang="en-US" dirty="0"/>
@@ -1994,67 +1987,67 @@
           <a:p>
             <a:pPr lvl="0"/>
             <a:r>
-              <a:rPr lang="ja-JP" altLang="en-US" smtClean="0"/>
+              <a:rPr lang="ja-JP" altLang="en-US"/>
               <a:t>マスター テキストの書式設定</a:t>
             </a:r>
           </a:p>
           <a:p>
             <a:pPr lvl="1"/>
             <a:r>
-              <a:rPr lang="ja-JP" altLang="en-US" smtClean="0"/>
+              <a:rPr lang="ja-JP" altLang="en-US"/>
               <a:t>第 </a:t>
             </a:r>
             <a:r>
-              <a:rPr lang="en-US" altLang="ja-JP" smtClean="0"/>
+              <a:rPr lang="en-US" altLang="ja-JP"/>
               <a:t>2 </a:t>
             </a:r>
             <a:r>
-              <a:rPr lang="ja-JP" altLang="en-US" smtClean="0"/>
+              <a:rPr lang="ja-JP" altLang="en-US"/>
               <a:t>レベル</a:t>
             </a:r>
           </a:p>
           <a:p>
             <a:pPr lvl="2"/>
             <a:r>
-              <a:rPr lang="ja-JP" altLang="en-US" smtClean="0"/>
+              <a:rPr lang="ja-JP" altLang="en-US"/>
               <a:t>第 </a:t>
             </a:r>
             <a:r>
-              <a:rPr lang="en-US" altLang="ja-JP" smtClean="0"/>
+              <a:rPr lang="en-US" altLang="ja-JP"/>
               <a:t>3 </a:t>
             </a:r>
             <a:r>
-              <a:rPr lang="ja-JP" altLang="en-US" smtClean="0"/>
+              <a:rPr lang="ja-JP" altLang="en-US"/>
               <a:t>レベル</a:t>
             </a:r>
           </a:p>
           <a:p>
             <a:pPr lvl="3"/>
             <a:r>
-              <a:rPr lang="ja-JP" altLang="en-US" smtClean="0"/>
+              <a:rPr lang="ja-JP" altLang="en-US"/>
               <a:t>第 </a:t>
             </a:r>
             <a:r>
-              <a:rPr lang="en-US" altLang="ja-JP" smtClean="0"/>
+              <a:rPr lang="en-US" altLang="ja-JP"/>
               <a:t>4 </a:t>
             </a:r>
             <a:r>
-              <a:rPr lang="ja-JP" altLang="en-US" smtClean="0"/>
+              <a:rPr lang="ja-JP" altLang="en-US"/>
               <a:t>レベル</a:t>
             </a:r>
           </a:p>
           <a:p>
             <a:pPr lvl="4"/>
             <a:r>
-              <a:rPr lang="ja-JP" altLang="en-US" smtClean="0"/>
+              <a:rPr lang="ja-JP" altLang="en-US"/>
               <a:t>第 </a:t>
             </a:r>
             <a:r>
-              <a:rPr lang="en-US" altLang="ja-JP" smtClean="0"/>
+              <a:rPr lang="en-US" altLang="ja-JP"/>
               <a:t>5 </a:t>
             </a:r>
             <a:r>
-              <a:rPr lang="ja-JP" altLang="en-US" smtClean="0"/>
+              <a:rPr lang="ja-JP" altLang="en-US"/>
               <a:t>レベル</a:t>
             </a:r>
             <a:endParaRPr lang="en-US" dirty="0"/>
@@ -2083,67 +2076,67 @@
           <a:p>
             <a:pPr lvl="0"/>
             <a:r>
-              <a:rPr lang="ja-JP" altLang="en-US" smtClean="0"/>
+              <a:rPr lang="ja-JP" altLang="en-US"/>
               <a:t>マスター テキストの書式設定</a:t>
             </a:r>
           </a:p>
           <a:p>
             <a:pPr lvl="1"/>
             <a:r>
-              <a:rPr lang="ja-JP" altLang="en-US" smtClean="0"/>
+              <a:rPr lang="ja-JP" altLang="en-US"/>
               <a:t>第 </a:t>
             </a:r>
             <a:r>
-              <a:rPr lang="en-US" altLang="ja-JP" smtClean="0"/>
+              <a:rPr lang="en-US" altLang="ja-JP"/>
               <a:t>2 </a:t>
             </a:r>
             <a:r>
-              <a:rPr lang="ja-JP" altLang="en-US" smtClean="0"/>
+              <a:rPr lang="ja-JP" altLang="en-US"/>
               <a:t>レベル</a:t>
             </a:r>
           </a:p>
           <a:p>
             <a:pPr lvl="2"/>
             <a:r>
-              <a:rPr lang="ja-JP" altLang="en-US" smtClean="0"/>
+              <a:rPr lang="ja-JP" altLang="en-US"/>
               <a:t>第 </a:t>
             </a:r>
             <a:r>
-              <a:rPr lang="en-US" altLang="ja-JP" smtClean="0"/>
+              <a:rPr lang="en-US" altLang="ja-JP"/>
               <a:t>3 </a:t>
             </a:r>
             <a:r>
-              <a:rPr lang="ja-JP" altLang="en-US" smtClean="0"/>
+              <a:rPr lang="ja-JP" altLang="en-US"/>
               <a:t>レベル</a:t>
             </a:r>
           </a:p>
           <a:p>
             <a:pPr lvl="3"/>
             <a:r>
-              <a:rPr lang="ja-JP" altLang="en-US" smtClean="0"/>
+              <a:rPr lang="ja-JP" altLang="en-US"/>
               <a:t>第 </a:t>
             </a:r>
             <a:r>
-              <a:rPr lang="en-US" altLang="ja-JP" smtClean="0"/>
+              <a:rPr lang="en-US" altLang="ja-JP"/>
               <a:t>4 </a:t>
             </a:r>
             <a:r>
-              <a:rPr lang="ja-JP" altLang="en-US" smtClean="0"/>
+              <a:rPr lang="ja-JP" altLang="en-US"/>
               <a:t>レベル</a:t>
             </a:r>
           </a:p>
           <a:p>
             <a:pPr lvl="4"/>
             <a:r>
-              <a:rPr lang="ja-JP" altLang="en-US" smtClean="0"/>
+              <a:rPr lang="ja-JP" altLang="en-US"/>
               <a:t>第 </a:t>
             </a:r>
             <a:r>
-              <a:rPr lang="en-US" altLang="ja-JP" smtClean="0"/>
+              <a:rPr lang="en-US" altLang="ja-JP"/>
               <a:t>5 </a:t>
             </a:r>
             <a:r>
-              <a:rPr lang="ja-JP" altLang="en-US" smtClean="0"/>
+              <a:rPr lang="ja-JP" altLang="en-US"/>
               <a:t>レベル</a:t>
             </a:r>
             <a:endParaRPr lang="en-US" dirty="0"/>
@@ -2167,7 +2160,7 @@
           <a:p>
             <a:fld id="{6A1FC19F-3AC3-F643-8B2B-51D9E835C177}" type="datetime1">
               <a:rPr kumimoji="1" lang="ja-JP" altLang="en-US" smtClean="0"/>
-              <a:t>17/10/25</a:t>
+              <a:t>2017/10/26</a:t>
             </a:fld>
             <a:endParaRPr kumimoji="1" lang="ja-JP" altLang="en-US"/>
           </a:p>
@@ -2220,16 +2213,9 @@
   <p:clrMapOvr>
     <a:masterClrMapping/>
   </p:clrMapOvr>
-  <p:timing>
-    <p:tnLst>
-      <p:par>
-        <p:cTn xmlns:p14="http://schemas.microsoft.com/office/powerpoint/2010/main" id="1" dur="indefinite" restart="never" nodeType="tmRoot"/>
-      </p:par>
-    </p:tnLst>
-  </p:timing>
   <p:extLst mod="1">
     <p:ext uri="{DCECCB84-F9BA-43D5-87BE-67443E8EF086}">
-      <p15:sldGuideLst xmlns:p15="http://schemas.microsoft.com/office/powerpoint/2012/main" xmlns=""/>
+      <p15:sldGuideLst xmlns:p15="http://schemas.microsoft.com/office/powerpoint/2012/main"/>
     </p:ext>
   </p:extLst>
 </p:sldLayout>
@@ -2273,7 +2259,7 @@
           <a:lstStyle/>
           <a:p>
             <a:r>
-              <a:rPr lang="ja-JP" altLang="en-US" smtClean="0"/>
+              <a:rPr lang="ja-JP" altLang="en-US"/>
               <a:t>マスター タイトルの書式設定</a:t>
             </a:r>
             <a:endParaRPr lang="en-US" dirty="0"/>
@@ -2345,7 +2331,7 @@
           <a:p>
             <a:pPr lvl="0"/>
             <a:r>
-              <a:rPr lang="ja-JP" altLang="en-US" smtClean="0"/>
+              <a:rPr lang="ja-JP" altLang="en-US"/>
               <a:t>マスター テキストの書式設定</a:t>
             </a:r>
           </a:p>
@@ -2373,67 +2359,67 @@
           <a:p>
             <a:pPr lvl="0"/>
             <a:r>
-              <a:rPr lang="ja-JP" altLang="en-US" smtClean="0"/>
+              <a:rPr lang="ja-JP" altLang="en-US"/>
               <a:t>マスター テキストの書式設定</a:t>
             </a:r>
           </a:p>
           <a:p>
             <a:pPr lvl="1"/>
             <a:r>
-              <a:rPr lang="ja-JP" altLang="en-US" smtClean="0"/>
+              <a:rPr lang="ja-JP" altLang="en-US"/>
               <a:t>第 </a:t>
             </a:r>
             <a:r>
-              <a:rPr lang="en-US" altLang="ja-JP" smtClean="0"/>
+              <a:rPr lang="en-US" altLang="ja-JP"/>
               <a:t>2 </a:t>
             </a:r>
             <a:r>
-              <a:rPr lang="ja-JP" altLang="en-US" smtClean="0"/>
+              <a:rPr lang="ja-JP" altLang="en-US"/>
               <a:t>レベル</a:t>
             </a:r>
           </a:p>
           <a:p>
             <a:pPr lvl="2"/>
             <a:r>
-              <a:rPr lang="ja-JP" altLang="en-US" smtClean="0"/>
+              <a:rPr lang="ja-JP" altLang="en-US"/>
               <a:t>第 </a:t>
             </a:r>
             <a:r>
-              <a:rPr lang="en-US" altLang="ja-JP" smtClean="0"/>
+              <a:rPr lang="en-US" altLang="ja-JP"/>
               <a:t>3 </a:t>
             </a:r>
             <a:r>
-              <a:rPr lang="ja-JP" altLang="en-US" smtClean="0"/>
+              <a:rPr lang="ja-JP" altLang="en-US"/>
               <a:t>レベル</a:t>
             </a:r>
           </a:p>
           <a:p>
             <a:pPr lvl="3"/>
             <a:r>
-              <a:rPr lang="ja-JP" altLang="en-US" smtClean="0"/>
+              <a:rPr lang="ja-JP" altLang="en-US"/>
               <a:t>第 </a:t>
             </a:r>
             <a:r>
-              <a:rPr lang="en-US" altLang="ja-JP" smtClean="0"/>
+              <a:rPr lang="en-US" altLang="ja-JP"/>
               <a:t>4 </a:t>
             </a:r>
             <a:r>
-              <a:rPr lang="ja-JP" altLang="en-US" smtClean="0"/>
+              <a:rPr lang="ja-JP" altLang="en-US"/>
               <a:t>レベル</a:t>
             </a:r>
           </a:p>
           <a:p>
             <a:pPr lvl="4"/>
             <a:r>
-              <a:rPr lang="ja-JP" altLang="en-US" smtClean="0"/>
+              <a:rPr lang="ja-JP" altLang="en-US"/>
               <a:t>第 </a:t>
             </a:r>
             <a:r>
-              <a:rPr lang="en-US" altLang="ja-JP" smtClean="0"/>
+              <a:rPr lang="en-US" altLang="ja-JP"/>
               <a:t>5 </a:t>
             </a:r>
             <a:r>
-              <a:rPr lang="ja-JP" altLang="en-US" smtClean="0"/>
+              <a:rPr lang="ja-JP" altLang="en-US"/>
               <a:t>レベル</a:t>
             </a:r>
             <a:endParaRPr lang="en-US" dirty="0"/>
@@ -2505,7 +2491,7 @@
           <a:p>
             <a:pPr lvl="0"/>
             <a:r>
-              <a:rPr lang="ja-JP" altLang="en-US" smtClean="0"/>
+              <a:rPr lang="ja-JP" altLang="en-US"/>
               <a:t>マスター テキストの書式設定</a:t>
             </a:r>
           </a:p>
@@ -2533,67 +2519,67 @@
           <a:p>
             <a:pPr lvl="0"/>
             <a:r>
-              <a:rPr lang="ja-JP" altLang="en-US" smtClean="0"/>
+              <a:rPr lang="ja-JP" altLang="en-US"/>
               <a:t>マスター テキストの書式設定</a:t>
             </a:r>
           </a:p>
           <a:p>
             <a:pPr lvl="1"/>
             <a:r>
-              <a:rPr lang="ja-JP" altLang="en-US" smtClean="0"/>
+              <a:rPr lang="ja-JP" altLang="en-US"/>
               <a:t>第 </a:t>
             </a:r>
             <a:r>
-              <a:rPr lang="en-US" altLang="ja-JP" smtClean="0"/>
+              <a:rPr lang="en-US" altLang="ja-JP"/>
               <a:t>2 </a:t>
             </a:r>
             <a:r>
-              <a:rPr lang="ja-JP" altLang="en-US" smtClean="0"/>
+              <a:rPr lang="ja-JP" altLang="en-US"/>
               <a:t>レベル</a:t>
             </a:r>
           </a:p>
           <a:p>
             <a:pPr lvl="2"/>
             <a:r>
-              <a:rPr lang="ja-JP" altLang="en-US" smtClean="0"/>
+              <a:rPr lang="ja-JP" altLang="en-US"/>
               <a:t>第 </a:t>
             </a:r>
             <a:r>
-              <a:rPr lang="en-US" altLang="ja-JP" smtClean="0"/>
+              <a:rPr lang="en-US" altLang="ja-JP"/>
               <a:t>3 </a:t>
             </a:r>
             <a:r>
-              <a:rPr lang="ja-JP" altLang="en-US" smtClean="0"/>
+              <a:rPr lang="ja-JP" altLang="en-US"/>
               <a:t>レベル</a:t>
             </a:r>
           </a:p>
           <a:p>
             <a:pPr lvl="3"/>
             <a:r>
-              <a:rPr lang="ja-JP" altLang="en-US" smtClean="0"/>
+              <a:rPr lang="ja-JP" altLang="en-US"/>
               <a:t>第 </a:t>
             </a:r>
             <a:r>
-              <a:rPr lang="en-US" altLang="ja-JP" smtClean="0"/>
+              <a:rPr lang="en-US" altLang="ja-JP"/>
               <a:t>4 </a:t>
             </a:r>
             <a:r>
-              <a:rPr lang="ja-JP" altLang="en-US" smtClean="0"/>
+              <a:rPr lang="ja-JP" altLang="en-US"/>
               <a:t>レベル</a:t>
             </a:r>
           </a:p>
           <a:p>
             <a:pPr lvl="4"/>
             <a:r>
-              <a:rPr lang="ja-JP" altLang="en-US" smtClean="0"/>
+              <a:rPr lang="ja-JP" altLang="en-US"/>
               <a:t>第 </a:t>
             </a:r>
             <a:r>
-              <a:rPr lang="en-US" altLang="ja-JP" smtClean="0"/>
+              <a:rPr lang="en-US" altLang="ja-JP"/>
               <a:t>5 </a:t>
             </a:r>
             <a:r>
-              <a:rPr lang="ja-JP" altLang="en-US" smtClean="0"/>
+              <a:rPr lang="ja-JP" altLang="en-US"/>
               <a:t>レベル</a:t>
             </a:r>
             <a:endParaRPr lang="en-US" dirty="0"/>
@@ -2617,7 +2603,7 @@
           <a:p>
             <a:fld id="{CAACD76C-E8E8-4947-AAB2-7A886ABBB183}" type="datetime1">
               <a:rPr kumimoji="1" lang="ja-JP" altLang="en-US" smtClean="0"/>
-              <a:t>17/10/25</a:t>
+              <a:t>2017/10/26</a:t>
             </a:fld>
             <a:endParaRPr kumimoji="1" lang="ja-JP" altLang="en-US"/>
           </a:p>
@@ -2670,16 +2656,9 @@
   <p:clrMapOvr>
     <a:masterClrMapping/>
   </p:clrMapOvr>
-  <p:timing>
-    <p:tnLst>
-      <p:par>
-        <p:cTn xmlns:p14="http://schemas.microsoft.com/office/powerpoint/2010/main" id="1" dur="indefinite" restart="never" nodeType="tmRoot"/>
-      </p:par>
-    </p:tnLst>
-  </p:timing>
   <p:extLst mod="1">
     <p:ext uri="{DCECCB84-F9BA-43D5-87BE-67443E8EF086}">
-      <p15:sldGuideLst xmlns:p15="http://schemas.microsoft.com/office/powerpoint/2012/main" xmlns=""/>
+      <p15:sldGuideLst xmlns:p15="http://schemas.microsoft.com/office/powerpoint/2012/main"/>
     </p:ext>
   </p:extLst>
 </p:sldLayout>
@@ -2718,7 +2697,7 @@
           <a:lstStyle/>
           <a:p>
             <a:r>
-              <a:rPr lang="ja-JP" altLang="en-US" smtClean="0"/>
+              <a:rPr lang="ja-JP" altLang="en-US"/>
               <a:t>マスター タイトルの書式設定</a:t>
             </a:r>
             <a:endParaRPr lang="en-US" dirty="0"/>
@@ -2742,7 +2721,7 @@
           <a:p>
             <a:fld id="{742EE0E0-F411-1347-9A7A-1244403869E4}" type="datetime1">
               <a:rPr kumimoji="1" lang="ja-JP" altLang="en-US" smtClean="0"/>
-              <a:t>17/10/25</a:t>
+              <a:t>2017/10/26</a:t>
             </a:fld>
             <a:endParaRPr kumimoji="1" lang="ja-JP" altLang="en-US"/>
           </a:p>
@@ -2908,7 +2887,7 @@
           <a:p>
             <a:fld id="{08C1B43E-C6E4-1343-9D6B-3460486DB794}" type="datetime1">
               <a:rPr kumimoji="1" lang="ja-JP" altLang="en-US" smtClean="0"/>
-              <a:t>17/10/25</a:t>
+              <a:t>2017/10/26</a:t>
             </a:fld>
             <a:endParaRPr kumimoji="1" lang="ja-JP" altLang="en-US"/>
           </a:p>
@@ -3096,7 +3075,7 @@
           </a:lstStyle>
           <a:p>
             <a:r>
-              <a:rPr lang="ja-JP" altLang="en-US" smtClean="0"/>
+              <a:rPr lang="ja-JP" altLang="en-US"/>
               <a:t>マスター タイトルの書式設定</a:t>
             </a:r>
             <a:endParaRPr lang="en-US" dirty="0"/>
@@ -3125,67 +3104,67 @@
           <a:p>
             <a:pPr lvl="0"/>
             <a:r>
-              <a:rPr lang="ja-JP" altLang="en-US" smtClean="0"/>
+              <a:rPr lang="ja-JP" altLang="en-US"/>
               <a:t>マスター テキストの書式設定</a:t>
             </a:r>
           </a:p>
           <a:p>
             <a:pPr lvl="1"/>
             <a:r>
-              <a:rPr lang="ja-JP" altLang="en-US" smtClean="0"/>
+              <a:rPr lang="ja-JP" altLang="en-US"/>
               <a:t>第 </a:t>
             </a:r>
             <a:r>
-              <a:rPr lang="en-US" altLang="ja-JP" smtClean="0"/>
+              <a:rPr lang="en-US" altLang="ja-JP"/>
               <a:t>2 </a:t>
             </a:r>
             <a:r>
-              <a:rPr lang="ja-JP" altLang="en-US" smtClean="0"/>
+              <a:rPr lang="ja-JP" altLang="en-US"/>
               <a:t>レベル</a:t>
             </a:r>
           </a:p>
           <a:p>
             <a:pPr lvl="2"/>
             <a:r>
-              <a:rPr lang="ja-JP" altLang="en-US" smtClean="0"/>
+              <a:rPr lang="ja-JP" altLang="en-US"/>
               <a:t>第 </a:t>
             </a:r>
             <a:r>
-              <a:rPr lang="en-US" altLang="ja-JP" smtClean="0"/>
+              <a:rPr lang="en-US" altLang="ja-JP"/>
               <a:t>3 </a:t>
             </a:r>
             <a:r>
-              <a:rPr lang="ja-JP" altLang="en-US" smtClean="0"/>
+              <a:rPr lang="ja-JP" altLang="en-US"/>
               <a:t>レベル</a:t>
             </a:r>
           </a:p>
           <a:p>
             <a:pPr lvl="3"/>
             <a:r>
-              <a:rPr lang="ja-JP" altLang="en-US" smtClean="0"/>
+              <a:rPr lang="ja-JP" altLang="en-US"/>
               <a:t>第 </a:t>
             </a:r>
             <a:r>
-              <a:rPr lang="en-US" altLang="ja-JP" smtClean="0"/>
+              <a:rPr lang="en-US" altLang="ja-JP"/>
               <a:t>4 </a:t>
             </a:r>
             <a:r>
-              <a:rPr lang="ja-JP" altLang="en-US" smtClean="0"/>
+              <a:rPr lang="ja-JP" altLang="en-US"/>
               <a:t>レベル</a:t>
             </a:r>
           </a:p>
           <a:p>
             <a:pPr lvl="4"/>
             <a:r>
-              <a:rPr lang="ja-JP" altLang="en-US" smtClean="0"/>
+              <a:rPr lang="ja-JP" altLang="en-US"/>
               <a:t>第 </a:t>
             </a:r>
             <a:r>
-              <a:rPr lang="en-US" altLang="ja-JP" smtClean="0"/>
+              <a:rPr lang="en-US" altLang="ja-JP"/>
               <a:t>5 </a:t>
             </a:r>
             <a:r>
-              <a:rPr lang="ja-JP" altLang="en-US" smtClean="0"/>
+              <a:rPr lang="ja-JP" altLang="en-US"/>
               <a:t>レベル</a:t>
             </a:r>
             <a:endParaRPr lang="en-US" dirty="0"/>
@@ -3257,7 +3236,7 @@
           <a:p>
             <a:pPr lvl="0"/>
             <a:r>
-              <a:rPr lang="ja-JP" altLang="en-US" smtClean="0"/>
+              <a:rPr lang="ja-JP" altLang="en-US"/>
               <a:t>マスター テキストの書式設定</a:t>
             </a:r>
           </a:p>
@@ -3289,7 +3268,7 @@
           <a:p>
             <a:fld id="{C3A8E954-94BD-7544-AB86-ED7DADE9513D}" type="datetime1">
               <a:rPr kumimoji="1" lang="ja-JP" altLang="en-US" smtClean="0"/>
-              <a:t>17/10/25</a:t>
+              <a:t>2017/10/26</a:t>
             </a:fld>
             <a:endParaRPr kumimoji="1" lang="ja-JP" altLang="en-US"/>
           </a:p>
@@ -3365,7 +3344,7 @@
   </p:clrMapOvr>
   <p:extLst mod="1">
     <p:ext uri="{DCECCB84-F9BA-43D5-87BE-67443E8EF086}">
-      <p15:sldGuideLst xmlns:p15="http://schemas.microsoft.com/office/powerpoint/2012/main" xmlns=""/>
+      <p15:sldGuideLst xmlns:p15="http://schemas.microsoft.com/office/powerpoint/2012/main"/>
     </p:ext>
   </p:extLst>
 </p:sldLayout>
@@ -3495,7 +3474,7 @@
           </a:lstStyle>
           <a:p>
             <a:r>
-              <a:rPr lang="ja-JP" altLang="en-US" smtClean="0"/>
+              <a:rPr lang="ja-JP" altLang="en-US"/>
               <a:t>マスター タイトルの書式設定</a:t>
             </a:r>
             <a:endParaRPr lang="en-US" dirty="0"/>
@@ -3565,7 +3544,7 @@
           </a:lstStyle>
           <a:p>
             <a:r>
-              <a:rPr lang="ja-JP" altLang="en-US" smtClean="0"/>
+              <a:rPr lang="ja-JP" altLang="en-US"/>
               <a:t>プレースホルダーまでドラッグするかアイコンをクリックして図を追加</a:t>
             </a:r>
             <a:endParaRPr lang="en-US" dirty="0"/>
@@ -3643,7 +3622,7 @@
           <a:p>
             <a:pPr lvl="0"/>
             <a:r>
-              <a:rPr lang="ja-JP" altLang="en-US" smtClean="0"/>
+              <a:rPr lang="ja-JP" altLang="en-US"/>
               <a:t>マスター テキストの書式設定</a:t>
             </a:r>
           </a:p>
@@ -3666,7 +3645,7 @@
           <a:p>
             <a:fld id="{12D1DF2E-71D2-AF48-B524-07533486A88A}" type="datetime1">
               <a:rPr kumimoji="1" lang="ja-JP" altLang="en-US" smtClean="0"/>
-              <a:t>17/10/25</a:t>
+              <a:t>2017/10/26</a:t>
             </a:fld>
             <a:endParaRPr kumimoji="1" lang="ja-JP" altLang="en-US"/>
           </a:p>
@@ -3846,7 +3825,7 @@
           <a:lstStyle/>
           <a:p>
             <a:r>
-              <a:rPr lang="ja-JP" altLang="en-US" smtClean="0"/>
+              <a:rPr lang="ja-JP" altLang="en-US"/>
               <a:t>マスター タイトルの書式設定</a:t>
             </a:r>
             <a:endParaRPr lang="en-US" dirty="0"/>
@@ -3880,67 +3859,67 @@
           <a:p>
             <a:pPr lvl="0"/>
             <a:r>
-              <a:rPr lang="ja-JP" altLang="en-US" smtClean="0"/>
+              <a:rPr lang="ja-JP" altLang="en-US"/>
               <a:t>マスター テキストの書式設定</a:t>
             </a:r>
           </a:p>
           <a:p>
             <a:pPr lvl="1"/>
             <a:r>
-              <a:rPr lang="ja-JP" altLang="en-US" smtClean="0"/>
+              <a:rPr lang="ja-JP" altLang="en-US"/>
               <a:t>第 </a:t>
             </a:r>
             <a:r>
-              <a:rPr lang="en-US" altLang="ja-JP" smtClean="0"/>
+              <a:rPr lang="en-US" altLang="ja-JP"/>
               <a:t>2 </a:t>
             </a:r>
             <a:r>
-              <a:rPr lang="ja-JP" altLang="en-US" smtClean="0"/>
+              <a:rPr lang="ja-JP" altLang="en-US"/>
               <a:t>レベル</a:t>
             </a:r>
           </a:p>
           <a:p>
             <a:pPr lvl="2"/>
             <a:r>
-              <a:rPr lang="ja-JP" altLang="en-US" smtClean="0"/>
+              <a:rPr lang="ja-JP" altLang="en-US"/>
               <a:t>第 </a:t>
             </a:r>
             <a:r>
-              <a:rPr lang="en-US" altLang="ja-JP" smtClean="0"/>
+              <a:rPr lang="en-US" altLang="ja-JP"/>
               <a:t>3 </a:t>
             </a:r>
             <a:r>
-              <a:rPr lang="ja-JP" altLang="en-US" smtClean="0"/>
+              <a:rPr lang="ja-JP" altLang="en-US"/>
               <a:t>レベル</a:t>
             </a:r>
           </a:p>
           <a:p>
             <a:pPr lvl="3"/>
             <a:r>
-              <a:rPr lang="ja-JP" altLang="en-US" smtClean="0"/>
+              <a:rPr lang="ja-JP" altLang="en-US"/>
               <a:t>第 </a:t>
             </a:r>
             <a:r>
-              <a:rPr lang="en-US" altLang="ja-JP" smtClean="0"/>
+              <a:rPr lang="en-US" altLang="ja-JP"/>
               <a:t>4 </a:t>
             </a:r>
             <a:r>
-              <a:rPr lang="ja-JP" altLang="en-US" smtClean="0"/>
+              <a:rPr lang="ja-JP" altLang="en-US"/>
               <a:t>レベル</a:t>
             </a:r>
           </a:p>
           <a:p>
             <a:pPr lvl="4"/>
             <a:r>
-              <a:rPr lang="ja-JP" altLang="en-US" smtClean="0"/>
+              <a:rPr lang="ja-JP" altLang="en-US"/>
               <a:t>第 </a:t>
             </a:r>
             <a:r>
-              <a:rPr lang="en-US" altLang="ja-JP" smtClean="0"/>
+              <a:rPr lang="en-US" altLang="ja-JP"/>
               <a:t>5 </a:t>
             </a:r>
             <a:r>
-              <a:rPr lang="ja-JP" altLang="en-US" smtClean="0"/>
+              <a:rPr lang="ja-JP" altLang="en-US"/>
               <a:t>レベル</a:t>
             </a:r>
             <a:endParaRPr lang="en-US" dirty="0"/>
@@ -3980,7 +3959,7 @@
           <a:p>
             <a:fld id="{6473E788-3E35-4648-8AD5-790019871092}" type="datetime1">
               <a:rPr kumimoji="1" lang="ja-JP" altLang="en-US" smtClean="0"/>
-              <a:t>17/10/25</a:t>
+              <a:t>2017/10/26</a:t>
             </a:fld>
             <a:endParaRPr kumimoji="1" lang="ja-JP" altLang="en-US"/>
           </a:p>
@@ -4119,13 +4098,6 @@
     <p:sldLayoutId id="2147483825" r:id="rId10"/>
     <p:sldLayoutId id="2147483826" r:id="rId11"/>
   </p:sldLayoutIdLst>
-  <p:timing>
-    <p:tnLst>
-      <p:par>
-        <p:cTn xmlns:p14="http://schemas.microsoft.com/office/powerpoint/2010/main" id="1" dur="indefinite" restart="never" nodeType="tmRoot"/>
-      </p:par>
-    </p:tnLst>
-  </p:timing>
   <p:hf hdr="0" ftr="0"/>
   <p:txStyles>
     <p:titleStyle>
@@ -4494,7 +4466,7 @@
   </p:txStyles>
   <p:extLst mod="1">
     <p:ext uri="{27BBF7A9-308A-43DC-89C8-2F10F3537804}">
-      <p15:sldGuideLst xmlns:p15="http://schemas.microsoft.com/office/powerpoint/2012/main" xmlns=""/>
+      <p15:sldGuideLst xmlns:p15="http://schemas.microsoft.com/office/powerpoint/2012/main"/>
     </p:ext>
   </p:extLst>
 </p:sldMaster>
@@ -4534,19 +4506,19 @@
           <a:p>
             <a:pPr algn="ctr"/>
             <a:r>
-              <a:rPr lang="ja-JP" altLang="en-US" dirty="0" smtClean="0"/>
+              <a:rPr lang="ja-JP" altLang="en-US" dirty="0"/>
               <a:t>園内 </a:t>
             </a:r>
             <a:r>
-              <a:rPr lang="en-US" altLang="ja-JP" dirty="0" smtClean="0"/>
+              <a:rPr lang="en-US" altLang="ja-JP" dirty="0"/>
               <a:t>AR </a:t>
             </a:r>
             <a:r>
-              <a:rPr lang="ja-JP" altLang="en-US" dirty="0" smtClean="0"/>
+              <a:rPr lang="ja-JP" altLang="en-US" dirty="0"/>
               <a:t>案内アプリ</a:t>
             </a:r>
             <a:r>
-              <a:rPr lang="en-US" altLang="ja-JP" dirty="0" smtClean="0"/>
+              <a:rPr lang="en-US" altLang="ja-JP" dirty="0"/>
               <a:t> </a:t>
             </a:r>
             <a:endParaRPr kumimoji="1" lang="ja-JP" altLang="en-US" dirty="0"/>
@@ -4576,7 +4548,7 @@
           <a:lstStyle/>
           <a:p>
             <a:r>
-              <a:rPr kumimoji="1" lang="en-US" altLang="ja-JP" sz="4000" dirty="0" smtClean="0"/>
+              <a:rPr kumimoji="1" lang="en-US" altLang="ja-JP" sz="4000" dirty="0"/>
               <a:t>Siesta</a:t>
             </a:r>
             <a:endParaRPr kumimoji="1" lang="ja-JP" altLang="en-US" sz="4000" dirty="0"/>
@@ -4593,13 +4565,6 @@
   <p:clrMapOvr>
     <a:masterClrMapping/>
   </p:clrMapOvr>
-  <p:timing>
-    <p:tnLst>
-      <p:par>
-        <p:cTn xmlns:p14="http://schemas.microsoft.com/office/powerpoint/2010/main" id="1" dur="indefinite" restart="never" nodeType="tmRoot"/>
-      </p:par>
-    </p:tnLst>
-  </p:timing>
 </p:sld>
 </file>
 
@@ -4636,10 +4601,9 @@
           <a:lstStyle/>
           <a:p>
             <a:r>
-              <a:rPr kumimoji="1" lang="ja-JP" altLang="en-US" dirty="0" smtClean="0"/>
+              <a:rPr kumimoji="1" lang="ja-JP" altLang="en-US" dirty="0"/>
               <a:t>想定する利用者</a:t>
             </a:r>
-            <a:endParaRPr kumimoji="1" lang="ja-JP" altLang="en-US" dirty="0"/>
           </a:p>
         </p:txBody>
       </p:sp>
@@ -4665,18 +4629,10 @@
               <a:buChar char="l"/>
             </a:pPr>
             <a:r>
-              <a:rPr lang="ja-JP" altLang="en-US" sz="3200" dirty="0" smtClean="0"/>
-              <a:t>動物</a:t>
-            </a:r>
-            <a:r>
               <a:rPr lang="ja-JP" altLang="en-US" sz="3200" dirty="0"/>
-              <a:t>園</a:t>
-            </a:r>
-            <a:r>
-              <a:rPr lang="ja-JP" altLang="en-US" sz="3200" dirty="0" smtClean="0"/>
-              <a:t>の従業員</a:t>
-            </a:r>
-            <a:endParaRPr lang="en-US" altLang="ja-JP" sz="3200" dirty="0" smtClean="0"/>
+              <a:t>動物園の従業員</a:t>
+            </a:r>
+            <a:endParaRPr lang="en-US" altLang="ja-JP" sz="3200" dirty="0"/>
           </a:p>
           <a:p>
             <a:endParaRPr kumimoji="1" lang="en-US" altLang="ja-JP" sz="3200" dirty="0"/>
@@ -4687,7 +4643,7 @@
               <a:buChar char="l"/>
             </a:pPr>
             <a:r>
-              <a:rPr lang="ja-JP" altLang="en-US" sz="3200" dirty="0" smtClean="0"/>
+              <a:rPr lang="ja-JP" altLang="en-US" sz="3200" dirty="0"/>
               <a:t>動物園の利用者</a:t>
             </a:r>
             <a:endParaRPr kumimoji="1" lang="ja-JP" altLang="en-US" sz="3200" dirty="0"/>
@@ -4711,7 +4667,7 @@
           <a:p>
             <a:fld id="{CC1BA7C7-BAB3-E04E-9A29-AE2226D62196}" type="datetime1">
               <a:rPr kumimoji="1" lang="ja-JP" altLang="en-US" smtClean="0"/>
-              <a:t>17/10/25</a:t>
+              <a:t>2017/10/26</a:t>
             </a:fld>
             <a:endParaRPr kumimoji="1" lang="ja-JP" altLang="en-US"/>
           </a:p>
@@ -4750,13 +4706,6 @@
   <p:clrMapOvr>
     <a:masterClrMapping/>
   </p:clrMapOvr>
-  <p:timing>
-    <p:tnLst>
-      <p:par>
-        <p:cTn xmlns:p14="http://schemas.microsoft.com/office/powerpoint/2010/main" id="1" dur="indefinite" restart="never" nodeType="tmRoot"/>
-      </p:par>
-    </p:tnLst>
-  </p:timing>
 </p:sld>
 </file>
 
@@ -4794,11 +4743,7 @@
           <a:p>
             <a:r>
               <a:rPr lang="ja-JP" altLang="en-US" dirty="0"/>
-              <a:t>システム</a:t>
-            </a:r>
-            <a:r>
-              <a:rPr lang="ja-JP" altLang="en-US" dirty="0" smtClean="0"/>
-              <a:t>のハードウェア構成</a:t>
+              <a:t>システムのハードウェア構成</a:t>
             </a:r>
             <a:endParaRPr kumimoji="1" lang="ja-JP" altLang="en-US" dirty="0"/>
           </a:p>
@@ -4825,156 +4770,140 @@
               <a:buNone/>
             </a:pPr>
             <a:r>
-              <a:rPr lang="ja-JP" altLang="en-US" sz="3200" dirty="0" smtClean="0"/>
+              <a:rPr lang="ja-JP" altLang="en-US" sz="3200" dirty="0"/>
               <a:t>入力用</a:t>
             </a:r>
             <a:r>
-              <a:rPr lang="en-US" altLang="ja-JP" sz="3200" dirty="0" smtClean="0"/>
-              <a:t>PC</a:t>
-            </a:r>
-            <a:r>
               <a:rPr lang="en-US" altLang="ja-JP" sz="3200" dirty="0"/>
-              <a:t>	</a:t>
-            </a:r>
-            <a:r>
-              <a:rPr lang="en-US" altLang="ja-JP" sz="3200" dirty="0" smtClean="0"/>
-              <a:t> </a:t>
-            </a:r>
-            <a:r>
-              <a:rPr lang="ja-JP" altLang="en-US" sz="3200" dirty="0" smtClean="0"/>
+              <a:t>PC	 </a:t>
+            </a:r>
+            <a:r>
+              <a:rPr lang="ja-JP" altLang="en-US" sz="3200" dirty="0"/>
               <a:t>　：　</a:t>
             </a:r>
             <a:r>
-              <a:rPr lang="en-US" altLang="ja-JP" sz="3200" dirty="0" smtClean="0"/>
+              <a:rPr lang="en-US" altLang="ja-JP" sz="3200" dirty="0"/>
               <a:t>1</a:t>
             </a:r>
             <a:r>
-              <a:rPr lang="ja-JP" altLang="en-US" sz="3200" dirty="0" smtClean="0"/>
+              <a:rPr lang="ja-JP" altLang="en-US" sz="3200" dirty="0"/>
               <a:t>台</a:t>
             </a:r>
-            <a:endParaRPr lang="en-US" altLang="ja-JP" sz="3200" dirty="0" smtClean="0"/>
+            <a:endParaRPr lang="en-US" altLang="ja-JP" sz="3200" dirty="0"/>
           </a:p>
           <a:p>
             <a:pPr marL="0" indent="0">
               <a:buNone/>
             </a:pPr>
             <a:r>
-              <a:rPr lang="ja-JP" altLang="en-US" sz="3200" dirty="0" smtClean="0"/>
+              <a:rPr lang="ja-JP" altLang="en-US" sz="3200" dirty="0"/>
               <a:t>利用端末</a:t>
             </a:r>
             <a:r>
               <a:rPr lang="en-US" altLang="ja-JP" sz="3200" dirty="0"/>
-              <a:t>	</a:t>
-            </a:r>
-            <a:r>
-              <a:rPr lang="en-US" altLang="ja-JP" sz="3200" dirty="0" smtClean="0"/>
-              <a:t> </a:t>
-            </a:r>
-            <a:r>
-              <a:rPr lang="ja-JP" altLang="en-US" sz="3200" dirty="0" smtClean="0"/>
-              <a:t>　：</a:t>
+              <a:t>	 </a:t>
             </a:r>
             <a:r>
               <a:rPr lang="ja-JP" altLang="en-US" sz="3200" dirty="0"/>
-              <a:t>　</a:t>
-            </a:r>
-            <a:r>
-              <a:rPr lang="en-US" altLang="ja-JP" sz="3200" dirty="0" smtClean="0"/>
+              <a:t>　：　</a:t>
+            </a:r>
+            <a:r>
+              <a:rPr lang="en-US" altLang="ja-JP" sz="3200" dirty="0"/>
               <a:t>1</a:t>
             </a:r>
             <a:r>
-              <a:rPr lang="ja-JP" altLang="en-US" sz="3200" dirty="0" smtClean="0"/>
+              <a:rPr lang="ja-JP" altLang="en-US" sz="3200" dirty="0"/>
               <a:t>台</a:t>
             </a:r>
-            <a:endParaRPr lang="en-US" altLang="ja-JP" sz="3200" dirty="0" smtClean="0"/>
+            <a:endParaRPr lang="en-US" altLang="ja-JP" sz="3200" dirty="0"/>
           </a:p>
           <a:p>
             <a:pPr marL="0" indent="0">
               <a:buNone/>
             </a:pPr>
             <a:r>
-              <a:rPr lang="ja-JP" altLang="en-US" sz="3200" dirty="0" smtClean="0"/>
+              <a:rPr lang="ja-JP" altLang="en-US" sz="3200" dirty="0"/>
               <a:t>サーバ用</a:t>
             </a:r>
             <a:r>
-              <a:rPr lang="en-US" altLang="ja-JP" sz="3200" dirty="0" smtClean="0"/>
+              <a:rPr lang="en-US" altLang="ja-JP" sz="3200" dirty="0"/>
               <a:t>PC</a:t>
             </a:r>
             <a:r>
-              <a:rPr lang="ja-JP" altLang="en-US" sz="3200" dirty="0" smtClean="0"/>
+              <a:rPr lang="ja-JP" altLang="en-US" sz="3200" dirty="0"/>
               <a:t>　：　</a:t>
             </a:r>
             <a:r>
-              <a:rPr lang="en-US" altLang="ja-JP" sz="3200" dirty="0" smtClean="0"/>
+              <a:rPr lang="en-US" altLang="ja-JP" sz="3200" dirty="0"/>
               <a:t>1</a:t>
             </a:r>
             <a:r>
-              <a:rPr lang="ja-JP" altLang="en-US" sz="3200" dirty="0" smtClean="0"/>
+              <a:rPr lang="ja-JP" altLang="en-US" sz="3200" dirty="0"/>
               <a:t>台</a:t>
             </a:r>
-            <a:endParaRPr lang="en-US" altLang="ja-JP" sz="3200" dirty="0" smtClean="0"/>
+            <a:endParaRPr lang="en-US" altLang="ja-JP" sz="3200" dirty="0"/>
           </a:p>
           <a:p>
             <a:pPr marL="0" indent="0">
               <a:buNone/>
             </a:pPr>
             <a:r>
-              <a:rPr lang="en-US" altLang="ja-JP" sz="3200" dirty="0" smtClean="0"/>
+              <a:rPr lang="en-US" altLang="ja-JP" sz="3200" dirty="0"/>
               <a:t>Raspberry Pi</a:t>
             </a:r>
             <a:r>
-              <a:rPr lang="ja-JP" altLang="en-US" sz="3200" dirty="0" smtClean="0"/>
+              <a:rPr lang="ja-JP" altLang="en-US" sz="3200" dirty="0"/>
               <a:t>   ：　</a:t>
             </a:r>
             <a:r>
-              <a:rPr lang="en-US" altLang="ja-JP" sz="3200" dirty="0" smtClean="0"/>
+              <a:rPr lang="en-US" altLang="ja-JP" sz="3200" dirty="0"/>
               <a:t>3</a:t>
             </a:r>
             <a:r>
-              <a:rPr lang="ja-JP" altLang="en-US" sz="3200" dirty="0" smtClean="0"/>
+              <a:rPr lang="ja-JP" altLang="en-US" sz="3200" dirty="0"/>
               <a:t>台</a:t>
             </a:r>
-            <a:endParaRPr lang="en-US" altLang="ja-JP" sz="3200" dirty="0" smtClean="0"/>
+            <a:endParaRPr lang="en-US" altLang="ja-JP" sz="3200" dirty="0"/>
           </a:p>
           <a:p>
             <a:pPr marL="0" indent="0">
               <a:buNone/>
             </a:pPr>
             <a:r>
-              <a:rPr lang="en-US" altLang="ja-JP" sz="3200" dirty="0" smtClean="0"/>
+              <a:rPr lang="en-US" altLang="ja-JP" sz="3200" dirty="0"/>
               <a:t>We</a:t>
             </a:r>
             <a:r>
-              <a:rPr lang="ja-JP" altLang="en-US" sz="3200" dirty="0" err="1" smtClean="0"/>
+              <a:rPr lang="ja-JP" altLang="en-US" sz="3200" dirty="0" err="1"/>
               <a:t>ｂ</a:t>
             </a:r>
             <a:r>
-              <a:rPr lang="ja-JP" altLang="en-US" sz="3200" dirty="0" smtClean="0"/>
+              <a:rPr lang="ja-JP" altLang="en-US" sz="3200" dirty="0"/>
               <a:t>カメラ</a:t>
             </a:r>
             <a:r>
-              <a:rPr lang="en-US" altLang="ja-JP" sz="3200" dirty="0" smtClean="0"/>
+              <a:rPr lang="en-US" altLang="ja-JP" sz="3200" dirty="0"/>
               <a:t>	</a:t>
             </a:r>
             <a:r>
-              <a:rPr lang="ja-JP" altLang="en-US" sz="3200" dirty="0" smtClean="0"/>
+              <a:rPr lang="ja-JP" altLang="en-US" sz="3200" dirty="0"/>
               <a:t>　 ：　</a:t>
             </a:r>
             <a:r>
-              <a:rPr lang="en-US" altLang="ja-JP" sz="3200" dirty="0" smtClean="0"/>
+              <a:rPr lang="en-US" altLang="ja-JP" sz="3200" dirty="0"/>
               <a:t>3</a:t>
             </a:r>
             <a:r>
-              <a:rPr lang="ja-JP" altLang="en-US" sz="3200" dirty="0" smtClean="0"/>
+              <a:rPr lang="ja-JP" altLang="en-US" sz="3200" dirty="0"/>
               <a:t>台</a:t>
             </a:r>
-            <a:endParaRPr lang="en-US" altLang="ja-JP" sz="3200" dirty="0" smtClean="0"/>
+            <a:endParaRPr lang="en-US" altLang="ja-JP" sz="3200" dirty="0"/>
           </a:p>
           <a:p>
             <a:pPr marL="0" indent="0">
               <a:buNone/>
             </a:pPr>
-            <a:endParaRPr lang="en-US" altLang="ja-JP" sz="3200" dirty="0" smtClean="0"/>
+            <a:endParaRPr lang="en-US" altLang="ja-JP" sz="3200" dirty="0"/>
           </a:p>
           <a:p>
             <a:endParaRPr kumimoji="1" lang="en-US" altLang="ja-JP" sz="3200" dirty="0"/>
@@ -5011,7 +4940,7 @@
           <a:p>
             <a:fld id="{D50F820F-4ACA-C245-A02B-C0AC2EB07A0A}" type="datetime1">
               <a:rPr kumimoji="1" lang="ja-JP" altLang="en-US" smtClean="0"/>
-              <a:t>17/10/25</a:t>
+              <a:t>2017/10/26</a:t>
             </a:fld>
             <a:endParaRPr kumimoji="1" lang="ja-JP" altLang="en-US"/>
           </a:p>
@@ -5050,13 +4979,6 @@
   <p:clrMapOvr>
     <a:masterClrMapping/>
   </p:clrMapOvr>
-  <p:timing>
-    <p:tnLst>
-      <p:par>
-        <p:cTn xmlns:p14="http://schemas.microsoft.com/office/powerpoint/2010/main" id="1" dur="indefinite" restart="never" nodeType="tmRoot"/>
-      </p:par>
-    </p:tnLst>
-  </p:timing>
 </p:sld>
 </file>
 
@@ -5093,10 +5015,9 @@
           <a:lstStyle/>
           <a:p>
             <a:r>
-              <a:rPr kumimoji="1" lang="ja-JP" altLang="en-US" dirty="0" smtClean="0"/>
+              <a:rPr kumimoji="1" lang="ja-JP" altLang="en-US" dirty="0"/>
               <a:t>導入計画、保守・運用</a:t>
             </a:r>
-            <a:endParaRPr kumimoji="1" lang="ja-JP" altLang="en-US" dirty="0"/>
           </a:p>
         </p:txBody>
       </p:sp>
@@ -5121,7 +5042,7 @@
               <a:buNone/>
             </a:pPr>
             <a:r>
-              <a:rPr lang="ja-JP" altLang="en-US" sz="3200" dirty="0" smtClean="0"/>
+              <a:rPr lang="ja-JP" altLang="en-US" sz="3200" dirty="0"/>
               <a:t>導入計画</a:t>
             </a:r>
             <a:endParaRPr lang="en-US" altLang="ja-JP" sz="3200" dirty="0"/>
@@ -5132,11 +5053,11 @@
               <a:buChar char="l"/>
             </a:pPr>
             <a:r>
-              <a:rPr kumimoji="1" lang="en-US" altLang="ja-JP" sz="3000" dirty="0" smtClean="0"/>
+              <a:rPr kumimoji="1" lang="en-US" altLang="ja-JP" sz="3000" dirty="0"/>
               <a:t>2017</a:t>
             </a:r>
             <a:r>
-              <a:rPr kumimoji="1" lang="ja-JP" altLang="en-US" sz="3000" dirty="0" smtClean="0"/>
+              <a:rPr kumimoji="1" lang="ja-JP" altLang="en-US" sz="3000" dirty="0"/>
               <a:t>年</a:t>
             </a:r>
             <a:r>
@@ -5144,35 +5065,35 @@
               <a:t>2</a:t>
             </a:r>
             <a:r>
-              <a:rPr lang="ja-JP" altLang="en-US" sz="3000" dirty="0" smtClean="0"/>
+              <a:rPr lang="ja-JP" altLang="en-US" sz="3000" dirty="0"/>
               <a:t>月</a:t>
             </a:r>
             <a:r>
-              <a:rPr lang="en-US" altLang="ja-JP" sz="3000" dirty="0" smtClean="0"/>
+              <a:rPr lang="en-US" altLang="ja-JP" sz="3000" dirty="0"/>
               <a:t>5</a:t>
             </a:r>
             <a:r>
-              <a:rPr lang="ja-JP" altLang="en-US" sz="3000" dirty="0" smtClean="0"/>
+              <a:rPr lang="ja-JP" altLang="en-US" sz="3000" dirty="0"/>
               <a:t>日をもってシステムの導入を完了</a:t>
             </a:r>
-            <a:endParaRPr lang="en-US" altLang="ja-JP" sz="3000" dirty="0" smtClean="0"/>
+            <a:endParaRPr lang="en-US" altLang="ja-JP" sz="3000" dirty="0"/>
           </a:p>
           <a:p>
             <a:pPr>
               <a:buFont typeface="Wingdings" charset="2"/>
               <a:buChar char="l"/>
             </a:pPr>
-            <a:endParaRPr lang="en-US" altLang="ja-JP" sz="3200" dirty="0" smtClean="0"/>
+            <a:endParaRPr lang="en-US" altLang="ja-JP" sz="3200" dirty="0"/>
           </a:p>
           <a:p>
             <a:pPr marL="0" indent="0">
               <a:buNone/>
             </a:pPr>
             <a:r>
-              <a:rPr lang="ja-JP" altLang="en-US" sz="3200" dirty="0" smtClean="0"/>
+              <a:rPr lang="ja-JP" altLang="en-US" sz="3200" dirty="0"/>
               <a:t>保守・運用</a:t>
             </a:r>
-            <a:endParaRPr lang="en-US" altLang="ja-JP" sz="3200" dirty="0" smtClean="0"/>
+            <a:endParaRPr lang="en-US" altLang="ja-JP" sz="3200" dirty="0"/>
           </a:p>
           <a:p>
             <a:pPr lvl="1">
@@ -5180,16 +5101,8 @@
               <a:buChar char="l"/>
             </a:pPr>
             <a:r>
-              <a:rPr lang="ja-JP" altLang="en-US" sz="3000" dirty="0" smtClean="0"/>
-              <a:t>運用</a:t>
-            </a:r>
-            <a:r>
               <a:rPr lang="ja-JP" altLang="en-US" sz="3000" dirty="0"/>
-              <a:t>は動物園の管理者が情報の更新を</a:t>
-            </a:r>
-            <a:r>
-              <a:rPr lang="ja-JP" altLang="en-US" sz="3000" dirty="0" smtClean="0"/>
-              <a:t>行う</a:t>
+              <a:t>運用は動物園の管理者が情報の更新を行う</a:t>
             </a:r>
             <a:endParaRPr lang="en-US" altLang="ja-JP" sz="3000" dirty="0"/>
           </a:p>
@@ -5199,22 +5112,14 @@
               <a:buChar char="l"/>
             </a:pPr>
             <a:r>
-              <a:rPr lang="ja-JP" altLang="en-US" sz="3000" dirty="0" smtClean="0"/>
-              <a:t>故障</a:t>
-            </a:r>
-            <a:r>
               <a:rPr lang="ja-JP" altLang="en-US" sz="3000" dirty="0"/>
-              <a:t>発生時は弊社にて対応</a:t>
-            </a:r>
-            <a:r>
-              <a:rPr lang="ja-JP" altLang="en-US" sz="3000" dirty="0" smtClean="0"/>
-              <a:t>する</a:t>
+              <a:t>故障発生時は弊社にて対応する</a:t>
             </a:r>
             <a:endParaRPr lang="en-US" altLang="ja-JP" sz="3000" dirty="0"/>
           </a:p>
           <a:p>
             <a:r>
-              <a:rPr lang="ja-JP" altLang="en-US" sz="3200" dirty="0" smtClean="0"/>
+              <a:rPr lang="ja-JP" altLang="en-US" sz="3200" dirty="0"/>
               <a:t> </a:t>
             </a:r>
             <a:endParaRPr kumimoji="1" lang="ja-JP" altLang="en-US" sz="3200" dirty="0"/>
@@ -5238,7 +5143,7 @@
           <a:p>
             <a:fld id="{F729CC9C-78A9-4D43-BCDC-50CD52EC6CE5}" type="datetime1">
               <a:rPr kumimoji="1" lang="ja-JP" altLang="en-US" smtClean="0"/>
-              <a:t>17/10/25</a:t>
+              <a:t>2017/10/26</a:t>
             </a:fld>
             <a:endParaRPr kumimoji="1" lang="ja-JP" altLang="en-US"/>
           </a:p>
@@ -5277,13 +5182,6 @@
   <p:clrMapOvr>
     <a:masterClrMapping/>
   </p:clrMapOvr>
-  <p:timing>
-    <p:tnLst>
-      <p:par>
-        <p:cTn xmlns:p14="http://schemas.microsoft.com/office/powerpoint/2010/main" id="1" dur="indefinite" restart="never" nodeType="tmRoot"/>
-      </p:par>
-    </p:tnLst>
-  </p:timing>
 </p:sld>
 </file>
 
@@ -5320,10 +5218,9 @@
           <a:lstStyle/>
           <a:p>
             <a:r>
-              <a:rPr kumimoji="1" lang="ja-JP" altLang="en-US" dirty="0" smtClean="0"/>
+              <a:rPr kumimoji="1" lang="ja-JP" altLang="en-US" dirty="0"/>
               <a:t>作業標準・品質管理</a:t>
             </a:r>
-            <a:endParaRPr kumimoji="1" lang="ja-JP" altLang="en-US" dirty="0"/>
           </a:p>
         </p:txBody>
       </p:sp>
@@ -5354,25 +5251,21 @@
               <a:buChar char="l"/>
             </a:pPr>
             <a:r>
-              <a:rPr kumimoji="1" lang="ja-JP" altLang="en-US" sz="3200" dirty="0" smtClean="0"/>
+              <a:rPr kumimoji="1" lang="ja-JP" altLang="en-US" sz="3200" dirty="0"/>
               <a:t>システム開発にかかる作業標準は弊社指定のものを</a:t>
-            </a:r>
-            <a:r>
-              <a:rPr lang="en-US" altLang="ja-JP" sz="3200" dirty="0"/>
-              <a:t/>
             </a:r>
             <a:br>
               <a:rPr lang="en-US" altLang="ja-JP" sz="3200" dirty="0"/>
             </a:br>
             <a:r>
-              <a:rPr lang="en-US" altLang="ja-JP" sz="3200" dirty="0" smtClean="0"/>
+              <a:rPr lang="en-US" altLang="ja-JP" sz="3200" dirty="0"/>
               <a:t>  </a:t>
             </a:r>
             <a:r>
-              <a:rPr kumimoji="1" lang="ja-JP" altLang="en-US" sz="3200" dirty="0" smtClean="0"/>
+              <a:rPr kumimoji="1" lang="ja-JP" altLang="en-US" sz="3200" dirty="0"/>
               <a:t>使用</a:t>
             </a:r>
-            <a:endParaRPr kumimoji="1" lang="en-US" altLang="ja-JP" sz="3200" dirty="0" smtClean="0"/>
+            <a:endParaRPr kumimoji="1" lang="en-US" altLang="ja-JP" sz="3200" dirty="0"/>
           </a:p>
           <a:p>
             <a:pPr>
@@ -5388,32 +5281,19 @@
             </a:pPr>
             <a:r>
               <a:rPr lang="ja-JP" altLang="en-US" sz="3200" dirty="0"/>
-              <a:t>システム開発にかかる品質管理手法は弊社</a:t>
-            </a:r>
-            <a:r>
-              <a:rPr lang="ja-JP" altLang="en-US" sz="3200" dirty="0" smtClean="0"/>
-              <a:t>指定のものを</a:t>
-            </a:r>
-            <a:r>
-              <a:rPr lang="en-US" altLang="ja-JP" sz="3200" dirty="0" smtClean="0"/>
-              <a:t/>
+              <a:t>システム開発にかかる品質管理手法は弊社指定のものを</a:t>
             </a:r>
             <a:br>
-              <a:rPr lang="en-US" altLang="ja-JP" sz="3200" dirty="0" smtClean="0"/>
+              <a:rPr lang="en-US" altLang="ja-JP" sz="3200" dirty="0"/>
             </a:br>
             <a:r>
               <a:rPr lang="en-US" altLang="ja-JP" sz="3200" dirty="0"/>
-              <a:t> </a:t>
-            </a:r>
-            <a:r>
-              <a:rPr lang="en-US" altLang="ja-JP" sz="3200" dirty="0" smtClean="0"/>
-              <a:t> </a:t>
-            </a:r>
-            <a:r>
-              <a:rPr lang="ja-JP" altLang="en-US" sz="3200" dirty="0" smtClean="0"/>
+              <a:t>  </a:t>
+            </a:r>
+            <a:r>
+              <a:rPr lang="ja-JP" altLang="en-US" sz="3200" dirty="0"/>
               <a:t>使用</a:t>
             </a:r>
-            <a:endParaRPr lang="ja-JP" altLang="en-US" sz="3200" dirty="0"/>
           </a:p>
           <a:p>
             <a:pPr>
@@ -5441,7 +5321,7 @@
           <a:p>
             <a:fld id="{97B6A791-A9BA-3A46-8049-391F48887E3A}" type="datetime1">
               <a:rPr kumimoji="1" lang="ja-JP" altLang="en-US" smtClean="0"/>
-              <a:t>17/10/25</a:t>
+              <a:t>2017/10/26</a:t>
             </a:fld>
             <a:endParaRPr kumimoji="1" lang="ja-JP" altLang="en-US"/>
           </a:p>
@@ -5480,13 +5360,6 @@
   <p:clrMapOvr>
     <a:masterClrMapping/>
   </p:clrMapOvr>
-  <p:timing>
-    <p:tnLst>
-      <p:par>
-        <p:cTn xmlns:p14="http://schemas.microsoft.com/office/powerpoint/2010/main" id="1" dur="indefinite" restart="never" nodeType="tmRoot"/>
-      </p:par>
-    </p:tnLst>
-  </p:timing>
 </p:sld>
 </file>
 
@@ -5523,10 +5396,9 @@
           <a:lstStyle/>
           <a:p>
             <a:r>
-              <a:rPr kumimoji="1" lang="ja-JP" altLang="en-US" dirty="0" smtClean="0"/>
+              <a:rPr kumimoji="1" lang="ja-JP" altLang="en-US" dirty="0"/>
               <a:t>工程計画</a:t>
             </a:r>
-            <a:endParaRPr kumimoji="1" lang="ja-JP" altLang="en-US" dirty="0"/>
           </a:p>
         </p:txBody>
       </p:sp>
@@ -5548,46 +5420,46 @@
           <a:lstStyle/>
           <a:p>
             <a:r>
-              <a:rPr kumimoji="1" lang="ja-JP" altLang="en-US" sz="3200" dirty="0" smtClean="0"/>
+              <a:rPr kumimoji="1" lang="ja-JP" altLang="en-US" sz="3200" dirty="0"/>
               <a:t>要求分析完了：　</a:t>
             </a:r>
             <a:r>
-              <a:rPr kumimoji="1" lang="en-US" altLang="ja-JP" sz="3200" dirty="0" smtClean="0"/>
+              <a:rPr kumimoji="1" lang="en-US" altLang="ja-JP" sz="3200" dirty="0"/>
               <a:t>2017</a:t>
             </a:r>
             <a:r>
-              <a:rPr kumimoji="1" lang="ja-JP" altLang="en-US" sz="3200" dirty="0" smtClean="0"/>
+              <a:rPr kumimoji="1" lang="ja-JP" altLang="en-US" sz="3200" dirty="0"/>
               <a:t>年</a:t>
             </a:r>
             <a:r>
-              <a:rPr kumimoji="1" lang="en-US" altLang="ja-JP" sz="3200" dirty="0" smtClean="0"/>
+              <a:rPr kumimoji="1" lang="en-US" altLang="ja-JP" sz="3200" dirty="0"/>
               <a:t>10</a:t>
             </a:r>
             <a:r>
-              <a:rPr kumimoji="1" lang="ja-JP" altLang="en-US" sz="3200" dirty="0" smtClean="0"/>
+              <a:rPr kumimoji="1" lang="ja-JP" altLang="en-US" sz="3200" dirty="0"/>
               <a:t>月</a:t>
             </a:r>
             <a:r>
-              <a:rPr kumimoji="1" lang="en-US" altLang="ja-JP" sz="3200" dirty="0" smtClean="0"/>
+              <a:rPr kumimoji="1" lang="en-US" altLang="ja-JP" sz="3200" dirty="0"/>
               <a:t>26</a:t>
             </a:r>
             <a:r>
-              <a:rPr kumimoji="1" lang="ja-JP" altLang="en-US" sz="3200" dirty="0" smtClean="0"/>
+              <a:rPr kumimoji="1" lang="ja-JP" altLang="en-US" sz="3200" dirty="0"/>
               <a:t>日</a:t>
             </a:r>
-            <a:endParaRPr kumimoji="1" lang="en-US" altLang="ja-JP" sz="3200" dirty="0" smtClean="0"/>
-          </a:p>
-          <a:p>
-            <a:r>
-              <a:rPr lang="ja-JP" altLang="en-US" sz="3200" dirty="0" smtClean="0"/>
+            <a:endParaRPr kumimoji="1" lang="en-US" altLang="ja-JP" sz="3200" dirty="0"/>
+          </a:p>
+          <a:p>
+            <a:r>
+              <a:rPr lang="ja-JP" altLang="en-US" sz="3200" dirty="0"/>
               <a:t>外部設計完了：　</a:t>
             </a:r>
             <a:r>
-              <a:rPr lang="en-US" altLang="ja-JP" sz="3200" dirty="0" smtClean="0"/>
+              <a:rPr lang="en-US" altLang="ja-JP" sz="3200" dirty="0"/>
               <a:t>2017</a:t>
             </a:r>
             <a:r>
-              <a:rPr lang="ja-JP" altLang="en-US" sz="3200" dirty="0" smtClean="0"/>
+              <a:rPr lang="ja-JP" altLang="en-US" sz="3200" dirty="0"/>
               <a:t>年</a:t>
             </a:r>
             <a:r>
@@ -5595,111 +5467,110 @@
               <a:t>11</a:t>
             </a:r>
             <a:r>
-              <a:rPr lang="ja-JP" altLang="en-US" sz="3200" dirty="0" smtClean="0"/>
+              <a:rPr lang="ja-JP" altLang="en-US" sz="3200" dirty="0"/>
               <a:t>月</a:t>
             </a:r>
             <a:r>
-              <a:rPr lang="en-US" altLang="ja-JP" sz="3200" dirty="0" smtClean="0"/>
+              <a:rPr lang="en-US" altLang="ja-JP" sz="3200" dirty="0"/>
               <a:t>27</a:t>
             </a:r>
             <a:r>
-              <a:rPr lang="ja-JP" altLang="en-US" sz="3200" dirty="0" smtClean="0"/>
+              <a:rPr lang="ja-JP" altLang="en-US" sz="3200" dirty="0"/>
               <a:t>日</a:t>
             </a:r>
-            <a:endParaRPr lang="en-US" altLang="ja-JP" sz="3200" dirty="0" smtClean="0"/>
-          </a:p>
-          <a:p>
-            <a:r>
-              <a:rPr kumimoji="1" lang="ja-JP" altLang="en-US" sz="3200" dirty="0" smtClean="0"/>
+            <a:endParaRPr lang="en-US" altLang="ja-JP" sz="3200" dirty="0"/>
+          </a:p>
+          <a:p>
+            <a:r>
+              <a:rPr kumimoji="1" lang="ja-JP" altLang="en-US" sz="3200" dirty="0"/>
               <a:t>内部設計完了：　</a:t>
             </a:r>
             <a:r>
-              <a:rPr kumimoji="1" lang="en-US" altLang="ja-JP" sz="3200" dirty="0" smtClean="0"/>
+              <a:rPr kumimoji="1" lang="en-US" altLang="ja-JP" sz="3200" dirty="0"/>
               <a:t>2017</a:t>
             </a:r>
             <a:r>
-              <a:rPr kumimoji="1" lang="ja-JP" altLang="en-US" sz="3200" dirty="0" smtClean="0"/>
+              <a:rPr kumimoji="1" lang="ja-JP" altLang="en-US" sz="3200" dirty="0"/>
               <a:t>年</a:t>
             </a:r>
             <a:r>
-              <a:rPr kumimoji="1" lang="en-US" altLang="ja-JP" sz="3200" dirty="0" smtClean="0"/>
+              <a:rPr kumimoji="1" lang="en-US" altLang="ja-JP" sz="3200" dirty="0"/>
               <a:t>12</a:t>
             </a:r>
             <a:r>
-              <a:rPr kumimoji="1" lang="ja-JP" altLang="en-US" sz="3200" dirty="0" smtClean="0"/>
+              <a:rPr kumimoji="1" lang="ja-JP" altLang="en-US" sz="3200" dirty="0"/>
               <a:t>月</a:t>
             </a:r>
             <a:r>
-              <a:rPr kumimoji="1" lang="en-US" altLang="ja-JP" sz="3200" dirty="0" smtClean="0"/>
+              <a:rPr kumimoji="1" lang="en-US" altLang="ja-JP" sz="3200" dirty="0"/>
               <a:t>18</a:t>
             </a:r>
             <a:r>
-              <a:rPr kumimoji="1" lang="ja-JP" altLang="en-US" sz="3200" dirty="0" smtClean="0"/>
+              <a:rPr kumimoji="1" lang="ja-JP" altLang="en-US" sz="3200" dirty="0"/>
               <a:t>日</a:t>
             </a:r>
-            <a:endParaRPr kumimoji="1" lang="en-US" altLang="ja-JP" sz="3200" dirty="0" smtClean="0"/>
-          </a:p>
-          <a:p>
-            <a:r>
-              <a:rPr lang="ja-JP" altLang="en-US" sz="3200" dirty="0" smtClean="0"/>
+            <a:endParaRPr kumimoji="1" lang="en-US" altLang="ja-JP" sz="3200" dirty="0"/>
+          </a:p>
+          <a:p>
+            <a:r>
+              <a:rPr lang="ja-JP" altLang="en-US" sz="3200" dirty="0"/>
               <a:t>開発完了　　　：　</a:t>
             </a:r>
             <a:r>
-              <a:rPr lang="en-US" altLang="ja-JP" sz="3200" dirty="0" smtClean="0"/>
+              <a:rPr lang="en-US" altLang="ja-JP" sz="3200" dirty="0"/>
               <a:t>2018</a:t>
             </a:r>
             <a:r>
-              <a:rPr lang="ja-JP" altLang="en-US" sz="3200" dirty="0" smtClean="0"/>
+              <a:rPr lang="ja-JP" altLang="en-US" sz="3200" dirty="0"/>
               <a:t>年</a:t>
             </a:r>
             <a:r>
-              <a:rPr lang="en-US" altLang="ja-JP" sz="3200" dirty="0" smtClean="0"/>
+              <a:rPr lang="en-US" altLang="ja-JP" sz="3200" dirty="0"/>
               <a:t>1</a:t>
             </a:r>
             <a:r>
-              <a:rPr lang="ja-JP" altLang="en-US" sz="3200" dirty="0" smtClean="0"/>
+              <a:rPr lang="ja-JP" altLang="en-US" sz="3200" dirty="0"/>
               <a:t>月</a:t>
             </a:r>
             <a:r>
-              <a:rPr lang="en-US" altLang="ja-JP" sz="3200" dirty="0" smtClean="0"/>
+              <a:rPr lang="en-US" altLang="ja-JP" sz="3200" dirty="0"/>
               <a:t>25</a:t>
             </a:r>
             <a:r>
-              <a:rPr lang="ja-JP" altLang="en-US" sz="3200" dirty="0" smtClean="0"/>
+              <a:rPr lang="ja-JP" altLang="en-US" sz="3200" dirty="0"/>
               <a:t>日</a:t>
             </a:r>
-            <a:endParaRPr lang="en-US" altLang="ja-JP" sz="3200" dirty="0" smtClean="0"/>
-          </a:p>
-          <a:p>
-            <a:r>
-              <a:rPr kumimoji="1" lang="ja-JP" altLang="en-US" sz="3200" dirty="0" smtClean="0"/>
+            <a:endParaRPr lang="en-US" altLang="ja-JP" sz="3200" dirty="0"/>
+          </a:p>
+          <a:p>
+            <a:r>
+              <a:rPr kumimoji="1" lang="ja-JP" altLang="en-US" sz="3200" dirty="0"/>
               <a:t>導入　　　　　　：　</a:t>
             </a:r>
             <a:r>
-              <a:rPr kumimoji="1" lang="en-US" altLang="ja-JP" sz="3200" dirty="0" smtClean="0"/>
+              <a:rPr kumimoji="1" lang="en-US" altLang="ja-JP" sz="3200" dirty="0"/>
               <a:t>2018</a:t>
             </a:r>
             <a:r>
-              <a:rPr kumimoji="1" lang="ja-JP" altLang="en-US" sz="3200" dirty="0" smtClean="0"/>
+              <a:rPr kumimoji="1" lang="ja-JP" altLang="en-US" sz="3200" dirty="0"/>
               <a:t>年</a:t>
             </a:r>
             <a:r>
-              <a:rPr kumimoji="1" lang="en-US" altLang="ja-JP" sz="3200" dirty="0" smtClean="0"/>
+              <a:rPr kumimoji="1" lang="en-US" altLang="ja-JP" sz="3200" dirty="0"/>
               <a:t>2</a:t>
             </a:r>
             <a:r>
-              <a:rPr kumimoji="1" lang="ja-JP" altLang="en-US" sz="3200" dirty="0" smtClean="0"/>
+              <a:rPr kumimoji="1" lang="ja-JP" altLang="en-US" sz="3200" dirty="0"/>
               <a:t>月</a:t>
             </a:r>
             <a:r>
-              <a:rPr kumimoji="1" lang="en-US" altLang="ja-JP" sz="3200" dirty="0" smtClean="0"/>
+              <a:rPr kumimoji="1" lang="en-US" altLang="ja-JP" sz="3200" dirty="0"/>
               <a:t>5</a:t>
             </a:r>
             <a:r>
-              <a:rPr kumimoji="1" lang="ja-JP" altLang="en-US" sz="3200" dirty="0" smtClean="0"/>
+              <a:rPr kumimoji="1" lang="ja-JP" altLang="en-US" sz="3200" dirty="0"/>
               <a:t>日</a:t>
             </a:r>
-            <a:endParaRPr kumimoji="1" lang="ja-JP" altLang="en-US" sz="3200" dirty="0"/>
           </a:p>
         </p:txBody>
       </p:sp>
@@ -5720,7 +5591,7 @@
           <a:p>
             <a:fld id="{2D68BDE1-BF27-CC4D-A212-B8ED29369540}" type="datetime1">
               <a:rPr kumimoji="1" lang="ja-JP" altLang="en-US" smtClean="0"/>
-              <a:t>17/10/25</a:t>
+              <a:t>2017/10/26</a:t>
             </a:fld>
             <a:endParaRPr kumimoji="1" lang="ja-JP" altLang="en-US"/>
           </a:p>
@@ -5759,13 +5630,6 @@
   <p:clrMapOvr>
     <a:masterClrMapping/>
   </p:clrMapOvr>
-  <p:timing>
-    <p:tnLst>
-      <p:par>
-        <p:cTn xmlns:p14="http://schemas.microsoft.com/office/powerpoint/2010/main" id="1" dur="indefinite" restart="never" nodeType="tmRoot"/>
-      </p:par>
-    </p:tnLst>
-  </p:timing>
 </p:sld>
 </file>
 
@@ -5802,11 +5666,11 @@
           <a:lstStyle/>
           <a:p>
             <a:r>
-              <a:rPr kumimoji="1" lang="ja-JP" altLang="en-US" dirty="0" smtClean="0"/>
+              <a:rPr kumimoji="1" lang="ja-JP" altLang="en-US" dirty="0"/>
               <a:t>体制・</a:t>
             </a:r>
             <a:r>
-              <a:rPr lang="ja-JP" altLang="en-US" dirty="0" smtClean="0"/>
+              <a:rPr lang="ja-JP" altLang="en-US" dirty="0"/>
               <a:t>費用</a:t>
             </a:r>
             <a:endParaRPr kumimoji="1" lang="ja-JP" altLang="en-US" dirty="0"/>
@@ -5831,97 +5695,96 @@
           <a:lstStyle/>
           <a:p>
             <a:r>
-              <a:rPr kumimoji="1" lang="ja-JP" altLang="en-US" sz="3200" dirty="0" smtClean="0"/>
+              <a:rPr kumimoji="1" lang="ja-JP" altLang="en-US" sz="3200" dirty="0"/>
               <a:t>このシステムの開発は弊社の</a:t>
             </a:r>
             <a:r>
-              <a:rPr kumimoji="1" lang="en-US" altLang="ja-JP" sz="3200" dirty="0" smtClean="0"/>
+              <a:rPr kumimoji="1" lang="en-US" altLang="ja-JP" sz="3200" dirty="0"/>
               <a:t>8</a:t>
             </a:r>
             <a:r>
-              <a:rPr kumimoji="1" lang="ja-JP" altLang="en-US" sz="3200" dirty="0" smtClean="0"/>
+              <a:rPr kumimoji="1" lang="ja-JP" altLang="en-US" sz="3200" dirty="0"/>
               <a:t>名のエンジニアにより実施</a:t>
             </a:r>
-            <a:endParaRPr kumimoji="1" lang="ja-JP" altLang="en-US" sz="3200" dirty="0"/>
+          </a:p>
+        </p:txBody>
+      </p:sp>
+      <p:sp>
+        <p:nvSpPr>
+          <p:cNvPr id="5" name="日付プレースホルダー 4"/>
+          <p:cNvSpPr>
+            <a:spLocks noGrp="1"/>
+          </p:cNvSpPr>
+          <p:nvPr>
+            <p:ph type="dt" sz="half" idx="10"/>
+          </p:nvPr>
+        </p:nvSpPr>
+        <p:spPr/>
+        <p:txBody>
+          <a:bodyPr/>
+          <a:lstStyle/>
+          <a:p>
+            <a:fld id="{14ECF881-AFDC-C148-8A76-767E4A073EE6}" type="datetime1">
+              <a:rPr kumimoji="1" lang="ja-JP" altLang="en-US" smtClean="0"/>
+              <a:t>2017/10/26</a:t>
+            </a:fld>
+            <a:endParaRPr kumimoji="1" lang="ja-JP" altLang="en-US"/>
+          </a:p>
+        </p:txBody>
+      </p:sp>
+      <p:sp>
+        <p:nvSpPr>
+          <p:cNvPr id="6" name="スライド番号プレースホルダー 5"/>
+          <p:cNvSpPr>
+            <a:spLocks noGrp="1"/>
+          </p:cNvSpPr>
+          <p:nvPr>
+            <p:ph type="sldNum" sz="quarter" idx="12"/>
+          </p:nvPr>
+        </p:nvSpPr>
+        <p:spPr/>
+        <p:txBody>
+          <a:bodyPr/>
+          <a:lstStyle/>
+          <a:p>
+            <a:fld id="{0E6F4281-77BB-C94A-88EC-683FFEF89876}" type="slidenum">
+              <a:rPr kumimoji="1" lang="ja-JP" altLang="en-US" smtClean="0"/>
+              <a:t>15</a:t>
+            </a:fld>
+            <a:endParaRPr kumimoji="1" lang="ja-JP" altLang="en-US"/>
           </a:p>
         </p:txBody>
       </p:sp>
       <p:pic>
         <p:nvPicPr>
-          <p:cNvPr id="4" name="コンテンツ プレースホルダー 3"/>
+          <p:cNvPr id="7" name="図 6">
+            <a:extLst>
+              <a:ext uri="{FF2B5EF4-FFF2-40B4-BE49-F238E27FC236}">
+                <a16:creationId xmlns:a16="http://schemas.microsoft.com/office/drawing/2014/main" id="{A0F0F042-5ABC-4D27-A257-164663DA32C4}"/>
+              </a:ext>
+            </a:extLst>
+          </p:cNvPr>
           <p:cNvPicPr>
             <a:picLocks noChangeAspect="1"/>
           </p:cNvPicPr>
           <p:nvPr/>
         </p:nvPicPr>
         <p:blipFill>
-          <a:blip r:embed="rId2">
-            <a:extLst>
-              <a:ext uri="{28A0092B-C50C-407E-A947-70E740481C1C}">
-                <a14:useLocalDpi xmlns:a14="http://schemas.microsoft.com/office/drawing/2010/main" val="0"/>
-              </a:ext>
-            </a:extLst>
-          </a:blip>
+          <a:blip r:embed="rId2"/>
           <a:stretch>
             <a:fillRect/>
           </a:stretch>
         </p:blipFill>
         <p:spPr>
           <a:xfrm>
-            <a:off x="2621280" y="3028402"/>
-            <a:ext cx="7010400" cy="2273300"/>
+            <a:off x="1097280" y="2434543"/>
+            <a:ext cx="10115203" cy="3542925"/>
           </a:xfrm>
           <a:prstGeom prst="rect">
             <a:avLst/>
           </a:prstGeom>
         </p:spPr>
       </p:pic>
-      <p:sp>
-        <p:nvSpPr>
-          <p:cNvPr id="5" name="日付プレースホルダー 4"/>
-          <p:cNvSpPr>
-            <a:spLocks noGrp="1"/>
-          </p:cNvSpPr>
-          <p:nvPr>
-            <p:ph type="dt" sz="half" idx="10"/>
-          </p:nvPr>
-        </p:nvSpPr>
-        <p:spPr/>
-        <p:txBody>
-          <a:bodyPr/>
-          <a:lstStyle/>
-          <a:p>
-            <a:fld id="{14ECF881-AFDC-C148-8A76-767E4A073EE6}" type="datetime1">
-              <a:rPr kumimoji="1" lang="ja-JP" altLang="en-US" smtClean="0"/>
-              <a:t>17/10/25</a:t>
-            </a:fld>
-            <a:endParaRPr kumimoji="1" lang="ja-JP" altLang="en-US"/>
-          </a:p>
-        </p:txBody>
-      </p:sp>
-      <p:sp>
-        <p:nvSpPr>
-          <p:cNvPr id="6" name="スライド番号プレースホルダー 5"/>
-          <p:cNvSpPr>
-            <a:spLocks noGrp="1"/>
-          </p:cNvSpPr>
-          <p:nvPr>
-            <p:ph type="sldNum" sz="quarter" idx="12"/>
-          </p:nvPr>
-        </p:nvSpPr>
-        <p:spPr/>
-        <p:txBody>
-          <a:bodyPr/>
-          <a:lstStyle/>
-          <a:p>
-            <a:fld id="{0E6F4281-77BB-C94A-88EC-683FFEF89876}" type="slidenum">
-              <a:rPr kumimoji="1" lang="ja-JP" altLang="en-US" smtClean="0"/>
-              <a:t>15</a:t>
-            </a:fld>
-            <a:endParaRPr kumimoji="1" lang="ja-JP" altLang="en-US"/>
-          </a:p>
-        </p:txBody>
-      </p:sp>
     </p:spTree>
     <p:extLst>
       <p:ext uri="{BB962C8B-B14F-4D97-AF65-F5344CB8AC3E}">
@@ -5932,13 +5795,6 @@
   <p:clrMapOvr>
     <a:masterClrMapping/>
   </p:clrMapOvr>
-  <p:timing>
-    <p:tnLst>
-      <p:par>
-        <p:cTn xmlns:p14="http://schemas.microsoft.com/office/powerpoint/2010/main" id="1" dur="indefinite" restart="never" nodeType="tmRoot"/>
-      </p:par>
-    </p:tnLst>
-  </p:timing>
 </p:sld>
 </file>
 
@@ -5975,11 +5831,11 @@
           <a:lstStyle/>
           <a:p>
             <a:r>
-              <a:rPr lang="ja-JP" altLang="en-US" dirty="0" smtClean="0"/>
+              <a:rPr lang="ja-JP" altLang="en-US" dirty="0"/>
               <a:t>利益</a:t>
             </a:r>
             <a:r>
-              <a:rPr lang="en-US" altLang="ja-JP" dirty="0" smtClean="0"/>
+              <a:rPr lang="en-US" altLang="ja-JP" dirty="0"/>
               <a:t>(1/2)</a:t>
             </a:r>
             <a:endParaRPr kumimoji="1" lang="ja-JP" altLang="en-US" dirty="0"/>
@@ -6013,14 +5869,10 @@
               <a:buChar char="l"/>
             </a:pPr>
             <a:r>
-              <a:rPr lang="ja-JP" altLang="en-US" sz="2800" dirty="0" smtClean="0"/>
-              <a:t>入園料により増加</a:t>
-            </a:r>
-            <a:r>
               <a:rPr lang="ja-JP" altLang="en-US" sz="2800" dirty="0"/>
-              <a:t>する動物園の利益</a:t>
-            </a:r>
-            <a:endParaRPr lang="en-US" altLang="ja-JP" sz="2800" dirty="0" smtClean="0"/>
+              <a:t>入園料により増加する動物園の利益</a:t>
+            </a:r>
+            <a:endParaRPr lang="en-US" altLang="ja-JP" sz="2800" dirty="0"/>
           </a:p>
           <a:p>
             <a:r>
@@ -6032,38 +5884,38 @@
               <a:t> </a:t>
             </a:r>
             <a:r>
-              <a:rPr lang="ja-JP" altLang="en-US" sz="2500" dirty="0" smtClean="0"/>
+              <a:rPr lang="ja-JP" altLang="en-US" sz="2500" dirty="0"/>
               <a:t>入園料</a:t>
             </a:r>
             <a:r>
-              <a:rPr lang="en-US" altLang="ja-JP" sz="2500" dirty="0" smtClean="0"/>
+              <a:rPr lang="en-US" altLang="ja-JP" sz="2500" dirty="0"/>
               <a:t>×</a:t>
             </a:r>
             <a:r>
-              <a:rPr lang="ja-JP" altLang="en-US" sz="2500" dirty="0" smtClean="0"/>
+              <a:rPr lang="ja-JP" altLang="en-US" sz="2500" dirty="0"/>
               <a:t>現在の年間有料入園者数の人数</a:t>
             </a:r>
             <a:r>
-              <a:rPr lang="en-US" altLang="ja-JP" sz="2500" dirty="0" smtClean="0"/>
+              <a:rPr lang="en-US" altLang="ja-JP" sz="2500" dirty="0"/>
               <a:t>×</a:t>
             </a:r>
             <a:r>
-              <a:rPr lang="ja-JP" altLang="en-US" sz="2500" dirty="0" smtClean="0"/>
+              <a:rPr lang="ja-JP" altLang="en-US" sz="2500" dirty="0"/>
               <a:t>入園者の想定増加割合</a:t>
             </a:r>
-            <a:endParaRPr lang="en-US" altLang="ja-JP" sz="2500" dirty="0" smtClean="0"/>
+            <a:endParaRPr lang="en-US" altLang="ja-JP" sz="2500" dirty="0"/>
           </a:p>
           <a:p>
             <a:pPr algn="ctr"/>
             <a:r>
-              <a:rPr lang="en-US" altLang="ja-JP" sz="4000" dirty="0" smtClean="0">
+              <a:rPr lang="en-US" altLang="ja-JP" sz="4000" dirty="0">
                 <a:solidFill>
                   <a:schemeClr val="tx1"/>
                 </a:solidFill>
               </a:rPr>
               <a:t>460×52,000×0.4 = 9,568,000</a:t>
             </a:r>
-            <a:endParaRPr lang="en-US" altLang="ja-JP" sz="2800" dirty="0" smtClean="0">
+            <a:endParaRPr lang="en-US" altLang="ja-JP" sz="2800" dirty="0">
               <a:solidFill>
                 <a:schemeClr val="tx1"/>
               </a:solidFill>
@@ -6075,30 +5927,26 @@
               <a:buChar char="l"/>
             </a:pPr>
             <a:r>
-              <a:rPr lang="ja-JP" altLang="en-US" sz="2800" dirty="0" smtClean="0"/>
+              <a:rPr lang="ja-JP" altLang="en-US" sz="2800" dirty="0"/>
               <a:t>飲食費により増加する動物園の利益</a:t>
             </a:r>
-            <a:endParaRPr lang="en-US" altLang="ja-JP" sz="2800" dirty="0" smtClean="0"/>
+            <a:endParaRPr lang="en-US" altLang="ja-JP" sz="2800" dirty="0"/>
           </a:p>
           <a:p>
             <a:r>
               <a:rPr lang="ja-JP" altLang="en-US" sz="2500" dirty="0"/>
-              <a:t>  </a:t>
-            </a:r>
-            <a:r>
-              <a:rPr lang="ja-JP" altLang="en-US" sz="2500" dirty="0" smtClean="0"/>
-              <a:t>入園者の人数</a:t>
-            </a:r>
-            <a:r>
-              <a:rPr lang="en-US" altLang="ja-JP" sz="2500" dirty="0" smtClean="0"/>
+              <a:t>  入園者の人数</a:t>
+            </a:r>
+            <a:r>
+              <a:rPr lang="en-US" altLang="ja-JP" sz="2500" dirty="0"/>
               <a:t>×</a:t>
             </a:r>
             <a:r>
-              <a:rPr lang="ja-JP" altLang="en-US" sz="2500" dirty="0" smtClean="0"/>
+              <a:rPr lang="ja-JP" altLang="en-US" sz="2500" dirty="0"/>
               <a:t>入園者の想定増加割合</a:t>
             </a:r>
             <a:r>
-              <a:rPr lang="en-US" altLang="ja-JP" sz="2500" dirty="0" smtClean="0"/>
+              <a:rPr lang="en-US" altLang="ja-JP" sz="2500" dirty="0"/>
               <a:t>×</a:t>
             </a:r>
             <a:r>
@@ -6113,18 +5961,18 @@
               <a:rPr lang="ja-JP" altLang="en-US" sz="2500" dirty="0"/>
               <a:t>人あたり増加する動物園の利益 </a:t>
             </a:r>
-            <a:endParaRPr lang="en-US" altLang="ja-JP" sz="2500" dirty="0" smtClean="0"/>
+            <a:endParaRPr lang="en-US" altLang="ja-JP" sz="2500" dirty="0"/>
           </a:p>
           <a:p>
             <a:pPr algn="ctr"/>
             <a:r>
-              <a:rPr lang="en-US" altLang="ja-JP" sz="4000" dirty="0" smtClean="0"/>
+              <a:rPr lang="en-US" altLang="ja-JP" sz="4000" dirty="0"/>
               <a:t>170,000×0.4×40 = 2,720,000</a:t>
             </a:r>
             <a:endParaRPr lang="ja-JP" altLang="en-US" sz="4000" dirty="0"/>
           </a:p>
           <a:p>
-            <a:endParaRPr lang="en-US" altLang="ja-JP" sz="2800" dirty="0" smtClean="0">
+            <a:endParaRPr lang="en-US" altLang="ja-JP" sz="2800" dirty="0">
               <a:solidFill>
                 <a:srgbClr val="FF0000"/>
               </a:solidFill>
@@ -6219,7 +6067,7 @@
           <a:p>
             <a:fld id="{A2BD8D5A-FB6E-B24B-BD61-56F6060E1286}" type="datetime1">
               <a:rPr kumimoji="1" lang="ja-JP" altLang="en-US" smtClean="0"/>
-              <a:t>17/10/25</a:t>
+              <a:t>2017/10/26</a:t>
             </a:fld>
             <a:endParaRPr kumimoji="1" lang="ja-JP" altLang="en-US"/>
           </a:p>
@@ -6258,13 +6106,6 @@
   <p:clrMapOvr>
     <a:masterClrMapping/>
   </p:clrMapOvr>
-  <p:timing>
-    <p:tnLst>
-      <p:par>
-        <p:cTn xmlns:p14="http://schemas.microsoft.com/office/powerpoint/2010/main" id="1" dur="indefinite" restart="never" nodeType="tmRoot"/>
-      </p:par>
-    </p:tnLst>
-  </p:timing>
 </p:sld>
 </file>
 
@@ -6301,11 +6142,11 @@
           <a:lstStyle/>
           <a:p>
             <a:r>
-              <a:rPr lang="ja-JP" altLang="en-US" dirty="0" smtClean="0"/>
+              <a:rPr lang="ja-JP" altLang="en-US" dirty="0"/>
               <a:t>利益</a:t>
             </a:r>
             <a:r>
-              <a:rPr lang="en-US" altLang="ja-JP" dirty="0" smtClean="0"/>
+              <a:rPr lang="en-US" altLang="ja-JP" dirty="0"/>
               <a:t>(2/2)</a:t>
             </a:r>
             <a:endParaRPr kumimoji="1" lang="ja-JP" altLang="en-US" dirty="0"/>
@@ -6335,49 +6176,49 @@
           <a:lstStyle/>
           <a:p>
             <a:r>
-              <a:rPr lang="ja-JP" altLang="en-US" sz="3200" dirty="0" smtClean="0"/>
+              <a:rPr lang="ja-JP" altLang="en-US" sz="3200" dirty="0"/>
               <a:t>開発側の経営利益</a:t>
             </a:r>
-            <a:endParaRPr lang="en-US" altLang="ja-JP" sz="3200" dirty="0" smtClean="0"/>
-          </a:p>
-          <a:p>
-            <a:endParaRPr lang="en-US" altLang="ja-JP" sz="2800" dirty="0" smtClean="0"/>
-          </a:p>
-          <a:p>
-            <a:r>
-              <a:rPr kumimoji="1" lang="ja-JP" altLang="en-US" sz="2800" dirty="0" smtClean="0"/>
+            <a:endParaRPr lang="en-US" altLang="ja-JP" sz="3200" dirty="0"/>
+          </a:p>
+          <a:p>
+            <a:endParaRPr lang="en-US" altLang="ja-JP" sz="2800" dirty="0"/>
+          </a:p>
+          <a:p>
+            <a:r>
+              <a:rPr kumimoji="1" lang="ja-JP" altLang="en-US" sz="2800" dirty="0"/>
               <a:t>増加人数分の入園料の利益</a:t>
             </a:r>
             <a:r>
-              <a:rPr lang="ja-JP" altLang="en-US" sz="2800" dirty="0" smtClean="0"/>
+              <a:rPr lang="ja-JP" altLang="en-US" sz="2800" dirty="0"/>
               <a:t>＋</a:t>
             </a:r>
             <a:r>
-              <a:rPr kumimoji="1" lang="ja-JP" altLang="en-US" sz="2800" dirty="0" smtClean="0"/>
+              <a:rPr kumimoji="1" lang="ja-JP" altLang="en-US" sz="2800" dirty="0"/>
               <a:t>レストランからの利益</a:t>
             </a:r>
             <a:r>
-              <a:rPr kumimoji="1" lang="en-US" altLang="ja-JP" sz="2800" dirty="0" smtClean="0"/>
+              <a:rPr kumimoji="1" lang="en-US" altLang="ja-JP" sz="2800" dirty="0"/>
               <a:t> </a:t>
             </a:r>
             <a:r>
-              <a:rPr kumimoji="1" lang="ja-JP" altLang="en-US" sz="2800" dirty="0" smtClean="0"/>
+              <a:rPr kumimoji="1" lang="ja-JP" altLang="en-US" sz="2800" dirty="0"/>
               <a:t>−</a:t>
             </a:r>
             <a:r>
-              <a:rPr kumimoji="1" lang="en-US" altLang="ja-JP" sz="2800" dirty="0" smtClean="0"/>
+              <a:rPr kumimoji="1" lang="en-US" altLang="ja-JP" sz="2800" dirty="0"/>
               <a:t> </a:t>
             </a:r>
             <a:r>
-              <a:rPr kumimoji="1" lang="ja-JP" altLang="en-US" sz="2800" dirty="0" smtClean="0"/>
+              <a:rPr kumimoji="1" lang="ja-JP" altLang="en-US" sz="2800" dirty="0"/>
               <a:t>総コスト</a:t>
             </a:r>
-            <a:endParaRPr kumimoji="1" lang="en-US" altLang="ja-JP" sz="2800" dirty="0" smtClean="0"/>
+            <a:endParaRPr kumimoji="1" lang="en-US" altLang="ja-JP" sz="2800" dirty="0"/>
           </a:p>
           <a:p>
             <a:pPr algn="ctr"/>
             <a:r>
-              <a:rPr kumimoji="1" lang="en-US" altLang="ja-JP" sz="3600" dirty="0" smtClean="0"/>
+              <a:rPr kumimoji="1" lang="en-US" altLang="ja-JP" sz="3600" dirty="0"/>
               <a:t>9,568,000 + 2,720,000 – 11,070,000 = 1,218,000</a:t>
             </a:r>
             <a:endParaRPr kumimoji="1" lang="ja-JP" altLang="en-US" sz="3600" dirty="0"/>
@@ -6436,7 +6277,7 @@
           <a:p>
             <a:fld id="{29265480-599B-6F40-8449-8A649969E069}" type="datetime1">
               <a:rPr kumimoji="1" lang="ja-JP" altLang="en-US" smtClean="0"/>
-              <a:t>17/10/25</a:t>
+              <a:t>2017/10/26</a:t>
             </a:fld>
             <a:endParaRPr kumimoji="1" lang="ja-JP" altLang="en-US"/>
           </a:p>
@@ -6475,13 +6316,6 @@
   <p:clrMapOvr>
     <a:masterClrMapping/>
   </p:clrMapOvr>
-  <p:timing>
-    <p:tnLst>
-      <p:par>
-        <p:cTn xmlns:p14="http://schemas.microsoft.com/office/powerpoint/2010/main" id="1" dur="indefinite" restart="never" nodeType="tmRoot"/>
-      </p:par>
-    </p:tnLst>
-  </p:timing>
 </p:sld>
 </file>
 
@@ -6520,11 +6354,11 @@
           <a:lstStyle/>
           <a:p>
             <a:r>
-              <a:rPr kumimoji="1" lang="ja-JP" altLang="en-US" sz="4400" dirty="0" smtClean="0"/>
+              <a:rPr kumimoji="1" lang="ja-JP" altLang="en-US" sz="4400" dirty="0"/>
               <a:t>本システム提案のアピールポイント</a:t>
             </a:r>
             <a:r>
-              <a:rPr kumimoji="1" lang="en-US" altLang="ja-JP" sz="4400" dirty="0" smtClean="0"/>
+              <a:rPr kumimoji="1" lang="en-US" altLang="ja-JP" sz="4400" dirty="0"/>
               <a:t>(1/2)</a:t>
             </a:r>
             <a:endParaRPr kumimoji="1" lang="ja-JP" altLang="en-US" sz="4400" dirty="0"/>
@@ -6558,29 +6392,25 @@
               <a:buChar char="l"/>
             </a:pPr>
             <a:r>
-              <a:rPr lang="ja-JP" altLang="en-US" sz="3200" dirty="0" smtClean="0"/>
+              <a:rPr lang="ja-JP" altLang="en-US" sz="3200" dirty="0"/>
               <a:t>入園者に</a:t>
             </a:r>
             <a:r>
-              <a:rPr lang="en-US" altLang="ja-JP" sz="3200" dirty="0" smtClean="0"/>
+              <a:rPr lang="en-US" altLang="ja-JP" sz="3200" dirty="0"/>
               <a:t>AR</a:t>
             </a:r>
             <a:r>
-              <a:rPr lang="ja-JP" altLang="en-US" sz="3200" dirty="0" smtClean="0"/>
+              <a:rPr lang="ja-JP" altLang="en-US" sz="3200" dirty="0"/>
               <a:t>案内アプリを利用させる</a:t>
             </a:r>
-            <a:endParaRPr lang="en-US" altLang="ja-JP" sz="3200" dirty="0" smtClean="0"/>
+            <a:endParaRPr lang="en-US" altLang="ja-JP" sz="3200" dirty="0"/>
           </a:p>
           <a:p>
             <a:r>
               <a:rPr lang="ja-JP" altLang="en-US" sz="3200" dirty="0"/>
-              <a:t>　</a:t>
-            </a:r>
-            <a:r>
-              <a:rPr lang="ja-JP" altLang="en-US" sz="3200" dirty="0" smtClean="0"/>
-              <a:t>　　　　　　他の動物園との差別化を行う</a:t>
-            </a:r>
-            <a:endParaRPr lang="en-US" altLang="ja-JP" sz="3200" dirty="0" smtClean="0"/>
+              <a:t>　　　　　　　他の動物園との差別化を行う</a:t>
+            </a:r>
+            <a:endParaRPr lang="en-US" altLang="ja-JP" sz="3200" dirty="0"/>
           </a:p>
           <a:p>
             <a:endParaRPr lang="en-US" altLang="ja-JP" sz="3200" dirty="0"/>
@@ -6591,20 +6421,19 @@
               <a:buChar char="l"/>
             </a:pPr>
             <a:r>
-              <a:rPr lang="ja-JP" altLang="en-US" sz="3200" dirty="0" smtClean="0"/>
+              <a:rPr lang="ja-JP" altLang="en-US" sz="3200" dirty="0"/>
               <a:t>現在地をマップに表示</a:t>
             </a:r>
             <a:endParaRPr lang="en-US" altLang="ja-JP" sz="3200" dirty="0"/>
           </a:p>
           <a:p>
             <a:r>
-              <a:rPr lang="ja-JP" altLang="en-US" sz="3200" dirty="0" smtClean="0"/>
+              <a:rPr lang="ja-JP" altLang="en-US" sz="3200" dirty="0"/>
               <a:t>　　　　　　　入園者が園内の状況を容易に把握できる</a:t>
             </a:r>
-            <a:endParaRPr lang="ja-JP" altLang="en-US" sz="3200" dirty="0"/>
-          </a:p>
-          <a:p>
-            <a:endParaRPr kumimoji="1" lang="en-US" altLang="ja-JP" dirty="0" smtClean="0"/>
+          </a:p>
+          <a:p>
+            <a:endParaRPr kumimoji="1" lang="en-US" altLang="ja-JP" dirty="0"/>
           </a:p>
         </p:txBody>
       </p:sp>
@@ -6705,7 +6534,7 @@
           <a:p>
             <a:fld id="{5634631F-073B-F048-A940-A4FBA8EF5FE6}" type="datetime1">
               <a:rPr kumimoji="1" lang="ja-JP" altLang="en-US" smtClean="0"/>
-              <a:t>17/10/25</a:t>
+              <a:t>2017/10/26</a:t>
             </a:fld>
             <a:endParaRPr kumimoji="1" lang="ja-JP" altLang="en-US"/>
           </a:p>
@@ -6744,13 +6573,6 @@
   <p:clrMapOvr>
     <a:masterClrMapping/>
   </p:clrMapOvr>
-  <p:timing>
-    <p:tnLst>
-      <p:par>
-        <p:cTn xmlns:p14="http://schemas.microsoft.com/office/powerpoint/2010/main" id="1" dur="indefinite" restart="never" nodeType="tmRoot"/>
-      </p:par>
-    </p:tnLst>
-  </p:timing>
 </p:sld>
 </file>
 
@@ -6792,16 +6614,10 @@
               <a:rPr lang="ja-JP" altLang="en-US" sz="4400" dirty="0">
                 <a:latin typeface="+mj-ea"/>
               </a:rPr>
-              <a:t>本システム提案の</a:t>
-            </a:r>
-            <a:r>
-              <a:rPr lang="ja-JP" altLang="en-US" sz="4400" dirty="0" smtClean="0">
-                <a:latin typeface="+mj-ea"/>
-              </a:rPr>
-              <a:t>アピールポイント</a:t>
-            </a:r>
-            <a:r>
-              <a:rPr lang="en-US" altLang="ja-JP" sz="4400" dirty="0" smtClean="0"/>
+              <a:t>本システム提案のアピールポイント</a:t>
+            </a:r>
+            <a:r>
+              <a:rPr lang="en-US" altLang="ja-JP" sz="4400" dirty="0"/>
               <a:t>(2/2)</a:t>
             </a:r>
             <a:endParaRPr kumimoji="1" lang="ja-JP" altLang="en-US" sz="4400" dirty="0"/>
@@ -6835,25 +6651,17 @@
               <a:buChar char="l"/>
             </a:pPr>
             <a:r>
-              <a:rPr lang="ja-JP" altLang="en-US" sz="3200" dirty="0" smtClean="0"/>
-              <a:t>英語、中国語</a:t>
-            </a:r>
-            <a:r>
               <a:rPr lang="ja-JP" altLang="en-US" sz="3200" dirty="0"/>
-              <a:t>への</a:t>
-            </a:r>
-            <a:r>
-              <a:rPr lang="ja-JP" altLang="en-US" sz="3200" dirty="0" smtClean="0"/>
-              <a:t>対応</a:t>
+              <a:t>英語、中国語への対応</a:t>
             </a:r>
             <a:endParaRPr lang="en-US" altLang="ja-JP" sz="3200" dirty="0"/>
           </a:p>
           <a:p>
             <a:r>
-              <a:rPr kumimoji="1" lang="ja-JP" altLang="en-US" sz="3200" dirty="0" smtClean="0"/>
+              <a:rPr kumimoji="1" lang="ja-JP" altLang="en-US" sz="3200" dirty="0"/>
               <a:t>　　　　　　　外国人入園者の増加</a:t>
             </a:r>
-            <a:endParaRPr kumimoji="1" lang="en-US" altLang="ja-JP" sz="3200" dirty="0" smtClean="0"/>
+            <a:endParaRPr kumimoji="1" lang="en-US" altLang="ja-JP" sz="3200" dirty="0"/>
           </a:p>
           <a:p>
             <a:endParaRPr lang="en-US" altLang="ja-JP" sz="3200" dirty="0"/>
@@ -6864,17 +6672,17 @@
               <a:buChar char="l"/>
             </a:pPr>
             <a:r>
-              <a:rPr kumimoji="1" lang="ja-JP" altLang="en-US" sz="3200" dirty="0" smtClean="0"/>
+              <a:rPr kumimoji="1" lang="ja-JP" altLang="en-US" sz="3200" dirty="0"/>
               <a:t>園内イベント情報や新規加入動物などの通知機能</a:t>
             </a:r>
             <a:endParaRPr lang="en-US" altLang="ja-JP" sz="3200" dirty="0"/>
           </a:p>
           <a:p>
             <a:r>
-              <a:rPr kumimoji="1" lang="ja-JP" altLang="en-US" sz="3200" dirty="0" smtClean="0"/>
+              <a:rPr kumimoji="1" lang="ja-JP" altLang="en-US" sz="3200" dirty="0"/>
               <a:t>　　　　　　　リピーターの増加</a:t>
             </a:r>
-            <a:endParaRPr kumimoji="1" lang="en-US" altLang="ja-JP" sz="3200" dirty="0" smtClean="0"/>
+            <a:endParaRPr kumimoji="1" lang="en-US" altLang="ja-JP" sz="3200" dirty="0"/>
           </a:p>
           <a:p>
             <a:endParaRPr lang="en-US" altLang="ja-JP" sz="3200" dirty="0"/>
@@ -6981,7 +6789,7 @@
           <a:p>
             <a:fld id="{0D6B2D85-A765-EA47-ADFB-D0A8A1DBD0D0}" type="datetime1">
               <a:rPr kumimoji="1" lang="ja-JP" altLang="en-US" smtClean="0"/>
-              <a:t>17/10/25</a:t>
+              <a:t>2017/10/26</a:t>
             </a:fld>
             <a:endParaRPr kumimoji="1" lang="ja-JP" altLang="en-US"/>
           </a:p>
@@ -7020,13 +6828,6 @@
   <p:clrMapOvr>
     <a:masterClrMapping/>
   </p:clrMapOvr>
-  <p:timing>
-    <p:tnLst>
-      <p:par>
-        <p:cTn xmlns:p14="http://schemas.microsoft.com/office/powerpoint/2010/main" id="1" dur="indefinite" restart="never" nodeType="tmRoot"/>
-      </p:par>
-    </p:tnLst>
-  </p:timing>
 </p:sld>
 </file>
 
@@ -7063,10 +6864,9 @@
           <a:lstStyle/>
           <a:p>
             <a:r>
-              <a:rPr kumimoji="1" lang="ja-JP" altLang="en-US" dirty="0" smtClean="0"/>
+              <a:rPr kumimoji="1" lang="ja-JP" altLang="en-US" dirty="0"/>
               <a:t>はじめに</a:t>
             </a:r>
-            <a:endParaRPr kumimoji="1" lang="ja-JP" altLang="en-US" dirty="0"/>
           </a:p>
         </p:txBody>
       </p:sp>
@@ -7085,55 +6885,47 @@
           <a:bodyPr/>
           <a:lstStyle/>
           <a:p>
-            <a:endParaRPr lang="en-US" altLang="ja-JP" dirty="0" smtClean="0"/>
-          </a:p>
-          <a:p>
-            <a:r>
-              <a:rPr lang="ja-JP" altLang="en-US" sz="2400" dirty="0" smtClean="0"/>
+            <a:endParaRPr lang="en-US" altLang="ja-JP" dirty="0"/>
+          </a:p>
+          <a:p>
+            <a:r>
+              <a:rPr lang="ja-JP" altLang="en-US" sz="2400" dirty="0"/>
               <a:t>近年動物園では年々入園者が</a:t>
-            </a:r>
-            <a:r>
-              <a:rPr lang="en-US" altLang="ja-JP" sz="2400" dirty="0" smtClean="0"/>
-              <a:t/>
-            </a:r>
-            <a:br>
-              <a:rPr lang="en-US" altLang="ja-JP" sz="2400" dirty="0" smtClean="0"/>
-            </a:br>
-            <a:r>
-              <a:rPr lang="ja-JP" altLang="en-US" sz="2400" dirty="0" smtClean="0"/>
-              <a:t>減少し、赤字になっている</a:t>
-            </a:r>
-            <a:endParaRPr lang="en-US" altLang="ja-JP" sz="2400" dirty="0" smtClean="0"/>
-          </a:p>
-          <a:p>
-            <a:endParaRPr lang="en-US" altLang="ja-JP" dirty="0"/>
-          </a:p>
-          <a:p>
-            <a:endParaRPr lang="en-US" altLang="ja-JP" dirty="0" smtClean="0"/>
-          </a:p>
-          <a:p>
-            <a:endParaRPr lang="en-US" altLang="ja-JP" dirty="0"/>
-          </a:p>
-          <a:p>
-            <a:r>
-              <a:rPr lang="ja-JP" altLang="en-US" sz="2400" dirty="0" smtClean="0"/>
-              <a:t>新しい技術を用いたアプリケーションで</a:t>
-            </a:r>
-            <a:r>
-              <a:rPr lang="en-US" altLang="ja-JP" sz="2400" dirty="0"/>
-              <a:t/>
             </a:r>
             <a:br>
               <a:rPr lang="en-US" altLang="ja-JP" sz="2400" dirty="0"/>
             </a:br>
             <a:r>
-              <a:rPr lang="ja-JP" altLang="en-US" sz="2400" dirty="0" smtClean="0"/>
+              <a:rPr lang="ja-JP" altLang="en-US" sz="2400" dirty="0"/>
+              <a:t>減少し、赤字になっている</a:t>
+            </a:r>
+            <a:endParaRPr lang="en-US" altLang="ja-JP" sz="2400" dirty="0"/>
+          </a:p>
+          <a:p>
+            <a:endParaRPr lang="en-US" altLang="ja-JP" dirty="0"/>
+          </a:p>
+          <a:p>
+            <a:endParaRPr lang="en-US" altLang="ja-JP" dirty="0"/>
+          </a:p>
+          <a:p>
+            <a:endParaRPr lang="en-US" altLang="ja-JP" dirty="0"/>
+          </a:p>
+          <a:p>
+            <a:r>
+              <a:rPr lang="ja-JP" altLang="en-US" sz="2400" dirty="0"/>
+              <a:t>新しい技術を用いたアプリケーションで</a:t>
+            </a:r>
+            <a:br>
+              <a:rPr lang="en-US" altLang="ja-JP" sz="2400" dirty="0"/>
+            </a:br>
+            <a:r>
+              <a:rPr lang="ja-JP" altLang="en-US" sz="2400" dirty="0"/>
               <a:t>入園者の増加が見込める</a:t>
             </a:r>
             <a:endParaRPr lang="en-US" altLang="ja-JP" sz="2400" dirty="0"/>
           </a:p>
           <a:p>
-            <a:endParaRPr lang="en-US" altLang="ja-JP" dirty="0" smtClean="0"/>
+            <a:endParaRPr lang="en-US" altLang="ja-JP" dirty="0"/>
           </a:p>
         </p:txBody>
       </p:sp>
@@ -7224,7 +7016,7 @@
           <a:p>
             <a:fld id="{870BFEBD-4896-8948-B7F2-B38A4A36FAF6}" type="datetime1">
               <a:rPr kumimoji="1" lang="ja-JP" altLang="en-US" smtClean="0"/>
-              <a:t>17/10/25</a:t>
+              <a:t>2017/10/26</a:t>
             </a:fld>
             <a:endParaRPr kumimoji="1" lang="ja-JP" altLang="en-US"/>
           </a:p>
@@ -7263,13 +7055,6 @@
   <p:clrMapOvr>
     <a:masterClrMapping/>
   </p:clrMapOvr>
-  <p:timing>
-    <p:tnLst>
-      <p:par>
-        <p:cTn xmlns:p14="http://schemas.microsoft.com/office/powerpoint/2010/main" id="1" dur="indefinite" restart="never" nodeType="tmRoot"/>
-      </p:par>
-    </p:tnLst>
-  </p:timing>
 </p:sld>
 </file>
 
@@ -7308,10 +7093,9 @@
           <a:lstStyle/>
           <a:p>
             <a:r>
-              <a:rPr kumimoji="1" lang="ja-JP" altLang="en-US" sz="4400" dirty="0" smtClean="0"/>
+              <a:rPr kumimoji="1" lang="ja-JP" altLang="en-US" sz="4400" dirty="0"/>
               <a:t>用語の定義</a:t>
             </a:r>
-            <a:endParaRPr kumimoji="1" lang="ja-JP" altLang="en-US" sz="4400" dirty="0"/>
           </a:p>
         </p:txBody>
       </p:sp>
@@ -7342,43 +7126,23 @@
               <a:buChar char="l"/>
             </a:pPr>
             <a:r>
-              <a:rPr lang="en-US" altLang="ja-JP" sz="3200" dirty="0" smtClean="0"/>
+              <a:rPr lang="en-US" altLang="ja-JP" sz="3200" dirty="0"/>
               <a:t>Raspberry Pi</a:t>
             </a:r>
           </a:p>
           <a:p>
             <a:r>
-              <a:rPr lang="en-US" altLang="ja-JP" sz="3200" dirty="0" smtClean="0"/>
-              <a:t> </a:t>
-            </a:r>
-            <a:r>
               <a:rPr lang="en-US" altLang="ja-JP" sz="3200" dirty="0"/>
-              <a:t> </a:t>
-            </a:r>
-            <a:r>
-              <a:rPr lang="en-US" altLang="ja-JP" sz="3200" dirty="0" smtClean="0"/>
-              <a:t>ARM </a:t>
-            </a:r>
-            <a:r>
-              <a:rPr lang="ja-JP" altLang="en-US" sz="3200" dirty="0" smtClean="0"/>
-              <a:t>プロセッサ</a:t>
+              <a:t>  ARM </a:t>
             </a:r>
             <a:r>
               <a:rPr lang="ja-JP" altLang="en-US" sz="3200" dirty="0"/>
-              <a:t>を搭載した</a:t>
-            </a:r>
-            <a:r>
-              <a:rPr lang="ja-JP" altLang="en-US" sz="3200" dirty="0" smtClean="0"/>
-              <a:t>シングルポート・コンピュータ</a:t>
-            </a:r>
-            <a:r>
-              <a:rPr lang="ja-JP" altLang="en-US" sz="3200" dirty="0"/>
-              <a:t/>
+              <a:t>プロセッサを搭載したシングルポート・コンピュータ</a:t>
             </a:r>
             <a:br>
               <a:rPr lang="ja-JP" altLang="en-US" sz="3200" dirty="0"/>
             </a:br>
-            <a:endParaRPr lang="en-US" altLang="ja-JP" sz="3200" dirty="0" smtClean="0"/>
+            <a:endParaRPr lang="en-US" altLang="ja-JP" sz="3200" dirty="0"/>
           </a:p>
           <a:p>
             <a:pPr>
@@ -7386,67 +7150,38 @@
               <a:buChar char="l"/>
             </a:pPr>
             <a:r>
-              <a:rPr lang="en-US" altLang="ja-JP" sz="3200" dirty="0" smtClean="0"/>
+              <a:rPr lang="en-US" altLang="ja-JP" sz="3200" dirty="0"/>
               <a:t>AR(Augmented Reality)</a:t>
             </a:r>
           </a:p>
           <a:p>
             <a:r>
-              <a:rPr lang="en-US" altLang="ja-JP" sz="3200" dirty="0" smtClean="0"/>
+              <a:rPr lang="en-US" altLang="ja-JP" sz="3200" dirty="0"/>
               <a:t>  </a:t>
             </a:r>
             <a:r>
-              <a:rPr lang="ja-JP" altLang="en-US" sz="3200" dirty="0" smtClean="0"/>
-              <a:t>現実</a:t>
-            </a:r>
-            <a:r>
               <a:rPr lang="ja-JP" altLang="en-US" sz="3200" dirty="0"/>
-              <a:t>世界の映像に</a:t>
-            </a:r>
-            <a:r>
-              <a:rPr lang="ja-JP" altLang="en-US" sz="3200" dirty="0" smtClean="0"/>
-              <a:t>対し、位置情報などのデータや実際に</a:t>
-            </a:r>
-            <a:r>
-              <a:rPr lang="en-US" altLang="ja-JP" sz="3200" dirty="0" smtClean="0"/>
-              <a:t/>
+              <a:t>現実世界の映像に対し、位置情報などのデータや実際に</a:t>
             </a:r>
             <a:br>
-              <a:rPr lang="en-US" altLang="ja-JP" sz="3200" dirty="0" smtClean="0"/>
+              <a:rPr lang="en-US" altLang="ja-JP" sz="3200" dirty="0"/>
             </a:br>
             <a:r>
-              <a:rPr lang="en-US" altLang="ja-JP" sz="3200" dirty="0" smtClean="0"/>
+              <a:rPr lang="en-US" altLang="ja-JP" sz="3200" dirty="0"/>
               <a:t>  </a:t>
             </a:r>
             <a:r>
-              <a:rPr lang="ja-JP" altLang="en-US" sz="3200" dirty="0" smtClean="0"/>
-              <a:t>存在</a:t>
-            </a:r>
-            <a:r>
               <a:rPr lang="ja-JP" altLang="en-US" sz="3200" dirty="0"/>
-              <a:t>しない情報</a:t>
-            </a:r>
-            <a:r>
-              <a:rPr lang="ja-JP" altLang="en-US" sz="3200" dirty="0" smtClean="0"/>
-              <a:t>を</a:t>
-            </a:r>
-            <a:r>
-              <a:rPr lang="en-US" altLang="ja-JP" sz="3200" dirty="0" smtClean="0"/>
+              <a:t>存在しない情報を</a:t>
+            </a:r>
+            <a:r>
+              <a:rPr lang="en-US" altLang="ja-JP" sz="3200" dirty="0"/>
               <a:t>CG</a:t>
             </a:r>
             <a:r>
-              <a:rPr lang="ja-JP" altLang="en-US" sz="3200" dirty="0" smtClean="0"/>
-              <a:t>と</a:t>
-            </a:r>
-            <a:r>
               <a:rPr lang="ja-JP" altLang="en-US" sz="3200" dirty="0"/>
-              <a:t>重ねて表示させる</a:t>
-            </a:r>
-            <a:r>
-              <a:rPr lang="ja-JP" altLang="en-US" sz="3200" dirty="0" smtClean="0"/>
-              <a:t>手法</a:t>
-            </a:r>
-            <a:endParaRPr lang="ja-JP" altLang="en-US" sz="3200" dirty="0"/>
+              <a:t>と重ねて表示させる手法</a:t>
+            </a:r>
           </a:p>
           <a:p>
             <a:endParaRPr kumimoji="1" lang="ja-JP" altLang="en-US" dirty="0"/>
@@ -7470,7 +7205,7 @@
           <a:p>
             <a:fld id="{53510D19-B8D1-7543-8336-6BDFF50A258E}" type="datetime1">
               <a:rPr kumimoji="1" lang="ja-JP" altLang="en-US" smtClean="0"/>
-              <a:t>17/10/25</a:t>
+              <a:t>2017/10/26</a:t>
             </a:fld>
             <a:endParaRPr kumimoji="1" lang="ja-JP" altLang="en-US"/>
           </a:p>
@@ -7509,13 +7244,6 @@
   <p:clrMapOvr>
     <a:masterClrMapping/>
   </p:clrMapOvr>
-  <p:timing>
-    <p:tnLst>
-      <p:par>
-        <p:cTn xmlns:p14="http://schemas.microsoft.com/office/powerpoint/2010/main" id="1" dur="indefinite" restart="never" nodeType="tmRoot"/>
-      </p:par>
-    </p:tnLst>
-  </p:timing>
 </p:sld>
 </file>
 
@@ -7552,10 +7280,9 @@
           <a:lstStyle/>
           <a:p>
             <a:r>
-              <a:rPr kumimoji="1" lang="ja-JP" altLang="en-US" dirty="0" smtClean="0"/>
+              <a:rPr kumimoji="1" lang="ja-JP" altLang="en-US" dirty="0"/>
               <a:t>参考文献</a:t>
             </a:r>
-            <a:endParaRPr kumimoji="1" lang="ja-JP" altLang="en-US" dirty="0"/>
           </a:p>
         </p:txBody>
       </p:sp>
@@ -7621,16 +7348,12 @@
             </a:r>
           </a:p>
           <a:p>
-            <a:endParaRPr lang="en-US" altLang="ja-JP" sz="3200" dirty="0" smtClean="0"/>
-          </a:p>
-          <a:p>
-            <a:r>
-              <a:rPr lang="en-US" altLang="ja-JP" sz="3200" dirty="0" smtClean="0"/>
-              <a:t>[</a:t>
-            </a:r>
+            <a:endParaRPr lang="en-US" altLang="ja-JP" sz="3200" dirty="0"/>
+          </a:p>
+          <a:p>
             <a:r>
               <a:rPr lang="en-US" altLang="ja-JP" sz="3200" dirty="0"/>
-              <a:t>2] </a:t>
+              <a:t>[2] </a:t>
             </a:r>
             <a:r>
               <a:rPr lang="ja-JP" altLang="en-US" sz="3200" dirty="0"/>
@@ -7664,15 +7387,11 @@
               <a:rPr lang="en-US" altLang="ja-JP" sz="3200" dirty="0"/>
               <a:t>, </a:t>
             </a:r>
-            <a:r>
-              <a:rPr lang="en-US" altLang="ja-JP" sz="3200" dirty="0" smtClean="0"/>
-              <a:t/>
-            </a:r>
             <a:br>
-              <a:rPr lang="en-US" altLang="ja-JP" sz="3200" dirty="0" smtClean="0"/>
+              <a:rPr lang="en-US" altLang="ja-JP" sz="3200" dirty="0"/>
             </a:br>
             <a:r>
-              <a:rPr lang="en-US" altLang="ja-JP" sz="3200" dirty="0" smtClean="0"/>
+              <a:rPr lang="en-US" altLang="ja-JP" sz="3200" dirty="0"/>
               <a:t>2017 </a:t>
             </a:r>
             <a:r>
@@ -7718,7 +7437,7 @@
           <a:p>
             <a:fld id="{3E9C475C-8B2F-954B-94CC-A4D1A705349F}" type="datetime1">
               <a:rPr kumimoji="1" lang="ja-JP" altLang="en-US" smtClean="0"/>
-              <a:t>17/10/25</a:t>
+              <a:t>2017/10/26</a:t>
             </a:fld>
             <a:endParaRPr kumimoji="1" lang="ja-JP" altLang="en-US"/>
           </a:p>
@@ -7757,13 +7476,6 @@
   <p:clrMapOvr>
     <a:masterClrMapping/>
   </p:clrMapOvr>
-  <p:timing>
-    <p:tnLst>
-      <p:par>
-        <p:cTn xmlns:p14="http://schemas.microsoft.com/office/powerpoint/2010/main" id="1" dur="indefinite" restart="never" nodeType="tmRoot"/>
-      </p:par>
-    </p:tnLst>
-  </p:timing>
 </p:sld>
 </file>
 
@@ -7801,7 +7513,7 @@
           <a:p>
             <a:fld id="{984D4A2C-94D0-9645-99D8-A41F791BA97D}" type="datetime1">
               <a:rPr kumimoji="1" lang="ja-JP" altLang="en-US" smtClean="0"/>
-              <a:t>17/10/25</a:t>
+              <a:t>2017/10/26</a:t>
             </a:fld>
             <a:endParaRPr kumimoji="1" lang="ja-JP" altLang="en-US"/>
           </a:p>
@@ -7876,10 +7588,9 @@
           <a:lstStyle/>
           <a:p>
             <a:r>
-              <a:rPr kumimoji="1" lang="ja-JP" altLang="en-US" dirty="0" smtClean="0"/>
+              <a:rPr kumimoji="1" lang="ja-JP" altLang="en-US" dirty="0"/>
               <a:t>問題点</a:t>
             </a:r>
-            <a:endParaRPr kumimoji="1" lang="ja-JP" altLang="en-US" dirty="0"/>
           </a:p>
         </p:txBody>
       </p:sp>
@@ -7905,14 +7616,14 @@
               <a:buChar char="l"/>
             </a:pPr>
             <a:r>
-              <a:rPr kumimoji="1" lang="en-US" altLang="ja-JP" sz="2800" dirty="0" smtClean="0"/>
+              <a:rPr kumimoji="1" lang="en-US" altLang="ja-JP" sz="2800" dirty="0"/>
               <a:t> </a:t>
             </a:r>
             <a:r>
-              <a:rPr kumimoji="1" lang="ja-JP" altLang="en-US" sz="2800" dirty="0" smtClean="0"/>
+              <a:rPr kumimoji="1" lang="ja-JP" altLang="en-US" sz="2800" dirty="0"/>
               <a:t>他の動物園との差別化が行えていない</a:t>
             </a:r>
-            <a:endParaRPr kumimoji="1" lang="en-US" altLang="ja-JP" sz="2800" dirty="0" smtClean="0"/>
+            <a:endParaRPr kumimoji="1" lang="en-US" altLang="ja-JP" sz="2800" dirty="0"/>
           </a:p>
           <a:p>
             <a:pPr>
@@ -7927,14 +7638,14 @@
               <a:buChar char="l"/>
             </a:pPr>
             <a:r>
-              <a:rPr kumimoji="1" lang="en-US" altLang="ja-JP" sz="2800" dirty="0" smtClean="0"/>
+              <a:rPr kumimoji="1" lang="en-US" altLang="ja-JP" sz="2800" dirty="0"/>
               <a:t> </a:t>
             </a:r>
             <a:r>
-              <a:rPr kumimoji="1" lang="ja-JP" altLang="en-US" sz="2800" dirty="0" smtClean="0"/>
+              <a:rPr kumimoji="1" lang="ja-JP" altLang="en-US" sz="2800" dirty="0"/>
               <a:t>ファミリー層の入園が減少している</a:t>
             </a:r>
-            <a:endParaRPr kumimoji="1" lang="en-US" altLang="ja-JP" sz="2800" dirty="0" smtClean="0"/>
+            <a:endParaRPr kumimoji="1" lang="en-US" altLang="ja-JP" sz="2800" dirty="0"/>
           </a:p>
           <a:p>
             <a:pPr>
@@ -7949,14 +7660,13 @@
               <a:buChar char="l"/>
             </a:pPr>
             <a:r>
-              <a:rPr kumimoji="1" lang="en-US" altLang="ja-JP" sz="2800" dirty="0" smtClean="0"/>
+              <a:rPr kumimoji="1" lang="en-US" altLang="ja-JP" sz="2800" dirty="0"/>
               <a:t> </a:t>
             </a:r>
             <a:r>
-              <a:rPr kumimoji="1" lang="ja-JP" altLang="en-US" sz="2800" dirty="0" smtClean="0"/>
+              <a:rPr kumimoji="1" lang="ja-JP" altLang="en-US" sz="2800" dirty="0"/>
               <a:t>リピーターが現れにくい</a:t>
             </a:r>
-            <a:endParaRPr kumimoji="1" lang="ja-JP" altLang="en-US" sz="2800" dirty="0"/>
           </a:p>
         </p:txBody>
       </p:sp>
@@ -7977,7 +7687,7 @@
           <a:p>
             <a:fld id="{9A9A8784-7D2C-B044-9902-C705C5741D38}" type="datetime1">
               <a:rPr kumimoji="1" lang="ja-JP" altLang="en-US" smtClean="0"/>
-              <a:t>17/10/25</a:t>
+              <a:t>2017/10/26</a:t>
             </a:fld>
             <a:endParaRPr kumimoji="1" lang="ja-JP" altLang="en-US"/>
           </a:p>
@@ -8016,13 +7726,6 @@
   <p:clrMapOvr>
     <a:masterClrMapping/>
   </p:clrMapOvr>
-  <p:timing>
-    <p:tnLst>
-      <p:par>
-        <p:cTn xmlns:p14="http://schemas.microsoft.com/office/powerpoint/2010/main" id="1" dur="indefinite" restart="never" nodeType="tmRoot"/>
-      </p:par>
-    </p:tnLst>
-  </p:timing>
 </p:sld>
 </file>
 
@@ -8059,10 +7762,9 @@
           <a:lstStyle/>
           <a:p>
             <a:r>
-              <a:rPr kumimoji="1" lang="ja-JP" altLang="en-US" dirty="0" smtClean="0"/>
+              <a:rPr kumimoji="1" lang="ja-JP" altLang="en-US" dirty="0"/>
               <a:t>課題解決のための提案</a:t>
             </a:r>
-            <a:endParaRPr kumimoji="1" lang="ja-JP" altLang="en-US" dirty="0"/>
           </a:p>
         </p:txBody>
       </p:sp>
@@ -8094,14 +7796,14 @@
               <a:buChar char="l"/>
             </a:pPr>
             <a:r>
-              <a:rPr kumimoji="1" lang="en-US" altLang="ja-JP" dirty="0" smtClean="0"/>
+              <a:rPr kumimoji="1" lang="en-US" altLang="ja-JP" dirty="0"/>
               <a:t> </a:t>
             </a:r>
             <a:r>
-              <a:rPr kumimoji="1" lang="ja-JP" altLang="en-US" sz="2400" dirty="0" smtClean="0"/>
+              <a:rPr kumimoji="1" lang="ja-JP" altLang="en-US" sz="2400" dirty="0"/>
               <a:t>動物の情報を表示する機能</a:t>
             </a:r>
-            <a:endParaRPr kumimoji="1" lang="en-US" altLang="ja-JP" sz="2400" dirty="0" smtClean="0"/>
+            <a:endParaRPr kumimoji="1" lang="en-US" altLang="ja-JP" sz="2400" dirty="0"/>
           </a:p>
           <a:p>
             <a:pPr marL="180000">
@@ -8117,7 +7819,7 @@
               <a:buFont typeface="Wingdings" charset="2"/>
               <a:buChar char="l"/>
             </a:pPr>
-            <a:endParaRPr lang="en-US" altLang="ja-JP" sz="1300" dirty="0" smtClean="0"/>
+            <a:endParaRPr lang="en-US" altLang="ja-JP" sz="1300" dirty="0"/>
           </a:p>
           <a:p>
             <a:pPr marL="180000">
@@ -8131,14 +7833,14 @@
               <a:buChar char="l"/>
             </a:pPr>
             <a:r>
-              <a:rPr kumimoji="1" lang="en-US" altLang="ja-JP" dirty="0" smtClean="0"/>
+              <a:rPr kumimoji="1" lang="en-US" altLang="ja-JP" dirty="0"/>
               <a:t> </a:t>
             </a:r>
             <a:r>
-              <a:rPr kumimoji="1" lang="ja-JP" altLang="en-US" sz="2400" dirty="0" smtClean="0"/>
+              <a:rPr kumimoji="1" lang="ja-JP" altLang="en-US" sz="2400" dirty="0"/>
               <a:t>スタンプラリー機能</a:t>
             </a:r>
-            <a:endParaRPr kumimoji="1" lang="en-US" altLang="ja-JP" sz="2400" dirty="0" smtClean="0"/>
+            <a:endParaRPr kumimoji="1" lang="en-US" altLang="ja-JP" sz="2400" dirty="0"/>
           </a:p>
           <a:p>
             <a:pPr marL="180000">
@@ -8165,14 +7867,14 @@
               <a:buChar char="l"/>
             </a:pPr>
             <a:r>
-              <a:rPr kumimoji="1" lang="en-US" altLang="ja-JP" dirty="0" smtClean="0"/>
+              <a:rPr kumimoji="1" lang="en-US" altLang="ja-JP" dirty="0"/>
               <a:t> </a:t>
             </a:r>
             <a:r>
-              <a:rPr kumimoji="1" lang="ja-JP" altLang="en-US" sz="2400" dirty="0" smtClean="0"/>
+              <a:rPr kumimoji="1" lang="ja-JP" altLang="en-US" sz="2400" dirty="0"/>
               <a:t>言語表示切替機能</a:t>
             </a:r>
-            <a:endParaRPr kumimoji="1" lang="en-US" altLang="ja-JP" sz="2400" dirty="0" smtClean="0"/>
+            <a:endParaRPr kumimoji="1" lang="en-US" altLang="ja-JP" sz="2400" dirty="0"/>
           </a:p>
           <a:p>
             <a:pPr marL="180000">
@@ -8199,14 +7901,14 @@
               <a:buChar char="l"/>
             </a:pPr>
             <a:r>
-              <a:rPr kumimoji="1" lang="en-US" altLang="ja-JP" dirty="0" smtClean="0"/>
+              <a:rPr kumimoji="1" lang="en-US" altLang="ja-JP" dirty="0"/>
               <a:t> </a:t>
             </a:r>
             <a:r>
-              <a:rPr kumimoji="1" lang="ja-JP" altLang="en-US" sz="2400" dirty="0" smtClean="0"/>
+              <a:rPr kumimoji="1" lang="ja-JP" altLang="en-US" sz="2400" dirty="0"/>
               <a:t>園内マップ機能</a:t>
             </a:r>
-            <a:endParaRPr kumimoji="1" lang="en-US" altLang="ja-JP" sz="2400" dirty="0" smtClean="0"/>
+            <a:endParaRPr kumimoji="1" lang="en-US" altLang="ja-JP" sz="2400" dirty="0"/>
           </a:p>
           <a:p>
             <a:pPr marL="180000">
@@ -8233,14 +7935,14 @@
               <a:buChar char="l"/>
             </a:pPr>
             <a:r>
-              <a:rPr kumimoji="1" lang="en-US" altLang="ja-JP" dirty="0" smtClean="0"/>
+              <a:rPr kumimoji="1" lang="en-US" altLang="ja-JP" dirty="0"/>
               <a:t> </a:t>
             </a:r>
             <a:r>
-              <a:rPr kumimoji="1" lang="ja-JP" altLang="en-US" sz="2400" dirty="0" smtClean="0"/>
+              <a:rPr kumimoji="1" lang="ja-JP" altLang="en-US" sz="2400" dirty="0"/>
               <a:t>お手洗いの混雑状況確認機能</a:t>
             </a:r>
-            <a:endParaRPr kumimoji="1" lang="en-US" altLang="ja-JP" sz="2400" dirty="0" smtClean="0"/>
+            <a:endParaRPr kumimoji="1" lang="en-US" altLang="ja-JP" sz="2400" dirty="0"/>
           </a:p>
           <a:p>
             <a:pPr marL="180000">
@@ -8253,7 +7955,7 @@
               <a:buFont typeface="Wingdings" charset="2"/>
               <a:buChar char="l"/>
             </a:pPr>
-            <a:endParaRPr kumimoji="1" lang="en-US" altLang="ja-JP" sz="1300" dirty="0" smtClean="0"/>
+            <a:endParaRPr kumimoji="1" lang="en-US" altLang="ja-JP" sz="1300" dirty="0"/>
           </a:p>
           <a:p>
             <a:pPr marL="180000">
@@ -8267,7 +7969,7 @@
               <a:buChar char="l"/>
             </a:pPr>
             <a:r>
-              <a:rPr lang="ja-JP" altLang="en-US" sz="2400" dirty="0" smtClean="0"/>
+              <a:rPr lang="ja-JP" altLang="en-US" sz="2400" dirty="0"/>
               <a:t>イベント通知機能</a:t>
             </a:r>
             <a:endParaRPr kumimoji="1" lang="ja-JP" altLang="en-US" sz="2400" dirty="0"/>
@@ -8441,7 +8143,7 @@
           <a:p>
             <a:fld id="{7DF6C6EC-2A9F-1445-A698-30C66BA8DDDB}" type="datetime1">
               <a:rPr kumimoji="1" lang="ja-JP" altLang="en-US" smtClean="0"/>
-              <a:t>17/10/25</a:t>
+              <a:t>2017/10/26</a:t>
             </a:fld>
             <a:endParaRPr kumimoji="1" lang="ja-JP" altLang="en-US"/>
           </a:p>
@@ -8513,7 +8215,7 @@
   <p:timing>
     <p:tnLst>
       <p:par>
-        <p:cTn xmlns:p14="http://schemas.microsoft.com/office/powerpoint/2010/main" id="1" dur="indefinite" restart="never" nodeType="tmRoot">
+        <p:cTn id="1" dur="indefinite" restart="never" nodeType="tmRoot">
           <p:childTnLst>
             <p:seq concurrent="1" nextAc="seek">
               <p:cTn id="2" dur="indefinite" nodeType="mainSeq">
@@ -10139,36 +9841,18 @@
               <a:rPr lang="ja-JP" altLang="en-US" sz="2800" dirty="0">
                 <a:latin typeface="+mn-ea"/>
               </a:rPr>
-              <a:t>端末から動物を撮影することでその動物の詳細情報を画面上</a:t>
-            </a:r>
-            <a:r>
-              <a:rPr lang="ja-JP" altLang="en-US" sz="2800" dirty="0" smtClean="0">
-                <a:latin typeface="+mn-ea"/>
-              </a:rPr>
-              <a:t>に</a:t>
-            </a:r>
-            <a:r>
-              <a:rPr lang="en-US" altLang="ja-JP" sz="2800" dirty="0" smtClean="0">
-                <a:latin typeface="+mn-ea"/>
-              </a:rPr>
-              <a:t/>
+              <a:t>端末から動物を撮影することでその動物の詳細情報を画面上に</a:t>
             </a:r>
             <a:br>
-              <a:rPr lang="en-US" altLang="ja-JP" sz="2800" dirty="0" smtClean="0">
+              <a:rPr lang="en-US" altLang="ja-JP" sz="2800" dirty="0">
                 <a:latin typeface="+mn-ea"/>
               </a:rPr>
             </a:br>
             <a:r>
-              <a:rPr lang="ja-JP" altLang="en-US" sz="2800" dirty="0" smtClean="0">
-                <a:latin typeface="+mn-ea"/>
-              </a:rPr>
-              <a:t>表示</a:t>
-            </a:r>
-            <a:r>
               <a:rPr lang="ja-JP" altLang="en-US" sz="2800" dirty="0">
                 <a:latin typeface="+mn-ea"/>
               </a:rPr>
-              <a:t>する</a:t>
+              <a:t>表示する</a:t>
             </a:r>
             <a:endParaRPr lang="en-US" altLang="ja-JP" sz="2800" dirty="0">
               <a:latin typeface="+mn-ea"/>
@@ -10185,16 +9869,12 @@
               <a:buNone/>
             </a:pPr>
             <a:r>
-              <a:rPr lang="ja-JP" altLang="en-US" sz="3200" dirty="0" smtClean="0"/>
+              <a:rPr lang="ja-JP" altLang="en-US" sz="3200" dirty="0"/>
               <a:t> </a:t>
             </a:r>
             <a:r>
-              <a:rPr lang="en-US" altLang="ja-JP" sz="3200" dirty="0" smtClean="0"/>
-              <a:t>2</a:t>
-            </a:r>
-            <a:r>
               <a:rPr lang="en-US" altLang="ja-JP" sz="3200" dirty="0"/>
-              <a:t>. </a:t>
+              <a:t>2. </a:t>
             </a:r>
             <a:r>
               <a:rPr lang="ja-JP" altLang="en-US" sz="3200" dirty="0"/>
@@ -10235,7 +9915,7 @@
           <a:p>
             <a:fld id="{140966F5-8C92-1342-8290-4E0F18E5B1BC}" type="datetime1">
               <a:rPr kumimoji="1" lang="ja-JP" altLang="en-US" smtClean="0"/>
-              <a:t>17/10/25</a:t>
+              <a:t>2017/10/26</a:t>
             </a:fld>
             <a:endParaRPr kumimoji="1" lang="ja-JP" altLang="en-US"/>
           </a:p>
@@ -10337,7 +10017,7 @@
   <p:timing>
     <p:tnLst>
       <p:par>
-        <p:cTn xmlns:p14="http://schemas.microsoft.com/office/powerpoint/2010/main" id="1" dur="indefinite" restart="never" nodeType="tmRoot">
+        <p:cTn id="1" dur="indefinite" restart="never" nodeType="tmRoot">
           <p:childTnLst>
             <p:seq concurrent="1" nextAc="seek">
               <p:cTn id="2" dur="indefinite" nodeType="mainSeq">
@@ -10588,16 +10268,12 @@
               <a:buNone/>
             </a:pPr>
             <a:r>
-              <a:rPr lang="ja-JP" altLang="en-US" sz="3200" dirty="0" smtClean="0"/>
+              <a:rPr lang="ja-JP" altLang="en-US" sz="3200" dirty="0"/>
               <a:t> </a:t>
             </a:r>
             <a:r>
-              <a:rPr lang="en-US" altLang="ja-JP" sz="3200" dirty="0" smtClean="0"/>
-              <a:t>4</a:t>
-            </a:r>
-            <a:r>
               <a:rPr lang="en-US" altLang="ja-JP" sz="3200" dirty="0"/>
-              <a:t>. </a:t>
+              <a:t>4. </a:t>
             </a:r>
             <a:r>
               <a:rPr lang="ja-JP" altLang="en-US" sz="3200" dirty="0"/>
@@ -10610,12 +10286,8 @@
               <a:buNone/>
             </a:pPr>
             <a:r>
-              <a:rPr kumimoji="1" lang="ja-JP" altLang="en-US" sz="2800" dirty="0" smtClean="0"/>
-              <a:t> 園内</a:t>
-            </a:r>
-            <a:r>
               <a:rPr kumimoji="1" lang="ja-JP" altLang="en-US" sz="2800" dirty="0"/>
-              <a:t>のマップと現在地の表示を行う</a:t>
+              <a:t> 園内のマップと現在地の表示を行う</a:t>
             </a:r>
           </a:p>
         </p:txBody>
@@ -10637,7 +10309,7 @@
           <a:p>
             <a:fld id="{A37FE4D1-4AD7-F843-AD5F-E02D85C4EC19}" type="datetime1">
               <a:rPr kumimoji="1" lang="ja-JP" altLang="en-US" smtClean="0"/>
-              <a:t>17/10/25</a:t>
+              <a:t>2017/10/26</a:t>
             </a:fld>
             <a:endParaRPr kumimoji="1" lang="ja-JP" altLang="en-US"/>
           </a:p>
@@ -10739,7 +10411,7 @@
   <p:timing>
     <p:tnLst>
       <p:par>
-        <p:cTn xmlns:p14="http://schemas.microsoft.com/office/powerpoint/2010/main" id="1" dur="indefinite" restart="never" nodeType="tmRoot">
+        <p:cTn id="1" dur="indefinite" restart="never" nodeType="tmRoot">
           <p:childTnLst>
             <p:seq concurrent="1" nextAc="seek">
               <p:cTn id="2" dur="indefinite" nodeType="mainSeq">
@@ -11036,7 +10708,7 @@
           <a:p>
             <a:fld id="{0E90A6C9-E8F9-DB4B-B816-2B97E788103C}" type="datetime1">
               <a:rPr kumimoji="1" lang="ja-JP" altLang="en-US" smtClean="0"/>
-              <a:t>17/10/25</a:t>
+              <a:t>2017/10/26</a:t>
             </a:fld>
             <a:endParaRPr kumimoji="1" lang="ja-JP" altLang="en-US"/>
           </a:p>
@@ -11138,7 +10810,7 @@
   <p:timing>
     <p:tnLst>
       <p:par>
-        <p:cTn xmlns:p14="http://schemas.microsoft.com/office/powerpoint/2010/main" id="1" dur="indefinite" restart="never" nodeType="tmRoot">
+        <p:cTn id="1" dur="indefinite" restart="never" nodeType="tmRoot">
           <p:childTnLst>
             <p:seq concurrent="1" nextAc="seek">
               <p:cTn id="2" dur="indefinite" nodeType="mainSeq">
@@ -11336,11 +11008,11 @@
           <a:lstStyle/>
           <a:p>
             <a:r>
-              <a:rPr kumimoji="1" lang="ja-JP" altLang="en-US" sz="4400" dirty="0" smtClean="0"/>
+              <a:rPr kumimoji="1" lang="ja-JP" altLang="en-US" sz="4400" dirty="0"/>
               <a:t>前提</a:t>
             </a:r>
             <a:r>
-              <a:rPr lang="ja-JP" altLang="en-US" sz="4400" dirty="0" smtClean="0"/>
+              <a:rPr lang="ja-JP" altLang="en-US" sz="4400" dirty="0"/>
               <a:t>条件・制約事項</a:t>
             </a:r>
             <a:endParaRPr kumimoji="1" lang="ja-JP" altLang="en-US" sz="4400" dirty="0"/>
@@ -11368,10 +11040,10 @@
               <a:buNone/>
             </a:pPr>
             <a:r>
-              <a:rPr lang="ja-JP" altLang="en-US" sz="3200" dirty="0" smtClean="0"/>
+              <a:rPr lang="ja-JP" altLang="en-US" sz="3200" dirty="0"/>
               <a:t>前提条件</a:t>
             </a:r>
-            <a:endParaRPr lang="en-US" altLang="ja-JP" sz="3200" dirty="0" smtClean="0"/>
+            <a:endParaRPr lang="en-US" altLang="ja-JP" sz="3200" dirty="0"/>
           </a:p>
           <a:p>
             <a:pPr lvl="1">
@@ -11379,39 +11051,19 @@
               <a:buChar char="l"/>
             </a:pPr>
             <a:r>
-              <a:rPr lang="ja-JP" altLang="en-US" sz="3000" dirty="0" smtClean="0"/>
-              <a:t>入場者</a:t>
-            </a:r>
-            <a:r>
               <a:rPr lang="ja-JP" altLang="en-US" sz="3000" dirty="0"/>
-              <a:t>が本システムの使用が可能な端末</a:t>
-            </a:r>
-            <a:r>
-              <a:rPr lang="ja-JP" altLang="en-US" sz="3000" dirty="0" smtClean="0"/>
-              <a:t>を</a:t>
-            </a:r>
-            <a:r>
-              <a:rPr lang="en-US" altLang="ja-JP" sz="3000" dirty="0" smtClean="0"/>
-              <a:t/>
+              <a:t>入場者が本システムの使用が可能な端末を</a:t>
             </a:r>
             <a:br>
-              <a:rPr lang="en-US" altLang="ja-JP" sz="3000" dirty="0" smtClean="0"/>
+              <a:rPr lang="en-US" altLang="ja-JP" sz="3000" dirty="0"/>
             </a:br>
             <a:r>
-              <a:rPr lang="en-US" altLang="ja-JP" sz="3000" dirty="0" smtClean="0"/>
+              <a:rPr lang="en-US" altLang="ja-JP" sz="3000" dirty="0"/>
               <a:t> </a:t>
             </a:r>
             <a:r>
-              <a:rPr lang="ja-JP" altLang="en-US" sz="3000" dirty="0" smtClean="0"/>
-              <a:t>所持</a:t>
-            </a:r>
-            <a:r>
               <a:rPr lang="ja-JP" altLang="en-US" sz="3000" dirty="0"/>
-              <a:t>している</a:t>
-            </a:r>
-            <a:r>
-              <a:rPr lang="ja-JP" altLang="en-US" sz="3000" dirty="0" smtClean="0"/>
-              <a:t>こと</a:t>
+              <a:t>所持していること</a:t>
             </a:r>
             <a:endParaRPr kumimoji="1" lang="en-US" altLang="ja-JP" sz="1200" dirty="0"/>
           </a:p>
@@ -11422,30 +11074,22 @@
             </a:pPr>
             <a:r>
               <a:rPr lang="ja-JP" altLang="en-US" sz="3000" dirty="0"/>
-              <a:t>動物園がネットワーク環境下にある</a:t>
-            </a:r>
-            <a:r>
-              <a:rPr lang="ja-JP" altLang="en-US" sz="3000" dirty="0" smtClean="0"/>
-              <a:t>こと</a:t>
-            </a:r>
-            <a:r>
-              <a:rPr lang="en-US" altLang="ja-JP" sz="3000" dirty="0" smtClean="0"/>
-              <a:t/>
+              <a:t>動物園がネットワーク環境下にあること</a:t>
             </a:r>
             <a:br>
-              <a:rPr lang="en-US" altLang="ja-JP" sz="3000" dirty="0" smtClean="0"/>
+              <a:rPr lang="en-US" altLang="ja-JP" sz="3000" dirty="0"/>
             </a:br>
-            <a:endParaRPr lang="en-US" altLang="ja-JP" sz="3000" dirty="0" smtClean="0"/>
+            <a:endParaRPr lang="en-US" altLang="ja-JP" sz="3000" dirty="0"/>
           </a:p>
           <a:p>
             <a:pPr marL="0" indent="0">
               <a:buNone/>
             </a:pPr>
             <a:r>
-              <a:rPr lang="ja-JP" altLang="en-US" sz="3200" dirty="0" smtClean="0"/>
+              <a:rPr lang="ja-JP" altLang="en-US" sz="3200" dirty="0"/>
               <a:t>制約事項</a:t>
             </a:r>
-            <a:endParaRPr lang="en-US" altLang="ja-JP" sz="3200" dirty="0" smtClean="0"/>
+            <a:endParaRPr lang="en-US" altLang="ja-JP" sz="3200" dirty="0"/>
           </a:p>
           <a:p>
             <a:pPr lvl="1">
@@ -11453,22 +11097,18 @@
               <a:buChar char="l"/>
             </a:pPr>
             <a:r>
-              <a:rPr lang="ja-JP" altLang="en-US" sz="3000" dirty="0" smtClean="0"/>
+              <a:rPr lang="ja-JP" altLang="en-US" sz="3000" dirty="0"/>
               <a:t>入園者が端末に本アプリケーションをインストール</a:t>
             </a:r>
-            <a:r>
-              <a:rPr lang="en-US" altLang="ja-JP" sz="3000" dirty="0" smtClean="0"/>
-              <a:t/>
-            </a:r>
             <a:br>
-              <a:rPr lang="en-US" altLang="ja-JP" sz="3000" dirty="0" smtClean="0"/>
+              <a:rPr lang="en-US" altLang="ja-JP" sz="3000" dirty="0"/>
             </a:br>
             <a:r>
-              <a:rPr lang="en-US" altLang="ja-JP" sz="3000" dirty="0" smtClean="0"/>
+              <a:rPr lang="en-US" altLang="ja-JP" sz="3000" dirty="0"/>
               <a:t> </a:t>
             </a:r>
             <a:r>
-              <a:rPr lang="ja-JP" altLang="en-US" sz="3000" dirty="0" smtClean="0"/>
+              <a:rPr lang="ja-JP" altLang="en-US" sz="3000" dirty="0"/>
               <a:t>していること</a:t>
             </a:r>
           </a:p>
@@ -11477,7 +11117,7 @@
               <a:buFont typeface="Wingdings" panose="05000000000000000000" pitchFamily="2" charset="2"/>
               <a:buChar char="l"/>
             </a:pPr>
-            <a:endParaRPr lang="en-US" altLang="ja-JP" sz="3200" dirty="0" smtClean="0"/>
+            <a:endParaRPr lang="en-US" altLang="ja-JP" sz="3200" dirty="0"/>
           </a:p>
           <a:p>
             <a:pPr>
@@ -11512,7 +11152,7 @@
           <a:p>
             <a:fld id="{0EE8C9C6-4294-0A42-8A70-9BED62565BE7}" type="datetime1">
               <a:rPr kumimoji="1" lang="ja-JP" altLang="en-US" smtClean="0"/>
-              <a:t>17/10/25</a:t>
+              <a:t>2017/10/26</a:t>
             </a:fld>
             <a:endParaRPr kumimoji="1" lang="ja-JP" altLang="en-US"/>
           </a:p>
@@ -11551,13 +11191,6 @@
   <p:clrMapOvr>
     <a:masterClrMapping/>
   </p:clrMapOvr>
-  <p:timing>
-    <p:tnLst>
-      <p:par>
-        <p:cTn xmlns:p14="http://schemas.microsoft.com/office/powerpoint/2010/main" id="1" dur="indefinite" restart="never" nodeType="tmRoot"/>
-      </p:par>
-    </p:tnLst>
-  </p:timing>
 </p:sld>
 </file>
 
@@ -11678,7 +11311,7 @@
           <a:p>
             <a:fld id="{EF995A3B-9AE4-E14B-A379-18F1B269D271}" type="datetime1">
               <a:rPr kumimoji="1" lang="ja-JP" altLang="en-US" smtClean="0"/>
-              <a:t>17/10/26</a:t>
+              <a:t>2017/10/26</a:t>
             </a:fld>
             <a:endParaRPr kumimoji="1" lang="ja-JP" altLang="en-US"/>
           </a:p>
@@ -12510,7 +12143,7 @@
           <a:lstStyle/>
           <a:p>
             <a:r>
-              <a:rPr lang="ja-JP" altLang="en-US" dirty="0" smtClean="0"/>
+              <a:rPr lang="ja-JP" altLang="en-US" dirty="0"/>
               <a:t>新規情報</a:t>
             </a:r>
             <a:endParaRPr kumimoji="1" lang="ja-JP" altLang="en-US" dirty="0"/>
@@ -12563,7 +12196,7 @@
           <a:p>
             <a:pPr algn="ctr"/>
             <a:r>
-              <a:rPr lang="ja-JP" altLang="en-US" dirty="0" smtClean="0">
+              <a:rPr lang="ja-JP" altLang="en-US" dirty="0">
                 <a:solidFill>
                   <a:schemeClr val="tx1"/>
                 </a:solidFill>
@@ -12672,14 +12305,13 @@
           <a:p>
             <a:pPr algn="ctr"/>
             <a:r>
-              <a:rPr kumimoji="1" lang="en-US" altLang="ja-JP" dirty="0" smtClean="0"/>
+              <a:rPr kumimoji="1" lang="en-US" altLang="ja-JP" dirty="0"/>
               <a:t>HTTPS</a:t>
             </a:r>
             <a:r>
-              <a:rPr kumimoji="1" lang="ja-JP" altLang="en-US" dirty="0" smtClean="0"/>
+              <a:rPr kumimoji="1" lang="ja-JP" altLang="en-US" dirty="0"/>
               <a:t>通信</a:t>
             </a:r>
-            <a:endParaRPr kumimoji="1" lang="ja-JP" altLang="en-US" dirty="0"/>
           </a:p>
         </p:txBody>
       </p:sp>
@@ -12696,7 +12328,7 @@
   <p:timing>
     <p:tnLst>
       <p:par>
-        <p:cTn xmlns:p14="http://schemas.microsoft.com/office/powerpoint/2010/main" id="1" dur="indefinite" restart="never" nodeType="tmRoot">
+        <p:cTn id="1" dur="indefinite" restart="never" nodeType="tmRoot">
           <p:childTnLst>
             <p:seq concurrent="1" nextAc="seek">
               <p:cTn id="2" dur="indefinite" nodeType="mainSeq">
@@ -15013,7 +14645,7 @@
   <a:extraClrSchemeLst/>
   <a:extLst>
     <a:ext uri="{05A4C25C-085E-4340-85A3-A5531E510DB2}">
-      <thm15:themeFamily xmlns:thm15="http://schemas.microsoft.com/office/thememl/2012/main" xmlns="" name="Retrospect" id="{5F128B03-DCCA-4EEB-AB3B-CF2899314A46}" vid="{9CC26709-368C-4D72-9060-94E5B3FF3CD6}"/>
+      <thm15:themeFamily xmlns:thm15="http://schemas.microsoft.com/office/thememl/2012/main" name="Retrospect" id="{5F128B03-DCCA-4EEB-AB3B-CF2899314A46}" vid="{9CC26709-368C-4D72-9060-94E5B3FF3CD6}"/>
     </a:ext>
   </a:extLst>
 </a:theme>
@@ -15274,7 +14906,7 @@
   <a:extraClrSchemeLst/>
   <a:extLst>
     <a:ext uri="{05A4C25C-085E-4340-85A3-A5531E510DB2}">
-      <thm15:themeFamily xmlns:thm15="http://schemas.microsoft.com/office/thememl/2012/main" xmlns="" name="Office Theme" id="{62F939B6-93AF-4DB8-9C6B-D6C7DFDC589F}" vid="{4A3C46E8-61CC-4603-A589-7422A47A8E4A}"/>
+      <thm15:themeFamily xmlns:thm15="http://schemas.microsoft.com/office/thememl/2012/main" name="Office Theme" id="{62F939B6-93AF-4DB8-9C6B-D6C7DFDC589F}" vid="{4A3C46E8-61CC-4603-A589-7422A47A8E4A}"/>
     </a:ext>
   </a:extLst>
 </a:theme>

--- a/提案書発表/システム提案書_発表.pptx
+++ b/提案書発表/システム提案書_発表.pptx
@@ -130,25 +130,10 @@
   </p:defaultTextStyle>
   <p:extLst>
     <p:ext uri="{EFAFB233-063F-42B5-8137-9DF3F51BA10A}">
-      <p15:sldGuideLst xmlns:p15="http://schemas.microsoft.com/office/powerpoint/2012/main">
-        <p15:guide id="1" orient="horz" pos="2160">
-          <p15:clr>
-            <a:srgbClr val="A4A3A4"/>
-          </p15:clr>
-        </p15:guide>
-        <p15:guide id="2" pos="3840">
-          <p15:clr>
-            <a:srgbClr val="A4A3A4"/>
-          </p15:clr>
-        </p15:guide>
-      </p15:sldGuideLst>
+      <p15:sldGuideLst xmlns="" xmlns:p15="http://schemas.microsoft.com/office/powerpoint/2012/main"/>
     </p:ext>
   </p:extLst>
 </p:presentation>
-</file>
-
-<file path=ppt/revisionInfo.xml><?xml version="1.0" encoding="utf-8"?>
-<p1510:revInfo xmlns:a="http://schemas.openxmlformats.org/drawingml/2006/main" xmlns:r="http://schemas.openxmlformats.org/officeDocument/2006/relationships" xmlns:p1510="http://schemas.microsoft.com/office/powerpoint/2015/10/main"/>
 </file>
 
 <file path=ppt/notesMasters/notesMaster1.xml><?xml version="1.0" encoding="utf-8"?>
@@ -233,7 +218,7 @@
           <a:p>
             <a:fld id="{2825C81D-5328-E24A-87F2-F776F4059948}" type="datetimeFigureOut">
               <a:rPr kumimoji="1" lang="ja-JP" altLang="en-US" smtClean="0"/>
-              <a:t>2017/10/26</a:t>
+              <a:t>17/10/26</a:t>
             </a:fld>
             <a:endParaRPr kumimoji="1" lang="ja-JP" altLang="en-US"/>
           </a:p>
@@ -297,69 +282,70 @@
           <a:p>
             <a:pPr lvl="0"/>
             <a:r>
-              <a:rPr kumimoji="1" lang="ja-JP" altLang="en-US"/>
+              <a:rPr kumimoji="1" lang="ja-JP" altLang="en-US" smtClean="0"/>
               <a:t>マスター テキストの書式設定</a:t>
             </a:r>
           </a:p>
           <a:p>
             <a:pPr lvl="1"/>
             <a:r>
-              <a:rPr kumimoji="1" lang="ja-JP" altLang="en-US"/>
+              <a:rPr kumimoji="1" lang="ja-JP" altLang="en-US" smtClean="0"/>
               <a:t>第 </a:t>
             </a:r>
             <a:r>
-              <a:rPr kumimoji="1" lang="en-US" altLang="ja-JP"/>
+              <a:rPr kumimoji="1" lang="en-US" altLang="ja-JP" smtClean="0"/>
               <a:t>2 </a:t>
             </a:r>
             <a:r>
-              <a:rPr kumimoji="1" lang="ja-JP" altLang="en-US"/>
+              <a:rPr kumimoji="1" lang="ja-JP" altLang="en-US" smtClean="0"/>
               <a:t>レベル</a:t>
             </a:r>
           </a:p>
           <a:p>
             <a:pPr lvl="2"/>
             <a:r>
-              <a:rPr kumimoji="1" lang="ja-JP" altLang="en-US"/>
+              <a:rPr kumimoji="1" lang="ja-JP" altLang="en-US" smtClean="0"/>
               <a:t>第 </a:t>
             </a:r>
             <a:r>
-              <a:rPr kumimoji="1" lang="en-US" altLang="ja-JP"/>
+              <a:rPr kumimoji="1" lang="en-US" altLang="ja-JP" smtClean="0"/>
               <a:t>3 </a:t>
             </a:r>
             <a:r>
-              <a:rPr kumimoji="1" lang="ja-JP" altLang="en-US"/>
+              <a:rPr kumimoji="1" lang="ja-JP" altLang="en-US" smtClean="0"/>
               <a:t>レベル</a:t>
             </a:r>
           </a:p>
           <a:p>
             <a:pPr lvl="3"/>
             <a:r>
-              <a:rPr kumimoji="1" lang="ja-JP" altLang="en-US"/>
+              <a:rPr kumimoji="1" lang="ja-JP" altLang="en-US" smtClean="0"/>
               <a:t>第 </a:t>
             </a:r>
             <a:r>
-              <a:rPr kumimoji="1" lang="en-US" altLang="ja-JP"/>
+              <a:rPr kumimoji="1" lang="en-US" altLang="ja-JP" smtClean="0"/>
               <a:t>4 </a:t>
             </a:r>
             <a:r>
-              <a:rPr kumimoji="1" lang="ja-JP" altLang="en-US"/>
+              <a:rPr kumimoji="1" lang="ja-JP" altLang="en-US" smtClean="0"/>
               <a:t>レベル</a:t>
             </a:r>
           </a:p>
           <a:p>
             <a:pPr lvl="4"/>
             <a:r>
-              <a:rPr kumimoji="1" lang="ja-JP" altLang="en-US"/>
+              <a:rPr kumimoji="1" lang="ja-JP" altLang="en-US" smtClean="0"/>
               <a:t>第 </a:t>
             </a:r>
             <a:r>
-              <a:rPr kumimoji="1" lang="en-US" altLang="ja-JP"/>
+              <a:rPr kumimoji="1" lang="en-US" altLang="ja-JP" smtClean="0"/>
               <a:t>5 </a:t>
             </a:r>
             <a:r>
-              <a:rPr kumimoji="1" lang="ja-JP" altLang="en-US"/>
+              <a:rPr kumimoji="1" lang="ja-JP" altLang="en-US" smtClean="0"/>
               <a:t>レベル</a:t>
             </a:r>
+            <a:endParaRPr kumimoji="1" lang="ja-JP" altLang="en-US"/>
           </a:p>
         </p:txBody>
       </p:sp>
@@ -662,7 +648,7 @@
           </a:lstStyle>
           <a:p>
             <a:r>
-              <a:rPr lang="ja-JP" altLang="en-US"/>
+              <a:rPr lang="ja-JP" altLang="en-US" smtClean="0"/>
               <a:t>マスター タイトルの書式設定</a:t>
             </a:r>
             <a:endParaRPr lang="en-US" dirty="0"/>
@@ -735,11 +721,11 @@
           </a:lstStyle>
           <a:p>
             <a:r>
-              <a:rPr lang="ja-JP" altLang="en-US" dirty="0"/>
+              <a:rPr lang="ja-JP" altLang="en-US" dirty="0" smtClean="0"/>
               <a:t>マスター サブタイトルの書式設定</a:t>
             </a:r>
             <a:r>
-              <a:rPr lang="en-US" altLang="ja-JP" dirty="0"/>
+              <a:rPr lang="en-US" altLang="ja-JP" dirty="0" smtClean="0"/>
               <a:t>Siesta</a:t>
             </a:r>
             <a:endParaRPr lang="en-US" dirty="0"/>
@@ -763,7 +749,7 @@
           <a:p>
             <a:fld id="{468B16F9-BA1D-FB40-9BC2-EB97FBEAA928}" type="datetime1">
               <a:rPr kumimoji="1" lang="ja-JP" altLang="en-US" smtClean="0"/>
-              <a:t>2017/10/26</a:t>
+              <a:t>17/10/26</a:t>
             </a:fld>
             <a:endParaRPr kumimoji="1" lang="ja-JP" altLang="en-US"/>
           </a:p>
@@ -854,6 +840,13 @@
   <p:clrMapOvr>
     <a:masterClrMapping/>
   </p:clrMapOvr>
+  <p:timing>
+    <p:tnLst>
+      <p:par>
+        <p:cTn xmlns:p14="http://schemas.microsoft.com/office/powerpoint/2010/main" id="1" dur="indefinite" restart="never" nodeType="tmRoot"/>
+      </p:par>
+    </p:tnLst>
+  </p:timing>
 </p:sldLayout>
 </file>
 
@@ -890,7 +883,7 @@
           <a:lstStyle/>
           <a:p>
             <a:r>
-              <a:rPr lang="ja-JP" altLang="en-US"/>
+              <a:rPr lang="ja-JP" altLang="en-US" smtClean="0"/>
               <a:t>マスター タイトルの書式設定</a:t>
             </a:r>
             <a:endParaRPr lang="en-US" dirty="0"/>
@@ -914,67 +907,67 @@
           <a:p>
             <a:pPr lvl="0"/>
             <a:r>
-              <a:rPr lang="ja-JP" altLang="en-US"/>
+              <a:rPr lang="ja-JP" altLang="en-US" smtClean="0"/>
               <a:t>マスター テキストの書式設定</a:t>
             </a:r>
           </a:p>
           <a:p>
             <a:pPr lvl="1"/>
             <a:r>
-              <a:rPr lang="ja-JP" altLang="en-US"/>
+              <a:rPr lang="ja-JP" altLang="en-US" smtClean="0"/>
               <a:t>第 </a:t>
             </a:r>
             <a:r>
-              <a:rPr lang="en-US" altLang="ja-JP"/>
+              <a:rPr lang="en-US" altLang="ja-JP" smtClean="0"/>
               <a:t>2 </a:t>
             </a:r>
             <a:r>
-              <a:rPr lang="ja-JP" altLang="en-US"/>
+              <a:rPr lang="ja-JP" altLang="en-US" smtClean="0"/>
               <a:t>レベル</a:t>
             </a:r>
           </a:p>
           <a:p>
             <a:pPr lvl="2"/>
             <a:r>
-              <a:rPr lang="ja-JP" altLang="en-US"/>
+              <a:rPr lang="ja-JP" altLang="en-US" smtClean="0"/>
               <a:t>第 </a:t>
             </a:r>
             <a:r>
-              <a:rPr lang="en-US" altLang="ja-JP"/>
+              <a:rPr lang="en-US" altLang="ja-JP" smtClean="0"/>
               <a:t>3 </a:t>
             </a:r>
             <a:r>
-              <a:rPr lang="ja-JP" altLang="en-US"/>
+              <a:rPr lang="ja-JP" altLang="en-US" smtClean="0"/>
               <a:t>レベル</a:t>
             </a:r>
           </a:p>
           <a:p>
             <a:pPr lvl="3"/>
             <a:r>
-              <a:rPr lang="ja-JP" altLang="en-US"/>
+              <a:rPr lang="ja-JP" altLang="en-US" smtClean="0"/>
               <a:t>第 </a:t>
             </a:r>
             <a:r>
-              <a:rPr lang="en-US" altLang="ja-JP"/>
+              <a:rPr lang="en-US" altLang="ja-JP" smtClean="0"/>
               <a:t>4 </a:t>
             </a:r>
             <a:r>
-              <a:rPr lang="ja-JP" altLang="en-US"/>
+              <a:rPr lang="ja-JP" altLang="en-US" smtClean="0"/>
               <a:t>レベル</a:t>
             </a:r>
           </a:p>
           <a:p>
             <a:pPr lvl="4"/>
             <a:r>
-              <a:rPr lang="ja-JP" altLang="en-US"/>
+              <a:rPr lang="ja-JP" altLang="en-US" smtClean="0"/>
               <a:t>第 </a:t>
             </a:r>
             <a:r>
-              <a:rPr lang="en-US" altLang="ja-JP"/>
+              <a:rPr lang="en-US" altLang="ja-JP" smtClean="0"/>
               <a:t>5 </a:t>
             </a:r>
             <a:r>
-              <a:rPr lang="ja-JP" altLang="en-US"/>
+              <a:rPr lang="ja-JP" altLang="en-US" smtClean="0"/>
               <a:t>レベル</a:t>
             </a:r>
             <a:endParaRPr lang="en-US" dirty="0"/>
@@ -998,7 +991,7 @@
           <a:p>
             <a:fld id="{72453D78-231B-A945-B274-29BF4207188F}" type="datetime1">
               <a:rPr kumimoji="1" lang="ja-JP" altLang="en-US" smtClean="0"/>
-              <a:t>2017/10/26</a:t>
+              <a:t>17/10/26</a:t>
             </a:fld>
             <a:endParaRPr kumimoji="1" lang="ja-JP" altLang="en-US"/>
           </a:p>
@@ -1168,7 +1161,7 @@
           <a:lstStyle/>
           <a:p>
             <a:r>
-              <a:rPr lang="ja-JP" altLang="en-US"/>
+              <a:rPr lang="ja-JP" altLang="en-US" smtClean="0"/>
               <a:t>マスター タイトルの書式設定</a:t>
             </a:r>
             <a:endParaRPr lang="en-US" dirty="0"/>
@@ -1197,67 +1190,67 @@
           <a:p>
             <a:pPr lvl="0"/>
             <a:r>
-              <a:rPr lang="ja-JP" altLang="en-US"/>
+              <a:rPr lang="ja-JP" altLang="en-US" smtClean="0"/>
               <a:t>マスター テキストの書式設定</a:t>
             </a:r>
           </a:p>
           <a:p>
             <a:pPr lvl="1"/>
             <a:r>
-              <a:rPr lang="ja-JP" altLang="en-US"/>
+              <a:rPr lang="ja-JP" altLang="en-US" smtClean="0"/>
               <a:t>第 </a:t>
             </a:r>
             <a:r>
-              <a:rPr lang="en-US" altLang="ja-JP"/>
+              <a:rPr lang="en-US" altLang="ja-JP" smtClean="0"/>
               <a:t>2 </a:t>
             </a:r>
             <a:r>
-              <a:rPr lang="ja-JP" altLang="en-US"/>
+              <a:rPr lang="ja-JP" altLang="en-US" smtClean="0"/>
               <a:t>レベル</a:t>
             </a:r>
           </a:p>
           <a:p>
             <a:pPr lvl="2"/>
             <a:r>
-              <a:rPr lang="ja-JP" altLang="en-US"/>
+              <a:rPr lang="ja-JP" altLang="en-US" smtClean="0"/>
               <a:t>第 </a:t>
             </a:r>
             <a:r>
-              <a:rPr lang="en-US" altLang="ja-JP"/>
+              <a:rPr lang="en-US" altLang="ja-JP" smtClean="0"/>
               <a:t>3 </a:t>
             </a:r>
             <a:r>
-              <a:rPr lang="ja-JP" altLang="en-US"/>
+              <a:rPr lang="ja-JP" altLang="en-US" smtClean="0"/>
               <a:t>レベル</a:t>
             </a:r>
           </a:p>
           <a:p>
             <a:pPr lvl="3"/>
             <a:r>
-              <a:rPr lang="ja-JP" altLang="en-US"/>
+              <a:rPr lang="ja-JP" altLang="en-US" smtClean="0"/>
               <a:t>第 </a:t>
             </a:r>
             <a:r>
-              <a:rPr lang="en-US" altLang="ja-JP"/>
+              <a:rPr lang="en-US" altLang="ja-JP" smtClean="0"/>
               <a:t>4 </a:t>
             </a:r>
             <a:r>
-              <a:rPr lang="ja-JP" altLang="en-US"/>
+              <a:rPr lang="ja-JP" altLang="en-US" smtClean="0"/>
               <a:t>レベル</a:t>
             </a:r>
           </a:p>
           <a:p>
             <a:pPr lvl="4"/>
             <a:r>
-              <a:rPr lang="ja-JP" altLang="en-US"/>
+              <a:rPr lang="ja-JP" altLang="en-US" smtClean="0"/>
               <a:t>第 </a:t>
             </a:r>
             <a:r>
-              <a:rPr lang="en-US" altLang="ja-JP"/>
+              <a:rPr lang="en-US" altLang="ja-JP" smtClean="0"/>
               <a:t>5 </a:t>
             </a:r>
             <a:r>
-              <a:rPr lang="ja-JP" altLang="en-US"/>
+              <a:rPr lang="ja-JP" altLang="en-US" smtClean="0"/>
               <a:t>レベル</a:t>
             </a:r>
             <a:endParaRPr lang="en-US" dirty="0"/>
@@ -1281,7 +1274,7 @@
           <a:p>
             <a:fld id="{6883BB5E-7840-C34B-AD1D-69ACD41B489D}" type="datetime1">
               <a:rPr kumimoji="1" lang="ja-JP" altLang="en-US" smtClean="0"/>
-              <a:t>2017/10/26</a:t>
+              <a:t>17/10/26</a:t>
             </a:fld>
             <a:endParaRPr kumimoji="1" lang="ja-JP" altLang="en-US"/>
           </a:p>
@@ -1370,7 +1363,7 @@
           <a:lstStyle/>
           <a:p>
             <a:r>
-              <a:rPr lang="ja-JP" altLang="en-US"/>
+              <a:rPr lang="ja-JP" altLang="en-US" smtClean="0"/>
               <a:t>マスター タイトルの書式設定</a:t>
             </a:r>
             <a:endParaRPr lang="en-US" dirty="0"/>
@@ -1394,67 +1387,67 @@
           <a:p>
             <a:pPr lvl="0"/>
             <a:r>
-              <a:rPr lang="ja-JP" altLang="en-US" dirty="0"/>
+              <a:rPr lang="ja-JP" altLang="en-US" dirty="0" smtClean="0"/>
               <a:t>マスター テキストの書式設定</a:t>
             </a:r>
           </a:p>
           <a:p>
             <a:pPr lvl="1"/>
             <a:r>
-              <a:rPr lang="ja-JP" altLang="en-US" dirty="0"/>
+              <a:rPr lang="ja-JP" altLang="en-US" dirty="0" smtClean="0"/>
               <a:t>第 </a:t>
             </a:r>
             <a:r>
-              <a:rPr lang="en-US" altLang="ja-JP" dirty="0"/>
+              <a:rPr lang="en-US" altLang="ja-JP" dirty="0" smtClean="0"/>
               <a:t>2 </a:t>
             </a:r>
             <a:r>
-              <a:rPr lang="ja-JP" altLang="en-US" dirty="0"/>
+              <a:rPr lang="ja-JP" altLang="en-US" dirty="0" smtClean="0"/>
               <a:t>レベル</a:t>
             </a:r>
           </a:p>
           <a:p>
             <a:pPr lvl="2"/>
             <a:r>
-              <a:rPr lang="ja-JP" altLang="en-US" dirty="0"/>
+              <a:rPr lang="ja-JP" altLang="en-US" dirty="0" smtClean="0"/>
               <a:t>第 </a:t>
             </a:r>
             <a:r>
-              <a:rPr lang="en-US" altLang="ja-JP" dirty="0"/>
+              <a:rPr lang="en-US" altLang="ja-JP" dirty="0" smtClean="0"/>
               <a:t>3 </a:t>
             </a:r>
             <a:r>
-              <a:rPr lang="ja-JP" altLang="en-US" dirty="0"/>
+              <a:rPr lang="ja-JP" altLang="en-US" dirty="0" smtClean="0"/>
               <a:t>レベル</a:t>
             </a:r>
           </a:p>
           <a:p>
             <a:pPr lvl="3"/>
             <a:r>
-              <a:rPr lang="ja-JP" altLang="en-US" dirty="0"/>
+              <a:rPr lang="ja-JP" altLang="en-US" dirty="0" smtClean="0"/>
               <a:t>第 </a:t>
             </a:r>
             <a:r>
-              <a:rPr lang="en-US" altLang="ja-JP" dirty="0"/>
+              <a:rPr lang="en-US" altLang="ja-JP" dirty="0" smtClean="0"/>
               <a:t>4 </a:t>
             </a:r>
             <a:r>
-              <a:rPr lang="ja-JP" altLang="en-US" dirty="0"/>
+              <a:rPr lang="ja-JP" altLang="en-US" dirty="0" smtClean="0"/>
               <a:t>レベル</a:t>
             </a:r>
           </a:p>
           <a:p>
             <a:pPr lvl="4"/>
             <a:r>
-              <a:rPr lang="ja-JP" altLang="en-US" dirty="0"/>
+              <a:rPr lang="ja-JP" altLang="en-US" dirty="0" smtClean="0"/>
               <a:t>第 </a:t>
             </a:r>
             <a:r>
-              <a:rPr lang="en-US" altLang="ja-JP" dirty="0"/>
+              <a:rPr lang="en-US" altLang="ja-JP" dirty="0" smtClean="0"/>
               <a:t>5 </a:t>
             </a:r>
             <a:r>
-              <a:rPr lang="ja-JP" altLang="en-US" dirty="0"/>
+              <a:rPr lang="ja-JP" altLang="en-US" dirty="0" smtClean="0"/>
               <a:t>レベル</a:t>
             </a:r>
             <a:endParaRPr lang="en-US" dirty="0"/>
@@ -1483,7 +1476,7 @@
             <a:fld id="{BEBCA107-5153-8B44-9D91-3D483647FA69}" type="datetime1">
               <a:rPr lang="ja-JP" altLang="en-US" smtClean="0"/>
               <a:pPr/>
-              <a:t>2017/10/26</a:t>
+              <a:t>17/10/26</a:t>
             </a:fld>
             <a:endParaRPr lang="ja-JP" altLang="en-US" dirty="0"/>
           </a:p>
@@ -1541,6 +1534,13 @@
   <p:clrMapOvr>
     <a:masterClrMapping/>
   </p:clrMapOvr>
+  <p:timing>
+    <p:tnLst>
+      <p:par>
+        <p:cTn xmlns:p14="http://schemas.microsoft.com/office/powerpoint/2010/main" id="1" dur="indefinite" restart="never" nodeType="tmRoot"/>
+      </p:par>
+    </p:tnLst>
+  </p:timing>
 </p:sldLayout>
 </file>
 
@@ -1682,7 +1682,7 @@
           </a:lstStyle>
           <a:p>
             <a:r>
-              <a:rPr lang="ja-JP" altLang="en-US"/>
+              <a:rPr lang="ja-JP" altLang="en-US" smtClean="0"/>
               <a:t>マスター タイトルの書式設定</a:t>
             </a:r>
             <a:endParaRPr lang="en-US" dirty="0"/>
@@ -1803,7 +1803,7 @@
           <a:p>
             <a:pPr lvl="0"/>
             <a:r>
-              <a:rPr lang="ja-JP" altLang="en-US"/>
+              <a:rPr lang="ja-JP" altLang="en-US" smtClean="0"/>
               <a:t>マスター テキストの書式設定</a:t>
             </a:r>
           </a:p>
@@ -1826,7 +1826,7 @@
           <a:p>
             <a:fld id="{82EF5266-E700-C644-9D19-8515C062E32E}" type="datetime1">
               <a:rPr kumimoji="1" lang="ja-JP" altLang="en-US" smtClean="0"/>
-              <a:t>2017/10/26</a:t>
+              <a:t>17/10/26</a:t>
             </a:fld>
             <a:endParaRPr kumimoji="1" lang="ja-JP" altLang="en-US"/>
           </a:p>
@@ -1917,6 +1917,13 @@
   <p:clrMapOvr>
     <a:masterClrMapping/>
   </p:clrMapOvr>
+  <p:timing>
+    <p:tnLst>
+      <p:par>
+        <p:cTn xmlns:p14="http://schemas.microsoft.com/office/powerpoint/2010/main" id="1" dur="indefinite" restart="never" nodeType="tmRoot"/>
+      </p:par>
+    </p:tnLst>
+  </p:timing>
 </p:sldLayout>
 </file>
 
@@ -1958,7 +1965,7 @@
           <a:lstStyle/>
           <a:p>
             <a:r>
-              <a:rPr lang="ja-JP" altLang="en-US"/>
+              <a:rPr lang="ja-JP" altLang="en-US" smtClean="0"/>
               <a:t>マスター タイトルの書式設定</a:t>
             </a:r>
             <a:endParaRPr lang="en-US" dirty="0"/>
@@ -1987,67 +1994,67 @@
           <a:p>
             <a:pPr lvl="0"/>
             <a:r>
-              <a:rPr lang="ja-JP" altLang="en-US"/>
+              <a:rPr lang="ja-JP" altLang="en-US" smtClean="0"/>
               <a:t>マスター テキストの書式設定</a:t>
             </a:r>
           </a:p>
           <a:p>
             <a:pPr lvl="1"/>
             <a:r>
-              <a:rPr lang="ja-JP" altLang="en-US"/>
+              <a:rPr lang="ja-JP" altLang="en-US" smtClean="0"/>
               <a:t>第 </a:t>
             </a:r>
             <a:r>
-              <a:rPr lang="en-US" altLang="ja-JP"/>
+              <a:rPr lang="en-US" altLang="ja-JP" smtClean="0"/>
               <a:t>2 </a:t>
             </a:r>
             <a:r>
-              <a:rPr lang="ja-JP" altLang="en-US"/>
+              <a:rPr lang="ja-JP" altLang="en-US" smtClean="0"/>
               <a:t>レベル</a:t>
             </a:r>
           </a:p>
           <a:p>
             <a:pPr lvl="2"/>
             <a:r>
-              <a:rPr lang="ja-JP" altLang="en-US"/>
+              <a:rPr lang="ja-JP" altLang="en-US" smtClean="0"/>
               <a:t>第 </a:t>
             </a:r>
             <a:r>
-              <a:rPr lang="en-US" altLang="ja-JP"/>
+              <a:rPr lang="en-US" altLang="ja-JP" smtClean="0"/>
               <a:t>3 </a:t>
             </a:r>
             <a:r>
-              <a:rPr lang="ja-JP" altLang="en-US"/>
+              <a:rPr lang="ja-JP" altLang="en-US" smtClean="0"/>
               <a:t>レベル</a:t>
             </a:r>
           </a:p>
           <a:p>
             <a:pPr lvl="3"/>
             <a:r>
-              <a:rPr lang="ja-JP" altLang="en-US"/>
+              <a:rPr lang="ja-JP" altLang="en-US" smtClean="0"/>
               <a:t>第 </a:t>
             </a:r>
             <a:r>
-              <a:rPr lang="en-US" altLang="ja-JP"/>
+              <a:rPr lang="en-US" altLang="ja-JP" smtClean="0"/>
               <a:t>4 </a:t>
             </a:r>
             <a:r>
-              <a:rPr lang="ja-JP" altLang="en-US"/>
+              <a:rPr lang="ja-JP" altLang="en-US" smtClean="0"/>
               <a:t>レベル</a:t>
             </a:r>
           </a:p>
           <a:p>
             <a:pPr lvl="4"/>
             <a:r>
-              <a:rPr lang="ja-JP" altLang="en-US"/>
+              <a:rPr lang="ja-JP" altLang="en-US" smtClean="0"/>
               <a:t>第 </a:t>
             </a:r>
             <a:r>
-              <a:rPr lang="en-US" altLang="ja-JP"/>
+              <a:rPr lang="en-US" altLang="ja-JP" smtClean="0"/>
               <a:t>5 </a:t>
             </a:r>
             <a:r>
-              <a:rPr lang="ja-JP" altLang="en-US"/>
+              <a:rPr lang="ja-JP" altLang="en-US" smtClean="0"/>
               <a:t>レベル</a:t>
             </a:r>
             <a:endParaRPr lang="en-US" dirty="0"/>
@@ -2076,67 +2083,67 @@
           <a:p>
             <a:pPr lvl="0"/>
             <a:r>
-              <a:rPr lang="ja-JP" altLang="en-US"/>
+              <a:rPr lang="ja-JP" altLang="en-US" smtClean="0"/>
               <a:t>マスター テキストの書式設定</a:t>
             </a:r>
           </a:p>
           <a:p>
             <a:pPr lvl="1"/>
             <a:r>
-              <a:rPr lang="ja-JP" altLang="en-US"/>
+              <a:rPr lang="ja-JP" altLang="en-US" smtClean="0"/>
               <a:t>第 </a:t>
             </a:r>
             <a:r>
-              <a:rPr lang="en-US" altLang="ja-JP"/>
+              <a:rPr lang="en-US" altLang="ja-JP" smtClean="0"/>
               <a:t>2 </a:t>
             </a:r>
             <a:r>
-              <a:rPr lang="ja-JP" altLang="en-US"/>
+              <a:rPr lang="ja-JP" altLang="en-US" smtClean="0"/>
               <a:t>レベル</a:t>
             </a:r>
           </a:p>
           <a:p>
             <a:pPr lvl="2"/>
             <a:r>
-              <a:rPr lang="ja-JP" altLang="en-US"/>
+              <a:rPr lang="ja-JP" altLang="en-US" smtClean="0"/>
               <a:t>第 </a:t>
             </a:r>
             <a:r>
-              <a:rPr lang="en-US" altLang="ja-JP"/>
+              <a:rPr lang="en-US" altLang="ja-JP" smtClean="0"/>
               <a:t>3 </a:t>
             </a:r>
             <a:r>
-              <a:rPr lang="ja-JP" altLang="en-US"/>
+              <a:rPr lang="ja-JP" altLang="en-US" smtClean="0"/>
               <a:t>レベル</a:t>
             </a:r>
           </a:p>
           <a:p>
             <a:pPr lvl="3"/>
             <a:r>
-              <a:rPr lang="ja-JP" altLang="en-US"/>
+              <a:rPr lang="ja-JP" altLang="en-US" smtClean="0"/>
               <a:t>第 </a:t>
             </a:r>
             <a:r>
-              <a:rPr lang="en-US" altLang="ja-JP"/>
+              <a:rPr lang="en-US" altLang="ja-JP" smtClean="0"/>
               <a:t>4 </a:t>
             </a:r>
             <a:r>
-              <a:rPr lang="ja-JP" altLang="en-US"/>
+              <a:rPr lang="ja-JP" altLang="en-US" smtClean="0"/>
               <a:t>レベル</a:t>
             </a:r>
           </a:p>
           <a:p>
             <a:pPr lvl="4"/>
             <a:r>
-              <a:rPr lang="ja-JP" altLang="en-US"/>
+              <a:rPr lang="ja-JP" altLang="en-US" smtClean="0"/>
               <a:t>第 </a:t>
             </a:r>
             <a:r>
-              <a:rPr lang="en-US" altLang="ja-JP"/>
+              <a:rPr lang="en-US" altLang="ja-JP" smtClean="0"/>
               <a:t>5 </a:t>
             </a:r>
             <a:r>
-              <a:rPr lang="ja-JP" altLang="en-US"/>
+              <a:rPr lang="ja-JP" altLang="en-US" smtClean="0"/>
               <a:t>レベル</a:t>
             </a:r>
             <a:endParaRPr lang="en-US" dirty="0"/>
@@ -2160,7 +2167,7 @@
           <a:p>
             <a:fld id="{6A1FC19F-3AC3-F643-8B2B-51D9E835C177}" type="datetime1">
               <a:rPr kumimoji="1" lang="ja-JP" altLang="en-US" smtClean="0"/>
-              <a:t>2017/10/26</a:t>
+              <a:t>17/10/26</a:t>
             </a:fld>
             <a:endParaRPr kumimoji="1" lang="ja-JP" altLang="en-US"/>
           </a:p>
@@ -2213,9 +2220,16 @@
   <p:clrMapOvr>
     <a:masterClrMapping/>
   </p:clrMapOvr>
+  <p:timing>
+    <p:tnLst>
+      <p:par>
+        <p:cTn xmlns:p14="http://schemas.microsoft.com/office/powerpoint/2010/main" id="1" dur="indefinite" restart="never" nodeType="tmRoot"/>
+      </p:par>
+    </p:tnLst>
+  </p:timing>
   <p:extLst mod="1">
     <p:ext uri="{DCECCB84-F9BA-43D5-87BE-67443E8EF086}">
-      <p15:sldGuideLst xmlns:p15="http://schemas.microsoft.com/office/powerpoint/2012/main"/>
+      <p15:sldGuideLst xmlns="" xmlns:p15="http://schemas.microsoft.com/office/powerpoint/2012/main"/>
     </p:ext>
   </p:extLst>
 </p:sldLayout>
@@ -2259,7 +2273,7 @@
           <a:lstStyle/>
           <a:p>
             <a:r>
-              <a:rPr lang="ja-JP" altLang="en-US"/>
+              <a:rPr lang="ja-JP" altLang="en-US" smtClean="0"/>
               <a:t>マスター タイトルの書式設定</a:t>
             </a:r>
             <a:endParaRPr lang="en-US" dirty="0"/>
@@ -2331,7 +2345,7 @@
           <a:p>
             <a:pPr lvl="0"/>
             <a:r>
-              <a:rPr lang="ja-JP" altLang="en-US"/>
+              <a:rPr lang="ja-JP" altLang="en-US" smtClean="0"/>
               <a:t>マスター テキストの書式設定</a:t>
             </a:r>
           </a:p>
@@ -2359,67 +2373,67 @@
           <a:p>
             <a:pPr lvl="0"/>
             <a:r>
-              <a:rPr lang="ja-JP" altLang="en-US"/>
+              <a:rPr lang="ja-JP" altLang="en-US" smtClean="0"/>
               <a:t>マスター テキストの書式設定</a:t>
             </a:r>
           </a:p>
           <a:p>
             <a:pPr lvl="1"/>
             <a:r>
-              <a:rPr lang="ja-JP" altLang="en-US"/>
+              <a:rPr lang="ja-JP" altLang="en-US" smtClean="0"/>
               <a:t>第 </a:t>
             </a:r>
             <a:r>
-              <a:rPr lang="en-US" altLang="ja-JP"/>
+              <a:rPr lang="en-US" altLang="ja-JP" smtClean="0"/>
               <a:t>2 </a:t>
             </a:r>
             <a:r>
-              <a:rPr lang="ja-JP" altLang="en-US"/>
+              <a:rPr lang="ja-JP" altLang="en-US" smtClean="0"/>
               <a:t>レベル</a:t>
             </a:r>
           </a:p>
           <a:p>
             <a:pPr lvl="2"/>
             <a:r>
-              <a:rPr lang="ja-JP" altLang="en-US"/>
+              <a:rPr lang="ja-JP" altLang="en-US" smtClean="0"/>
               <a:t>第 </a:t>
             </a:r>
             <a:r>
-              <a:rPr lang="en-US" altLang="ja-JP"/>
+              <a:rPr lang="en-US" altLang="ja-JP" smtClean="0"/>
               <a:t>3 </a:t>
             </a:r>
             <a:r>
-              <a:rPr lang="ja-JP" altLang="en-US"/>
+              <a:rPr lang="ja-JP" altLang="en-US" smtClean="0"/>
               <a:t>レベル</a:t>
             </a:r>
           </a:p>
           <a:p>
             <a:pPr lvl="3"/>
             <a:r>
-              <a:rPr lang="ja-JP" altLang="en-US"/>
+              <a:rPr lang="ja-JP" altLang="en-US" smtClean="0"/>
               <a:t>第 </a:t>
             </a:r>
             <a:r>
-              <a:rPr lang="en-US" altLang="ja-JP"/>
+              <a:rPr lang="en-US" altLang="ja-JP" smtClean="0"/>
               <a:t>4 </a:t>
             </a:r>
             <a:r>
-              <a:rPr lang="ja-JP" altLang="en-US"/>
+              <a:rPr lang="ja-JP" altLang="en-US" smtClean="0"/>
               <a:t>レベル</a:t>
             </a:r>
           </a:p>
           <a:p>
             <a:pPr lvl="4"/>
             <a:r>
-              <a:rPr lang="ja-JP" altLang="en-US"/>
+              <a:rPr lang="ja-JP" altLang="en-US" smtClean="0"/>
               <a:t>第 </a:t>
             </a:r>
             <a:r>
-              <a:rPr lang="en-US" altLang="ja-JP"/>
+              <a:rPr lang="en-US" altLang="ja-JP" smtClean="0"/>
               <a:t>5 </a:t>
             </a:r>
             <a:r>
-              <a:rPr lang="ja-JP" altLang="en-US"/>
+              <a:rPr lang="ja-JP" altLang="en-US" smtClean="0"/>
               <a:t>レベル</a:t>
             </a:r>
             <a:endParaRPr lang="en-US" dirty="0"/>
@@ -2491,7 +2505,7 @@
           <a:p>
             <a:pPr lvl="0"/>
             <a:r>
-              <a:rPr lang="ja-JP" altLang="en-US"/>
+              <a:rPr lang="ja-JP" altLang="en-US" smtClean="0"/>
               <a:t>マスター テキストの書式設定</a:t>
             </a:r>
           </a:p>
@@ -2519,67 +2533,67 @@
           <a:p>
             <a:pPr lvl="0"/>
             <a:r>
-              <a:rPr lang="ja-JP" altLang="en-US"/>
+              <a:rPr lang="ja-JP" altLang="en-US" smtClean="0"/>
               <a:t>マスター テキストの書式設定</a:t>
             </a:r>
           </a:p>
           <a:p>
             <a:pPr lvl="1"/>
             <a:r>
-              <a:rPr lang="ja-JP" altLang="en-US"/>
+              <a:rPr lang="ja-JP" altLang="en-US" smtClean="0"/>
               <a:t>第 </a:t>
             </a:r>
             <a:r>
-              <a:rPr lang="en-US" altLang="ja-JP"/>
+              <a:rPr lang="en-US" altLang="ja-JP" smtClean="0"/>
               <a:t>2 </a:t>
             </a:r>
             <a:r>
-              <a:rPr lang="ja-JP" altLang="en-US"/>
+              <a:rPr lang="ja-JP" altLang="en-US" smtClean="0"/>
               <a:t>レベル</a:t>
             </a:r>
           </a:p>
           <a:p>
             <a:pPr lvl="2"/>
             <a:r>
-              <a:rPr lang="ja-JP" altLang="en-US"/>
+              <a:rPr lang="ja-JP" altLang="en-US" smtClean="0"/>
               <a:t>第 </a:t>
             </a:r>
             <a:r>
-              <a:rPr lang="en-US" altLang="ja-JP"/>
+              <a:rPr lang="en-US" altLang="ja-JP" smtClean="0"/>
               <a:t>3 </a:t>
             </a:r>
             <a:r>
-              <a:rPr lang="ja-JP" altLang="en-US"/>
+              <a:rPr lang="ja-JP" altLang="en-US" smtClean="0"/>
               <a:t>レベル</a:t>
             </a:r>
           </a:p>
           <a:p>
             <a:pPr lvl="3"/>
             <a:r>
-              <a:rPr lang="ja-JP" altLang="en-US"/>
+              <a:rPr lang="ja-JP" altLang="en-US" smtClean="0"/>
               <a:t>第 </a:t>
             </a:r>
             <a:r>
-              <a:rPr lang="en-US" altLang="ja-JP"/>
+              <a:rPr lang="en-US" altLang="ja-JP" smtClean="0"/>
               <a:t>4 </a:t>
             </a:r>
             <a:r>
-              <a:rPr lang="ja-JP" altLang="en-US"/>
+              <a:rPr lang="ja-JP" altLang="en-US" smtClean="0"/>
               <a:t>レベル</a:t>
             </a:r>
           </a:p>
           <a:p>
             <a:pPr lvl="4"/>
             <a:r>
-              <a:rPr lang="ja-JP" altLang="en-US"/>
+              <a:rPr lang="ja-JP" altLang="en-US" smtClean="0"/>
               <a:t>第 </a:t>
             </a:r>
             <a:r>
-              <a:rPr lang="en-US" altLang="ja-JP"/>
+              <a:rPr lang="en-US" altLang="ja-JP" smtClean="0"/>
               <a:t>5 </a:t>
             </a:r>
             <a:r>
-              <a:rPr lang="ja-JP" altLang="en-US"/>
+              <a:rPr lang="ja-JP" altLang="en-US" smtClean="0"/>
               <a:t>レベル</a:t>
             </a:r>
             <a:endParaRPr lang="en-US" dirty="0"/>
@@ -2603,7 +2617,7 @@
           <a:p>
             <a:fld id="{CAACD76C-E8E8-4947-AAB2-7A886ABBB183}" type="datetime1">
               <a:rPr kumimoji="1" lang="ja-JP" altLang="en-US" smtClean="0"/>
-              <a:t>2017/10/26</a:t>
+              <a:t>17/10/26</a:t>
             </a:fld>
             <a:endParaRPr kumimoji="1" lang="ja-JP" altLang="en-US"/>
           </a:p>
@@ -2656,9 +2670,16 @@
   <p:clrMapOvr>
     <a:masterClrMapping/>
   </p:clrMapOvr>
+  <p:timing>
+    <p:tnLst>
+      <p:par>
+        <p:cTn xmlns:p14="http://schemas.microsoft.com/office/powerpoint/2010/main" id="1" dur="indefinite" restart="never" nodeType="tmRoot"/>
+      </p:par>
+    </p:tnLst>
+  </p:timing>
   <p:extLst mod="1">
     <p:ext uri="{DCECCB84-F9BA-43D5-87BE-67443E8EF086}">
-      <p15:sldGuideLst xmlns:p15="http://schemas.microsoft.com/office/powerpoint/2012/main"/>
+      <p15:sldGuideLst xmlns="" xmlns:p15="http://schemas.microsoft.com/office/powerpoint/2012/main"/>
     </p:ext>
   </p:extLst>
 </p:sldLayout>
@@ -2697,7 +2718,7 @@
           <a:lstStyle/>
           <a:p>
             <a:r>
-              <a:rPr lang="ja-JP" altLang="en-US"/>
+              <a:rPr lang="ja-JP" altLang="en-US" smtClean="0"/>
               <a:t>マスター タイトルの書式設定</a:t>
             </a:r>
             <a:endParaRPr lang="en-US" dirty="0"/>
@@ -2721,7 +2742,7 @@
           <a:p>
             <a:fld id="{742EE0E0-F411-1347-9A7A-1244403869E4}" type="datetime1">
               <a:rPr kumimoji="1" lang="ja-JP" altLang="en-US" smtClean="0"/>
-              <a:t>2017/10/26</a:t>
+              <a:t>17/10/26</a:t>
             </a:fld>
             <a:endParaRPr kumimoji="1" lang="ja-JP" altLang="en-US"/>
           </a:p>
@@ -2887,7 +2908,7 @@
           <a:p>
             <a:fld id="{08C1B43E-C6E4-1343-9D6B-3460486DB794}" type="datetime1">
               <a:rPr kumimoji="1" lang="ja-JP" altLang="en-US" smtClean="0"/>
-              <a:t>2017/10/26</a:t>
+              <a:t>17/10/26</a:t>
             </a:fld>
             <a:endParaRPr kumimoji="1" lang="ja-JP" altLang="en-US"/>
           </a:p>
@@ -3075,7 +3096,7 @@
           </a:lstStyle>
           <a:p>
             <a:r>
-              <a:rPr lang="ja-JP" altLang="en-US"/>
+              <a:rPr lang="ja-JP" altLang="en-US" smtClean="0"/>
               <a:t>マスター タイトルの書式設定</a:t>
             </a:r>
             <a:endParaRPr lang="en-US" dirty="0"/>
@@ -3104,67 +3125,67 @@
           <a:p>
             <a:pPr lvl="0"/>
             <a:r>
-              <a:rPr lang="ja-JP" altLang="en-US"/>
+              <a:rPr lang="ja-JP" altLang="en-US" smtClean="0"/>
               <a:t>マスター テキストの書式設定</a:t>
             </a:r>
           </a:p>
           <a:p>
             <a:pPr lvl="1"/>
             <a:r>
-              <a:rPr lang="ja-JP" altLang="en-US"/>
+              <a:rPr lang="ja-JP" altLang="en-US" smtClean="0"/>
               <a:t>第 </a:t>
             </a:r>
             <a:r>
-              <a:rPr lang="en-US" altLang="ja-JP"/>
+              <a:rPr lang="en-US" altLang="ja-JP" smtClean="0"/>
               <a:t>2 </a:t>
             </a:r>
             <a:r>
-              <a:rPr lang="ja-JP" altLang="en-US"/>
+              <a:rPr lang="ja-JP" altLang="en-US" smtClean="0"/>
               <a:t>レベル</a:t>
             </a:r>
           </a:p>
           <a:p>
             <a:pPr lvl="2"/>
             <a:r>
-              <a:rPr lang="ja-JP" altLang="en-US"/>
+              <a:rPr lang="ja-JP" altLang="en-US" smtClean="0"/>
               <a:t>第 </a:t>
             </a:r>
             <a:r>
-              <a:rPr lang="en-US" altLang="ja-JP"/>
+              <a:rPr lang="en-US" altLang="ja-JP" smtClean="0"/>
               <a:t>3 </a:t>
             </a:r>
             <a:r>
-              <a:rPr lang="ja-JP" altLang="en-US"/>
+              <a:rPr lang="ja-JP" altLang="en-US" smtClean="0"/>
               <a:t>レベル</a:t>
             </a:r>
           </a:p>
           <a:p>
             <a:pPr lvl="3"/>
             <a:r>
-              <a:rPr lang="ja-JP" altLang="en-US"/>
+              <a:rPr lang="ja-JP" altLang="en-US" smtClean="0"/>
               <a:t>第 </a:t>
             </a:r>
             <a:r>
-              <a:rPr lang="en-US" altLang="ja-JP"/>
+              <a:rPr lang="en-US" altLang="ja-JP" smtClean="0"/>
               <a:t>4 </a:t>
             </a:r>
             <a:r>
-              <a:rPr lang="ja-JP" altLang="en-US"/>
+              <a:rPr lang="ja-JP" altLang="en-US" smtClean="0"/>
               <a:t>レベル</a:t>
             </a:r>
           </a:p>
           <a:p>
             <a:pPr lvl="4"/>
             <a:r>
-              <a:rPr lang="ja-JP" altLang="en-US"/>
+              <a:rPr lang="ja-JP" altLang="en-US" smtClean="0"/>
               <a:t>第 </a:t>
             </a:r>
             <a:r>
-              <a:rPr lang="en-US" altLang="ja-JP"/>
+              <a:rPr lang="en-US" altLang="ja-JP" smtClean="0"/>
               <a:t>5 </a:t>
             </a:r>
             <a:r>
-              <a:rPr lang="ja-JP" altLang="en-US"/>
+              <a:rPr lang="ja-JP" altLang="en-US" smtClean="0"/>
               <a:t>レベル</a:t>
             </a:r>
             <a:endParaRPr lang="en-US" dirty="0"/>
@@ -3236,7 +3257,7 @@
           <a:p>
             <a:pPr lvl="0"/>
             <a:r>
-              <a:rPr lang="ja-JP" altLang="en-US"/>
+              <a:rPr lang="ja-JP" altLang="en-US" smtClean="0"/>
               <a:t>マスター テキストの書式設定</a:t>
             </a:r>
           </a:p>
@@ -3268,7 +3289,7 @@
           <a:p>
             <a:fld id="{C3A8E954-94BD-7544-AB86-ED7DADE9513D}" type="datetime1">
               <a:rPr kumimoji="1" lang="ja-JP" altLang="en-US" smtClean="0"/>
-              <a:t>2017/10/26</a:t>
+              <a:t>17/10/26</a:t>
             </a:fld>
             <a:endParaRPr kumimoji="1" lang="ja-JP" altLang="en-US"/>
           </a:p>
@@ -3344,7 +3365,7 @@
   </p:clrMapOvr>
   <p:extLst mod="1">
     <p:ext uri="{DCECCB84-F9BA-43D5-87BE-67443E8EF086}">
-      <p15:sldGuideLst xmlns:p15="http://schemas.microsoft.com/office/powerpoint/2012/main"/>
+      <p15:sldGuideLst xmlns="" xmlns:p15="http://schemas.microsoft.com/office/powerpoint/2012/main"/>
     </p:ext>
   </p:extLst>
 </p:sldLayout>
@@ -3474,7 +3495,7 @@
           </a:lstStyle>
           <a:p>
             <a:r>
-              <a:rPr lang="ja-JP" altLang="en-US"/>
+              <a:rPr lang="ja-JP" altLang="en-US" smtClean="0"/>
               <a:t>マスター タイトルの書式設定</a:t>
             </a:r>
             <a:endParaRPr lang="en-US" dirty="0"/>
@@ -3544,7 +3565,7 @@
           </a:lstStyle>
           <a:p>
             <a:r>
-              <a:rPr lang="ja-JP" altLang="en-US"/>
+              <a:rPr lang="ja-JP" altLang="en-US" smtClean="0"/>
               <a:t>プレースホルダーまでドラッグするかアイコンをクリックして図を追加</a:t>
             </a:r>
             <a:endParaRPr lang="en-US" dirty="0"/>
@@ -3622,7 +3643,7 @@
           <a:p>
             <a:pPr lvl="0"/>
             <a:r>
-              <a:rPr lang="ja-JP" altLang="en-US"/>
+              <a:rPr lang="ja-JP" altLang="en-US" smtClean="0"/>
               <a:t>マスター テキストの書式設定</a:t>
             </a:r>
           </a:p>
@@ -3645,7 +3666,7 @@
           <a:p>
             <a:fld id="{12D1DF2E-71D2-AF48-B524-07533486A88A}" type="datetime1">
               <a:rPr kumimoji="1" lang="ja-JP" altLang="en-US" smtClean="0"/>
-              <a:t>2017/10/26</a:t>
+              <a:t>17/10/26</a:t>
             </a:fld>
             <a:endParaRPr kumimoji="1" lang="ja-JP" altLang="en-US"/>
           </a:p>
@@ -3825,7 +3846,7 @@
           <a:lstStyle/>
           <a:p>
             <a:r>
-              <a:rPr lang="ja-JP" altLang="en-US"/>
+              <a:rPr lang="ja-JP" altLang="en-US" smtClean="0"/>
               <a:t>マスター タイトルの書式設定</a:t>
             </a:r>
             <a:endParaRPr lang="en-US" dirty="0"/>
@@ -3859,67 +3880,67 @@
           <a:p>
             <a:pPr lvl="0"/>
             <a:r>
-              <a:rPr lang="ja-JP" altLang="en-US"/>
+              <a:rPr lang="ja-JP" altLang="en-US" smtClean="0"/>
               <a:t>マスター テキストの書式設定</a:t>
             </a:r>
           </a:p>
           <a:p>
             <a:pPr lvl="1"/>
             <a:r>
-              <a:rPr lang="ja-JP" altLang="en-US"/>
+              <a:rPr lang="ja-JP" altLang="en-US" smtClean="0"/>
               <a:t>第 </a:t>
             </a:r>
             <a:r>
-              <a:rPr lang="en-US" altLang="ja-JP"/>
+              <a:rPr lang="en-US" altLang="ja-JP" smtClean="0"/>
               <a:t>2 </a:t>
             </a:r>
             <a:r>
-              <a:rPr lang="ja-JP" altLang="en-US"/>
+              <a:rPr lang="ja-JP" altLang="en-US" smtClean="0"/>
               <a:t>レベル</a:t>
             </a:r>
           </a:p>
           <a:p>
             <a:pPr lvl="2"/>
             <a:r>
-              <a:rPr lang="ja-JP" altLang="en-US"/>
+              <a:rPr lang="ja-JP" altLang="en-US" smtClean="0"/>
               <a:t>第 </a:t>
             </a:r>
             <a:r>
-              <a:rPr lang="en-US" altLang="ja-JP"/>
+              <a:rPr lang="en-US" altLang="ja-JP" smtClean="0"/>
               <a:t>3 </a:t>
             </a:r>
             <a:r>
-              <a:rPr lang="ja-JP" altLang="en-US"/>
+              <a:rPr lang="ja-JP" altLang="en-US" smtClean="0"/>
               <a:t>レベル</a:t>
             </a:r>
           </a:p>
           <a:p>
             <a:pPr lvl="3"/>
             <a:r>
-              <a:rPr lang="ja-JP" altLang="en-US"/>
+              <a:rPr lang="ja-JP" altLang="en-US" smtClean="0"/>
               <a:t>第 </a:t>
             </a:r>
             <a:r>
-              <a:rPr lang="en-US" altLang="ja-JP"/>
+              <a:rPr lang="en-US" altLang="ja-JP" smtClean="0"/>
               <a:t>4 </a:t>
             </a:r>
             <a:r>
-              <a:rPr lang="ja-JP" altLang="en-US"/>
+              <a:rPr lang="ja-JP" altLang="en-US" smtClean="0"/>
               <a:t>レベル</a:t>
             </a:r>
           </a:p>
           <a:p>
             <a:pPr lvl="4"/>
             <a:r>
-              <a:rPr lang="ja-JP" altLang="en-US"/>
+              <a:rPr lang="ja-JP" altLang="en-US" smtClean="0"/>
               <a:t>第 </a:t>
             </a:r>
             <a:r>
-              <a:rPr lang="en-US" altLang="ja-JP"/>
+              <a:rPr lang="en-US" altLang="ja-JP" smtClean="0"/>
               <a:t>5 </a:t>
             </a:r>
             <a:r>
-              <a:rPr lang="ja-JP" altLang="en-US"/>
+              <a:rPr lang="ja-JP" altLang="en-US" smtClean="0"/>
               <a:t>レベル</a:t>
             </a:r>
             <a:endParaRPr lang="en-US" dirty="0"/>
@@ -3959,7 +3980,7 @@
           <a:p>
             <a:fld id="{6473E788-3E35-4648-8AD5-790019871092}" type="datetime1">
               <a:rPr kumimoji="1" lang="ja-JP" altLang="en-US" smtClean="0"/>
-              <a:t>2017/10/26</a:t>
+              <a:t>17/10/26</a:t>
             </a:fld>
             <a:endParaRPr kumimoji="1" lang="ja-JP" altLang="en-US"/>
           </a:p>
@@ -4098,6 +4119,13 @@
     <p:sldLayoutId id="2147483825" r:id="rId10"/>
     <p:sldLayoutId id="2147483826" r:id="rId11"/>
   </p:sldLayoutIdLst>
+  <p:timing>
+    <p:tnLst>
+      <p:par>
+        <p:cTn xmlns:p14="http://schemas.microsoft.com/office/powerpoint/2010/main" id="1" dur="indefinite" restart="never" nodeType="tmRoot"/>
+      </p:par>
+    </p:tnLst>
+  </p:timing>
   <p:hf hdr="0" ftr="0"/>
   <p:txStyles>
     <p:titleStyle>
@@ -4466,7 +4494,7 @@
   </p:txStyles>
   <p:extLst mod="1">
     <p:ext uri="{27BBF7A9-308A-43DC-89C8-2F10F3537804}">
-      <p15:sldGuideLst xmlns:p15="http://schemas.microsoft.com/office/powerpoint/2012/main"/>
+      <p15:sldGuideLst xmlns="" xmlns:p15="http://schemas.microsoft.com/office/powerpoint/2012/main"/>
     </p:ext>
   </p:extLst>
 </p:sldMaster>
@@ -4506,19 +4534,19 @@
           <a:p>
             <a:pPr algn="ctr"/>
             <a:r>
-              <a:rPr lang="ja-JP" altLang="en-US" dirty="0"/>
+              <a:rPr lang="ja-JP" altLang="en-US" dirty="0" smtClean="0"/>
               <a:t>園内 </a:t>
             </a:r>
             <a:r>
-              <a:rPr lang="en-US" altLang="ja-JP" dirty="0"/>
+              <a:rPr lang="en-US" altLang="ja-JP" dirty="0" smtClean="0"/>
               <a:t>AR </a:t>
             </a:r>
             <a:r>
-              <a:rPr lang="ja-JP" altLang="en-US" dirty="0"/>
+              <a:rPr lang="ja-JP" altLang="en-US" dirty="0" smtClean="0"/>
               <a:t>案内アプリ</a:t>
             </a:r>
             <a:r>
-              <a:rPr lang="en-US" altLang="ja-JP" dirty="0"/>
+              <a:rPr lang="en-US" altLang="ja-JP" dirty="0" smtClean="0"/>
               <a:t> </a:t>
             </a:r>
             <a:endParaRPr kumimoji="1" lang="ja-JP" altLang="en-US" dirty="0"/>
@@ -4548,7 +4576,7 @@
           <a:lstStyle/>
           <a:p>
             <a:r>
-              <a:rPr kumimoji="1" lang="en-US" altLang="ja-JP" sz="4000" dirty="0"/>
+              <a:rPr kumimoji="1" lang="en-US" altLang="ja-JP" sz="4000" dirty="0" smtClean="0"/>
               <a:t>Siesta</a:t>
             </a:r>
             <a:endParaRPr kumimoji="1" lang="ja-JP" altLang="en-US" sz="4000" dirty="0"/>
@@ -4565,6 +4593,13 @@
   <p:clrMapOvr>
     <a:masterClrMapping/>
   </p:clrMapOvr>
+  <p:timing>
+    <p:tnLst>
+      <p:par>
+        <p:cTn xmlns:p14="http://schemas.microsoft.com/office/powerpoint/2010/main" id="1" dur="indefinite" restart="never" nodeType="tmRoot"/>
+      </p:par>
+    </p:tnLst>
+  </p:timing>
 </p:sld>
 </file>
 
@@ -4601,9 +4636,10 @@
           <a:lstStyle/>
           <a:p>
             <a:r>
-              <a:rPr kumimoji="1" lang="ja-JP" altLang="en-US" dirty="0"/>
+              <a:rPr kumimoji="1" lang="ja-JP" altLang="en-US" dirty="0" smtClean="0"/>
               <a:t>想定する利用者</a:t>
             </a:r>
+            <a:endParaRPr kumimoji="1" lang="ja-JP" altLang="en-US" dirty="0"/>
           </a:p>
         </p:txBody>
       </p:sp>
@@ -4629,10 +4665,18 @@
               <a:buChar char="l"/>
             </a:pPr>
             <a:r>
+              <a:rPr lang="ja-JP" altLang="en-US" sz="3200" dirty="0" smtClean="0"/>
+              <a:t>動物</a:t>
+            </a:r>
+            <a:r>
               <a:rPr lang="ja-JP" altLang="en-US" sz="3200" dirty="0"/>
-              <a:t>動物園の従業員</a:t>
-            </a:r>
-            <a:endParaRPr lang="en-US" altLang="ja-JP" sz="3200" dirty="0"/>
+              <a:t>園</a:t>
+            </a:r>
+            <a:r>
+              <a:rPr lang="ja-JP" altLang="en-US" sz="3200" dirty="0" smtClean="0"/>
+              <a:t>の従業員</a:t>
+            </a:r>
+            <a:endParaRPr lang="en-US" altLang="ja-JP" sz="3200" dirty="0" smtClean="0"/>
           </a:p>
           <a:p>
             <a:endParaRPr kumimoji="1" lang="en-US" altLang="ja-JP" sz="3200" dirty="0"/>
@@ -4643,7 +4687,7 @@
               <a:buChar char="l"/>
             </a:pPr>
             <a:r>
-              <a:rPr lang="ja-JP" altLang="en-US" sz="3200" dirty="0"/>
+              <a:rPr lang="ja-JP" altLang="en-US" sz="3200" dirty="0" smtClean="0"/>
               <a:t>動物園の利用者</a:t>
             </a:r>
             <a:endParaRPr kumimoji="1" lang="ja-JP" altLang="en-US" sz="3200" dirty="0"/>
@@ -4667,7 +4711,7 @@
           <a:p>
             <a:fld id="{CC1BA7C7-BAB3-E04E-9A29-AE2226D62196}" type="datetime1">
               <a:rPr kumimoji="1" lang="ja-JP" altLang="en-US" smtClean="0"/>
-              <a:t>2017/10/26</a:t>
+              <a:t>17/10/26</a:t>
             </a:fld>
             <a:endParaRPr kumimoji="1" lang="ja-JP" altLang="en-US"/>
           </a:p>
@@ -4706,6 +4750,13 @@
   <p:clrMapOvr>
     <a:masterClrMapping/>
   </p:clrMapOvr>
+  <p:timing>
+    <p:tnLst>
+      <p:par>
+        <p:cTn xmlns:p14="http://schemas.microsoft.com/office/powerpoint/2010/main" id="1" dur="indefinite" restart="never" nodeType="tmRoot"/>
+      </p:par>
+    </p:tnLst>
+  </p:timing>
 </p:sld>
 </file>
 
@@ -4743,7 +4794,11 @@
           <a:p>
             <a:r>
               <a:rPr lang="ja-JP" altLang="en-US" dirty="0"/>
-              <a:t>システムのハードウェア構成</a:t>
+              <a:t>システム</a:t>
+            </a:r>
+            <a:r>
+              <a:rPr lang="ja-JP" altLang="en-US" dirty="0" smtClean="0"/>
+              <a:t>のハードウェア構成</a:t>
             </a:r>
             <a:endParaRPr kumimoji="1" lang="ja-JP" altLang="en-US" dirty="0"/>
           </a:p>
@@ -4770,140 +4825,156 @@
               <a:buNone/>
             </a:pPr>
             <a:r>
-              <a:rPr lang="ja-JP" altLang="en-US" sz="3200" dirty="0"/>
+              <a:rPr lang="ja-JP" altLang="en-US" sz="3200" dirty="0" smtClean="0"/>
               <a:t>入力用</a:t>
             </a:r>
             <a:r>
+              <a:rPr lang="en-US" altLang="ja-JP" sz="3200" dirty="0" smtClean="0"/>
+              <a:t>PC</a:t>
+            </a:r>
+            <a:r>
               <a:rPr lang="en-US" altLang="ja-JP" sz="3200" dirty="0"/>
-              <a:t>PC	 </a:t>
-            </a:r>
-            <a:r>
-              <a:rPr lang="ja-JP" altLang="en-US" sz="3200" dirty="0"/>
+              <a:t>	</a:t>
+            </a:r>
+            <a:r>
+              <a:rPr lang="en-US" altLang="ja-JP" sz="3200" dirty="0" smtClean="0"/>
+              <a:t> </a:t>
+            </a:r>
+            <a:r>
+              <a:rPr lang="ja-JP" altLang="en-US" sz="3200" dirty="0" smtClean="0"/>
               <a:t>　：　</a:t>
             </a:r>
             <a:r>
-              <a:rPr lang="en-US" altLang="ja-JP" sz="3200" dirty="0"/>
+              <a:rPr lang="en-US" altLang="ja-JP" sz="3200" dirty="0" smtClean="0"/>
               <a:t>1</a:t>
             </a:r>
             <a:r>
-              <a:rPr lang="ja-JP" altLang="en-US" sz="3200" dirty="0"/>
+              <a:rPr lang="ja-JP" altLang="en-US" sz="3200" dirty="0" smtClean="0"/>
               <a:t>台</a:t>
             </a:r>
-            <a:endParaRPr lang="en-US" altLang="ja-JP" sz="3200" dirty="0"/>
+            <a:endParaRPr lang="en-US" altLang="ja-JP" sz="3200" dirty="0" smtClean="0"/>
           </a:p>
           <a:p>
             <a:pPr marL="0" indent="0">
               <a:buNone/>
             </a:pPr>
             <a:r>
+              <a:rPr lang="ja-JP" altLang="en-US" sz="3200" dirty="0" smtClean="0"/>
+              <a:t>利用端末</a:t>
+            </a:r>
+            <a:r>
+              <a:rPr lang="en-US" altLang="ja-JP" sz="3200" dirty="0"/>
+              <a:t>	</a:t>
+            </a:r>
+            <a:r>
+              <a:rPr lang="en-US" altLang="ja-JP" sz="3200" dirty="0" smtClean="0"/>
+              <a:t> </a:t>
+            </a:r>
+            <a:r>
+              <a:rPr lang="ja-JP" altLang="en-US" sz="3200" dirty="0" smtClean="0"/>
+              <a:t>　：</a:t>
+            </a:r>
+            <a:r>
               <a:rPr lang="ja-JP" altLang="en-US" sz="3200" dirty="0"/>
-              <a:t>利用端末</a:t>
-            </a:r>
-            <a:r>
-              <a:rPr lang="en-US" altLang="ja-JP" sz="3200" dirty="0"/>
-              <a:t>	 </a:t>
-            </a:r>
-            <a:r>
-              <a:rPr lang="ja-JP" altLang="en-US" sz="3200" dirty="0"/>
-              <a:t>　：　</a:t>
-            </a:r>
-            <a:r>
-              <a:rPr lang="en-US" altLang="ja-JP" sz="3200" dirty="0"/>
+              <a:t>　</a:t>
+            </a:r>
+            <a:r>
+              <a:rPr lang="en-US" altLang="ja-JP" sz="3200" dirty="0" smtClean="0"/>
               <a:t>1</a:t>
             </a:r>
             <a:r>
-              <a:rPr lang="ja-JP" altLang="en-US" sz="3200" dirty="0"/>
+              <a:rPr lang="ja-JP" altLang="en-US" sz="3200" dirty="0" smtClean="0"/>
               <a:t>台</a:t>
             </a:r>
-            <a:endParaRPr lang="en-US" altLang="ja-JP" sz="3200" dirty="0"/>
+            <a:endParaRPr lang="en-US" altLang="ja-JP" sz="3200" dirty="0" smtClean="0"/>
           </a:p>
           <a:p>
             <a:pPr marL="0" indent="0">
               <a:buNone/>
             </a:pPr>
             <a:r>
-              <a:rPr lang="ja-JP" altLang="en-US" sz="3200" dirty="0"/>
+              <a:rPr lang="ja-JP" altLang="en-US" sz="3200" dirty="0" smtClean="0"/>
               <a:t>サーバ用</a:t>
             </a:r>
             <a:r>
-              <a:rPr lang="en-US" altLang="ja-JP" sz="3200" dirty="0"/>
+              <a:rPr lang="en-US" altLang="ja-JP" sz="3200" dirty="0" smtClean="0"/>
               <a:t>PC</a:t>
             </a:r>
             <a:r>
-              <a:rPr lang="ja-JP" altLang="en-US" sz="3200" dirty="0"/>
+              <a:rPr lang="ja-JP" altLang="en-US" sz="3200" dirty="0" smtClean="0"/>
               <a:t>　：　</a:t>
             </a:r>
             <a:r>
-              <a:rPr lang="en-US" altLang="ja-JP" sz="3200" dirty="0"/>
+              <a:rPr lang="en-US" altLang="ja-JP" sz="3200" dirty="0" smtClean="0"/>
               <a:t>1</a:t>
             </a:r>
             <a:r>
-              <a:rPr lang="ja-JP" altLang="en-US" sz="3200" dirty="0"/>
+              <a:rPr lang="ja-JP" altLang="en-US" sz="3200" dirty="0" smtClean="0"/>
               <a:t>台</a:t>
             </a:r>
-            <a:endParaRPr lang="en-US" altLang="ja-JP" sz="3200" dirty="0"/>
+            <a:endParaRPr lang="en-US" altLang="ja-JP" sz="3200" dirty="0" smtClean="0"/>
           </a:p>
           <a:p>
             <a:pPr marL="0" indent="0">
               <a:buNone/>
             </a:pPr>
             <a:r>
-              <a:rPr lang="en-US" altLang="ja-JP" sz="3200" dirty="0"/>
+              <a:rPr lang="en-US" altLang="ja-JP" sz="3200" dirty="0" smtClean="0"/>
               <a:t>Raspberry Pi</a:t>
             </a:r>
             <a:r>
-              <a:rPr lang="ja-JP" altLang="en-US" sz="3200" dirty="0"/>
+              <a:rPr lang="ja-JP" altLang="en-US" sz="3200" dirty="0" smtClean="0"/>
               <a:t>   ：　</a:t>
             </a:r>
             <a:r>
-              <a:rPr lang="en-US" altLang="ja-JP" sz="3200" dirty="0"/>
+              <a:rPr lang="en-US" altLang="ja-JP" sz="3200" dirty="0" smtClean="0"/>
               <a:t>3</a:t>
             </a:r>
             <a:r>
-              <a:rPr lang="ja-JP" altLang="en-US" sz="3200" dirty="0"/>
+              <a:rPr lang="ja-JP" altLang="en-US" sz="3200" dirty="0" smtClean="0"/>
               <a:t>台</a:t>
             </a:r>
-            <a:endParaRPr lang="en-US" altLang="ja-JP" sz="3200" dirty="0"/>
+            <a:endParaRPr lang="en-US" altLang="ja-JP" sz="3200" dirty="0" smtClean="0"/>
           </a:p>
           <a:p>
             <a:pPr marL="0" indent="0">
               <a:buNone/>
             </a:pPr>
             <a:r>
-              <a:rPr lang="en-US" altLang="ja-JP" sz="3200" dirty="0"/>
+              <a:rPr lang="en-US" altLang="ja-JP" sz="3200" dirty="0" smtClean="0"/>
               <a:t>We</a:t>
             </a:r>
             <a:r>
-              <a:rPr lang="ja-JP" altLang="en-US" sz="3200" dirty="0" err="1"/>
+              <a:rPr lang="ja-JP" altLang="en-US" sz="3200" dirty="0" err="1" smtClean="0"/>
               <a:t>ｂ</a:t>
             </a:r>
             <a:r>
-              <a:rPr lang="ja-JP" altLang="en-US" sz="3200" dirty="0"/>
+              <a:rPr lang="ja-JP" altLang="en-US" sz="3200" dirty="0" smtClean="0"/>
               <a:t>カメラ</a:t>
             </a:r>
             <a:r>
-              <a:rPr lang="en-US" altLang="ja-JP" sz="3200" dirty="0"/>
+              <a:rPr lang="en-US" altLang="ja-JP" sz="3200" dirty="0" smtClean="0"/>
               <a:t>	</a:t>
             </a:r>
             <a:r>
-              <a:rPr lang="ja-JP" altLang="en-US" sz="3200" dirty="0"/>
+              <a:rPr lang="ja-JP" altLang="en-US" sz="3200" dirty="0" smtClean="0"/>
               <a:t>　 ：　</a:t>
             </a:r>
             <a:r>
-              <a:rPr lang="en-US" altLang="ja-JP" sz="3200" dirty="0"/>
+              <a:rPr lang="en-US" altLang="ja-JP" sz="3200" dirty="0" smtClean="0"/>
               <a:t>3</a:t>
             </a:r>
             <a:r>
-              <a:rPr lang="ja-JP" altLang="en-US" sz="3200" dirty="0"/>
+              <a:rPr lang="ja-JP" altLang="en-US" sz="3200" dirty="0" smtClean="0"/>
               <a:t>台</a:t>
             </a:r>
-            <a:endParaRPr lang="en-US" altLang="ja-JP" sz="3200" dirty="0"/>
+            <a:endParaRPr lang="en-US" altLang="ja-JP" sz="3200" dirty="0" smtClean="0"/>
           </a:p>
           <a:p>
             <a:pPr marL="0" indent="0">
               <a:buNone/>
             </a:pPr>
-            <a:endParaRPr lang="en-US" altLang="ja-JP" sz="3200" dirty="0"/>
+            <a:endParaRPr lang="en-US" altLang="ja-JP" sz="3200" dirty="0" smtClean="0"/>
           </a:p>
           <a:p>
             <a:endParaRPr kumimoji="1" lang="en-US" altLang="ja-JP" sz="3200" dirty="0"/>
@@ -4940,7 +5011,7 @@
           <a:p>
             <a:fld id="{D50F820F-4ACA-C245-A02B-C0AC2EB07A0A}" type="datetime1">
               <a:rPr kumimoji="1" lang="ja-JP" altLang="en-US" smtClean="0"/>
-              <a:t>2017/10/26</a:t>
+              <a:t>17/10/26</a:t>
             </a:fld>
             <a:endParaRPr kumimoji="1" lang="ja-JP" altLang="en-US"/>
           </a:p>
@@ -4979,6 +5050,13 @@
   <p:clrMapOvr>
     <a:masterClrMapping/>
   </p:clrMapOvr>
+  <p:timing>
+    <p:tnLst>
+      <p:par>
+        <p:cTn xmlns:p14="http://schemas.microsoft.com/office/powerpoint/2010/main" id="1" dur="indefinite" restart="never" nodeType="tmRoot"/>
+      </p:par>
+    </p:tnLst>
+  </p:timing>
 </p:sld>
 </file>
 
@@ -5015,9 +5093,10 @@
           <a:lstStyle/>
           <a:p>
             <a:r>
-              <a:rPr kumimoji="1" lang="ja-JP" altLang="en-US" dirty="0"/>
+              <a:rPr kumimoji="1" lang="ja-JP" altLang="en-US" dirty="0" smtClean="0"/>
               <a:t>導入計画、保守・運用</a:t>
             </a:r>
+            <a:endParaRPr kumimoji="1" lang="ja-JP" altLang="en-US" dirty="0"/>
           </a:p>
         </p:txBody>
       </p:sp>
@@ -5042,7 +5121,7 @@
               <a:buNone/>
             </a:pPr>
             <a:r>
-              <a:rPr lang="ja-JP" altLang="en-US" sz="3200" dirty="0"/>
+              <a:rPr lang="ja-JP" altLang="en-US" sz="3200" dirty="0" smtClean="0"/>
               <a:t>導入計画</a:t>
             </a:r>
             <a:endParaRPr lang="en-US" altLang="ja-JP" sz="3200" dirty="0"/>
@@ -5053,11 +5132,11 @@
               <a:buChar char="l"/>
             </a:pPr>
             <a:r>
-              <a:rPr kumimoji="1" lang="en-US" altLang="ja-JP" sz="3000" dirty="0"/>
+              <a:rPr kumimoji="1" lang="en-US" altLang="ja-JP" sz="3000" dirty="0" smtClean="0"/>
               <a:t>2017</a:t>
             </a:r>
             <a:r>
-              <a:rPr kumimoji="1" lang="ja-JP" altLang="en-US" sz="3000" dirty="0"/>
+              <a:rPr kumimoji="1" lang="ja-JP" altLang="en-US" sz="3000" dirty="0" smtClean="0"/>
               <a:t>年</a:t>
             </a:r>
             <a:r>
@@ -5065,35 +5144,35 @@
               <a:t>2</a:t>
             </a:r>
             <a:r>
-              <a:rPr lang="ja-JP" altLang="en-US" sz="3000" dirty="0"/>
+              <a:rPr lang="ja-JP" altLang="en-US" sz="3000" dirty="0" smtClean="0"/>
               <a:t>月</a:t>
             </a:r>
             <a:r>
-              <a:rPr lang="en-US" altLang="ja-JP" sz="3000" dirty="0"/>
+              <a:rPr lang="en-US" altLang="ja-JP" sz="3000" dirty="0" smtClean="0"/>
               <a:t>5</a:t>
             </a:r>
             <a:r>
-              <a:rPr lang="ja-JP" altLang="en-US" sz="3000" dirty="0"/>
+              <a:rPr lang="ja-JP" altLang="en-US" sz="3000" dirty="0" smtClean="0"/>
               <a:t>日をもってシステムの導入を完了</a:t>
             </a:r>
-            <a:endParaRPr lang="en-US" altLang="ja-JP" sz="3000" dirty="0"/>
+            <a:endParaRPr lang="en-US" altLang="ja-JP" sz="3000" dirty="0" smtClean="0"/>
           </a:p>
           <a:p>
             <a:pPr>
               <a:buFont typeface="Wingdings" charset="2"/>
               <a:buChar char="l"/>
             </a:pPr>
-            <a:endParaRPr lang="en-US" altLang="ja-JP" sz="3200" dirty="0"/>
+            <a:endParaRPr lang="en-US" altLang="ja-JP" sz="3200" dirty="0" smtClean="0"/>
           </a:p>
           <a:p>
             <a:pPr marL="0" indent="0">
               <a:buNone/>
             </a:pPr>
             <a:r>
-              <a:rPr lang="ja-JP" altLang="en-US" sz="3200" dirty="0"/>
+              <a:rPr lang="ja-JP" altLang="en-US" sz="3200" dirty="0" smtClean="0"/>
               <a:t>保守・運用</a:t>
             </a:r>
-            <a:endParaRPr lang="en-US" altLang="ja-JP" sz="3200" dirty="0"/>
+            <a:endParaRPr lang="en-US" altLang="ja-JP" sz="3200" dirty="0" smtClean="0"/>
           </a:p>
           <a:p>
             <a:pPr lvl="1">
@@ -5101,8 +5180,16 @@
               <a:buChar char="l"/>
             </a:pPr>
             <a:r>
+              <a:rPr lang="ja-JP" altLang="en-US" sz="3000" dirty="0" smtClean="0"/>
+              <a:t>運用</a:t>
+            </a:r>
+            <a:r>
               <a:rPr lang="ja-JP" altLang="en-US" sz="3000" dirty="0"/>
-              <a:t>運用は動物園の管理者が情報の更新を行う</a:t>
+              <a:t>は動物園の管理者が情報の更新を</a:t>
+            </a:r>
+            <a:r>
+              <a:rPr lang="ja-JP" altLang="en-US" sz="3000" dirty="0" smtClean="0"/>
+              <a:t>行う</a:t>
             </a:r>
             <a:endParaRPr lang="en-US" altLang="ja-JP" sz="3000" dirty="0"/>
           </a:p>
@@ -5112,14 +5199,22 @@
               <a:buChar char="l"/>
             </a:pPr>
             <a:r>
+              <a:rPr lang="ja-JP" altLang="en-US" sz="3000" dirty="0" smtClean="0"/>
+              <a:t>故障</a:t>
+            </a:r>
+            <a:r>
               <a:rPr lang="ja-JP" altLang="en-US" sz="3000" dirty="0"/>
-              <a:t>故障発生時は弊社にて対応する</a:t>
+              <a:t>発生時は弊社にて対応</a:t>
+            </a:r>
+            <a:r>
+              <a:rPr lang="ja-JP" altLang="en-US" sz="3000" dirty="0" smtClean="0"/>
+              <a:t>する</a:t>
             </a:r>
             <a:endParaRPr lang="en-US" altLang="ja-JP" sz="3000" dirty="0"/>
           </a:p>
           <a:p>
             <a:r>
-              <a:rPr lang="ja-JP" altLang="en-US" sz="3200" dirty="0"/>
+              <a:rPr lang="ja-JP" altLang="en-US" sz="3200" dirty="0" smtClean="0"/>
               <a:t> </a:t>
             </a:r>
             <a:endParaRPr kumimoji="1" lang="ja-JP" altLang="en-US" sz="3200" dirty="0"/>
@@ -5143,7 +5238,7 @@
           <a:p>
             <a:fld id="{F729CC9C-78A9-4D43-BCDC-50CD52EC6CE5}" type="datetime1">
               <a:rPr kumimoji="1" lang="ja-JP" altLang="en-US" smtClean="0"/>
-              <a:t>2017/10/26</a:t>
+              <a:t>17/10/26</a:t>
             </a:fld>
             <a:endParaRPr kumimoji="1" lang="ja-JP" altLang="en-US"/>
           </a:p>
@@ -5182,6 +5277,13 @@
   <p:clrMapOvr>
     <a:masterClrMapping/>
   </p:clrMapOvr>
+  <p:timing>
+    <p:tnLst>
+      <p:par>
+        <p:cTn xmlns:p14="http://schemas.microsoft.com/office/powerpoint/2010/main" id="1" dur="indefinite" restart="never" nodeType="tmRoot"/>
+      </p:par>
+    </p:tnLst>
+  </p:timing>
 </p:sld>
 </file>
 
@@ -5218,9 +5320,10 @@
           <a:lstStyle/>
           <a:p>
             <a:r>
-              <a:rPr kumimoji="1" lang="ja-JP" altLang="en-US" dirty="0"/>
+              <a:rPr kumimoji="1" lang="ja-JP" altLang="en-US" dirty="0" smtClean="0"/>
               <a:t>作業標準・品質管理</a:t>
             </a:r>
+            <a:endParaRPr kumimoji="1" lang="ja-JP" altLang="en-US" dirty="0"/>
           </a:p>
         </p:txBody>
       </p:sp>
@@ -5251,21 +5354,25 @@
               <a:buChar char="l"/>
             </a:pPr>
             <a:r>
-              <a:rPr kumimoji="1" lang="ja-JP" altLang="en-US" sz="3200" dirty="0"/>
+              <a:rPr kumimoji="1" lang="ja-JP" altLang="en-US" sz="3200" dirty="0" smtClean="0"/>
               <a:t>システム開発にかかる作業標準は弊社指定のものを</a:t>
+            </a:r>
+            <a:r>
+              <a:rPr lang="en-US" altLang="ja-JP" sz="3200" dirty="0"/>
+              <a:t/>
             </a:r>
             <a:br>
               <a:rPr lang="en-US" altLang="ja-JP" sz="3200" dirty="0"/>
             </a:br>
             <a:r>
-              <a:rPr lang="en-US" altLang="ja-JP" sz="3200" dirty="0"/>
+              <a:rPr lang="en-US" altLang="ja-JP" sz="3200" dirty="0" smtClean="0"/>
               <a:t>  </a:t>
             </a:r>
             <a:r>
-              <a:rPr kumimoji="1" lang="ja-JP" altLang="en-US" sz="3200" dirty="0"/>
+              <a:rPr kumimoji="1" lang="ja-JP" altLang="en-US" sz="3200" dirty="0" smtClean="0"/>
               <a:t>使用</a:t>
             </a:r>
-            <a:endParaRPr kumimoji="1" lang="en-US" altLang="ja-JP" sz="3200" dirty="0"/>
+            <a:endParaRPr kumimoji="1" lang="en-US" altLang="ja-JP" sz="3200" dirty="0" smtClean="0"/>
           </a:p>
           <a:p>
             <a:pPr>
@@ -5281,19 +5388,32 @@
             </a:pPr>
             <a:r>
               <a:rPr lang="ja-JP" altLang="en-US" sz="3200" dirty="0"/>
-              <a:t>システム開発にかかる品質管理手法は弊社指定のものを</a:t>
+              <a:t>システム開発にかかる品質管理手法は弊社</a:t>
+            </a:r>
+            <a:r>
+              <a:rPr lang="ja-JP" altLang="en-US" sz="3200" dirty="0" smtClean="0"/>
+              <a:t>指定のものを</a:t>
+            </a:r>
+            <a:r>
+              <a:rPr lang="en-US" altLang="ja-JP" sz="3200" dirty="0" smtClean="0"/>
+              <a:t/>
             </a:r>
             <a:br>
+              <a:rPr lang="en-US" altLang="ja-JP" sz="3200" dirty="0" smtClean="0"/>
+            </a:br>
+            <a:r>
               <a:rPr lang="en-US" altLang="ja-JP" sz="3200" dirty="0"/>
-            </a:br>
-            <a:r>
-              <a:rPr lang="en-US" altLang="ja-JP" sz="3200" dirty="0"/>
-              <a:t>  </a:t>
-            </a:r>
-            <a:r>
-              <a:rPr lang="ja-JP" altLang="en-US" sz="3200" dirty="0"/>
+              <a:t> </a:t>
+            </a:r>
+            <a:r>
+              <a:rPr lang="en-US" altLang="ja-JP" sz="3200" dirty="0" smtClean="0"/>
+              <a:t> </a:t>
+            </a:r>
+            <a:r>
+              <a:rPr lang="ja-JP" altLang="en-US" sz="3200" dirty="0" smtClean="0"/>
               <a:t>使用</a:t>
             </a:r>
+            <a:endParaRPr lang="ja-JP" altLang="en-US" sz="3200" dirty="0"/>
           </a:p>
           <a:p>
             <a:pPr>
@@ -5321,7 +5441,7 @@
           <a:p>
             <a:fld id="{97B6A791-A9BA-3A46-8049-391F48887E3A}" type="datetime1">
               <a:rPr kumimoji="1" lang="ja-JP" altLang="en-US" smtClean="0"/>
-              <a:t>2017/10/26</a:t>
+              <a:t>17/10/26</a:t>
             </a:fld>
             <a:endParaRPr kumimoji="1" lang="ja-JP" altLang="en-US"/>
           </a:p>
@@ -5360,6 +5480,13 @@
   <p:clrMapOvr>
     <a:masterClrMapping/>
   </p:clrMapOvr>
+  <p:timing>
+    <p:tnLst>
+      <p:par>
+        <p:cTn xmlns:p14="http://schemas.microsoft.com/office/powerpoint/2010/main" id="1" dur="indefinite" restart="never" nodeType="tmRoot"/>
+      </p:par>
+    </p:tnLst>
+  </p:timing>
 </p:sld>
 </file>
 
@@ -5396,9 +5523,10 @@
           <a:lstStyle/>
           <a:p>
             <a:r>
-              <a:rPr kumimoji="1" lang="ja-JP" altLang="en-US" dirty="0"/>
+              <a:rPr kumimoji="1" lang="ja-JP" altLang="en-US" dirty="0" smtClean="0"/>
               <a:t>工程計画</a:t>
             </a:r>
+            <a:endParaRPr kumimoji="1" lang="ja-JP" altLang="en-US" dirty="0"/>
           </a:p>
         </p:txBody>
       </p:sp>
@@ -5420,46 +5548,46 @@
           <a:lstStyle/>
           <a:p>
             <a:r>
-              <a:rPr kumimoji="1" lang="ja-JP" altLang="en-US" sz="3200" dirty="0"/>
+              <a:rPr kumimoji="1" lang="ja-JP" altLang="en-US" sz="3200" dirty="0" smtClean="0"/>
               <a:t>要求分析完了：　</a:t>
             </a:r>
             <a:r>
-              <a:rPr kumimoji="1" lang="en-US" altLang="ja-JP" sz="3200" dirty="0"/>
+              <a:rPr kumimoji="1" lang="en-US" altLang="ja-JP" sz="3200" dirty="0" smtClean="0"/>
               <a:t>2017</a:t>
             </a:r>
             <a:r>
-              <a:rPr kumimoji="1" lang="ja-JP" altLang="en-US" sz="3200" dirty="0"/>
+              <a:rPr kumimoji="1" lang="ja-JP" altLang="en-US" sz="3200" dirty="0" smtClean="0"/>
               <a:t>年</a:t>
             </a:r>
             <a:r>
-              <a:rPr kumimoji="1" lang="en-US" altLang="ja-JP" sz="3200" dirty="0"/>
+              <a:rPr kumimoji="1" lang="en-US" altLang="ja-JP" sz="3200" dirty="0" smtClean="0"/>
               <a:t>10</a:t>
             </a:r>
             <a:r>
-              <a:rPr kumimoji="1" lang="ja-JP" altLang="en-US" sz="3200" dirty="0"/>
+              <a:rPr kumimoji="1" lang="ja-JP" altLang="en-US" sz="3200" dirty="0" smtClean="0"/>
               <a:t>月</a:t>
             </a:r>
             <a:r>
-              <a:rPr kumimoji="1" lang="en-US" altLang="ja-JP" sz="3200" dirty="0"/>
+              <a:rPr kumimoji="1" lang="en-US" altLang="ja-JP" sz="3200" dirty="0" smtClean="0"/>
               <a:t>26</a:t>
             </a:r>
             <a:r>
-              <a:rPr kumimoji="1" lang="ja-JP" altLang="en-US" sz="3200" dirty="0"/>
+              <a:rPr kumimoji="1" lang="ja-JP" altLang="en-US" sz="3200" dirty="0" smtClean="0"/>
               <a:t>日</a:t>
             </a:r>
-            <a:endParaRPr kumimoji="1" lang="en-US" altLang="ja-JP" sz="3200" dirty="0"/>
-          </a:p>
-          <a:p>
-            <a:r>
-              <a:rPr lang="ja-JP" altLang="en-US" sz="3200" dirty="0"/>
+            <a:endParaRPr kumimoji="1" lang="en-US" altLang="ja-JP" sz="3200" dirty="0" smtClean="0"/>
+          </a:p>
+          <a:p>
+            <a:r>
+              <a:rPr lang="ja-JP" altLang="en-US" sz="3200" dirty="0" smtClean="0"/>
               <a:t>外部設計完了：　</a:t>
             </a:r>
             <a:r>
-              <a:rPr lang="en-US" altLang="ja-JP" sz="3200" dirty="0"/>
+              <a:rPr lang="en-US" altLang="ja-JP" sz="3200" dirty="0" smtClean="0"/>
               <a:t>2017</a:t>
             </a:r>
             <a:r>
-              <a:rPr lang="ja-JP" altLang="en-US" sz="3200" dirty="0"/>
+              <a:rPr lang="ja-JP" altLang="en-US" sz="3200" dirty="0" smtClean="0"/>
               <a:t>年</a:t>
             </a:r>
             <a:r>
@@ -5467,110 +5595,111 @@
               <a:t>11</a:t>
             </a:r>
             <a:r>
-              <a:rPr lang="ja-JP" altLang="en-US" sz="3200" dirty="0"/>
+              <a:rPr lang="ja-JP" altLang="en-US" sz="3200" dirty="0" smtClean="0"/>
               <a:t>月</a:t>
             </a:r>
             <a:r>
-              <a:rPr lang="en-US" altLang="ja-JP" sz="3200" dirty="0"/>
+              <a:rPr lang="en-US" altLang="ja-JP" sz="3200" dirty="0" smtClean="0"/>
               <a:t>27</a:t>
             </a:r>
             <a:r>
-              <a:rPr lang="ja-JP" altLang="en-US" sz="3200" dirty="0"/>
+              <a:rPr lang="ja-JP" altLang="en-US" sz="3200" dirty="0" smtClean="0"/>
               <a:t>日</a:t>
             </a:r>
-            <a:endParaRPr lang="en-US" altLang="ja-JP" sz="3200" dirty="0"/>
-          </a:p>
-          <a:p>
-            <a:r>
-              <a:rPr kumimoji="1" lang="ja-JP" altLang="en-US" sz="3200" dirty="0"/>
+            <a:endParaRPr lang="en-US" altLang="ja-JP" sz="3200" dirty="0" smtClean="0"/>
+          </a:p>
+          <a:p>
+            <a:r>
+              <a:rPr kumimoji="1" lang="ja-JP" altLang="en-US" sz="3200" dirty="0" smtClean="0"/>
               <a:t>内部設計完了：　</a:t>
             </a:r>
             <a:r>
-              <a:rPr kumimoji="1" lang="en-US" altLang="ja-JP" sz="3200" dirty="0"/>
+              <a:rPr kumimoji="1" lang="en-US" altLang="ja-JP" sz="3200" dirty="0" smtClean="0"/>
               <a:t>2017</a:t>
             </a:r>
             <a:r>
-              <a:rPr kumimoji="1" lang="ja-JP" altLang="en-US" sz="3200" dirty="0"/>
+              <a:rPr kumimoji="1" lang="ja-JP" altLang="en-US" sz="3200" dirty="0" smtClean="0"/>
               <a:t>年</a:t>
             </a:r>
             <a:r>
-              <a:rPr kumimoji="1" lang="en-US" altLang="ja-JP" sz="3200" dirty="0"/>
+              <a:rPr kumimoji="1" lang="en-US" altLang="ja-JP" sz="3200" dirty="0" smtClean="0"/>
               <a:t>12</a:t>
             </a:r>
             <a:r>
-              <a:rPr kumimoji="1" lang="ja-JP" altLang="en-US" sz="3200" dirty="0"/>
+              <a:rPr kumimoji="1" lang="ja-JP" altLang="en-US" sz="3200" dirty="0" smtClean="0"/>
               <a:t>月</a:t>
             </a:r>
             <a:r>
-              <a:rPr kumimoji="1" lang="en-US" altLang="ja-JP" sz="3200" dirty="0"/>
+              <a:rPr kumimoji="1" lang="en-US" altLang="ja-JP" sz="3200" dirty="0" smtClean="0"/>
               <a:t>18</a:t>
             </a:r>
             <a:r>
-              <a:rPr kumimoji="1" lang="ja-JP" altLang="en-US" sz="3200" dirty="0"/>
+              <a:rPr kumimoji="1" lang="ja-JP" altLang="en-US" sz="3200" dirty="0" smtClean="0"/>
               <a:t>日</a:t>
             </a:r>
-            <a:endParaRPr kumimoji="1" lang="en-US" altLang="ja-JP" sz="3200" dirty="0"/>
-          </a:p>
-          <a:p>
-            <a:r>
-              <a:rPr lang="ja-JP" altLang="en-US" sz="3200" dirty="0"/>
+            <a:endParaRPr kumimoji="1" lang="en-US" altLang="ja-JP" sz="3200" dirty="0" smtClean="0"/>
+          </a:p>
+          <a:p>
+            <a:r>
+              <a:rPr lang="ja-JP" altLang="en-US" sz="3200" dirty="0" smtClean="0"/>
               <a:t>開発完了　　　：　</a:t>
             </a:r>
             <a:r>
-              <a:rPr lang="en-US" altLang="ja-JP" sz="3200" dirty="0"/>
+              <a:rPr lang="en-US" altLang="ja-JP" sz="3200" dirty="0" smtClean="0"/>
               <a:t>2018</a:t>
             </a:r>
             <a:r>
-              <a:rPr lang="ja-JP" altLang="en-US" sz="3200" dirty="0"/>
+              <a:rPr lang="ja-JP" altLang="en-US" sz="3200" dirty="0" smtClean="0"/>
               <a:t>年</a:t>
             </a:r>
             <a:r>
-              <a:rPr lang="en-US" altLang="ja-JP" sz="3200" dirty="0"/>
+              <a:rPr lang="en-US" altLang="ja-JP" sz="3200" dirty="0" smtClean="0"/>
               <a:t>1</a:t>
             </a:r>
             <a:r>
-              <a:rPr lang="ja-JP" altLang="en-US" sz="3200" dirty="0"/>
+              <a:rPr lang="ja-JP" altLang="en-US" sz="3200" dirty="0" smtClean="0"/>
               <a:t>月</a:t>
             </a:r>
             <a:r>
-              <a:rPr lang="en-US" altLang="ja-JP" sz="3200" dirty="0"/>
+              <a:rPr lang="en-US" altLang="ja-JP" sz="3200" dirty="0" smtClean="0"/>
               <a:t>25</a:t>
             </a:r>
             <a:r>
-              <a:rPr lang="ja-JP" altLang="en-US" sz="3200" dirty="0"/>
+              <a:rPr lang="ja-JP" altLang="en-US" sz="3200" dirty="0" smtClean="0"/>
               <a:t>日</a:t>
             </a:r>
-            <a:endParaRPr lang="en-US" altLang="ja-JP" sz="3200" dirty="0"/>
-          </a:p>
-          <a:p>
-            <a:r>
-              <a:rPr kumimoji="1" lang="ja-JP" altLang="en-US" sz="3200" dirty="0"/>
+            <a:endParaRPr lang="en-US" altLang="ja-JP" sz="3200" dirty="0" smtClean="0"/>
+          </a:p>
+          <a:p>
+            <a:r>
+              <a:rPr kumimoji="1" lang="ja-JP" altLang="en-US" sz="3200" dirty="0" smtClean="0"/>
               <a:t>導入　　　　　　：　</a:t>
             </a:r>
             <a:r>
-              <a:rPr kumimoji="1" lang="en-US" altLang="ja-JP" sz="3200" dirty="0"/>
+              <a:rPr kumimoji="1" lang="en-US" altLang="ja-JP" sz="3200" dirty="0" smtClean="0"/>
               <a:t>2018</a:t>
             </a:r>
             <a:r>
-              <a:rPr kumimoji="1" lang="ja-JP" altLang="en-US" sz="3200" dirty="0"/>
+              <a:rPr kumimoji="1" lang="ja-JP" altLang="en-US" sz="3200" dirty="0" smtClean="0"/>
               <a:t>年</a:t>
             </a:r>
             <a:r>
-              <a:rPr kumimoji="1" lang="en-US" altLang="ja-JP" sz="3200" dirty="0"/>
+              <a:rPr kumimoji="1" lang="en-US" altLang="ja-JP" sz="3200" dirty="0" smtClean="0"/>
               <a:t>2</a:t>
             </a:r>
             <a:r>
-              <a:rPr kumimoji="1" lang="ja-JP" altLang="en-US" sz="3200" dirty="0"/>
+              <a:rPr kumimoji="1" lang="ja-JP" altLang="en-US" sz="3200" dirty="0" smtClean="0"/>
               <a:t>月</a:t>
             </a:r>
             <a:r>
-              <a:rPr kumimoji="1" lang="en-US" altLang="ja-JP" sz="3200" dirty="0"/>
+              <a:rPr kumimoji="1" lang="en-US" altLang="ja-JP" sz="3200" dirty="0" smtClean="0"/>
               <a:t>5</a:t>
             </a:r>
             <a:r>
-              <a:rPr kumimoji="1" lang="ja-JP" altLang="en-US" sz="3200" dirty="0"/>
+              <a:rPr kumimoji="1" lang="ja-JP" altLang="en-US" sz="3200" dirty="0" smtClean="0"/>
               <a:t>日</a:t>
             </a:r>
+            <a:endParaRPr kumimoji="1" lang="ja-JP" altLang="en-US" sz="3200" dirty="0"/>
           </a:p>
         </p:txBody>
       </p:sp>
@@ -5591,7 +5720,7 @@
           <a:p>
             <a:fld id="{2D68BDE1-BF27-CC4D-A212-B8ED29369540}" type="datetime1">
               <a:rPr kumimoji="1" lang="ja-JP" altLang="en-US" smtClean="0"/>
-              <a:t>2017/10/26</a:t>
+              <a:t>17/10/26</a:t>
             </a:fld>
             <a:endParaRPr kumimoji="1" lang="ja-JP" altLang="en-US"/>
           </a:p>
@@ -5630,6 +5759,13 @@
   <p:clrMapOvr>
     <a:masterClrMapping/>
   </p:clrMapOvr>
+  <p:timing>
+    <p:tnLst>
+      <p:par>
+        <p:cTn xmlns:p14="http://schemas.microsoft.com/office/powerpoint/2010/main" id="1" dur="indefinite" restart="never" nodeType="tmRoot"/>
+      </p:par>
+    </p:tnLst>
+  </p:timing>
 </p:sld>
 </file>
 
@@ -5666,11 +5802,11 @@
           <a:lstStyle/>
           <a:p>
             <a:r>
-              <a:rPr kumimoji="1" lang="ja-JP" altLang="en-US" dirty="0"/>
+              <a:rPr kumimoji="1" lang="ja-JP" altLang="en-US" dirty="0" smtClean="0"/>
               <a:t>体制・</a:t>
             </a:r>
             <a:r>
-              <a:rPr lang="ja-JP" altLang="en-US" dirty="0"/>
+              <a:rPr lang="ja-JP" altLang="en-US" dirty="0" smtClean="0"/>
               <a:t>費用</a:t>
             </a:r>
             <a:endParaRPr kumimoji="1" lang="ja-JP" altLang="en-US" dirty="0"/>
@@ -5695,20 +5831,51 @@
           <a:lstStyle/>
           <a:p>
             <a:r>
-              <a:rPr kumimoji="1" lang="ja-JP" altLang="en-US" sz="3200" dirty="0"/>
+              <a:rPr kumimoji="1" lang="ja-JP" altLang="en-US" sz="3200" dirty="0" smtClean="0"/>
               <a:t>このシステムの開発は弊社の</a:t>
             </a:r>
             <a:r>
-              <a:rPr kumimoji="1" lang="en-US" altLang="ja-JP" sz="3200" dirty="0"/>
+              <a:rPr kumimoji="1" lang="en-US" altLang="ja-JP" sz="3200" dirty="0" smtClean="0"/>
               <a:t>8</a:t>
             </a:r>
             <a:r>
-              <a:rPr kumimoji="1" lang="ja-JP" altLang="en-US" sz="3200" dirty="0"/>
+              <a:rPr kumimoji="1" lang="ja-JP" altLang="en-US" sz="3200" dirty="0" smtClean="0"/>
               <a:t>名のエンジニアにより実施</a:t>
             </a:r>
-          </a:p>
-        </p:txBody>
-      </p:sp>
+            <a:endParaRPr kumimoji="1" lang="ja-JP" altLang="en-US" sz="3200" dirty="0"/>
+          </a:p>
+        </p:txBody>
+      </p:sp>
+      <p:pic>
+        <p:nvPicPr>
+          <p:cNvPr id="4" name="コンテンツ プレースホルダー 3"/>
+          <p:cNvPicPr>
+            <a:picLocks noChangeAspect="1"/>
+          </p:cNvPicPr>
+          <p:nvPr/>
+        </p:nvPicPr>
+        <p:blipFill>
+          <a:blip r:embed="rId2">
+            <a:extLst>
+              <a:ext uri="{28A0092B-C50C-407E-A947-70E740481C1C}">
+                <a14:useLocalDpi xmlns:a14="http://schemas.microsoft.com/office/drawing/2010/main" val="0"/>
+              </a:ext>
+            </a:extLst>
+          </a:blip>
+          <a:stretch>
+            <a:fillRect/>
+          </a:stretch>
+        </p:blipFill>
+        <p:spPr>
+          <a:xfrm>
+            <a:off x="2621280" y="3028402"/>
+            <a:ext cx="7010400" cy="2273300"/>
+          </a:xfrm>
+          <a:prstGeom prst="rect">
+            <a:avLst/>
+          </a:prstGeom>
+        </p:spPr>
+      </p:pic>
       <p:sp>
         <p:nvSpPr>
           <p:cNvPr id="5" name="日付プレースホルダー 4"/>
@@ -5726,7 +5893,7 @@
           <a:p>
             <a:fld id="{14ECF881-AFDC-C148-8A76-767E4A073EE6}" type="datetime1">
               <a:rPr kumimoji="1" lang="ja-JP" altLang="en-US" smtClean="0"/>
-              <a:t>2017/10/26</a:t>
+              <a:t>17/10/26</a:t>
             </a:fld>
             <a:endParaRPr kumimoji="1" lang="ja-JP" altLang="en-US"/>
           </a:p>
@@ -5755,36 +5922,6 @@
           </a:p>
         </p:txBody>
       </p:sp>
-      <p:pic>
-        <p:nvPicPr>
-          <p:cNvPr id="7" name="図 6">
-            <a:extLst>
-              <a:ext uri="{FF2B5EF4-FFF2-40B4-BE49-F238E27FC236}">
-                <a16:creationId xmlns:a16="http://schemas.microsoft.com/office/drawing/2014/main" id="{A0F0F042-5ABC-4D27-A257-164663DA32C4}"/>
-              </a:ext>
-            </a:extLst>
-          </p:cNvPr>
-          <p:cNvPicPr>
-            <a:picLocks noChangeAspect="1"/>
-          </p:cNvPicPr>
-          <p:nvPr/>
-        </p:nvPicPr>
-        <p:blipFill>
-          <a:blip r:embed="rId2"/>
-          <a:stretch>
-            <a:fillRect/>
-          </a:stretch>
-        </p:blipFill>
-        <p:spPr>
-          <a:xfrm>
-            <a:off x="1097280" y="2434543"/>
-            <a:ext cx="10115203" cy="3542925"/>
-          </a:xfrm>
-          <a:prstGeom prst="rect">
-            <a:avLst/>
-          </a:prstGeom>
-        </p:spPr>
-      </p:pic>
     </p:spTree>
     <p:extLst>
       <p:ext uri="{BB962C8B-B14F-4D97-AF65-F5344CB8AC3E}">
@@ -5795,6 +5932,13 @@
   <p:clrMapOvr>
     <a:masterClrMapping/>
   </p:clrMapOvr>
+  <p:timing>
+    <p:tnLst>
+      <p:par>
+        <p:cTn xmlns:p14="http://schemas.microsoft.com/office/powerpoint/2010/main" id="1" dur="indefinite" restart="never" nodeType="tmRoot"/>
+      </p:par>
+    </p:tnLst>
+  </p:timing>
 </p:sld>
 </file>
 
@@ -5831,11 +5975,11 @@
           <a:lstStyle/>
           <a:p>
             <a:r>
-              <a:rPr lang="ja-JP" altLang="en-US" dirty="0"/>
+              <a:rPr lang="ja-JP" altLang="en-US" dirty="0" smtClean="0"/>
               <a:t>利益</a:t>
             </a:r>
             <a:r>
-              <a:rPr lang="en-US" altLang="ja-JP" dirty="0"/>
+              <a:rPr lang="en-US" altLang="ja-JP" dirty="0" smtClean="0"/>
               <a:t>(1/2)</a:t>
             </a:r>
             <a:endParaRPr kumimoji="1" lang="ja-JP" altLang="en-US" dirty="0"/>
@@ -5869,10 +6013,14 @@
               <a:buChar char="l"/>
             </a:pPr>
             <a:r>
+              <a:rPr lang="ja-JP" altLang="en-US" sz="2800" dirty="0" smtClean="0"/>
+              <a:t>入園料により増加</a:t>
+            </a:r>
+            <a:r>
               <a:rPr lang="ja-JP" altLang="en-US" sz="2800" dirty="0"/>
-              <a:t>入園料により増加する動物園の利益</a:t>
-            </a:r>
-            <a:endParaRPr lang="en-US" altLang="ja-JP" sz="2800" dirty="0"/>
+              <a:t>する動物園の利益</a:t>
+            </a:r>
+            <a:endParaRPr lang="en-US" altLang="ja-JP" sz="2800" dirty="0" smtClean="0"/>
           </a:p>
           <a:p>
             <a:r>
@@ -5884,38 +6032,38 @@
               <a:t> </a:t>
             </a:r>
             <a:r>
-              <a:rPr lang="ja-JP" altLang="en-US" sz="2500" dirty="0"/>
+              <a:rPr lang="ja-JP" altLang="en-US" sz="2500" dirty="0" smtClean="0"/>
               <a:t>入園料</a:t>
             </a:r>
             <a:r>
-              <a:rPr lang="en-US" altLang="ja-JP" sz="2500" dirty="0"/>
+              <a:rPr lang="en-US" altLang="ja-JP" sz="2500" dirty="0" smtClean="0"/>
               <a:t>×</a:t>
             </a:r>
             <a:r>
-              <a:rPr lang="ja-JP" altLang="en-US" sz="2500" dirty="0"/>
+              <a:rPr lang="ja-JP" altLang="en-US" sz="2500" dirty="0" smtClean="0"/>
               <a:t>現在の年間有料入園者数の人数</a:t>
             </a:r>
             <a:r>
-              <a:rPr lang="en-US" altLang="ja-JP" sz="2500" dirty="0"/>
+              <a:rPr lang="en-US" altLang="ja-JP" sz="2500" dirty="0" smtClean="0"/>
               <a:t>×</a:t>
             </a:r>
             <a:r>
-              <a:rPr lang="ja-JP" altLang="en-US" sz="2500" dirty="0"/>
+              <a:rPr lang="ja-JP" altLang="en-US" sz="2500" dirty="0" smtClean="0"/>
               <a:t>入園者の想定増加割合</a:t>
             </a:r>
-            <a:endParaRPr lang="en-US" altLang="ja-JP" sz="2500" dirty="0"/>
+            <a:endParaRPr lang="en-US" altLang="ja-JP" sz="2500" dirty="0" smtClean="0"/>
           </a:p>
           <a:p>
             <a:pPr algn="ctr"/>
             <a:r>
-              <a:rPr lang="en-US" altLang="ja-JP" sz="4000" dirty="0">
+              <a:rPr lang="en-US" altLang="ja-JP" sz="4000" dirty="0" smtClean="0">
                 <a:solidFill>
                   <a:schemeClr val="tx1"/>
                 </a:solidFill>
               </a:rPr>
               <a:t>460×52,000×0.4 = 9,568,000</a:t>
             </a:r>
-            <a:endParaRPr lang="en-US" altLang="ja-JP" sz="2800" dirty="0">
+            <a:endParaRPr lang="en-US" altLang="ja-JP" sz="2800" dirty="0" smtClean="0">
               <a:solidFill>
                 <a:schemeClr val="tx1"/>
               </a:solidFill>
@@ -5927,26 +6075,30 @@
               <a:buChar char="l"/>
             </a:pPr>
             <a:r>
-              <a:rPr lang="ja-JP" altLang="en-US" sz="2800" dirty="0"/>
+              <a:rPr lang="ja-JP" altLang="en-US" sz="2800" dirty="0" smtClean="0"/>
               <a:t>飲食費により増加する動物園の利益</a:t>
             </a:r>
-            <a:endParaRPr lang="en-US" altLang="ja-JP" sz="2800" dirty="0"/>
+            <a:endParaRPr lang="en-US" altLang="ja-JP" sz="2800" dirty="0" smtClean="0"/>
           </a:p>
           <a:p>
             <a:r>
               <a:rPr lang="ja-JP" altLang="en-US" sz="2500" dirty="0"/>
-              <a:t>  入園者の人数</a:t>
-            </a:r>
-            <a:r>
-              <a:rPr lang="en-US" altLang="ja-JP" sz="2500" dirty="0"/>
+              <a:t>  </a:t>
+            </a:r>
+            <a:r>
+              <a:rPr lang="ja-JP" altLang="en-US" sz="2500" dirty="0" smtClean="0"/>
+              <a:t>入園者の人数</a:t>
+            </a:r>
+            <a:r>
+              <a:rPr lang="en-US" altLang="ja-JP" sz="2500" dirty="0" smtClean="0"/>
               <a:t>×</a:t>
             </a:r>
             <a:r>
-              <a:rPr lang="ja-JP" altLang="en-US" sz="2500" dirty="0"/>
+              <a:rPr lang="ja-JP" altLang="en-US" sz="2500" dirty="0" smtClean="0"/>
               <a:t>入園者の想定増加割合</a:t>
             </a:r>
             <a:r>
-              <a:rPr lang="en-US" altLang="ja-JP" sz="2500" dirty="0"/>
+              <a:rPr lang="en-US" altLang="ja-JP" sz="2500" dirty="0" smtClean="0"/>
               <a:t>×</a:t>
             </a:r>
             <a:r>
@@ -5961,18 +6113,18 @@
               <a:rPr lang="ja-JP" altLang="en-US" sz="2500" dirty="0"/>
               <a:t>人あたり増加する動物園の利益 </a:t>
             </a:r>
-            <a:endParaRPr lang="en-US" altLang="ja-JP" sz="2500" dirty="0"/>
+            <a:endParaRPr lang="en-US" altLang="ja-JP" sz="2500" dirty="0" smtClean="0"/>
           </a:p>
           <a:p>
             <a:pPr algn="ctr"/>
             <a:r>
-              <a:rPr lang="en-US" altLang="ja-JP" sz="4000" dirty="0"/>
+              <a:rPr lang="en-US" altLang="ja-JP" sz="4000" dirty="0" smtClean="0"/>
               <a:t>170,000×0.4×40 = 2,720,000</a:t>
             </a:r>
             <a:endParaRPr lang="ja-JP" altLang="en-US" sz="4000" dirty="0"/>
           </a:p>
           <a:p>
-            <a:endParaRPr lang="en-US" altLang="ja-JP" sz="2800" dirty="0">
+            <a:endParaRPr lang="en-US" altLang="ja-JP" sz="2800" dirty="0" smtClean="0">
               <a:solidFill>
                 <a:srgbClr val="FF0000"/>
               </a:solidFill>
@@ -6067,7 +6219,7 @@
           <a:p>
             <a:fld id="{A2BD8D5A-FB6E-B24B-BD61-56F6060E1286}" type="datetime1">
               <a:rPr kumimoji="1" lang="ja-JP" altLang="en-US" smtClean="0"/>
-              <a:t>2017/10/26</a:t>
+              <a:t>17/10/26</a:t>
             </a:fld>
             <a:endParaRPr kumimoji="1" lang="ja-JP" altLang="en-US"/>
           </a:p>
@@ -6106,6 +6258,13 @@
   <p:clrMapOvr>
     <a:masterClrMapping/>
   </p:clrMapOvr>
+  <p:timing>
+    <p:tnLst>
+      <p:par>
+        <p:cTn xmlns:p14="http://schemas.microsoft.com/office/powerpoint/2010/main" id="1" dur="indefinite" restart="never" nodeType="tmRoot"/>
+      </p:par>
+    </p:tnLst>
+  </p:timing>
 </p:sld>
 </file>
 
@@ -6142,11 +6301,11 @@
           <a:lstStyle/>
           <a:p>
             <a:r>
-              <a:rPr lang="ja-JP" altLang="en-US" dirty="0"/>
+              <a:rPr lang="ja-JP" altLang="en-US" dirty="0" smtClean="0"/>
               <a:t>利益</a:t>
             </a:r>
             <a:r>
-              <a:rPr lang="en-US" altLang="ja-JP" dirty="0"/>
+              <a:rPr lang="en-US" altLang="ja-JP" dirty="0" smtClean="0"/>
               <a:t>(2/2)</a:t>
             </a:r>
             <a:endParaRPr kumimoji="1" lang="ja-JP" altLang="en-US" dirty="0"/>
@@ -6176,49 +6335,49 @@
           <a:lstStyle/>
           <a:p>
             <a:r>
-              <a:rPr lang="ja-JP" altLang="en-US" sz="3200" dirty="0"/>
+              <a:rPr lang="ja-JP" altLang="en-US" sz="3200" dirty="0" smtClean="0"/>
               <a:t>開発側の経営利益</a:t>
             </a:r>
-            <a:endParaRPr lang="en-US" altLang="ja-JP" sz="3200" dirty="0"/>
-          </a:p>
-          <a:p>
-            <a:endParaRPr lang="en-US" altLang="ja-JP" sz="2800" dirty="0"/>
-          </a:p>
-          <a:p>
-            <a:r>
-              <a:rPr kumimoji="1" lang="ja-JP" altLang="en-US" sz="2800" dirty="0"/>
+            <a:endParaRPr lang="en-US" altLang="ja-JP" sz="3200" dirty="0" smtClean="0"/>
+          </a:p>
+          <a:p>
+            <a:endParaRPr lang="en-US" altLang="ja-JP" sz="2800" dirty="0" smtClean="0"/>
+          </a:p>
+          <a:p>
+            <a:r>
+              <a:rPr kumimoji="1" lang="ja-JP" altLang="en-US" sz="2800" dirty="0" smtClean="0"/>
               <a:t>増加人数分の入園料の利益</a:t>
             </a:r>
             <a:r>
-              <a:rPr lang="ja-JP" altLang="en-US" sz="2800" dirty="0"/>
+              <a:rPr lang="ja-JP" altLang="en-US" sz="2800" dirty="0" smtClean="0"/>
               <a:t>＋</a:t>
             </a:r>
             <a:r>
-              <a:rPr kumimoji="1" lang="ja-JP" altLang="en-US" sz="2800" dirty="0"/>
+              <a:rPr kumimoji="1" lang="ja-JP" altLang="en-US" sz="2800" dirty="0" smtClean="0"/>
               <a:t>レストランからの利益</a:t>
             </a:r>
             <a:r>
-              <a:rPr kumimoji="1" lang="en-US" altLang="ja-JP" sz="2800" dirty="0"/>
+              <a:rPr kumimoji="1" lang="en-US" altLang="ja-JP" sz="2800" dirty="0" smtClean="0"/>
               <a:t> </a:t>
             </a:r>
             <a:r>
-              <a:rPr kumimoji="1" lang="ja-JP" altLang="en-US" sz="2800" dirty="0"/>
+              <a:rPr kumimoji="1" lang="ja-JP" altLang="en-US" sz="2800" dirty="0" smtClean="0"/>
               <a:t>−</a:t>
             </a:r>
             <a:r>
-              <a:rPr kumimoji="1" lang="en-US" altLang="ja-JP" sz="2800" dirty="0"/>
+              <a:rPr kumimoji="1" lang="en-US" altLang="ja-JP" sz="2800" dirty="0" smtClean="0"/>
               <a:t> </a:t>
             </a:r>
             <a:r>
-              <a:rPr kumimoji="1" lang="ja-JP" altLang="en-US" sz="2800" dirty="0"/>
+              <a:rPr kumimoji="1" lang="ja-JP" altLang="en-US" sz="2800" dirty="0" smtClean="0"/>
               <a:t>総コスト</a:t>
             </a:r>
-            <a:endParaRPr kumimoji="1" lang="en-US" altLang="ja-JP" sz="2800" dirty="0"/>
+            <a:endParaRPr kumimoji="1" lang="en-US" altLang="ja-JP" sz="2800" dirty="0" smtClean="0"/>
           </a:p>
           <a:p>
             <a:pPr algn="ctr"/>
             <a:r>
-              <a:rPr kumimoji="1" lang="en-US" altLang="ja-JP" sz="3600" dirty="0"/>
+              <a:rPr kumimoji="1" lang="en-US" altLang="ja-JP" sz="3600" dirty="0" smtClean="0"/>
               <a:t>9,568,000 + 2,720,000 – 11,070,000 = 1,218,000</a:t>
             </a:r>
             <a:endParaRPr kumimoji="1" lang="ja-JP" altLang="en-US" sz="3600" dirty="0"/>
@@ -6277,7 +6436,7 @@
           <a:p>
             <a:fld id="{29265480-599B-6F40-8449-8A649969E069}" type="datetime1">
               <a:rPr kumimoji="1" lang="ja-JP" altLang="en-US" smtClean="0"/>
-              <a:t>2017/10/26</a:t>
+              <a:t>17/10/26</a:t>
             </a:fld>
             <a:endParaRPr kumimoji="1" lang="ja-JP" altLang="en-US"/>
           </a:p>
@@ -6316,6 +6475,13 @@
   <p:clrMapOvr>
     <a:masterClrMapping/>
   </p:clrMapOvr>
+  <p:timing>
+    <p:tnLst>
+      <p:par>
+        <p:cTn xmlns:p14="http://schemas.microsoft.com/office/powerpoint/2010/main" id="1" dur="indefinite" restart="never" nodeType="tmRoot"/>
+      </p:par>
+    </p:tnLst>
+  </p:timing>
 </p:sld>
 </file>
 
@@ -6354,11 +6520,11 @@
           <a:lstStyle/>
           <a:p>
             <a:r>
-              <a:rPr kumimoji="1" lang="ja-JP" altLang="en-US" sz="4400" dirty="0"/>
+              <a:rPr kumimoji="1" lang="ja-JP" altLang="en-US" sz="4400" dirty="0" smtClean="0"/>
               <a:t>本システム提案のアピールポイント</a:t>
             </a:r>
             <a:r>
-              <a:rPr kumimoji="1" lang="en-US" altLang="ja-JP" sz="4400" dirty="0"/>
+              <a:rPr kumimoji="1" lang="en-US" altLang="ja-JP" sz="4400" dirty="0" smtClean="0"/>
               <a:t>(1/2)</a:t>
             </a:r>
             <a:endParaRPr kumimoji="1" lang="ja-JP" altLang="en-US" sz="4400" dirty="0"/>
@@ -6392,25 +6558,29 @@
               <a:buChar char="l"/>
             </a:pPr>
             <a:r>
+              <a:rPr lang="ja-JP" altLang="en-US" sz="3200" dirty="0" smtClean="0"/>
+              <a:t>入園者に</a:t>
+            </a:r>
+            <a:r>
+              <a:rPr lang="en-US" altLang="ja-JP" sz="3200" dirty="0" smtClean="0"/>
+              <a:t>AR</a:t>
+            </a:r>
+            <a:r>
+              <a:rPr lang="ja-JP" altLang="en-US" sz="3200" dirty="0" smtClean="0"/>
+              <a:t>案内アプリを利用させる</a:t>
+            </a:r>
+            <a:endParaRPr lang="en-US" altLang="ja-JP" sz="3200" dirty="0" smtClean="0"/>
+          </a:p>
+          <a:p>
+            <a:r>
               <a:rPr lang="ja-JP" altLang="en-US" sz="3200" dirty="0"/>
-              <a:t>入園者に</a:t>
-            </a:r>
-            <a:r>
-              <a:rPr lang="en-US" altLang="ja-JP" sz="3200" dirty="0"/>
-              <a:t>AR</a:t>
-            </a:r>
-            <a:r>
-              <a:rPr lang="ja-JP" altLang="en-US" sz="3200" dirty="0"/>
-              <a:t>案内アプリを利用させる</a:t>
-            </a:r>
-            <a:endParaRPr lang="en-US" altLang="ja-JP" sz="3200" dirty="0"/>
-          </a:p>
-          <a:p>
-            <a:r>
-              <a:rPr lang="ja-JP" altLang="en-US" sz="3200" dirty="0"/>
-              <a:t>　　　　　　　他の動物園との差別化を行う</a:t>
-            </a:r>
-            <a:endParaRPr lang="en-US" altLang="ja-JP" sz="3200" dirty="0"/>
+              <a:t>　</a:t>
+            </a:r>
+            <a:r>
+              <a:rPr lang="ja-JP" altLang="en-US" sz="3200" dirty="0" smtClean="0"/>
+              <a:t>　　　　　　他の動物園との差別化を行う</a:t>
+            </a:r>
+            <a:endParaRPr lang="en-US" altLang="ja-JP" sz="3200" dirty="0" smtClean="0"/>
           </a:p>
           <a:p>
             <a:endParaRPr lang="en-US" altLang="ja-JP" sz="3200" dirty="0"/>
@@ -6421,19 +6591,20 @@
               <a:buChar char="l"/>
             </a:pPr>
             <a:r>
-              <a:rPr lang="ja-JP" altLang="en-US" sz="3200" dirty="0"/>
+              <a:rPr lang="ja-JP" altLang="en-US" sz="3200" dirty="0" smtClean="0"/>
               <a:t>現在地をマップに表示</a:t>
             </a:r>
             <a:endParaRPr lang="en-US" altLang="ja-JP" sz="3200" dirty="0"/>
           </a:p>
           <a:p>
             <a:r>
-              <a:rPr lang="ja-JP" altLang="en-US" sz="3200" dirty="0"/>
+              <a:rPr lang="ja-JP" altLang="en-US" sz="3200" dirty="0" smtClean="0"/>
               <a:t>　　　　　　　入園者が園内の状況を容易に把握できる</a:t>
             </a:r>
-          </a:p>
-          <a:p>
-            <a:endParaRPr kumimoji="1" lang="en-US" altLang="ja-JP" dirty="0"/>
+            <a:endParaRPr lang="ja-JP" altLang="en-US" sz="3200" dirty="0"/>
+          </a:p>
+          <a:p>
+            <a:endParaRPr kumimoji="1" lang="en-US" altLang="ja-JP" dirty="0" smtClean="0"/>
           </a:p>
         </p:txBody>
       </p:sp>
@@ -6534,7 +6705,7 @@
           <a:p>
             <a:fld id="{5634631F-073B-F048-A940-A4FBA8EF5FE6}" type="datetime1">
               <a:rPr kumimoji="1" lang="ja-JP" altLang="en-US" smtClean="0"/>
-              <a:t>2017/10/26</a:t>
+              <a:t>17/10/26</a:t>
             </a:fld>
             <a:endParaRPr kumimoji="1" lang="ja-JP" altLang="en-US"/>
           </a:p>
@@ -6573,6 +6744,13 @@
   <p:clrMapOvr>
     <a:masterClrMapping/>
   </p:clrMapOvr>
+  <p:timing>
+    <p:tnLst>
+      <p:par>
+        <p:cTn xmlns:p14="http://schemas.microsoft.com/office/powerpoint/2010/main" id="1" dur="indefinite" restart="never" nodeType="tmRoot"/>
+      </p:par>
+    </p:tnLst>
+  </p:timing>
 </p:sld>
 </file>
 
@@ -6614,10 +6792,16 @@
               <a:rPr lang="ja-JP" altLang="en-US" sz="4400" dirty="0">
                 <a:latin typeface="+mj-ea"/>
               </a:rPr>
-              <a:t>本システム提案のアピールポイント</a:t>
-            </a:r>
-            <a:r>
-              <a:rPr lang="en-US" altLang="ja-JP" sz="4400" dirty="0"/>
+              <a:t>本システム提案の</a:t>
+            </a:r>
+            <a:r>
+              <a:rPr lang="ja-JP" altLang="en-US" sz="4400" dirty="0" smtClean="0">
+                <a:latin typeface="+mj-ea"/>
+              </a:rPr>
+              <a:t>アピールポイント</a:t>
+            </a:r>
+            <a:r>
+              <a:rPr lang="en-US" altLang="ja-JP" sz="4400" dirty="0" smtClean="0"/>
               <a:t>(2/2)</a:t>
             </a:r>
             <a:endParaRPr kumimoji="1" lang="ja-JP" altLang="en-US" sz="4400" dirty="0"/>
@@ -6651,17 +6835,25 @@
               <a:buChar char="l"/>
             </a:pPr>
             <a:r>
+              <a:rPr lang="ja-JP" altLang="en-US" sz="3200" dirty="0" smtClean="0"/>
+              <a:t>英語、中国語</a:t>
+            </a:r>
+            <a:r>
               <a:rPr lang="ja-JP" altLang="en-US" sz="3200" dirty="0"/>
-              <a:t>英語、中国語への対応</a:t>
+              <a:t>への</a:t>
+            </a:r>
+            <a:r>
+              <a:rPr lang="ja-JP" altLang="en-US" sz="3200" dirty="0" smtClean="0"/>
+              <a:t>対応</a:t>
             </a:r>
             <a:endParaRPr lang="en-US" altLang="ja-JP" sz="3200" dirty="0"/>
           </a:p>
           <a:p>
             <a:r>
-              <a:rPr kumimoji="1" lang="ja-JP" altLang="en-US" sz="3200" dirty="0"/>
+              <a:rPr kumimoji="1" lang="ja-JP" altLang="en-US" sz="3200" dirty="0" smtClean="0"/>
               <a:t>　　　　　　　外国人入園者の増加</a:t>
             </a:r>
-            <a:endParaRPr kumimoji="1" lang="en-US" altLang="ja-JP" sz="3200" dirty="0"/>
+            <a:endParaRPr kumimoji="1" lang="en-US" altLang="ja-JP" sz="3200" dirty="0" smtClean="0"/>
           </a:p>
           <a:p>
             <a:endParaRPr lang="en-US" altLang="ja-JP" sz="3200" dirty="0"/>
@@ -6672,17 +6864,17 @@
               <a:buChar char="l"/>
             </a:pPr>
             <a:r>
-              <a:rPr kumimoji="1" lang="ja-JP" altLang="en-US" sz="3200" dirty="0"/>
+              <a:rPr kumimoji="1" lang="ja-JP" altLang="en-US" sz="3200" dirty="0" smtClean="0"/>
               <a:t>園内イベント情報や新規加入動物などの通知機能</a:t>
             </a:r>
             <a:endParaRPr lang="en-US" altLang="ja-JP" sz="3200" dirty="0"/>
           </a:p>
           <a:p>
             <a:r>
-              <a:rPr kumimoji="1" lang="ja-JP" altLang="en-US" sz="3200" dirty="0"/>
+              <a:rPr kumimoji="1" lang="ja-JP" altLang="en-US" sz="3200" dirty="0" smtClean="0"/>
               <a:t>　　　　　　　リピーターの増加</a:t>
             </a:r>
-            <a:endParaRPr kumimoji="1" lang="en-US" altLang="ja-JP" sz="3200" dirty="0"/>
+            <a:endParaRPr kumimoji="1" lang="en-US" altLang="ja-JP" sz="3200" dirty="0" smtClean="0"/>
           </a:p>
           <a:p>
             <a:endParaRPr lang="en-US" altLang="ja-JP" sz="3200" dirty="0"/>
@@ -6789,7 +6981,7 @@
           <a:p>
             <a:fld id="{0D6B2D85-A765-EA47-ADFB-D0A8A1DBD0D0}" type="datetime1">
               <a:rPr kumimoji="1" lang="ja-JP" altLang="en-US" smtClean="0"/>
-              <a:t>2017/10/26</a:t>
+              <a:t>17/10/26</a:t>
             </a:fld>
             <a:endParaRPr kumimoji="1" lang="ja-JP" altLang="en-US"/>
           </a:p>
@@ -6828,6 +7020,13 @@
   <p:clrMapOvr>
     <a:masterClrMapping/>
   </p:clrMapOvr>
+  <p:timing>
+    <p:tnLst>
+      <p:par>
+        <p:cTn xmlns:p14="http://schemas.microsoft.com/office/powerpoint/2010/main" id="1" dur="indefinite" restart="never" nodeType="tmRoot"/>
+      </p:par>
+    </p:tnLst>
+  </p:timing>
 </p:sld>
 </file>
 
@@ -6864,9 +7063,10 @@
           <a:lstStyle/>
           <a:p>
             <a:r>
-              <a:rPr kumimoji="1" lang="ja-JP" altLang="en-US" dirty="0"/>
+              <a:rPr kumimoji="1" lang="ja-JP" altLang="en-US" dirty="0" smtClean="0"/>
               <a:t>はじめに</a:t>
             </a:r>
+            <a:endParaRPr kumimoji="1" lang="ja-JP" altLang="en-US" dirty="0"/>
           </a:p>
         </p:txBody>
       </p:sp>
@@ -6885,47 +7085,55 @@
           <a:bodyPr/>
           <a:lstStyle/>
           <a:p>
+            <a:endParaRPr lang="en-US" altLang="ja-JP" dirty="0" smtClean="0"/>
+          </a:p>
+          <a:p>
+            <a:r>
+              <a:rPr lang="ja-JP" altLang="en-US" sz="2400" dirty="0" smtClean="0"/>
+              <a:t>近年動物園では年々入園者が</a:t>
+            </a:r>
+            <a:r>
+              <a:rPr lang="en-US" altLang="ja-JP" sz="2400" dirty="0" smtClean="0"/>
+              <a:t/>
+            </a:r>
+            <a:br>
+              <a:rPr lang="en-US" altLang="ja-JP" sz="2400" dirty="0" smtClean="0"/>
+            </a:br>
+            <a:r>
+              <a:rPr lang="ja-JP" altLang="en-US" sz="2400" dirty="0" smtClean="0"/>
+              <a:t>減少し、赤字になっている</a:t>
+            </a:r>
+            <a:endParaRPr lang="en-US" altLang="ja-JP" sz="2400" dirty="0" smtClean="0"/>
+          </a:p>
+          <a:p>
             <a:endParaRPr lang="en-US" altLang="ja-JP" dirty="0"/>
           </a:p>
           <a:p>
-            <a:r>
-              <a:rPr lang="ja-JP" altLang="en-US" sz="2400" dirty="0"/>
-              <a:t>近年動物園では年々入園者が</a:t>
+            <a:endParaRPr lang="en-US" altLang="ja-JP" dirty="0" smtClean="0"/>
+          </a:p>
+          <a:p>
+            <a:endParaRPr lang="en-US" altLang="ja-JP" dirty="0"/>
+          </a:p>
+          <a:p>
+            <a:r>
+              <a:rPr lang="ja-JP" altLang="en-US" sz="2400" dirty="0" smtClean="0"/>
+              <a:t>新しい技術を用いたアプリケーションで</a:t>
+            </a:r>
+            <a:r>
+              <a:rPr lang="en-US" altLang="ja-JP" sz="2400" dirty="0"/>
+              <a:t/>
             </a:r>
             <a:br>
               <a:rPr lang="en-US" altLang="ja-JP" sz="2400" dirty="0"/>
             </a:br>
             <a:r>
-              <a:rPr lang="ja-JP" altLang="en-US" sz="2400" dirty="0"/>
-              <a:t>減少し、赤字になっている</a:t>
+              <a:rPr lang="ja-JP" altLang="en-US" sz="2400" dirty="0" smtClean="0"/>
+              <a:t>入園者の増加が見込める</a:t>
             </a:r>
             <a:endParaRPr lang="en-US" altLang="ja-JP" sz="2400" dirty="0"/>
           </a:p>
           <a:p>
-            <a:endParaRPr lang="en-US" altLang="ja-JP" dirty="0"/>
-          </a:p>
-          <a:p>
-            <a:endParaRPr lang="en-US" altLang="ja-JP" dirty="0"/>
-          </a:p>
-          <a:p>
-            <a:endParaRPr lang="en-US" altLang="ja-JP" dirty="0"/>
-          </a:p>
-          <a:p>
-            <a:r>
-              <a:rPr lang="ja-JP" altLang="en-US" sz="2400" dirty="0"/>
-              <a:t>新しい技術を用いたアプリケーションで</a:t>
-            </a:r>
-            <a:br>
-              <a:rPr lang="en-US" altLang="ja-JP" sz="2400" dirty="0"/>
-            </a:br>
-            <a:r>
-              <a:rPr lang="ja-JP" altLang="en-US" sz="2400" dirty="0"/>
-              <a:t>入園者の増加が見込める</a:t>
-            </a:r>
-            <a:endParaRPr lang="en-US" altLang="ja-JP" sz="2400" dirty="0"/>
-          </a:p>
-          <a:p>
-            <a:endParaRPr lang="en-US" altLang="ja-JP" dirty="0"/>
+            <a:endParaRPr lang="en-US" altLang="ja-JP" dirty="0" smtClean="0"/>
           </a:p>
         </p:txBody>
       </p:sp>
@@ -7016,7 +7224,7 @@
           <a:p>
             <a:fld id="{870BFEBD-4896-8948-B7F2-B38A4A36FAF6}" type="datetime1">
               <a:rPr kumimoji="1" lang="ja-JP" altLang="en-US" smtClean="0"/>
-              <a:t>2017/10/26</a:t>
+              <a:t>17/10/26</a:t>
             </a:fld>
             <a:endParaRPr kumimoji="1" lang="ja-JP" altLang="en-US"/>
           </a:p>
@@ -7055,6 +7263,13 @@
   <p:clrMapOvr>
     <a:masterClrMapping/>
   </p:clrMapOvr>
+  <p:timing>
+    <p:tnLst>
+      <p:par>
+        <p:cTn xmlns:p14="http://schemas.microsoft.com/office/powerpoint/2010/main" id="1" dur="indefinite" restart="never" nodeType="tmRoot"/>
+      </p:par>
+    </p:tnLst>
+  </p:timing>
 </p:sld>
 </file>
 
@@ -7093,9 +7308,10 @@
           <a:lstStyle/>
           <a:p>
             <a:r>
-              <a:rPr kumimoji="1" lang="ja-JP" altLang="en-US" sz="4400" dirty="0"/>
+              <a:rPr kumimoji="1" lang="ja-JP" altLang="en-US" sz="4400" dirty="0" smtClean="0"/>
               <a:t>用語の定義</a:t>
             </a:r>
+            <a:endParaRPr kumimoji="1" lang="ja-JP" altLang="en-US" sz="4400" dirty="0"/>
           </a:p>
         </p:txBody>
       </p:sp>
@@ -7126,23 +7342,43 @@
               <a:buChar char="l"/>
             </a:pPr>
             <a:r>
+              <a:rPr lang="en-US" altLang="ja-JP" sz="3200" dirty="0" smtClean="0"/>
+              <a:t>Raspberry Pi</a:t>
+            </a:r>
+          </a:p>
+          <a:p>
+            <a:r>
+              <a:rPr lang="en-US" altLang="ja-JP" sz="3200" dirty="0" smtClean="0"/>
+              <a:t> </a:t>
+            </a:r>
+            <a:r>
               <a:rPr lang="en-US" altLang="ja-JP" sz="3200" dirty="0"/>
-              <a:t>Raspberry Pi</a:t>
-            </a:r>
-          </a:p>
-          <a:p>
-            <a:r>
-              <a:rPr lang="en-US" altLang="ja-JP" sz="3200" dirty="0"/>
-              <a:t>  ARM </a:t>
+              <a:t> </a:t>
+            </a:r>
+            <a:r>
+              <a:rPr lang="en-US" altLang="ja-JP" sz="3200" dirty="0" smtClean="0"/>
+              <a:t>ARM </a:t>
+            </a:r>
+            <a:r>
+              <a:rPr lang="ja-JP" altLang="en-US" sz="3200" dirty="0" smtClean="0"/>
+              <a:t>プロセッサ</a:t>
             </a:r>
             <a:r>
               <a:rPr lang="ja-JP" altLang="en-US" sz="3200" dirty="0"/>
-              <a:t>プロセッサを搭載したシングルポート・コンピュータ</a:t>
+              <a:t>を搭載した</a:t>
+            </a:r>
+            <a:r>
+              <a:rPr lang="ja-JP" altLang="en-US" sz="3200" dirty="0" smtClean="0"/>
+              <a:t>シングルポート・コンピュータ</a:t>
+            </a:r>
+            <a:r>
+              <a:rPr lang="ja-JP" altLang="en-US" sz="3200" dirty="0"/>
+              <a:t/>
             </a:r>
             <a:br>
               <a:rPr lang="ja-JP" altLang="en-US" sz="3200" dirty="0"/>
             </a:br>
-            <a:endParaRPr lang="en-US" altLang="ja-JP" sz="3200" dirty="0"/>
+            <a:endParaRPr lang="en-US" altLang="ja-JP" sz="3200" dirty="0" smtClean="0"/>
           </a:p>
           <a:p>
             <a:pPr>
@@ -7150,38 +7386,67 @@
               <a:buChar char="l"/>
             </a:pPr>
             <a:r>
-              <a:rPr lang="en-US" altLang="ja-JP" sz="3200" dirty="0"/>
+              <a:rPr lang="en-US" altLang="ja-JP" sz="3200" dirty="0" smtClean="0"/>
               <a:t>AR(Augmented Reality)</a:t>
             </a:r>
           </a:p>
           <a:p>
             <a:r>
-              <a:rPr lang="en-US" altLang="ja-JP" sz="3200" dirty="0"/>
+              <a:rPr lang="en-US" altLang="ja-JP" sz="3200" dirty="0" smtClean="0"/>
               <a:t>  </a:t>
             </a:r>
             <a:r>
+              <a:rPr lang="ja-JP" altLang="en-US" sz="3200" dirty="0" smtClean="0"/>
+              <a:t>現実</a:t>
+            </a:r>
+            <a:r>
               <a:rPr lang="ja-JP" altLang="en-US" sz="3200" dirty="0"/>
-              <a:t>現実世界の映像に対し、位置情報などのデータや実際に</a:t>
+              <a:t>世界の映像に</a:t>
+            </a:r>
+            <a:r>
+              <a:rPr lang="ja-JP" altLang="en-US" sz="3200" dirty="0" smtClean="0"/>
+              <a:t>対し、位置情報などのデータや実際に</a:t>
+            </a:r>
+            <a:r>
+              <a:rPr lang="en-US" altLang="ja-JP" sz="3200" dirty="0" smtClean="0"/>
+              <a:t/>
             </a:r>
             <a:br>
-              <a:rPr lang="en-US" altLang="ja-JP" sz="3200" dirty="0"/>
+              <a:rPr lang="en-US" altLang="ja-JP" sz="3200" dirty="0" smtClean="0"/>
             </a:br>
             <a:r>
-              <a:rPr lang="en-US" altLang="ja-JP" sz="3200" dirty="0"/>
+              <a:rPr lang="en-US" altLang="ja-JP" sz="3200" dirty="0" smtClean="0"/>
               <a:t>  </a:t>
             </a:r>
             <a:r>
+              <a:rPr lang="ja-JP" altLang="en-US" sz="3200" dirty="0" smtClean="0"/>
+              <a:t>存在</a:t>
+            </a:r>
+            <a:r>
               <a:rPr lang="ja-JP" altLang="en-US" sz="3200" dirty="0"/>
-              <a:t>存在しない情報を</a:t>
-            </a:r>
-            <a:r>
-              <a:rPr lang="en-US" altLang="ja-JP" sz="3200" dirty="0"/>
+              <a:t>しない情報</a:t>
+            </a:r>
+            <a:r>
+              <a:rPr lang="ja-JP" altLang="en-US" sz="3200" dirty="0" smtClean="0"/>
+              <a:t>を</a:t>
+            </a:r>
+            <a:r>
+              <a:rPr lang="en-US" altLang="ja-JP" sz="3200" dirty="0" smtClean="0"/>
               <a:t>CG</a:t>
             </a:r>
             <a:r>
+              <a:rPr lang="ja-JP" altLang="en-US" sz="3200" dirty="0" smtClean="0"/>
+              <a:t>と</a:t>
+            </a:r>
+            <a:r>
               <a:rPr lang="ja-JP" altLang="en-US" sz="3200" dirty="0"/>
-              <a:t>と重ねて表示させる手法</a:t>
-            </a:r>
+              <a:t>重ねて表示させる</a:t>
+            </a:r>
+            <a:r>
+              <a:rPr lang="ja-JP" altLang="en-US" sz="3200" dirty="0" smtClean="0"/>
+              <a:t>手法</a:t>
+            </a:r>
+            <a:endParaRPr lang="ja-JP" altLang="en-US" sz="3200" dirty="0"/>
           </a:p>
           <a:p>
             <a:endParaRPr kumimoji="1" lang="ja-JP" altLang="en-US" dirty="0"/>
@@ -7205,7 +7470,7 @@
           <a:p>
             <a:fld id="{53510D19-B8D1-7543-8336-6BDFF50A258E}" type="datetime1">
               <a:rPr kumimoji="1" lang="ja-JP" altLang="en-US" smtClean="0"/>
-              <a:t>2017/10/26</a:t>
+              <a:t>17/10/26</a:t>
             </a:fld>
             <a:endParaRPr kumimoji="1" lang="ja-JP" altLang="en-US"/>
           </a:p>
@@ -7244,6 +7509,13 @@
   <p:clrMapOvr>
     <a:masterClrMapping/>
   </p:clrMapOvr>
+  <p:timing>
+    <p:tnLst>
+      <p:par>
+        <p:cTn xmlns:p14="http://schemas.microsoft.com/office/powerpoint/2010/main" id="1" dur="indefinite" restart="never" nodeType="tmRoot"/>
+      </p:par>
+    </p:tnLst>
+  </p:timing>
 </p:sld>
 </file>
 
@@ -7280,9 +7552,10 @@
           <a:lstStyle/>
           <a:p>
             <a:r>
-              <a:rPr kumimoji="1" lang="ja-JP" altLang="en-US" dirty="0"/>
+              <a:rPr kumimoji="1" lang="ja-JP" altLang="en-US" dirty="0" smtClean="0"/>
               <a:t>参考文献</a:t>
             </a:r>
+            <a:endParaRPr kumimoji="1" lang="ja-JP" altLang="en-US" dirty="0"/>
           </a:p>
         </p:txBody>
       </p:sp>
@@ -7348,12 +7621,16 @@
             </a:r>
           </a:p>
           <a:p>
-            <a:endParaRPr lang="en-US" altLang="ja-JP" sz="3200" dirty="0"/>
-          </a:p>
-          <a:p>
+            <a:endParaRPr lang="en-US" altLang="ja-JP" sz="3200" dirty="0" smtClean="0"/>
+          </a:p>
+          <a:p>
+            <a:r>
+              <a:rPr lang="en-US" altLang="ja-JP" sz="3200" dirty="0" smtClean="0"/>
+              <a:t>[</a:t>
+            </a:r>
             <a:r>
               <a:rPr lang="en-US" altLang="ja-JP" sz="3200" dirty="0"/>
-              <a:t>[2] </a:t>
+              <a:t>2] </a:t>
             </a:r>
             <a:r>
               <a:rPr lang="ja-JP" altLang="en-US" sz="3200" dirty="0"/>
@@ -7387,11 +7664,15 @@
               <a:rPr lang="en-US" altLang="ja-JP" sz="3200" dirty="0"/>
               <a:t>, </a:t>
             </a:r>
+            <a:r>
+              <a:rPr lang="en-US" altLang="ja-JP" sz="3200" dirty="0" smtClean="0"/>
+              <a:t/>
+            </a:r>
             <a:br>
-              <a:rPr lang="en-US" altLang="ja-JP" sz="3200" dirty="0"/>
+              <a:rPr lang="en-US" altLang="ja-JP" sz="3200" dirty="0" smtClean="0"/>
             </a:br>
             <a:r>
-              <a:rPr lang="en-US" altLang="ja-JP" sz="3200" dirty="0"/>
+              <a:rPr lang="en-US" altLang="ja-JP" sz="3200" dirty="0" smtClean="0"/>
               <a:t>2017 </a:t>
             </a:r>
             <a:r>
@@ -7437,7 +7718,7 @@
           <a:p>
             <a:fld id="{3E9C475C-8B2F-954B-94CC-A4D1A705349F}" type="datetime1">
               <a:rPr kumimoji="1" lang="ja-JP" altLang="en-US" smtClean="0"/>
-              <a:t>2017/10/26</a:t>
+              <a:t>17/10/26</a:t>
             </a:fld>
             <a:endParaRPr kumimoji="1" lang="ja-JP" altLang="en-US"/>
           </a:p>
@@ -7476,6 +7757,13 @@
   <p:clrMapOvr>
     <a:masterClrMapping/>
   </p:clrMapOvr>
+  <p:timing>
+    <p:tnLst>
+      <p:par>
+        <p:cTn xmlns:p14="http://schemas.microsoft.com/office/powerpoint/2010/main" id="1" dur="indefinite" restart="never" nodeType="tmRoot"/>
+      </p:par>
+    </p:tnLst>
+  </p:timing>
 </p:sld>
 </file>
 
@@ -7513,7 +7801,7 @@
           <a:p>
             <a:fld id="{984D4A2C-94D0-9645-99D8-A41F791BA97D}" type="datetime1">
               <a:rPr kumimoji="1" lang="ja-JP" altLang="en-US" smtClean="0"/>
-              <a:t>2017/10/26</a:t>
+              <a:t>17/10/26</a:t>
             </a:fld>
             <a:endParaRPr kumimoji="1" lang="ja-JP" altLang="en-US"/>
           </a:p>
@@ -7552,6 +7840,13 @@
   <p:clrMapOvr>
     <a:masterClrMapping/>
   </p:clrMapOvr>
+  <p:timing>
+    <p:tnLst>
+      <p:par>
+        <p:cTn xmlns:p14="http://schemas.microsoft.com/office/powerpoint/2010/main" id="1" dur="indefinite" restart="never" nodeType="tmRoot"/>
+      </p:par>
+    </p:tnLst>
+  </p:timing>
 </p:sld>
 </file>
 
@@ -7588,9 +7883,10 @@
           <a:lstStyle/>
           <a:p>
             <a:r>
-              <a:rPr kumimoji="1" lang="ja-JP" altLang="en-US" dirty="0"/>
+              <a:rPr kumimoji="1" lang="ja-JP" altLang="en-US" dirty="0" smtClean="0"/>
               <a:t>問題点</a:t>
             </a:r>
+            <a:endParaRPr kumimoji="1" lang="ja-JP" altLang="en-US" dirty="0"/>
           </a:p>
         </p:txBody>
       </p:sp>
@@ -7616,14 +7912,14 @@
               <a:buChar char="l"/>
             </a:pPr>
             <a:r>
-              <a:rPr kumimoji="1" lang="en-US" altLang="ja-JP" sz="2800" dirty="0"/>
+              <a:rPr kumimoji="1" lang="en-US" altLang="ja-JP" sz="2800" dirty="0" smtClean="0"/>
               <a:t> </a:t>
             </a:r>
             <a:r>
-              <a:rPr kumimoji="1" lang="ja-JP" altLang="en-US" sz="2800" dirty="0"/>
+              <a:rPr kumimoji="1" lang="ja-JP" altLang="en-US" sz="2800" dirty="0" smtClean="0"/>
               <a:t>他の動物園との差別化が行えていない</a:t>
             </a:r>
-            <a:endParaRPr kumimoji="1" lang="en-US" altLang="ja-JP" sz="2800" dirty="0"/>
+            <a:endParaRPr kumimoji="1" lang="en-US" altLang="ja-JP" sz="2800" dirty="0" smtClean="0"/>
           </a:p>
           <a:p>
             <a:pPr>
@@ -7638,14 +7934,14 @@
               <a:buChar char="l"/>
             </a:pPr>
             <a:r>
-              <a:rPr kumimoji="1" lang="en-US" altLang="ja-JP" sz="2800" dirty="0"/>
+              <a:rPr kumimoji="1" lang="en-US" altLang="ja-JP" sz="2800" dirty="0" smtClean="0"/>
               <a:t> </a:t>
             </a:r>
             <a:r>
-              <a:rPr kumimoji="1" lang="ja-JP" altLang="en-US" sz="2800" dirty="0"/>
+              <a:rPr kumimoji="1" lang="ja-JP" altLang="en-US" sz="2800" dirty="0" smtClean="0"/>
               <a:t>ファミリー層の入園が減少している</a:t>
             </a:r>
-            <a:endParaRPr kumimoji="1" lang="en-US" altLang="ja-JP" sz="2800" dirty="0"/>
+            <a:endParaRPr kumimoji="1" lang="en-US" altLang="ja-JP" sz="2800" dirty="0" smtClean="0"/>
           </a:p>
           <a:p>
             <a:pPr>
@@ -7660,13 +7956,14 @@
               <a:buChar char="l"/>
             </a:pPr>
             <a:r>
-              <a:rPr kumimoji="1" lang="en-US" altLang="ja-JP" sz="2800" dirty="0"/>
+              <a:rPr kumimoji="1" lang="en-US" altLang="ja-JP" sz="2800" dirty="0" smtClean="0"/>
               <a:t> </a:t>
             </a:r>
             <a:r>
-              <a:rPr kumimoji="1" lang="ja-JP" altLang="en-US" sz="2800" dirty="0"/>
+              <a:rPr kumimoji="1" lang="ja-JP" altLang="en-US" sz="2800" dirty="0" smtClean="0"/>
               <a:t>リピーターが現れにくい</a:t>
             </a:r>
+            <a:endParaRPr kumimoji="1" lang="ja-JP" altLang="en-US" sz="2800" dirty="0"/>
           </a:p>
         </p:txBody>
       </p:sp>
@@ -7687,7 +7984,7 @@
           <a:p>
             <a:fld id="{9A9A8784-7D2C-B044-9902-C705C5741D38}" type="datetime1">
               <a:rPr kumimoji="1" lang="ja-JP" altLang="en-US" smtClean="0"/>
-              <a:t>2017/10/26</a:t>
+              <a:t>17/10/26</a:t>
             </a:fld>
             <a:endParaRPr kumimoji="1" lang="ja-JP" altLang="en-US"/>
           </a:p>
@@ -7726,6 +8023,13 @@
   <p:clrMapOvr>
     <a:masterClrMapping/>
   </p:clrMapOvr>
+  <p:timing>
+    <p:tnLst>
+      <p:par>
+        <p:cTn xmlns:p14="http://schemas.microsoft.com/office/powerpoint/2010/main" id="1" dur="indefinite" restart="never" nodeType="tmRoot"/>
+      </p:par>
+    </p:tnLst>
+  </p:timing>
 </p:sld>
 </file>
 
@@ -7762,9 +8066,10 @@
           <a:lstStyle/>
           <a:p>
             <a:r>
-              <a:rPr kumimoji="1" lang="ja-JP" altLang="en-US" dirty="0"/>
+              <a:rPr kumimoji="1" lang="ja-JP" altLang="en-US" dirty="0" smtClean="0"/>
               <a:t>課題解決のための提案</a:t>
             </a:r>
+            <a:endParaRPr kumimoji="1" lang="ja-JP" altLang="en-US" dirty="0"/>
           </a:p>
         </p:txBody>
       </p:sp>
@@ -7796,14 +8101,14 @@
               <a:buChar char="l"/>
             </a:pPr>
             <a:r>
-              <a:rPr kumimoji="1" lang="en-US" altLang="ja-JP" dirty="0"/>
+              <a:rPr kumimoji="1" lang="en-US" altLang="ja-JP" dirty="0" smtClean="0"/>
               <a:t> </a:t>
             </a:r>
             <a:r>
-              <a:rPr kumimoji="1" lang="ja-JP" altLang="en-US" sz="2400" dirty="0"/>
+              <a:rPr kumimoji="1" lang="ja-JP" altLang="en-US" sz="2400" dirty="0" smtClean="0"/>
               <a:t>動物の情報を表示する機能</a:t>
             </a:r>
-            <a:endParaRPr kumimoji="1" lang="en-US" altLang="ja-JP" sz="2400" dirty="0"/>
+            <a:endParaRPr kumimoji="1" lang="en-US" altLang="ja-JP" sz="2400" dirty="0" smtClean="0"/>
           </a:p>
           <a:p>
             <a:pPr marL="180000">
@@ -7819,7 +8124,7 @@
               <a:buFont typeface="Wingdings" charset="2"/>
               <a:buChar char="l"/>
             </a:pPr>
-            <a:endParaRPr lang="en-US" altLang="ja-JP" sz="1300" dirty="0"/>
+            <a:endParaRPr lang="en-US" altLang="ja-JP" sz="1300" dirty="0" smtClean="0"/>
           </a:p>
           <a:p>
             <a:pPr marL="180000">
@@ -7833,14 +8138,14 @@
               <a:buChar char="l"/>
             </a:pPr>
             <a:r>
-              <a:rPr kumimoji="1" lang="en-US" altLang="ja-JP" dirty="0"/>
+              <a:rPr kumimoji="1" lang="en-US" altLang="ja-JP" dirty="0" smtClean="0"/>
               <a:t> </a:t>
             </a:r>
             <a:r>
-              <a:rPr kumimoji="1" lang="ja-JP" altLang="en-US" sz="2400" dirty="0"/>
+              <a:rPr kumimoji="1" lang="ja-JP" altLang="en-US" sz="2400" dirty="0" smtClean="0"/>
               <a:t>スタンプラリー機能</a:t>
             </a:r>
-            <a:endParaRPr kumimoji="1" lang="en-US" altLang="ja-JP" sz="2400" dirty="0"/>
+            <a:endParaRPr kumimoji="1" lang="en-US" altLang="ja-JP" sz="2400" dirty="0" smtClean="0"/>
           </a:p>
           <a:p>
             <a:pPr marL="180000">
@@ -7867,14 +8172,14 @@
               <a:buChar char="l"/>
             </a:pPr>
             <a:r>
-              <a:rPr kumimoji="1" lang="en-US" altLang="ja-JP" dirty="0"/>
+              <a:rPr kumimoji="1" lang="en-US" altLang="ja-JP" dirty="0" smtClean="0"/>
               <a:t> </a:t>
             </a:r>
             <a:r>
-              <a:rPr kumimoji="1" lang="ja-JP" altLang="en-US" sz="2400" dirty="0"/>
+              <a:rPr kumimoji="1" lang="ja-JP" altLang="en-US" sz="2400" dirty="0" smtClean="0"/>
               <a:t>言語表示切替機能</a:t>
             </a:r>
-            <a:endParaRPr kumimoji="1" lang="en-US" altLang="ja-JP" sz="2400" dirty="0"/>
+            <a:endParaRPr kumimoji="1" lang="en-US" altLang="ja-JP" sz="2400" dirty="0" smtClean="0"/>
           </a:p>
           <a:p>
             <a:pPr marL="180000">
@@ -7901,14 +8206,14 @@
               <a:buChar char="l"/>
             </a:pPr>
             <a:r>
-              <a:rPr kumimoji="1" lang="en-US" altLang="ja-JP" dirty="0"/>
+              <a:rPr kumimoji="1" lang="en-US" altLang="ja-JP" dirty="0" smtClean="0"/>
               <a:t> </a:t>
             </a:r>
             <a:r>
-              <a:rPr kumimoji="1" lang="ja-JP" altLang="en-US" sz="2400" dirty="0"/>
+              <a:rPr kumimoji="1" lang="ja-JP" altLang="en-US" sz="2400" dirty="0" smtClean="0"/>
               <a:t>園内マップ機能</a:t>
             </a:r>
-            <a:endParaRPr kumimoji="1" lang="en-US" altLang="ja-JP" sz="2400" dirty="0"/>
+            <a:endParaRPr kumimoji="1" lang="en-US" altLang="ja-JP" sz="2400" dirty="0" smtClean="0"/>
           </a:p>
           <a:p>
             <a:pPr marL="180000">
@@ -7935,14 +8240,14 @@
               <a:buChar char="l"/>
             </a:pPr>
             <a:r>
-              <a:rPr kumimoji="1" lang="en-US" altLang="ja-JP" dirty="0"/>
+              <a:rPr kumimoji="1" lang="en-US" altLang="ja-JP" dirty="0" smtClean="0"/>
               <a:t> </a:t>
             </a:r>
             <a:r>
-              <a:rPr kumimoji="1" lang="ja-JP" altLang="en-US" sz="2400" dirty="0"/>
+              <a:rPr kumimoji="1" lang="ja-JP" altLang="en-US" sz="2400" dirty="0" smtClean="0"/>
               <a:t>お手洗いの混雑状況確認機能</a:t>
             </a:r>
-            <a:endParaRPr kumimoji="1" lang="en-US" altLang="ja-JP" sz="2400" dirty="0"/>
+            <a:endParaRPr kumimoji="1" lang="en-US" altLang="ja-JP" sz="2400" dirty="0" smtClean="0"/>
           </a:p>
           <a:p>
             <a:pPr marL="180000">
@@ -7955,7 +8260,7 @@
               <a:buFont typeface="Wingdings" charset="2"/>
               <a:buChar char="l"/>
             </a:pPr>
-            <a:endParaRPr kumimoji="1" lang="en-US" altLang="ja-JP" sz="1300" dirty="0"/>
+            <a:endParaRPr kumimoji="1" lang="en-US" altLang="ja-JP" sz="1300" dirty="0" smtClean="0"/>
           </a:p>
           <a:p>
             <a:pPr marL="180000">
@@ -7969,7 +8274,7 @@
               <a:buChar char="l"/>
             </a:pPr>
             <a:r>
-              <a:rPr lang="ja-JP" altLang="en-US" sz="2400" dirty="0"/>
+              <a:rPr lang="ja-JP" altLang="en-US" sz="2400" dirty="0" smtClean="0"/>
               <a:t>イベント通知機能</a:t>
             </a:r>
             <a:endParaRPr kumimoji="1" lang="ja-JP" altLang="en-US" sz="2400" dirty="0"/>
@@ -8143,7 +8448,7 @@
           <a:p>
             <a:fld id="{7DF6C6EC-2A9F-1445-A698-30C66BA8DDDB}" type="datetime1">
               <a:rPr kumimoji="1" lang="ja-JP" altLang="en-US" smtClean="0"/>
-              <a:t>2017/10/26</a:t>
+              <a:t>17/10/26</a:t>
             </a:fld>
             <a:endParaRPr kumimoji="1" lang="ja-JP" altLang="en-US"/>
           </a:p>
@@ -8215,7 +8520,7 @@
   <p:timing>
     <p:tnLst>
       <p:par>
-        <p:cTn id="1" dur="indefinite" restart="never" nodeType="tmRoot">
+        <p:cTn xmlns:p14="http://schemas.microsoft.com/office/powerpoint/2010/main" id="1" dur="indefinite" restart="never" nodeType="tmRoot">
           <p:childTnLst>
             <p:seq concurrent="1" nextAc="seek">
               <p:cTn id="2" dur="indefinite" nodeType="mainSeq">
@@ -9841,18 +10146,36 @@
               <a:rPr lang="ja-JP" altLang="en-US" sz="2800" dirty="0">
                 <a:latin typeface="+mn-ea"/>
               </a:rPr>
-              <a:t>端末から動物を撮影することでその動物の詳細情報を画面上に</a:t>
+              <a:t>端末から動物を撮影することでその動物の詳細情報を画面上</a:t>
+            </a:r>
+            <a:r>
+              <a:rPr lang="ja-JP" altLang="en-US" sz="2800" dirty="0" smtClean="0">
+                <a:latin typeface="+mn-ea"/>
+              </a:rPr>
+              <a:t>に</a:t>
+            </a:r>
+            <a:r>
+              <a:rPr lang="en-US" altLang="ja-JP" sz="2800" dirty="0" smtClean="0">
+                <a:latin typeface="+mn-ea"/>
+              </a:rPr>
+              <a:t/>
             </a:r>
             <a:br>
-              <a:rPr lang="en-US" altLang="ja-JP" sz="2800" dirty="0">
+              <a:rPr lang="en-US" altLang="ja-JP" sz="2800" dirty="0" smtClean="0">
                 <a:latin typeface="+mn-ea"/>
               </a:rPr>
             </a:br>
             <a:r>
+              <a:rPr lang="ja-JP" altLang="en-US" sz="2800" dirty="0" smtClean="0">
+                <a:latin typeface="+mn-ea"/>
+              </a:rPr>
+              <a:t>表示</a:t>
+            </a:r>
+            <a:r>
               <a:rPr lang="ja-JP" altLang="en-US" sz="2800" dirty="0">
                 <a:latin typeface="+mn-ea"/>
               </a:rPr>
-              <a:t>表示する</a:t>
+              <a:t>する</a:t>
             </a:r>
             <a:endParaRPr lang="en-US" altLang="ja-JP" sz="2800" dirty="0">
               <a:latin typeface="+mn-ea"/>
@@ -9869,12 +10192,16 @@
               <a:buNone/>
             </a:pPr>
             <a:r>
-              <a:rPr lang="ja-JP" altLang="en-US" sz="3200" dirty="0"/>
+              <a:rPr lang="ja-JP" altLang="en-US" sz="3200" dirty="0" smtClean="0"/>
               <a:t> </a:t>
             </a:r>
             <a:r>
+              <a:rPr lang="en-US" altLang="ja-JP" sz="3200" dirty="0" smtClean="0"/>
+              <a:t>2</a:t>
+            </a:r>
+            <a:r>
               <a:rPr lang="en-US" altLang="ja-JP" sz="3200" dirty="0"/>
-              <a:t>2. </a:t>
+              <a:t>. </a:t>
             </a:r>
             <a:r>
               <a:rPr lang="ja-JP" altLang="en-US" sz="3200" dirty="0"/>
@@ -9915,7 +10242,7 @@
           <a:p>
             <a:fld id="{140966F5-8C92-1342-8290-4E0F18E5B1BC}" type="datetime1">
               <a:rPr kumimoji="1" lang="ja-JP" altLang="en-US" smtClean="0"/>
-              <a:t>2017/10/26</a:t>
+              <a:t>17/10/26</a:t>
             </a:fld>
             <a:endParaRPr kumimoji="1" lang="ja-JP" altLang="en-US"/>
           </a:p>
@@ -10017,7 +10344,7 @@
   <p:timing>
     <p:tnLst>
       <p:par>
-        <p:cTn id="1" dur="indefinite" restart="never" nodeType="tmRoot">
+        <p:cTn xmlns:p14="http://schemas.microsoft.com/office/powerpoint/2010/main" id="1" dur="indefinite" restart="never" nodeType="tmRoot">
           <p:childTnLst>
             <p:seq concurrent="1" nextAc="seek">
               <p:cTn id="2" dur="indefinite" nodeType="mainSeq">
@@ -10268,12 +10595,16 @@
               <a:buNone/>
             </a:pPr>
             <a:r>
-              <a:rPr lang="ja-JP" altLang="en-US" sz="3200" dirty="0"/>
+              <a:rPr lang="ja-JP" altLang="en-US" sz="3200" dirty="0" smtClean="0"/>
               <a:t> </a:t>
             </a:r>
             <a:r>
+              <a:rPr lang="en-US" altLang="ja-JP" sz="3200" dirty="0" smtClean="0"/>
+              <a:t>4</a:t>
+            </a:r>
+            <a:r>
               <a:rPr lang="en-US" altLang="ja-JP" sz="3200" dirty="0"/>
-              <a:t>4. </a:t>
+              <a:t>. </a:t>
             </a:r>
             <a:r>
               <a:rPr lang="ja-JP" altLang="en-US" sz="3200" dirty="0"/>
@@ -10286,8 +10617,12 @@
               <a:buNone/>
             </a:pPr>
             <a:r>
+              <a:rPr kumimoji="1" lang="ja-JP" altLang="en-US" sz="2800" dirty="0" smtClean="0"/>
+              <a:t> 園内</a:t>
+            </a:r>
+            <a:r>
               <a:rPr kumimoji="1" lang="ja-JP" altLang="en-US" sz="2800" dirty="0"/>
-              <a:t> 園内のマップと現在地の表示を行う</a:t>
+              <a:t>のマップと現在地の表示を行う</a:t>
             </a:r>
           </a:p>
         </p:txBody>
@@ -10309,7 +10644,7 @@
           <a:p>
             <a:fld id="{A37FE4D1-4AD7-F843-AD5F-E02D85C4EC19}" type="datetime1">
               <a:rPr kumimoji="1" lang="ja-JP" altLang="en-US" smtClean="0"/>
-              <a:t>2017/10/26</a:t>
+              <a:t>17/10/26</a:t>
             </a:fld>
             <a:endParaRPr kumimoji="1" lang="ja-JP" altLang="en-US"/>
           </a:p>
@@ -10411,7 +10746,7 @@
   <p:timing>
     <p:tnLst>
       <p:par>
-        <p:cTn id="1" dur="indefinite" restart="never" nodeType="tmRoot">
+        <p:cTn xmlns:p14="http://schemas.microsoft.com/office/powerpoint/2010/main" id="1" dur="indefinite" restart="never" nodeType="tmRoot">
           <p:childTnLst>
             <p:seq concurrent="1" nextAc="seek">
               <p:cTn id="2" dur="indefinite" nodeType="mainSeq">
@@ -10708,7 +11043,7 @@
           <a:p>
             <a:fld id="{0E90A6C9-E8F9-DB4B-B816-2B97E788103C}" type="datetime1">
               <a:rPr kumimoji="1" lang="ja-JP" altLang="en-US" smtClean="0"/>
-              <a:t>2017/10/26</a:t>
+              <a:t>17/10/26</a:t>
             </a:fld>
             <a:endParaRPr kumimoji="1" lang="ja-JP" altLang="en-US"/>
           </a:p>
@@ -10810,7 +11145,7 @@
   <p:timing>
     <p:tnLst>
       <p:par>
-        <p:cTn id="1" dur="indefinite" restart="never" nodeType="tmRoot">
+        <p:cTn xmlns:p14="http://schemas.microsoft.com/office/powerpoint/2010/main" id="1" dur="indefinite" restart="never" nodeType="tmRoot">
           <p:childTnLst>
             <p:seq concurrent="1" nextAc="seek">
               <p:cTn id="2" dur="indefinite" nodeType="mainSeq">
@@ -11008,11 +11343,11 @@
           <a:lstStyle/>
           <a:p>
             <a:r>
-              <a:rPr kumimoji="1" lang="ja-JP" altLang="en-US" sz="4400" dirty="0"/>
+              <a:rPr kumimoji="1" lang="ja-JP" altLang="en-US" sz="4400" dirty="0" smtClean="0"/>
               <a:t>前提</a:t>
             </a:r>
             <a:r>
-              <a:rPr lang="ja-JP" altLang="en-US" sz="4400" dirty="0"/>
+              <a:rPr lang="ja-JP" altLang="en-US" sz="4400" dirty="0" smtClean="0"/>
               <a:t>条件・制約事項</a:t>
             </a:r>
             <a:endParaRPr kumimoji="1" lang="ja-JP" altLang="en-US" sz="4400" dirty="0"/>
@@ -11040,10 +11375,10 @@
               <a:buNone/>
             </a:pPr>
             <a:r>
-              <a:rPr lang="ja-JP" altLang="en-US" sz="3200" dirty="0"/>
+              <a:rPr lang="ja-JP" altLang="en-US" sz="3200" dirty="0" smtClean="0"/>
               <a:t>前提条件</a:t>
             </a:r>
-            <a:endParaRPr lang="en-US" altLang="ja-JP" sz="3200" dirty="0"/>
+            <a:endParaRPr lang="en-US" altLang="ja-JP" sz="3200" dirty="0" smtClean="0"/>
           </a:p>
           <a:p>
             <a:pPr lvl="1">
@@ -11051,19 +11386,39 @@
               <a:buChar char="l"/>
             </a:pPr>
             <a:r>
+              <a:rPr lang="ja-JP" altLang="en-US" sz="3000" dirty="0" smtClean="0"/>
+              <a:t>入場者</a:t>
+            </a:r>
+            <a:r>
               <a:rPr lang="ja-JP" altLang="en-US" sz="3000" dirty="0"/>
-              <a:t>入場者が本システムの使用が可能な端末を</a:t>
+              <a:t>が本システムの使用が可能な端末</a:t>
+            </a:r>
+            <a:r>
+              <a:rPr lang="ja-JP" altLang="en-US" sz="3000" dirty="0" smtClean="0"/>
+              <a:t>を</a:t>
+            </a:r>
+            <a:r>
+              <a:rPr lang="en-US" altLang="ja-JP" sz="3000" dirty="0" smtClean="0"/>
+              <a:t/>
             </a:r>
             <a:br>
-              <a:rPr lang="en-US" altLang="ja-JP" sz="3000" dirty="0"/>
+              <a:rPr lang="en-US" altLang="ja-JP" sz="3000" dirty="0" smtClean="0"/>
             </a:br>
             <a:r>
-              <a:rPr lang="en-US" altLang="ja-JP" sz="3000" dirty="0"/>
+              <a:rPr lang="en-US" altLang="ja-JP" sz="3000" dirty="0" smtClean="0"/>
               <a:t> </a:t>
             </a:r>
             <a:r>
+              <a:rPr lang="ja-JP" altLang="en-US" sz="3000" dirty="0" smtClean="0"/>
+              <a:t>所持</a:t>
+            </a:r>
+            <a:r>
               <a:rPr lang="ja-JP" altLang="en-US" sz="3000" dirty="0"/>
-              <a:t>所持していること</a:t>
+              <a:t>している</a:t>
+            </a:r>
+            <a:r>
+              <a:rPr lang="ja-JP" altLang="en-US" sz="3000" dirty="0" smtClean="0"/>
+              <a:t>こと</a:t>
             </a:r>
             <a:endParaRPr kumimoji="1" lang="en-US" altLang="ja-JP" sz="1200" dirty="0"/>
           </a:p>
@@ -11074,22 +11429,30 @@
             </a:pPr>
             <a:r>
               <a:rPr lang="ja-JP" altLang="en-US" sz="3000" dirty="0"/>
-              <a:t>動物園がネットワーク環境下にあること</a:t>
+              <a:t>動物園がネットワーク環境下にある</a:t>
+            </a:r>
+            <a:r>
+              <a:rPr lang="ja-JP" altLang="en-US" sz="3000" dirty="0" smtClean="0"/>
+              <a:t>こと</a:t>
+            </a:r>
+            <a:r>
+              <a:rPr lang="en-US" altLang="ja-JP" sz="3000" dirty="0" smtClean="0"/>
+              <a:t/>
             </a:r>
             <a:br>
-              <a:rPr lang="en-US" altLang="ja-JP" sz="3000" dirty="0"/>
+              <a:rPr lang="en-US" altLang="ja-JP" sz="3000" dirty="0" smtClean="0"/>
             </a:br>
-            <a:endParaRPr lang="en-US" altLang="ja-JP" sz="3000" dirty="0"/>
+            <a:endParaRPr lang="en-US" altLang="ja-JP" sz="3000" dirty="0" smtClean="0"/>
           </a:p>
           <a:p>
             <a:pPr marL="0" indent="0">
               <a:buNone/>
             </a:pPr>
             <a:r>
-              <a:rPr lang="ja-JP" altLang="en-US" sz="3200" dirty="0"/>
+              <a:rPr lang="ja-JP" altLang="en-US" sz="3200" dirty="0" smtClean="0"/>
               <a:t>制約事項</a:t>
             </a:r>
-            <a:endParaRPr lang="en-US" altLang="ja-JP" sz="3200" dirty="0"/>
+            <a:endParaRPr lang="en-US" altLang="ja-JP" sz="3200" dirty="0" smtClean="0"/>
           </a:p>
           <a:p>
             <a:pPr lvl="1">
@@ -11097,18 +11460,22 @@
               <a:buChar char="l"/>
             </a:pPr>
             <a:r>
-              <a:rPr lang="ja-JP" altLang="en-US" sz="3000" dirty="0"/>
+              <a:rPr lang="ja-JP" altLang="en-US" sz="3000" dirty="0" smtClean="0"/>
               <a:t>入園者が端末に本アプリケーションをインストール</a:t>
             </a:r>
+            <a:r>
+              <a:rPr lang="en-US" altLang="ja-JP" sz="3000" dirty="0" smtClean="0"/>
+              <a:t/>
+            </a:r>
             <a:br>
-              <a:rPr lang="en-US" altLang="ja-JP" sz="3000" dirty="0"/>
+              <a:rPr lang="en-US" altLang="ja-JP" sz="3000" dirty="0" smtClean="0"/>
             </a:br>
             <a:r>
-              <a:rPr lang="en-US" altLang="ja-JP" sz="3000" dirty="0"/>
+              <a:rPr lang="en-US" altLang="ja-JP" sz="3000" dirty="0" smtClean="0"/>
               <a:t> </a:t>
             </a:r>
             <a:r>
-              <a:rPr lang="ja-JP" altLang="en-US" sz="3000" dirty="0"/>
+              <a:rPr lang="ja-JP" altLang="en-US" sz="3000" dirty="0" smtClean="0"/>
               <a:t>していること</a:t>
             </a:r>
           </a:p>
@@ -11117,7 +11484,7 @@
               <a:buFont typeface="Wingdings" panose="05000000000000000000" pitchFamily="2" charset="2"/>
               <a:buChar char="l"/>
             </a:pPr>
-            <a:endParaRPr lang="en-US" altLang="ja-JP" sz="3200" dirty="0"/>
+            <a:endParaRPr lang="en-US" altLang="ja-JP" sz="3200" dirty="0" smtClean="0"/>
           </a:p>
           <a:p>
             <a:pPr>
@@ -11152,7 +11519,7 @@
           <a:p>
             <a:fld id="{0EE8C9C6-4294-0A42-8A70-9BED62565BE7}" type="datetime1">
               <a:rPr kumimoji="1" lang="ja-JP" altLang="en-US" smtClean="0"/>
-              <a:t>2017/10/26</a:t>
+              <a:t>17/10/26</a:t>
             </a:fld>
             <a:endParaRPr kumimoji="1" lang="ja-JP" altLang="en-US"/>
           </a:p>
@@ -11191,6 +11558,13 @@
   <p:clrMapOvr>
     <a:masterClrMapping/>
   </p:clrMapOvr>
+  <p:timing>
+    <p:tnLst>
+      <p:par>
+        <p:cTn xmlns:p14="http://schemas.microsoft.com/office/powerpoint/2010/main" id="1" dur="indefinite" restart="never" nodeType="tmRoot"/>
+      </p:par>
+    </p:tnLst>
+  </p:timing>
 </p:sld>
 </file>
 
@@ -11311,7 +11685,7 @@
           <a:p>
             <a:fld id="{EF995A3B-9AE4-E14B-A379-18F1B269D271}" type="datetime1">
               <a:rPr kumimoji="1" lang="ja-JP" altLang="en-US" smtClean="0"/>
-              <a:t>2017/10/26</a:t>
+              <a:t>17/10/26</a:t>
             </a:fld>
             <a:endParaRPr kumimoji="1" lang="ja-JP" altLang="en-US"/>
           </a:p>
@@ -11378,7 +11752,7 @@
         </p:nvSpPr>
         <p:spPr>
           <a:xfrm>
-            <a:off x="3080873" y="2636958"/>
+            <a:off x="3080873" y="2832999"/>
             <a:ext cx="1941732" cy="304509"/>
           </a:xfrm>
           <a:prstGeom prst="rightArrow">
@@ -11418,7 +11792,7 @@
         </p:nvSpPr>
         <p:spPr>
           <a:xfrm>
-            <a:off x="6822502" y="3116712"/>
+            <a:off x="6822502" y="2812202"/>
             <a:ext cx="1941732" cy="304509"/>
           </a:xfrm>
           <a:prstGeom prst="rightArrow">
@@ -11458,7 +11832,7 @@
         </p:nvSpPr>
         <p:spPr>
           <a:xfrm rot="10800000">
-            <a:off x="3080873" y="3116712"/>
+            <a:off x="3080873" y="2832999"/>
             <a:ext cx="1941732" cy="304509"/>
           </a:xfrm>
           <a:prstGeom prst="rightArrow">
@@ -11498,7 +11872,7 @@
         </p:nvSpPr>
         <p:spPr>
           <a:xfrm rot="10800000">
-            <a:off x="6779932" y="2659948"/>
+            <a:off x="6779932" y="2812202"/>
             <a:ext cx="1941732" cy="304509"/>
           </a:xfrm>
           <a:prstGeom prst="rightArrow">
@@ -11658,7 +12032,7 @@
         </p:nvSpPr>
         <p:spPr>
           <a:xfrm>
-            <a:off x="3354291" y="3529461"/>
+            <a:off x="3354291" y="3108023"/>
             <a:ext cx="1443697" cy="369332"/>
           </a:xfrm>
           <a:prstGeom prst="rect">
@@ -11688,7 +12062,7 @@
         </p:nvSpPr>
         <p:spPr>
           <a:xfrm>
-            <a:off x="3329815" y="2267626"/>
+            <a:off x="3329815" y="2463667"/>
             <a:ext cx="1443697" cy="369332"/>
           </a:xfrm>
           <a:prstGeom prst="rect">
@@ -11747,7 +12121,7 @@
         </p:nvSpPr>
         <p:spPr>
           <a:xfrm>
-            <a:off x="7171125" y="2290616"/>
+            <a:off x="7157221" y="2463667"/>
             <a:ext cx="1443697" cy="369332"/>
           </a:xfrm>
           <a:prstGeom prst="rect">
@@ -11777,7 +12151,7 @@
         </p:nvSpPr>
         <p:spPr>
           <a:xfrm>
-            <a:off x="6995284" y="3525752"/>
+            <a:off x="7157221" y="3108023"/>
             <a:ext cx="1443697" cy="369332"/>
           </a:xfrm>
           <a:prstGeom prst="rect">
@@ -12128,7 +12502,7 @@
         </p:nvSpPr>
         <p:spPr>
           <a:xfrm>
-            <a:off x="7112587" y="3539542"/>
+            <a:off x="7149122" y="2449161"/>
             <a:ext cx="1443697" cy="369332"/>
           </a:xfrm>
           <a:prstGeom prst="rect">
@@ -12143,7 +12517,7 @@
           <a:lstStyle/>
           <a:p>
             <a:r>
-              <a:rPr lang="ja-JP" altLang="en-US" dirty="0"/>
+              <a:rPr lang="ja-JP" altLang="en-US" dirty="0" smtClean="0"/>
               <a:t>新規情報</a:t>
             </a:r>
             <a:endParaRPr kumimoji="1" lang="ja-JP" altLang="en-US" dirty="0"/>
@@ -12196,7 +12570,7 @@
           <a:p>
             <a:pPr algn="ctr"/>
             <a:r>
-              <a:rPr lang="ja-JP" altLang="en-US" dirty="0">
+              <a:rPr lang="ja-JP" altLang="en-US" dirty="0" smtClean="0">
                 <a:solidFill>
                   <a:schemeClr val="tx1"/>
                 </a:solidFill>
@@ -12305,13 +12679,14 @@
           <a:p>
             <a:pPr algn="ctr"/>
             <a:r>
-              <a:rPr kumimoji="1" lang="en-US" altLang="ja-JP" dirty="0"/>
+              <a:rPr kumimoji="1" lang="en-US" altLang="ja-JP" dirty="0" smtClean="0"/>
               <a:t>HTTPS</a:t>
             </a:r>
             <a:r>
-              <a:rPr kumimoji="1" lang="ja-JP" altLang="en-US" dirty="0"/>
+              <a:rPr kumimoji="1" lang="ja-JP" altLang="en-US" dirty="0" smtClean="0"/>
               <a:t>通信</a:t>
             </a:r>
+            <a:endParaRPr kumimoji="1" lang="ja-JP" altLang="en-US" dirty="0"/>
           </a:p>
         </p:txBody>
       </p:sp>
@@ -12328,7 +12703,7 @@
   <p:timing>
     <p:tnLst>
       <p:par>
-        <p:cTn id="1" dur="indefinite" restart="never" nodeType="tmRoot">
+        <p:cTn xmlns:p14="http://schemas.microsoft.com/office/powerpoint/2010/main" id="1" dur="indefinite" restart="never" nodeType="tmRoot">
           <p:childTnLst>
             <p:seq concurrent="1" nextAc="seek">
               <p:cTn id="2" dur="indefinite" nodeType="mainSeq">
@@ -14645,7 +15020,7 @@
   <a:extraClrSchemeLst/>
   <a:extLst>
     <a:ext uri="{05A4C25C-085E-4340-85A3-A5531E510DB2}">
-      <thm15:themeFamily xmlns:thm15="http://schemas.microsoft.com/office/thememl/2012/main" name="Retrospect" id="{5F128B03-DCCA-4EEB-AB3B-CF2899314A46}" vid="{9CC26709-368C-4D72-9060-94E5B3FF3CD6}"/>
+      <thm15:themeFamily xmlns="" xmlns:thm15="http://schemas.microsoft.com/office/thememl/2012/main" name="Retrospect" id="{5F128B03-DCCA-4EEB-AB3B-CF2899314A46}" vid="{9CC26709-368C-4D72-9060-94E5B3FF3CD6}"/>
     </a:ext>
   </a:extLst>
 </a:theme>
@@ -14906,7 +15281,7 @@
   <a:extraClrSchemeLst/>
   <a:extLst>
     <a:ext uri="{05A4C25C-085E-4340-85A3-A5531E510DB2}">
-      <thm15:themeFamily xmlns:thm15="http://schemas.microsoft.com/office/thememl/2012/main" name="Office Theme" id="{62F939B6-93AF-4DB8-9C6B-D6C7DFDC589F}" vid="{4A3C46E8-61CC-4603-A589-7422A47A8E4A}"/>
+      <thm15:themeFamily xmlns="" xmlns:thm15="http://schemas.microsoft.com/office/thememl/2012/main" name="Office Theme" id="{62F939B6-93AF-4DB8-9C6B-D6C7DFDC589F}" vid="{4A3C46E8-61CC-4603-A589-7422A47A8E4A}"/>
     </a:ext>
   </a:extLst>
 </a:theme>
